--- a/Presentation.pptx
+++ b/Presentation.pptx
@@ -7,7 +7,18 @@
   <p:sldIdLst>
     <p:sldId id="257" r:id="rId5"/>
     <p:sldId id="258" r:id="rId6"/>
-    <p:sldId id="259" r:id="rId7"/>
+    <p:sldId id="260" r:id="rId7"/>
+    <p:sldId id="261" r:id="rId8"/>
+    <p:sldId id="262" r:id="rId9"/>
+    <p:sldId id="264" r:id="rId10"/>
+    <p:sldId id="266" r:id="rId11"/>
+    <p:sldId id="265" r:id="rId12"/>
+    <p:sldId id="267" r:id="rId13"/>
+    <p:sldId id="263" r:id="rId14"/>
+    <p:sldId id="268" r:id="rId15"/>
+    <p:sldId id="269" r:id="rId16"/>
+    <p:sldId id="271" r:id="rId17"/>
+    <p:sldId id="270" r:id="rId18"/>
   </p:sldIdLst>
   <p:sldSz cx="12192000" cy="6858000"/>
   <p:notesSz cx="6858000" cy="9144000"/>
@@ -583,7 +594,7 @@
           <a:p>
             <a:fld id="{EA0C0817-A112-4847-8014-A94B7D2A4EA3}" type="datetime1">
               <a:rPr lang="en-US" smtClean="0"/>
-              <a:t>10/24/2021</a:t>
+              <a:t>10/28/2021</a:t>
             </a:fld>
             <a:endParaRPr lang="en-US" dirty="0"/>
           </a:p>
@@ -785,7 +796,7 @@
           <a:p>
             <a:fld id="{7332B432-ACDA-4023-A761-2BAB76577B62}" type="datetime1">
               <a:rPr lang="en-US" smtClean="0"/>
-              <a:t>10/24/2021</a:t>
+              <a:t>10/28/2021</a:t>
             </a:fld>
             <a:endParaRPr lang="en-US" dirty="0"/>
           </a:p>
@@ -1384,7 +1395,7 @@
           <a:p>
             <a:fld id="{D9C646AA-F36E-4540-911D-FFFC0A0EF24A}" type="datetime1">
               <a:rPr lang="en-US" smtClean="0"/>
-              <a:t>10/24/2021</a:t>
+              <a:t>10/28/2021</a:t>
             </a:fld>
             <a:endParaRPr lang="en-US" dirty="0"/>
           </a:p>
@@ -1704,7 +1715,7 @@
           <a:p>
             <a:fld id="{69186D26-FA5F-4637-B602-B7C2DC34CFD4}" type="datetime1">
               <a:rPr lang="en-US" smtClean="0"/>
-              <a:t>10/24/2021</a:t>
+              <a:t>10/28/2021</a:t>
             </a:fld>
             <a:endParaRPr lang="en-US" dirty="0"/>
           </a:p>
@@ -2141,7 +2152,7 @@
           <a:p>
             <a:fld id="{8A7F15D8-96D1-4781-BC50-CA8A088B2FE4}" type="datetime1">
               <a:rPr lang="en-US" smtClean="0"/>
-              <a:t>10/24/2021</a:t>
+              <a:t>10/28/2021</a:t>
             </a:fld>
             <a:endParaRPr lang="en-US" dirty="0"/>
           </a:p>
@@ -2259,7 +2270,7 @@
           <a:p>
             <a:fld id="{F9A96C99-B8F8-4528-BD05-0E16E943DC09}" type="datetime1">
               <a:rPr lang="en-US" smtClean="0"/>
-              <a:t>10/24/2021</a:t>
+              <a:t>10/28/2021</a:t>
             </a:fld>
             <a:endParaRPr lang="en-US" dirty="0"/>
           </a:p>
@@ -2354,7 +2365,7 @@
           <a:p>
             <a:fld id="{03636942-C211-4B28-8DBD-C953E00AF71B}" type="datetime1">
               <a:rPr lang="en-US" smtClean="0"/>
-              <a:t>10/24/2021</a:t>
+              <a:t>10/28/2021</a:t>
             </a:fld>
             <a:endParaRPr lang="en-US" dirty="0"/>
           </a:p>
@@ -2771,7 +2782,7 @@
           <a:p>
             <a:fld id="{7E8D12A6-918A-48BD-8CB9-CA713993B0EA}" type="datetime1">
               <a:rPr lang="en-US" smtClean="0"/>
-              <a:t>10/24/2021</a:t>
+              <a:t>10/28/2021</a:t>
             </a:fld>
             <a:endParaRPr lang="en-US" dirty="0"/>
           </a:p>
@@ -3033,7 +3044,7 @@
             <a:fld id="{E778CE86-875F-4587-BCF6-FA054AFC0D53}" type="datetime1">
               <a:rPr lang="en-US" smtClean="0"/>
               <a:pPr/>
-              <a:t>10/24/2021</a:t>
+              <a:t>10/28/2021</a:t>
             </a:fld>
             <a:endParaRPr lang="en-US" dirty="0"/>
           </a:p>
@@ -3549,7 +3560,7 @@
           <a:p>
             <a:fld id="{F6FA2B21-3FCD-4721-B95C-427943F61125}" type="datetime1">
               <a:rPr lang="en-US" smtClean="0"/>
-              <a:t>10/24/2021</a:t>
+              <a:t>10/28/2021</a:t>
             </a:fld>
             <a:endParaRPr lang="en-US" dirty="0"/>
           </a:p>
@@ -4274,6 +4285,626 @@
 </p:sld>
 </file>
 
+<file path=ppt/slides/slide10.xml><?xml version="1.0" encoding="utf-8"?>
+<p:sld xmlns:a="http://schemas.openxmlformats.org/drawingml/2006/main" xmlns:r="http://schemas.openxmlformats.org/officeDocument/2006/relationships" xmlns:p="http://schemas.openxmlformats.org/presentationml/2006/main">
+  <p:cSld>
+    <p:spTree>
+      <p:nvGrpSpPr>
+        <p:cNvPr id="1" name=""/>
+        <p:cNvGrpSpPr/>
+        <p:nvPr/>
+      </p:nvGrpSpPr>
+      <p:grpSpPr>
+        <a:xfrm>
+          <a:off x="0" y="0"/>
+          <a:ext cx="0" cy="0"/>
+          <a:chOff x="0" y="0"/>
+          <a:chExt cx="0" cy="0"/>
+        </a:xfrm>
+      </p:grpSpPr>
+      <p:pic>
+        <p:nvPicPr>
+          <p:cNvPr id="7" name="Picture 6" descr="Text&#10;&#10;Description automatically generated">
+            <a:extLst>
+              <a:ext uri="{FF2B5EF4-FFF2-40B4-BE49-F238E27FC236}">
+                <a16:creationId xmlns:a16="http://schemas.microsoft.com/office/drawing/2014/main" id="{9DA386CA-5954-4D0D-8B9E-7F9533315357}"/>
+              </a:ext>
+            </a:extLst>
+          </p:cNvPr>
+          <p:cNvPicPr>
+            <a:picLocks noChangeAspect="1"/>
+          </p:cNvPicPr>
+          <p:nvPr/>
+        </p:nvPicPr>
+        <p:blipFill>
+          <a:blip r:embed="rId2"/>
+          <a:stretch>
+            <a:fillRect/>
+          </a:stretch>
+        </p:blipFill>
+        <p:spPr>
+          <a:xfrm>
+            <a:off x="2282951" y="603504"/>
+            <a:ext cx="7626097" cy="5650992"/>
+          </a:xfrm>
+          <a:prstGeom prst="rect">
+            <a:avLst/>
+          </a:prstGeom>
+        </p:spPr>
+      </p:pic>
+    </p:spTree>
+    <p:extLst>
+      <p:ext uri="{BB962C8B-B14F-4D97-AF65-F5344CB8AC3E}">
+        <p14:creationId xmlns:p14="http://schemas.microsoft.com/office/powerpoint/2010/main" val="1328259601"/>
+      </p:ext>
+    </p:extLst>
+  </p:cSld>
+  <p:clrMapOvr>
+    <a:masterClrMapping/>
+  </p:clrMapOvr>
+</p:sld>
+</file>
+
+<file path=ppt/slides/slide11.xml><?xml version="1.0" encoding="utf-8"?>
+<p:sld xmlns:a="http://schemas.openxmlformats.org/drawingml/2006/main" xmlns:r="http://schemas.openxmlformats.org/officeDocument/2006/relationships" xmlns:p="http://schemas.openxmlformats.org/presentationml/2006/main">
+  <p:cSld>
+    <p:spTree>
+      <p:nvGrpSpPr>
+        <p:cNvPr id="1" name=""/>
+        <p:cNvGrpSpPr/>
+        <p:nvPr/>
+      </p:nvGrpSpPr>
+      <p:grpSpPr>
+        <a:xfrm>
+          <a:off x="0" y="0"/>
+          <a:ext cx="0" cy="0"/>
+          <a:chOff x="0" y="0"/>
+          <a:chExt cx="0" cy="0"/>
+        </a:xfrm>
+      </p:grpSpPr>
+      <p:sp>
+        <p:nvSpPr>
+          <p:cNvPr id="2" name="Title 1">
+            <a:extLst>
+              <a:ext uri="{FF2B5EF4-FFF2-40B4-BE49-F238E27FC236}">
+                <a16:creationId xmlns:a16="http://schemas.microsoft.com/office/drawing/2014/main" id="{2ED13A6D-8E3D-4C3E-B07A-03EA7609E1EE}"/>
+              </a:ext>
+            </a:extLst>
+          </p:cNvPr>
+          <p:cNvSpPr>
+            <a:spLocks noGrp="1"/>
+          </p:cNvSpPr>
+          <p:nvPr>
+            <p:ph type="title"/>
+          </p:nvPr>
+        </p:nvSpPr>
+        <p:spPr/>
+        <p:txBody>
+          <a:bodyPr/>
+          <a:lstStyle/>
+          <a:p>
+            <a:r>
+              <a:rPr lang="en-US" dirty="0"/>
+              <a:t>Main.java</a:t>
+            </a:r>
+          </a:p>
+        </p:txBody>
+      </p:sp>
+      <p:sp>
+        <p:nvSpPr>
+          <p:cNvPr id="3" name="Content Placeholder 2">
+            <a:extLst>
+              <a:ext uri="{FF2B5EF4-FFF2-40B4-BE49-F238E27FC236}">
+                <a16:creationId xmlns:a16="http://schemas.microsoft.com/office/drawing/2014/main" id="{C57339D2-5397-44C0-ABB8-343E8381A74E}"/>
+              </a:ext>
+            </a:extLst>
+          </p:cNvPr>
+          <p:cNvSpPr>
+            <a:spLocks noGrp="1"/>
+          </p:cNvSpPr>
+          <p:nvPr>
+            <p:ph idx="1"/>
+          </p:nvPr>
+        </p:nvSpPr>
+        <p:spPr/>
+        <p:txBody>
+          <a:bodyPr>
+            <a:normAutofit/>
+          </a:bodyPr>
+          <a:lstStyle/>
+          <a:p>
+            <a:r>
+              <a:rPr lang="en-US" sz="2400" dirty="0"/>
+              <a:t>Our main class is the simplest, serving only as a driver for the other two classes.</a:t>
+            </a:r>
+          </a:p>
+          <a:p>
+            <a:r>
+              <a:rPr lang="en-US" sz="2400" dirty="0"/>
+              <a:t>The database name, port, username, and password, provided by the user as command line arguments, are fed into a new </a:t>
+            </a:r>
+            <a:r>
+              <a:rPr lang="en-US" sz="2400" dirty="0" err="1">
+                <a:latin typeface="Courier New" panose="02070309020205020404" pitchFamily="49" charset="0"/>
+                <a:cs typeface="Courier New" panose="02070309020205020404" pitchFamily="49" charset="0"/>
+              </a:rPr>
+              <a:t>DatabaseGui</a:t>
+            </a:r>
+            <a:r>
+              <a:rPr lang="en-US" sz="2400" dirty="0"/>
+              <a:t> object.</a:t>
+            </a:r>
+          </a:p>
+        </p:txBody>
+      </p:sp>
+    </p:spTree>
+    <p:extLst>
+      <p:ext uri="{BB962C8B-B14F-4D97-AF65-F5344CB8AC3E}">
+        <p14:creationId xmlns:p14="http://schemas.microsoft.com/office/powerpoint/2010/main" val="795029281"/>
+      </p:ext>
+    </p:extLst>
+  </p:cSld>
+  <p:clrMapOvr>
+    <a:masterClrMapping/>
+  </p:clrMapOvr>
+</p:sld>
+</file>
+
+<file path=ppt/slides/slide12.xml><?xml version="1.0" encoding="utf-8"?>
+<p:sld xmlns:a="http://schemas.openxmlformats.org/drawingml/2006/main" xmlns:r="http://schemas.openxmlformats.org/officeDocument/2006/relationships" xmlns:p="http://schemas.openxmlformats.org/presentationml/2006/main">
+  <p:cSld>
+    <p:spTree>
+      <p:nvGrpSpPr>
+        <p:cNvPr id="1" name=""/>
+        <p:cNvGrpSpPr/>
+        <p:nvPr/>
+      </p:nvGrpSpPr>
+      <p:grpSpPr>
+        <a:xfrm>
+          <a:off x="0" y="0"/>
+          <a:ext cx="0" cy="0"/>
+          <a:chOff x="0" y="0"/>
+          <a:chExt cx="0" cy="0"/>
+        </a:xfrm>
+      </p:grpSpPr>
+      <p:pic>
+        <p:nvPicPr>
+          <p:cNvPr id="5" name="Picture 4" descr="Table&#10;&#10;Description automatically generated">
+            <a:extLst>
+              <a:ext uri="{FF2B5EF4-FFF2-40B4-BE49-F238E27FC236}">
+                <a16:creationId xmlns:a16="http://schemas.microsoft.com/office/drawing/2014/main" id="{166DEBF1-F23B-43AE-B535-2B7D82DF33B2}"/>
+              </a:ext>
+            </a:extLst>
+          </p:cNvPr>
+          <p:cNvPicPr>
+            <a:picLocks noChangeAspect="1"/>
+          </p:cNvPicPr>
+          <p:nvPr/>
+        </p:nvPicPr>
+        <p:blipFill>
+          <a:blip r:embed="rId2"/>
+          <a:stretch>
+            <a:fillRect/>
+          </a:stretch>
+        </p:blipFill>
+        <p:spPr>
+          <a:xfrm>
+            <a:off x="228599" y="325481"/>
+            <a:ext cx="7696201" cy="6207038"/>
+          </a:xfrm>
+          <a:prstGeom prst="rect">
+            <a:avLst/>
+          </a:prstGeom>
+          <a:noFill/>
+          <a:ln>
+            <a:noFill/>
+          </a:ln>
+        </p:spPr>
+      </p:pic>
+      <p:sp>
+        <p:nvSpPr>
+          <p:cNvPr id="10" name="Title 2">
+            <a:extLst>
+              <a:ext uri="{FF2B5EF4-FFF2-40B4-BE49-F238E27FC236}">
+                <a16:creationId xmlns:a16="http://schemas.microsoft.com/office/drawing/2014/main" id="{3CE1AAFB-2FB1-4A07-98C7-807C4E9A78D3}"/>
+              </a:ext>
+            </a:extLst>
+          </p:cNvPr>
+          <p:cNvSpPr>
+            <a:spLocks noGrp="1"/>
+          </p:cNvSpPr>
+          <p:nvPr>
+            <p:ph type="title"/>
+          </p:nvPr>
+        </p:nvSpPr>
+        <p:spPr>
+          <a:xfrm>
+            <a:off x="8477250" y="603504"/>
+            <a:ext cx="3144774" cy="1645920"/>
+          </a:xfrm>
+        </p:spPr>
+        <p:txBody>
+          <a:bodyPr/>
+          <a:lstStyle/>
+          <a:p>
+            <a:r>
+              <a:rPr lang="en-US" dirty="0"/>
+              <a:t>Interface</a:t>
+            </a:r>
+          </a:p>
+        </p:txBody>
+      </p:sp>
+      <p:sp>
+        <p:nvSpPr>
+          <p:cNvPr id="12" name="Text Placeholder 3">
+            <a:extLst>
+              <a:ext uri="{FF2B5EF4-FFF2-40B4-BE49-F238E27FC236}">
+                <a16:creationId xmlns:a16="http://schemas.microsoft.com/office/drawing/2014/main" id="{236BB1C8-2243-4A28-A45E-949FF739F6E1}"/>
+              </a:ext>
+            </a:extLst>
+          </p:cNvPr>
+          <p:cNvSpPr>
+            <a:spLocks noGrp="1"/>
+          </p:cNvSpPr>
+          <p:nvPr>
+            <p:ph type="body" sz="half" idx="2"/>
+          </p:nvPr>
+        </p:nvSpPr>
+        <p:spPr>
+          <a:xfrm>
+            <a:off x="8477250" y="2386584"/>
+            <a:ext cx="3144774" cy="3511296"/>
+          </a:xfrm>
+        </p:spPr>
+        <p:txBody>
+          <a:bodyPr/>
+          <a:lstStyle/>
+          <a:p>
+            <a:pPr marL="285750" indent="-285750">
+              <a:buFont typeface="Arial" panose="020B0604020202020204" pitchFamily="34" charset="0"/>
+              <a:buChar char="•"/>
+            </a:pPr>
+            <a:r>
+              <a:rPr lang="en-US" dirty="0"/>
+              <a:t>To the right is the first screen users see when opening our application.</a:t>
+            </a:r>
+          </a:p>
+          <a:p>
+            <a:pPr marL="285750" indent="-285750">
+              <a:buFont typeface="Arial" panose="020B0604020202020204" pitchFamily="34" charset="0"/>
+              <a:buChar char="•"/>
+            </a:pPr>
+            <a:r>
+              <a:rPr lang="en-US" dirty="0"/>
+              <a:t>The entirety of the book table (as much as will fit on screen, at least) is displayed by default.</a:t>
+            </a:r>
+          </a:p>
+        </p:txBody>
+      </p:sp>
+    </p:spTree>
+    <p:extLst>
+      <p:ext uri="{BB962C8B-B14F-4D97-AF65-F5344CB8AC3E}">
+        <p14:creationId xmlns:p14="http://schemas.microsoft.com/office/powerpoint/2010/main" val="1123567119"/>
+      </p:ext>
+    </p:extLst>
+  </p:cSld>
+  <p:clrMapOvr>
+    <a:masterClrMapping/>
+  </p:clrMapOvr>
+</p:sld>
+</file>
+
+<file path=ppt/slides/slide13.xml><?xml version="1.0" encoding="utf-8"?>
+<p:sld xmlns:a="http://schemas.openxmlformats.org/drawingml/2006/main" xmlns:r="http://schemas.openxmlformats.org/officeDocument/2006/relationships" xmlns:p="http://schemas.openxmlformats.org/presentationml/2006/main">
+  <p:cSld>
+    <p:spTree>
+      <p:nvGrpSpPr>
+        <p:cNvPr id="1" name=""/>
+        <p:cNvGrpSpPr/>
+        <p:nvPr/>
+      </p:nvGrpSpPr>
+      <p:grpSpPr>
+        <a:xfrm>
+          <a:off x="0" y="0"/>
+          <a:ext cx="0" cy="0"/>
+          <a:chOff x="0" y="0"/>
+          <a:chExt cx="0" cy="0"/>
+        </a:xfrm>
+      </p:grpSpPr>
+      <p:pic>
+        <p:nvPicPr>
+          <p:cNvPr id="3" name="Picture 2" descr="Table&#10;&#10;Description automatically generated">
+            <a:extLst>
+              <a:ext uri="{FF2B5EF4-FFF2-40B4-BE49-F238E27FC236}">
+                <a16:creationId xmlns:a16="http://schemas.microsoft.com/office/drawing/2014/main" id="{2BB4C670-E16A-49BF-B6D0-EA2CD89F8B68}"/>
+              </a:ext>
+            </a:extLst>
+          </p:cNvPr>
+          <p:cNvPicPr>
+            <a:picLocks noChangeAspect="1"/>
+          </p:cNvPicPr>
+          <p:nvPr/>
+        </p:nvPicPr>
+        <p:blipFill>
+          <a:blip r:embed="rId2"/>
+          <a:stretch>
+            <a:fillRect/>
+          </a:stretch>
+        </p:blipFill>
+        <p:spPr>
+          <a:xfrm>
+            <a:off x="228599" y="325481"/>
+            <a:ext cx="7696201" cy="6207038"/>
+          </a:xfrm>
+          <a:prstGeom prst="rect">
+            <a:avLst/>
+          </a:prstGeom>
+          <a:noFill/>
+          <a:ln>
+            <a:noFill/>
+          </a:ln>
+        </p:spPr>
+      </p:pic>
+      <p:sp>
+        <p:nvSpPr>
+          <p:cNvPr id="8" name="Title 2">
+            <a:extLst>
+              <a:ext uri="{FF2B5EF4-FFF2-40B4-BE49-F238E27FC236}">
+                <a16:creationId xmlns:a16="http://schemas.microsoft.com/office/drawing/2014/main" id="{E0BF0C5C-3279-4C17-938C-149F82ABA7BD}"/>
+              </a:ext>
+            </a:extLst>
+          </p:cNvPr>
+          <p:cNvSpPr>
+            <a:spLocks noGrp="1"/>
+          </p:cNvSpPr>
+          <p:nvPr>
+            <p:ph type="title"/>
+          </p:nvPr>
+        </p:nvSpPr>
+        <p:spPr>
+          <a:xfrm>
+            <a:off x="8477250" y="603504"/>
+            <a:ext cx="3144774" cy="1645920"/>
+          </a:xfrm>
+        </p:spPr>
+        <p:txBody>
+          <a:bodyPr/>
+          <a:lstStyle/>
+          <a:p>
+            <a:r>
+              <a:rPr lang="en-US" dirty="0"/>
+              <a:t>Interface Functionality</a:t>
+            </a:r>
+          </a:p>
+        </p:txBody>
+      </p:sp>
+      <p:sp>
+        <p:nvSpPr>
+          <p:cNvPr id="10" name="Text Placeholder 3">
+            <a:extLst>
+              <a:ext uri="{FF2B5EF4-FFF2-40B4-BE49-F238E27FC236}">
+                <a16:creationId xmlns:a16="http://schemas.microsoft.com/office/drawing/2014/main" id="{DB07E0A1-0052-4F6E-8DAE-3A60E51E1494}"/>
+              </a:ext>
+            </a:extLst>
+          </p:cNvPr>
+          <p:cNvSpPr>
+            <a:spLocks noGrp="1"/>
+          </p:cNvSpPr>
+          <p:nvPr>
+            <p:ph type="body" sz="half" idx="2"/>
+          </p:nvPr>
+        </p:nvSpPr>
+        <p:spPr>
+          <a:xfrm>
+            <a:off x="8477250" y="2386584"/>
+            <a:ext cx="3144774" cy="3511296"/>
+          </a:xfrm>
+        </p:spPr>
+        <p:txBody>
+          <a:bodyPr/>
+          <a:lstStyle/>
+          <a:p>
+            <a:pPr marL="285750" indent="-285750">
+              <a:buFont typeface="Arial" panose="020B0604020202020204" pitchFamily="34" charset="0"/>
+              <a:buChar char="•"/>
+            </a:pPr>
+            <a:r>
+              <a:rPr lang="en-US" dirty="0"/>
+              <a:t>To demonstrate the functionality of our user interface, we’ll use question four from the </a:t>
+            </a:r>
+            <a:r>
+              <a:rPr lang="en-US" dirty="0">
+                <a:latin typeface="Courier New" panose="02070309020205020404" pitchFamily="49" charset="0"/>
+                <a:cs typeface="Courier New" panose="02070309020205020404" pitchFamily="49" charset="0"/>
+              </a:rPr>
+              <a:t>sql.txt</a:t>
+            </a:r>
+            <a:r>
+              <a:rPr lang="en-US" dirty="0"/>
+              <a:t> assignment.</a:t>
+            </a:r>
+          </a:p>
+          <a:p>
+            <a:pPr marL="285750" indent="-285750">
+              <a:buFont typeface="Arial" panose="020B0604020202020204" pitchFamily="34" charset="0"/>
+              <a:buChar char="•"/>
+            </a:pPr>
+            <a:r>
+              <a:rPr lang="en-US" dirty="0"/>
+              <a:t>This question is rather simple: “Show the title of books which have more than 10 units in stock.”</a:t>
+            </a:r>
+          </a:p>
+        </p:txBody>
+      </p:sp>
+    </p:spTree>
+    <p:extLst>
+      <p:ext uri="{BB962C8B-B14F-4D97-AF65-F5344CB8AC3E}">
+        <p14:creationId xmlns:p14="http://schemas.microsoft.com/office/powerpoint/2010/main" val="3370288066"/>
+      </p:ext>
+    </p:extLst>
+  </p:cSld>
+  <p:clrMapOvr>
+    <a:masterClrMapping/>
+  </p:clrMapOvr>
+</p:sld>
+</file>
+
+<file path=ppt/slides/slide14.xml><?xml version="1.0" encoding="utf-8"?>
+<p:sld xmlns:a="http://schemas.openxmlformats.org/drawingml/2006/main" xmlns:r="http://schemas.openxmlformats.org/officeDocument/2006/relationships" xmlns:p="http://schemas.openxmlformats.org/presentationml/2006/main">
+  <p:cSld>
+    <p:spTree>
+      <p:nvGrpSpPr>
+        <p:cNvPr id="1" name=""/>
+        <p:cNvGrpSpPr/>
+        <p:nvPr/>
+      </p:nvGrpSpPr>
+      <p:grpSpPr>
+        <a:xfrm>
+          <a:off x="0" y="0"/>
+          <a:ext cx="0" cy="0"/>
+          <a:chOff x="0" y="0"/>
+          <a:chExt cx="0" cy="0"/>
+        </a:xfrm>
+      </p:grpSpPr>
+      <p:pic>
+        <p:nvPicPr>
+          <p:cNvPr id="3" name="Picture 2" descr="Graphical user interface, text, application, email&#10;&#10;Description automatically generated">
+            <a:extLst>
+              <a:ext uri="{FF2B5EF4-FFF2-40B4-BE49-F238E27FC236}">
+                <a16:creationId xmlns:a16="http://schemas.microsoft.com/office/drawing/2014/main" id="{099283B2-CB4A-4544-90E5-D59E4D71F323}"/>
+              </a:ext>
+            </a:extLst>
+          </p:cNvPr>
+          <p:cNvPicPr>
+            <a:picLocks noChangeAspect="1"/>
+          </p:cNvPicPr>
+          <p:nvPr/>
+        </p:nvPicPr>
+        <p:blipFill>
+          <a:blip r:embed="rId2"/>
+          <a:stretch>
+            <a:fillRect/>
+          </a:stretch>
+        </p:blipFill>
+        <p:spPr>
+          <a:xfrm>
+            <a:off x="228599" y="325481"/>
+            <a:ext cx="7696201" cy="6207038"/>
+          </a:xfrm>
+          <a:prstGeom prst="rect">
+            <a:avLst/>
+          </a:prstGeom>
+          <a:noFill/>
+          <a:ln>
+            <a:noFill/>
+          </a:ln>
+        </p:spPr>
+      </p:pic>
+      <p:sp>
+        <p:nvSpPr>
+          <p:cNvPr id="8" name="Title 2">
+            <a:extLst>
+              <a:ext uri="{FF2B5EF4-FFF2-40B4-BE49-F238E27FC236}">
+                <a16:creationId xmlns:a16="http://schemas.microsoft.com/office/drawing/2014/main" id="{34A07121-310C-4C9D-BDB1-79EF0B201489}"/>
+              </a:ext>
+            </a:extLst>
+          </p:cNvPr>
+          <p:cNvSpPr>
+            <a:spLocks noGrp="1"/>
+          </p:cNvSpPr>
+          <p:nvPr>
+            <p:ph type="title"/>
+          </p:nvPr>
+        </p:nvSpPr>
+        <p:spPr>
+          <a:xfrm>
+            <a:off x="8477250" y="603504"/>
+            <a:ext cx="3144774" cy="1645920"/>
+          </a:xfrm>
+        </p:spPr>
+        <p:txBody>
+          <a:bodyPr/>
+          <a:lstStyle/>
+          <a:p>
+            <a:r>
+              <a:rPr lang="en-US" dirty="0"/>
+              <a:t>Interface Functionality (Cont.)</a:t>
+            </a:r>
+          </a:p>
+        </p:txBody>
+      </p:sp>
+      <p:sp>
+        <p:nvSpPr>
+          <p:cNvPr id="10" name="Text Placeholder 3">
+            <a:extLst>
+              <a:ext uri="{FF2B5EF4-FFF2-40B4-BE49-F238E27FC236}">
+                <a16:creationId xmlns:a16="http://schemas.microsoft.com/office/drawing/2014/main" id="{1A719C72-3D8B-4851-8ABF-CE8B59F7792C}"/>
+              </a:ext>
+            </a:extLst>
+          </p:cNvPr>
+          <p:cNvSpPr>
+            <a:spLocks noGrp="1"/>
+          </p:cNvSpPr>
+          <p:nvPr>
+            <p:ph type="body" sz="half" idx="2"/>
+          </p:nvPr>
+        </p:nvSpPr>
+        <p:spPr>
+          <a:xfrm>
+            <a:off x="8477250" y="2386584"/>
+            <a:ext cx="3144774" cy="3511296"/>
+          </a:xfrm>
+        </p:spPr>
+        <p:txBody>
+          <a:bodyPr>
+            <a:normAutofit fontScale="92500" lnSpcReduction="10000"/>
+          </a:bodyPr>
+          <a:lstStyle/>
+          <a:p>
+            <a:pPr marL="285750" indent="-285750">
+              <a:buFont typeface="Arial" panose="020B0604020202020204" pitchFamily="34" charset="0"/>
+              <a:buChar char="•"/>
+            </a:pPr>
+            <a:r>
+              <a:rPr lang="en-US" dirty="0"/>
+              <a:t>As you can see, the result table updates to reflect the outcome of the query.</a:t>
+            </a:r>
+          </a:p>
+          <a:p>
+            <a:pPr marL="285750" indent="-285750">
+              <a:buFont typeface="Arial" panose="020B0604020202020204" pitchFamily="34" charset="0"/>
+              <a:buChar char="•"/>
+            </a:pPr>
+            <a:r>
+              <a:rPr lang="en-US" dirty="0"/>
+              <a:t>This result is the same result we received using IntelliJ’s database console.</a:t>
+            </a:r>
+          </a:p>
+          <a:p>
+            <a:pPr marL="285750" indent="-285750">
+              <a:buFont typeface="Arial" panose="020B0604020202020204" pitchFamily="34" charset="0"/>
+              <a:buChar char="•"/>
+            </a:pPr>
+            <a:r>
+              <a:rPr lang="en-US" dirty="0"/>
+              <a:t>This result was also verified by comparing it to the original data provided.</a:t>
+            </a:r>
+          </a:p>
+        </p:txBody>
+      </p:sp>
+    </p:spTree>
+    <p:extLst>
+      <p:ext uri="{BB962C8B-B14F-4D97-AF65-F5344CB8AC3E}">
+        <p14:creationId xmlns:p14="http://schemas.microsoft.com/office/powerpoint/2010/main" val="3783831986"/>
+      </p:ext>
+    </p:extLst>
+  </p:cSld>
+  <p:clrMapOvr>
+    <a:masterClrMapping/>
+  </p:clrMapOvr>
+</p:sld>
+</file>
+
 <file path=ppt/slides/slide2.xml><?xml version="1.0" encoding="utf-8"?>
 <p:sld xmlns:a="http://schemas.openxmlformats.org/drawingml/2006/main" xmlns:r="http://schemas.openxmlformats.org/officeDocument/2006/relationships" xmlns:p="http://schemas.openxmlformats.org/presentationml/2006/main">
   <p:cSld>
@@ -4357,6 +4988,16 @@
             <a:r>
               <a:rPr lang="en-US" sz="2400" dirty="0"/>
               <a:t>Other design choices, if any</a:t>
+            </a:r>
+          </a:p>
+          <a:p>
+            <a:r>
+              <a:rPr lang="en-US" sz="2400" dirty="0">
+                <a:solidFill>
+                  <a:srgbClr val="FF0000"/>
+                </a:solidFill>
+              </a:rPr>
+              <a:t>Delete this slide once above slides are done.</a:t>
             </a:r>
           </a:p>
         </p:txBody>
@@ -4391,12 +5032,76 @@
           <a:chExt cx="0" cy="0"/>
         </a:xfrm>
       </p:grpSpPr>
+      <p:pic>
+        <p:nvPicPr>
+          <p:cNvPr id="5" name="Content Placeholder 4" descr="Diagram&#10;&#10;Description automatically generated">
+            <a:extLst>
+              <a:ext uri="{FF2B5EF4-FFF2-40B4-BE49-F238E27FC236}">
+                <a16:creationId xmlns:a16="http://schemas.microsoft.com/office/drawing/2014/main" id="{D06BF12F-DA46-4F34-AEA9-F8A2AABB395F}"/>
+              </a:ext>
+            </a:extLst>
+          </p:cNvPr>
+          <p:cNvPicPr>
+            <a:picLocks noGrp="1" noChangeAspect="1"/>
+          </p:cNvPicPr>
+          <p:nvPr>
+            <p:ph idx="1"/>
+          </p:nvPr>
+        </p:nvPicPr>
+        <p:blipFill>
+          <a:blip r:embed="rId2"/>
+          <a:stretch>
+            <a:fillRect/>
+          </a:stretch>
+        </p:blipFill>
+        <p:spPr>
+          <a:xfrm>
+            <a:off x="792003" y="605313"/>
+            <a:ext cx="10607993" cy="5647373"/>
+          </a:xfrm>
+          <a:ln>
+            <a:solidFill>
+              <a:schemeClr val="tx1"/>
+            </a:solidFill>
+          </a:ln>
+        </p:spPr>
+      </p:pic>
+    </p:spTree>
+    <p:extLst>
+      <p:ext uri="{BB962C8B-B14F-4D97-AF65-F5344CB8AC3E}">
+        <p14:creationId xmlns:p14="http://schemas.microsoft.com/office/powerpoint/2010/main" val="3874626660"/>
+      </p:ext>
+    </p:extLst>
+  </p:cSld>
+  <p:clrMapOvr>
+    <a:masterClrMapping/>
+  </p:clrMapOvr>
+</p:sld>
+</file>
+
+<file path=ppt/slides/slide4.xml><?xml version="1.0" encoding="utf-8"?>
+<p:sld xmlns:a="http://schemas.openxmlformats.org/drawingml/2006/main" xmlns:r="http://schemas.openxmlformats.org/officeDocument/2006/relationships" xmlns:p="http://schemas.openxmlformats.org/presentationml/2006/main">
+  <p:cSld>
+    <p:spTree>
+      <p:nvGrpSpPr>
+        <p:cNvPr id="1" name=""/>
+        <p:cNvGrpSpPr/>
+        <p:nvPr/>
+      </p:nvGrpSpPr>
+      <p:grpSpPr>
+        <a:xfrm>
+          <a:off x="0" y="0"/>
+          <a:ext cx="0" cy="0"/>
+          <a:chOff x="0" y="0"/>
+          <a:chExt cx="0" cy="0"/>
+        </a:xfrm>
+      </p:grpSpPr>
       <p:sp>
         <p:nvSpPr>
           <p:cNvPr id="2" name="Title 1">
             <a:extLst>
               <a:ext uri="{FF2B5EF4-FFF2-40B4-BE49-F238E27FC236}">
-                <a16:creationId xmlns:a16="http://schemas.microsoft.com/office/drawing/2014/main" id="{A65C8C6F-628D-4560-B588-713B0A59B376}"/>
+                <a16:creationId xmlns:a16="http://schemas.microsoft.com/office/drawing/2014/main" id="{11C653B0-0659-4862-B0C1-0A4F23A3239C}"/>
               </a:ext>
             </a:extLst>
           </p:cNvPr>
@@ -4414,7 +5119,7 @@
           <a:p>
             <a:r>
               <a:rPr lang="en-US" dirty="0"/>
-              <a:t>Our Application</a:t>
+              <a:t>Primary Keys</a:t>
             </a:r>
           </a:p>
         </p:txBody>
@@ -4424,7 +5129,568 @@
           <p:cNvPr id="3" name="Content Placeholder 2">
             <a:extLst>
               <a:ext uri="{FF2B5EF4-FFF2-40B4-BE49-F238E27FC236}">
-                <a16:creationId xmlns:a16="http://schemas.microsoft.com/office/drawing/2014/main" id="{2BF723D1-D256-4102-A0AF-1C13EA6B8139}"/>
+                <a16:creationId xmlns:a16="http://schemas.microsoft.com/office/drawing/2014/main" id="{AF7BF1D0-B8F3-4663-9BA8-91413E1AB770}"/>
+              </a:ext>
+            </a:extLst>
+          </p:cNvPr>
+          <p:cNvSpPr>
+            <a:spLocks noGrp="1"/>
+          </p:cNvSpPr>
+          <p:nvPr>
+            <p:ph idx="1"/>
+          </p:nvPr>
+        </p:nvSpPr>
+        <p:spPr/>
+        <p:txBody>
+          <a:bodyPr>
+            <a:normAutofit lnSpcReduction="10000"/>
+          </a:bodyPr>
+          <a:lstStyle/>
+          <a:p>
+            <a:r>
+              <a:rPr lang="en-US" sz="2400" dirty="0">
+                <a:latin typeface="Courier New" panose="02070309020205020404" pitchFamily="49" charset="0"/>
+                <a:cs typeface="Courier New" panose="02070309020205020404" pitchFamily="49" charset="0"/>
+              </a:rPr>
+              <a:t>supplier</a:t>
+            </a:r>
+            <a:r>
+              <a:rPr lang="en-US" sz="2400" dirty="0"/>
+              <a:t>: PRIMARY KEY (</a:t>
+            </a:r>
+            <a:r>
+              <a:rPr lang="en-US" sz="2400" dirty="0" err="1"/>
+              <a:t>SupplierID</a:t>
+            </a:r>
+            <a:r>
+              <a:rPr lang="en-US" sz="2400" dirty="0"/>
+              <a:t>)</a:t>
+            </a:r>
+          </a:p>
+          <a:p>
+            <a:r>
+              <a:rPr lang="en-US" sz="2400" dirty="0">
+                <a:latin typeface="Courier New" panose="02070309020205020404" pitchFamily="49" charset="0"/>
+                <a:cs typeface="Courier New" panose="02070309020205020404" pitchFamily="49" charset="0"/>
+              </a:rPr>
+              <a:t>subject</a:t>
+            </a:r>
+            <a:r>
+              <a:rPr lang="en-US" sz="2400" dirty="0"/>
+              <a:t>: PRIMARY KEY (</a:t>
+            </a:r>
+            <a:r>
+              <a:rPr lang="en-US" sz="2400" dirty="0" err="1"/>
+              <a:t>SubjectID</a:t>
+            </a:r>
+            <a:r>
+              <a:rPr lang="en-US" sz="2400" dirty="0"/>
+              <a:t>)</a:t>
+            </a:r>
+          </a:p>
+          <a:p>
+            <a:r>
+              <a:rPr lang="en-US" sz="2400" dirty="0">
+                <a:latin typeface="Courier New" panose="02070309020205020404" pitchFamily="49" charset="0"/>
+                <a:cs typeface="Courier New" panose="02070309020205020404" pitchFamily="49" charset="0"/>
+              </a:rPr>
+              <a:t>book</a:t>
+            </a:r>
+            <a:r>
+              <a:rPr lang="en-US" sz="2400" dirty="0"/>
+              <a:t>: PRIMARY KEY (</a:t>
+            </a:r>
+            <a:r>
+              <a:rPr lang="en-US" sz="2400" dirty="0" err="1"/>
+              <a:t>BookID</a:t>
+            </a:r>
+            <a:r>
+              <a:rPr lang="en-US" sz="2400" dirty="0"/>
+              <a:t>)</a:t>
+            </a:r>
+          </a:p>
+          <a:p>
+            <a:r>
+              <a:rPr lang="en-US" sz="2400" dirty="0">
+                <a:latin typeface="Courier New" panose="02070309020205020404" pitchFamily="49" charset="0"/>
+                <a:cs typeface="Courier New" panose="02070309020205020404" pitchFamily="49" charset="0"/>
+              </a:rPr>
+              <a:t>customer</a:t>
+            </a:r>
+            <a:r>
+              <a:rPr lang="en-US" sz="2400" dirty="0"/>
+              <a:t>: PRIMARY KEY (</a:t>
+            </a:r>
+            <a:r>
+              <a:rPr lang="en-US" sz="2400" dirty="0" err="1"/>
+              <a:t>CustomerID</a:t>
+            </a:r>
+            <a:r>
+              <a:rPr lang="en-US" sz="2400" dirty="0"/>
+              <a:t>)</a:t>
+            </a:r>
+          </a:p>
+          <a:p>
+            <a:r>
+              <a:rPr lang="en-US" sz="2400" dirty="0">
+                <a:latin typeface="Courier New" panose="02070309020205020404" pitchFamily="49" charset="0"/>
+                <a:cs typeface="Courier New" panose="02070309020205020404" pitchFamily="49" charset="0"/>
+              </a:rPr>
+              <a:t>employee</a:t>
+            </a:r>
+            <a:r>
+              <a:rPr lang="en-US" sz="2400" dirty="0"/>
+              <a:t>: PRIMARY KEY (</a:t>
+            </a:r>
+            <a:r>
+              <a:rPr lang="en-US" sz="2400" dirty="0" err="1"/>
+              <a:t>EmployeeID</a:t>
+            </a:r>
+            <a:r>
+              <a:rPr lang="en-US" sz="2400" dirty="0"/>
+              <a:t>)</a:t>
+            </a:r>
+          </a:p>
+          <a:p>
+            <a:r>
+              <a:rPr lang="en-US" sz="2400" dirty="0">
+                <a:latin typeface="Courier New" panose="02070309020205020404" pitchFamily="49" charset="0"/>
+                <a:cs typeface="Courier New" panose="02070309020205020404" pitchFamily="49" charset="0"/>
+              </a:rPr>
+              <a:t>shipper</a:t>
+            </a:r>
+            <a:r>
+              <a:rPr lang="en-US" sz="2400" dirty="0"/>
+              <a:t>: PRIMARY KEY (</a:t>
+            </a:r>
+            <a:r>
+              <a:rPr lang="en-US" sz="2400" dirty="0" err="1"/>
+              <a:t>ShipperID</a:t>
+            </a:r>
+            <a:r>
+              <a:rPr lang="en-US" sz="2400" dirty="0"/>
+              <a:t>)</a:t>
+            </a:r>
+          </a:p>
+          <a:p>
+            <a:r>
+              <a:rPr lang="en-US" sz="2400" dirty="0">
+                <a:latin typeface="Courier New" panose="02070309020205020404" pitchFamily="49" charset="0"/>
+                <a:cs typeface="Courier New" panose="02070309020205020404" pitchFamily="49" charset="0"/>
+              </a:rPr>
+              <a:t>orders</a:t>
+            </a:r>
+            <a:r>
+              <a:rPr lang="en-US" sz="2400" dirty="0"/>
+              <a:t>: PRIMARY KEY (</a:t>
+            </a:r>
+            <a:r>
+              <a:rPr lang="en-US" sz="2400" dirty="0" err="1"/>
+              <a:t>OrderID</a:t>
+            </a:r>
+            <a:r>
+              <a:rPr lang="en-US" sz="2400" dirty="0"/>
+              <a:t>)</a:t>
+            </a:r>
+          </a:p>
+          <a:p>
+            <a:r>
+              <a:rPr lang="en-US" sz="2400" dirty="0" err="1">
+                <a:latin typeface="Courier New" panose="02070309020205020404" pitchFamily="49" charset="0"/>
+                <a:cs typeface="Courier New" panose="02070309020205020404" pitchFamily="49" charset="0"/>
+              </a:rPr>
+              <a:t>order_detail</a:t>
+            </a:r>
+            <a:r>
+              <a:rPr lang="en-US" sz="2400" dirty="0"/>
+              <a:t>: No primary key.</a:t>
+            </a:r>
+          </a:p>
+        </p:txBody>
+      </p:sp>
+    </p:spTree>
+    <p:extLst>
+      <p:ext uri="{BB962C8B-B14F-4D97-AF65-F5344CB8AC3E}">
+        <p14:creationId xmlns:p14="http://schemas.microsoft.com/office/powerpoint/2010/main" val="2932785064"/>
+      </p:ext>
+    </p:extLst>
+  </p:cSld>
+  <p:clrMapOvr>
+    <a:masterClrMapping/>
+  </p:clrMapOvr>
+</p:sld>
+</file>
+
+<file path=ppt/slides/slide5.xml><?xml version="1.0" encoding="utf-8"?>
+<p:sld xmlns:a="http://schemas.openxmlformats.org/drawingml/2006/main" xmlns:r="http://schemas.openxmlformats.org/officeDocument/2006/relationships" xmlns:p="http://schemas.openxmlformats.org/presentationml/2006/main">
+  <p:cSld>
+    <p:spTree>
+      <p:nvGrpSpPr>
+        <p:cNvPr id="1" name=""/>
+        <p:cNvGrpSpPr/>
+        <p:nvPr/>
+      </p:nvGrpSpPr>
+      <p:grpSpPr>
+        <a:xfrm>
+          <a:off x="0" y="0"/>
+          <a:ext cx="0" cy="0"/>
+          <a:chOff x="0" y="0"/>
+          <a:chExt cx="0" cy="0"/>
+        </a:xfrm>
+      </p:grpSpPr>
+      <p:sp>
+        <p:nvSpPr>
+          <p:cNvPr id="2" name="Title 1">
+            <a:extLst>
+              <a:ext uri="{FF2B5EF4-FFF2-40B4-BE49-F238E27FC236}">
+                <a16:creationId xmlns:a16="http://schemas.microsoft.com/office/drawing/2014/main" id="{57C7652C-AED1-4CC9-8162-4DB081039FA4}"/>
+              </a:ext>
+            </a:extLst>
+          </p:cNvPr>
+          <p:cNvSpPr>
+            <a:spLocks noGrp="1"/>
+          </p:cNvSpPr>
+          <p:nvPr>
+            <p:ph type="title"/>
+          </p:nvPr>
+        </p:nvSpPr>
+        <p:spPr/>
+        <p:txBody>
+          <a:bodyPr/>
+          <a:lstStyle/>
+          <a:p>
+            <a:r>
+              <a:rPr lang="en-US" dirty="0"/>
+              <a:t>Foreign Keys</a:t>
+            </a:r>
+          </a:p>
+        </p:txBody>
+      </p:sp>
+      <p:sp>
+        <p:nvSpPr>
+          <p:cNvPr id="3" name="Content Placeholder 2">
+            <a:extLst>
+              <a:ext uri="{FF2B5EF4-FFF2-40B4-BE49-F238E27FC236}">
+                <a16:creationId xmlns:a16="http://schemas.microsoft.com/office/drawing/2014/main" id="{1D006C83-3CAB-4449-AE3D-91FADEE3B6DF}"/>
+              </a:ext>
+            </a:extLst>
+          </p:cNvPr>
+          <p:cNvSpPr>
+            <a:spLocks noGrp="1"/>
+          </p:cNvSpPr>
+          <p:nvPr>
+            <p:ph idx="1"/>
+          </p:nvPr>
+        </p:nvSpPr>
+        <p:spPr/>
+        <p:txBody>
+          <a:bodyPr>
+            <a:normAutofit lnSpcReduction="10000"/>
+          </a:bodyPr>
+          <a:lstStyle/>
+          <a:p>
+            <a:r>
+              <a:rPr lang="en-US" sz="2400" dirty="0">
+                <a:latin typeface="Courier New" panose="02070309020205020404" pitchFamily="49" charset="0"/>
+                <a:cs typeface="Courier New" panose="02070309020205020404" pitchFamily="49" charset="0"/>
+              </a:rPr>
+              <a:t>book</a:t>
+            </a:r>
+            <a:r>
+              <a:rPr lang="en-US" sz="2400" dirty="0"/>
+              <a:t>:</a:t>
+            </a:r>
+          </a:p>
+          <a:p>
+            <a:pPr lvl="1"/>
+            <a:r>
+              <a:rPr lang="en-US" sz="2200" dirty="0"/>
+              <a:t>FOREIGN KEY (</a:t>
+            </a:r>
+            <a:r>
+              <a:rPr lang="en-US" sz="2200" dirty="0" err="1"/>
+              <a:t>SupplierID</a:t>
+            </a:r>
+            <a:r>
+              <a:rPr lang="en-US" sz="2200" dirty="0"/>
+              <a:t>) REFERENCES supplier(</a:t>
+            </a:r>
+            <a:r>
+              <a:rPr lang="en-US" sz="2200" dirty="0" err="1"/>
+              <a:t>SupplierID</a:t>
+            </a:r>
+            <a:r>
+              <a:rPr lang="en-US" sz="2200" dirty="0"/>
+              <a:t>)</a:t>
+            </a:r>
+          </a:p>
+          <a:p>
+            <a:pPr lvl="1"/>
+            <a:r>
+              <a:rPr lang="en-US" sz="2200" dirty="0"/>
+              <a:t>FOREIGN KEY (</a:t>
+            </a:r>
+            <a:r>
+              <a:rPr lang="en-US" sz="2200" dirty="0" err="1"/>
+              <a:t>SubjectID</a:t>
+            </a:r>
+            <a:r>
+              <a:rPr lang="en-US" sz="2200" dirty="0"/>
+              <a:t>) REFERENCES subject(</a:t>
+            </a:r>
+            <a:r>
+              <a:rPr lang="en-US" sz="2200" dirty="0" err="1"/>
+              <a:t>SubjectID</a:t>
+            </a:r>
+            <a:r>
+              <a:rPr lang="en-US" sz="2200" dirty="0"/>
+              <a:t>)</a:t>
+            </a:r>
+          </a:p>
+          <a:p>
+            <a:r>
+              <a:rPr lang="en-US" sz="2400" dirty="0">
+                <a:latin typeface="Courier New" panose="02070309020205020404" pitchFamily="49" charset="0"/>
+                <a:cs typeface="Courier New" panose="02070309020205020404" pitchFamily="49" charset="0"/>
+              </a:rPr>
+              <a:t>orders</a:t>
+            </a:r>
+            <a:r>
+              <a:rPr lang="en-US" sz="2400" dirty="0"/>
+              <a:t>:</a:t>
+            </a:r>
+          </a:p>
+          <a:p>
+            <a:pPr lvl="1"/>
+            <a:r>
+              <a:rPr lang="en-US" sz="2200" dirty="0"/>
+              <a:t>FOREIGN KEY (</a:t>
+            </a:r>
+            <a:r>
+              <a:rPr lang="en-US" sz="2200" dirty="0" err="1"/>
+              <a:t>CustomerID</a:t>
+            </a:r>
+            <a:r>
+              <a:rPr lang="en-US" sz="2200" dirty="0"/>
+              <a:t>) REFERENCES customer(</a:t>
+            </a:r>
+            <a:r>
+              <a:rPr lang="en-US" sz="2200" dirty="0" err="1"/>
+              <a:t>CustomerID</a:t>
+            </a:r>
+            <a:r>
+              <a:rPr lang="en-US" sz="2200" dirty="0"/>
+              <a:t>)</a:t>
+            </a:r>
+          </a:p>
+          <a:p>
+            <a:pPr lvl="1"/>
+            <a:r>
+              <a:rPr lang="en-US" sz="2200" dirty="0"/>
+              <a:t>FOREIGN KEY (</a:t>
+            </a:r>
+            <a:r>
+              <a:rPr lang="en-US" sz="2200" dirty="0" err="1"/>
+              <a:t>EmployeeID</a:t>
+            </a:r>
+            <a:r>
+              <a:rPr lang="en-US" sz="2200" dirty="0"/>
+              <a:t>) REFERENCES employee(</a:t>
+            </a:r>
+            <a:r>
+              <a:rPr lang="en-US" sz="2200" dirty="0" err="1"/>
+              <a:t>EmployeeID</a:t>
+            </a:r>
+            <a:r>
+              <a:rPr lang="en-US" sz="2200" dirty="0"/>
+              <a:t>)</a:t>
+            </a:r>
+          </a:p>
+          <a:p>
+            <a:r>
+              <a:rPr lang="en-US" sz="2400" dirty="0" err="1">
+                <a:latin typeface="Courier New" panose="02070309020205020404" pitchFamily="49" charset="0"/>
+                <a:cs typeface="Courier New" panose="02070309020205020404" pitchFamily="49" charset="0"/>
+              </a:rPr>
+              <a:t>order_detail</a:t>
+            </a:r>
+            <a:r>
+              <a:rPr lang="en-US" sz="2400" dirty="0"/>
+              <a:t>:</a:t>
+            </a:r>
+          </a:p>
+          <a:p>
+            <a:pPr lvl="1"/>
+            <a:r>
+              <a:rPr lang="en-US" sz="2200" dirty="0"/>
+              <a:t>FOREIGN KEY (</a:t>
+            </a:r>
+            <a:r>
+              <a:rPr lang="en-US" sz="2200" dirty="0" err="1"/>
+              <a:t>BookID</a:t>
+            </a:r>
+            <a:r>
+              <a:rPr lang="en-US" sz="2200" dirty="0"/>
+              <a:t>) REFERENCES book(</a:t>
+            </a:r>
+            <a:r>
+              <a:rPr lang="en-US" sz="2200" dirty="0" err="1"/>
+              <a:t>BookID</a:t>
+            </a:r>
+            <a:r>
+              <a:rPr lang="en-US" sz="2200" dirty="0"/>
+              <a:t>)</a:t>
+            </a:r>
+          </a:p>
+          <a:p>
+            <a:pPr lvl="1"/>
+            <a:r>
+              <a:rPr lang="en-US" sz="2200" dirty="0"/>
+              <a:t>FOREIGN KEY (</a:t>
+            </a:r>
+            <a:r>
+              <a:rPr lang="en-US" sz="2200" dirty="0" err="1"/>
+              <a:t>OrderID</a:t>
+            </a:r>
+            <a:r>
+              <a:rPr lang="en-US" sz="2200" dirty="0"/>
+              <a:t>) REFERENCES orders(</a:t>
+            </a:r>
+            <a:r>
+              <a:rPr lang="en-US" sz="2200" dirty="0" err="1"/>
+              <a:t>OrderID</a:t>
+            </a:r>
+            <a:r>
+              <a:rPr lang="en-US" sz="2200" dirty="0"/>
+              <a:t>)</a:t>
+            </a:r>
+          </a:p>
+        </p:txBody>
+      </p:sp>
+    </p:spTree>
+    <p:extLst>
+      <p:ext uri="{BB962C8B-B14F-4D97-AF65-F5344CB8AC3E}">
+        <p14:creationId xmlns:p14="http://schemas.microsoft.com/office/powerpoint/2010/main" val="1057704573"/>
+      </p:ext>
+    </p:extLst>
+  </p:cSld>
+  <p:clrMapOvr>
+    <a:masterClrMapping/>
+  </p:clrMapOvr>
+</p:sld>
+</file>
+
+<file path=ppt/slides/slide6.xml><?xml version="1.0" encoding="utf-8"?>
+<p:sld xmlns:a="http://schemas.openxmlformats.org/drawingml/2006/main" xmlns:r="http://schemas.openxmlformats.org/officeDocument/2006/relationships" xmlns:p="http://schemas.openxmlformats.org/presentationml/2006/main">
+  <p:cSld>
+    <p:spTree>
+      <p:nvGrpSpPr>
+        <p:cNvPr id="1" name=""/>
+        <p:cNvGrpSpPr/>
+        <p:nvPr/>
+      </p:nvGrpSpPr>
+      <p:grpSpPr>
+        <a:xfrm>
+          <a:off x="0" y="0"/>
+          <a:ext cx="0" cy="0"/>
+          <a:chOff x="0" y="0"/>
+          <a:chExt cx="0" cy="0"/>
+        </a:xfrm>
+      </p:grpSpPr>
+      <p:pic>
+        <p:nvPicPr>
+          <p:cNvPr id="3" name="Picture 2" descr="Text&#10;&#10;Description automatically generated">
+            <a:extLst>
+              <a:ext uri="{FF2B5EF4-FFF2-40B4-BE49-F238E27FC236}">
+                <a16:creationId xmlns:a16="http://schemas.microsoft.com/office/drawing/2014/main" id="{28ABE173-317E-4D00-9F08-26BC286364CC}"/>
+              </a:ext>
+            </a:extLst>
+          </p:cNvPr>
+          <p:cNvPicPr>
+            <a:picLocks noChangeAspect="1"/>
+          </p:cNvPicPr>
+          <p:nvPr/>
+        </p:nvPicPr>
+        <p:blipFill>
+          <a:blip r:embed="rId2"/>
+          <a:stretch>
+            <a:fillRect/>
+          </a:stretch>
+        </p:blipFill>
+        <p:spPr>
+          <a:xfrm>
+            <a:off x="1497434" y="603504"/>
+            <a:ext cx="9197132" cy="5650992"/>
+          </a:xfrm>
+          <a:prstGeom prst="rect">
+            <a:avLst/>
+          </a:prstGeom>
+        </p:spPr>
+      </p:pic>
+    </p:spTree>
+    <p:extLst>
+      <p:ext uri="{BB962C8B-B14F-4D97-AF65-F5344CB8AC3E}">
+        <p14:creationId xmlns:p14="http://schemas.microsoft.com/office/powerpoint/2010/main" val="1233495403"/>
+      </p:ext>
+    </p:extLst>
+  </p:cSld>
+  <p:clrMapOvr>
+    <a:masterClrMapping/>
+  </p:clrMapOvr>
+</p:sld>
+</file>
+
+<file path=ppt/slides/slide7.xml><?xml version="1.0" encoding="utf-8"?>
+<p:sld xmlns:a="http://schemas.openxmlformats.org/drawingml/2006/main" xmlns:r="http://schemas.openxmlformats.org/officeDocument/2006/relationships" xmlns:p="http://schemas.openxmlformats.org/presentationml/2006/main">
+  <p:cSld>
+    <p:spTree>
+      <p:nvGrpSpPr>
+        <p:cNvPr id="1" name=""/>
+        <p:cNvGrpSpPr/>
+        <p:nvPr/>
+      </p:nvGrpSpPr>
+      <p:grpSpPr>
+        <a:xfrm>
+          <a:off x="0" y="0"/>
+          <a:ext cx="0" cy="0"/>
+          <a:chOff x="0" y="0"/>
+          <a:chExt cx="0" cy="0"/>
+        </a:xfrm>
+      </p:grpSpPr>
+      <p:sp>
+        <p:nvSpPr>
+          <p:cNvPr id="2" name="Title 1">
+            <a:extLst>
+              <a:ext uri="{FF2B5EF4-FFF2-40B4-BE49-F238E27FC236}">
+                <a16:creationId xmlns:a16="http://schemas.microsoft.com/office/drawing/2014/main" id="{0234F229-9B7C-48E4-9977-BFCDFCD9D34C}"/>
+              </a:ext>
+            </a:extLst>
+          </p:cNvPr>
+          <p:cNvSpPr>
+            <a:spLocks noGrp="1"/>
+          </p:cNvSpPr>
+          <p:nvPr>
+            <p:ph type="title"/>
+          </p:nvPr>
+        </p:nvSpPr>
+        <p:spPr/>
+        <p:txBody>
+          <a:bodyPr/>
+          <a:lstStyle/>
+          <a:p>
+            <a:r>
+              <a:rPr lang="en-US" dirty="0"/>
+              <a:t>DatabaseInterface.java</a:t>
+            </a:r>
+          </a:p>
+        </p:txBody>
+      </p:sp>
+      <p:sp>
+        <p:nvSpPr>
+          <p:cNvPr id="3" name="Content Placeholder 2">
+            <a:extLst>
+              <a:ext uri="{FF2B5EF4-FFF2-40B4-BE49-F238E27FC236}">
+                <a16:creationId xmlns:a16="http://schemas.microsoft.com/office/drawing/2014/main" id="{61710C8F-5324-409E-B32E-632ABBBC714A}"/>
               </a:ext>
             </a:extLst>
           </p:cNvPr>
@@ -4444,13 +5710,52 @@
           <a:p>
             <a:r>
               <a:rPr lang="en-US" sz="2400" dirty="0"/>
-              <a:t>Briefly going through your code</a:t>
-            </a:r>
-          </a:p>
-          <a:p>
+              <a:t>Our code for connecting the user application to the database was contained in the </a:t>
+            </a:r>
+            <a:r>
+              <a:rPr lang="en-US" sz="2400" dirty="0" err="1">
+                <a:latin typeface="Courier New" panose="02070309020205020404" pitchFamily="49" charset="0"/>
+                <a:cs typeface="Courier New" panose="02070309020205020404" pitchFamily="49" charset="0"/>
+              </a:rPr>
+              <a:t>DatabaseInterface</a:t>
+            </a:r>
             <a:r>
               <a:rPr lang="en-US" sz="2400" dirty="0"/>
-              <a:t>Demonstrating all required functionalities</a:t>
+              <a:t> class.</a:t>
+            </a:r>
+          </a:p>
+          <a:p>
+            <a:r>
+              <a:rPr lang="en-US" sz="2400" dirty="0"/>
+              <a:t>This class is a fairly straightforward implementation pf JDBC, taking a database name, port, username, and password as arguments for establishing a connection.</a:t>
+            </a:r>
+          </a:p>
+          <a:p>
+            <a:r>
+              <a:rPr lang="en-US" sz="2400" dirty="0"/>
+              <a:t>The method </a:t>
+            </a:r>
+            <a:r>
+              <a:rPr lang="en-US" sz="2400" dirty="0" err="1">
+                <a:latin typeface="Courier New" panose="02070309020205020404" pitchFamily="49" charset="0"/>
+                <a:cs typeface="Courier New" panose="02070309020205020404" pitchFamily="49" charset="0"/>
+              </a:rPr>
+              <a:t>execStatement</a:t>
+            </a:r>
+            <a:r>
+              <a:rPr lang="en-US" sz="2400" dirty="0"/>
+              <a:t> takes a query or statement string as an input, then returns the </a:t>
+            </a:r>
+            <a:r>
+              <a:rPr lang="en-US" sz="2400" dirty="0" err="1">
+                <a:latin typeface="Courier New" panose="02070309020205020404" pitchFamily="49" charset="0"/>
+                <a:cs typeface="Courier New" panose="02070309020205020404" pitchFamily="49" charset="0"/>
+              </a:rPr>
+              <a:t>ResultSet</a:t>
+            </a:r>
+            <a:r>
+              <a:rPr lang="en-US" sz="2400" dirty="0"/>
+              <a:t>.</a:t>
             </a:r>
           </a:p>
         </p:txBody>
@@ -4458,7 +5763,164 @@
     </p:spTree>
     <p:extLst>
       <p:ext uri="{BB962C8B-B14F-4D97-AF65-F5344CB8AC3E}">
-        <p14:creationId xmlns:p14="http://schemas.microsoft.com/office/powerpoint/2010/main" val="2995648940"/>
+        <p14:creationId xmlns:p14="http://schemas.microsoft.com/office/powerpoint/2010/main" val="1572721763"/>
+      </p:ext>
+    </p:extLst>
+  </p:cSld>
+  <p:clrMapOvr>
+    <a:masterClrMapping/>
+  </p:clrMapOvr>
+</p:sld>
+</file>
+
+<file path=ppt/slides/slide8.xml><?xml version="1.0" encoding="utf-8"?>
+<p:sld xmlns:a="http://schemas.openxmlformats.org/drawingml/2006/main" xmlns:r="http://schemas.openxmlformats.org/officeDocument/2006/relationships" xmlns:p="http://schemas.openxmlformats.org/presentationml/2006/main">
+  <p:cSld>
+    <p:spTree>
+      <p:nvGrpSpPr>
+        <p:cNvPr id="1" name=""/>
+        <p:cNvGrpSpPr/>
+        <p:nvPr/>
+      </p:nvGrpSpPr>
+      <p:grpSpPr>
+        <a:xfrm>
+          <a:off x="0" y="0"/>
+          <a:ext cx="0" cy="0"/>
+          <a:chOff x="0" y="0"/>
+          <a:chExt cx="0" cy="0"/>
+        </a:xfrm>
+      </p:grpSpPr>
+      <p:pic>
+        <p:nvPicPr>
+          <p:cNvPr id="3" name="Picture 2" descr="Text&#10;&#10;Description automatically generated">
+            <a:extLst>
+              <a:ext uri="{FF2B5EF4-FFF2-40B4-BE49-F238E27FC236}">
+                <a16:creationId xmlns:a16="http://schemas.microsoft.com/office/drawing/2014/main" id="{7D0A690F-EFA8-439E-B1AA-F888D27FAC52}"/>
+              </a:ext>
+            </a:extLst>
+          </p:cNvPr>
+          <p:cNvPicPr>
+            <a:picLocks noChangeAspect="1"/>
+          </p:cNvPicPr>
+          <p:nvPr/>
+        </p:nvPicPr>
+        <p:blipFill>
+          <a:blip r:embed="rId2"/>
+          <a:stretch>
+            <a:fillRect/>
+          </a:stretch>
+        </p:blipFill>
+        <p:spPr>
+          <a:xfrm>
+            <a:off x="3270504" y="603504"/>
+            <a:ext cx="5650992" cy="5650992"/>
+          </a:xfrm>
+          <a:prstGeom prst="rect">
+            <a:avLst/>
+          </a:prstGeom>
+        </p:spPr>
+      </p:pic>
+    </p:spTree>
+    <p:extLst>
+      <p:ext uri="{BB962C8B-B14F-4D97-AF65-F5344CB8AC3E}">
+        <p14:creationId xmlns:p14="http://schemas.microsoft.com/office/powerpoint/2010/main" val="3284229085"/>
+      </p:ext>
+    </p:extLst>
+  </p:cSld>
+  <p:clrMapOvr>
+    <a:masterClrMapping/>
+  </p:clrMapOvr>
+</p:sld>
+</file>
+
+<file path=ppt/slides/slide9.xml><?xml version="1.0" encoding="utf-8"?>
+<p:sld xmlns:a="http://schemas.openxmlformats.org/drawingml/2006/main" xmlns:r="http://schemas.openxmlformats.org/officeDocument/2006/relationships" xmlns:p="http://schemas.openxmlformats.org/presentationml/2006/main">
+  <p:cSld>
+    <p:spTree>
+      <p:nvGrpSpPr>
+        <p:cNvPr id="1" name=""/>
+        <p:cNvGrpSpPr/>
+        <p:nvPr/>
+      </p:nvGrpSpPr>
+      <p:grpSpPr>
+        <a:xfrm>
+          <a:off x="0" y="0"/>
+          <a:ext cx="0" cy="0"/>
+          <a:chOff x="0" y="0"/>
+          <a:chExt cx="0" cy="0"/>
+        </a:xfrm>
+      </p:grpSpPr>
+      <p:sp>
+        <p:nvSpPr>
+          <p:cNvPr id="2" name="Title 1">
+            <a:extLst>
+              <a:ext uri="{FF2B5EF4-FFF2-40B4-BE49-F238E27FC236}">
+                <a16:creationId xmlns:a16="http://schemas.microsoft.com/office/drawing/2014/main" id="{3BDBC1AB-A63D-40DE-878A-BED9F6D28E1D}"/>
+              </a:ext>
+            </a:extLst>
+          </p:cNvPr>
+          <p:cNvSpPr>
+            <a:spLocks noGrp="1"/>
+          </p:cNvSpPr>
+          <p:nvPr>
+            <p:ph type="title"/>
+          </p:nvPr>
+        </p:nvSpPr>
+        <p:spPr/>
+        <p:txBody>
+          <a:bodyPr/>
+          <a:lstStyle/>
+          <a:p>
+            <a:r>
+              <a:rPr lang="en-US" dirty="0"/>
+              <a:t>DatabaseGui.java</a:t>
+            </a:r>
+          </a:p>
+        </p:txBody>
+      </p:sp>
+      <p:sp>
+        <p:nvSpPr>
+          <p:cNvPr id="3" name="Content Placeholder 2">
+            <a:extLst>
+              <a:ext uri="{FF2B5EF4-FFF2-40B4-BE49-F238E27FC236}">
+                <a16:creationId xmlns:a16="http://schemas.microsoft.com/office/drawing/2014/main" id="{E4D8D43C-BACC-47CE-BF77-00C22AF84C52}"/>
+              </a:ext>
+            </a:extLst>
+          </p:cNvPr>
+          <p:cNvSpPr>
+            <a:spLocks noGrp="1"/>
+          </p:cNvSpPr>
+          <p:nvPr>
+            <p:ph idx="1"/>
+          </p:nvPr>
+        </p:nvSpPr>
+        <p:spPr/>
+        <p:txBody>
+          <a:bodyPr>
+            <a:normAutofit/>
+          </a:bodyPr>
+          <a:lstStyle/>
+          <a:p>
+            <a:r>
+              <a:rPr lang="en-US" sz="2400" dirty="0"/>
+              <a:t>DatabaseGui.java is our most complex class, defining the look and frontside functionality of the application.</a:t>
+            </a:r>
+          </a:p>
+          <a:p>
+            <a:r>
+              <a:rPr lang="en-US" sz="2400" dirty="0"/>
+              <a:t>The user interface was developed using Java’s Swing library.</a:t>
+            </a:r>
+          </a:p>
+          <a:p>
+            <a:endParaRPr lang="en-US" sz="2400" dirty="0"/>
+          </a:p>
+        </p:txBody>
+      </p:sp>
+    </p:spTree>
+    <p:extLst>
+      <p:ext uri="{BB962C8B-B14F-4D97-AF65-F5344CB8AC3E}">
+        <p14:creationId xmlns:p14="http://schemas.microsoft.com/office/powerpoint/2010/main" val="1225234224"/>
       </p:ext>
     </p:extLst>
   </p:cSld>
@@ -4745,24 +6207,6 @@
 </file>
 
 <file path=customXml/item1.xml><?xml version="1.0" encoding="utf-8"?>
-<p:properties xmlns:p="http://schemas.microsoft.com/office/2006/metadata/properties" xmlns:xsi="http://www.w3.org/2001/XMLSchema-instance" xmlns:pc="http://schemas.microsoft.com/office/infopath/2007/PartnerControls">
-  <documentManagement>
-    <Status xmlns="71af3243-3dd4-4a8d-8c0d-dd76da1f02a5">Not started</Status>
-    <MediaServiceKeyPoints xmlns="71af3243-3dd4-4a8d-8c0d-dd76da1f02a5" xsi:nil="true"/>
-  </documentManagement>
-</p:properties>
-</file>
-
-<file path=customXml/item2.xml><?xml version="1.0" encoding="utf-8"?>
-<?mso-contentType ?>
-<FormTemplates xmlns="http://schemas.microsoft.com/sharepoint/v3/contenttype/forms">
-  <Display>DocumentLibraryForm</Display>
-  <Edit>DocumentLibraryForm</Edit>
-  <New>DocumentLibraryForm</New>
-</FormTemplates>
-</file>
-
-<file path=customXml/item3.xml><?xml version="1.0" encoding="utf-8"?>
 <ct:contentTypeSchema xmlns:ct="http://schemas.microsoft.com/office/2006/metadata/contentType" xmlns:ma="http://schemas.microsoft.com/office/2006/metadata/properties/metaAttributes" ct:_="" ma:_="" ma:contentTypeName="Document" ma:contentTypeID="0x01010079F111ED35F8CC479449609E8A0923A6" ma:contentTypeVersion="12" ma:contentTypeDescription="Create a new document." ma:contentTypeScope="" ma:versionID="a410dd7f93c95333ffa1b60ed6adedd1">
   <xsd:schema xmlns:xsd="http://www.w3.org/2001/XMLSchema" xmlns:xs="http://www.w3.org/2001/XMLSchema" xmlns:p="http://schemas.microsoft.com/office/2006/metadata/properties" xmlns:ns2="71af3243-3dd4-4a8d-8c0d-dd76da1f02a5" xmlns:ns3="16c05727-aa75-4e4a-9b5f-8a80a1165891" targetNamespace="http://schemas.microsoft.com/office/2006/metadata/properties" ma:root="true" ma:fieldsID="a936d9baba76aa3866493feff160faab" ns2:_="" ns3:_="">
     <xsd:import namespace="71af3243-3dd4-4a8d-8c0d-dd76da1f02a5"/>
@@ -4983,25 +6427,25 @@
 </ct:contentTypeSchema>
 </file>
 
-<file path=customXml/itemProps1.xml><?xml version="1.0" encoding="utf-8"?>
-<ds:datastoreItem xmlns:ds="http://schemas.openxmlformats.org/officeDocument/2006/customXml" ds:itemID="{137651BA-F45C-4845-9AB3-E0A65B39F5E1}">
-  <ds:schemaRefs>
-    <ds:schemaRef ds:uri="http://schemas.microsoft.com/office/2006/metadata/properties"/>
-    <ds:schemaRef ds:uri="http://schemas.microsoft.com/office/infopath/2007/PartnerControls"/>
-    <ds:schemaRef ds:uri="71af3243-3dd4-4a8d-8c0d-dd76da1f02a5"/>
-  </ds:schemaRefs>
-</ds:datastoreItem>
+<file path=customXml/item2.xml><?xml version="1.0" encoding="utf-8"?>
+<?mso-contentType ?>
+<FormTemplates xmlns="http://schemas.microsoft.com/sharepoint/v3/contenttype/forms">
+  <Display>DocumentLibraryForm</Display>
+  <Edit>DocumentLibraryForm</Edit>
+  <New>DocumentLibraryForm</New>
+</FormTemplates>
 </file>
 
-<file path=customXml/itemProps2.xml><?xml version="1.0" encoding="utf-8"?>
-<ds:datastoreItem xmlns:ds="http://schemas.openxmlformats.org/officeDocument/2006/customXml" ds:itemID="{CDB58277-F8DF-46FF-84EC-EF41B835E69F}">
-  <ds:schemaRefs>
-    <ds:schemaRef ds:uri="http://schemas.microsoft.com/sharepoint/v3/contenttype/forms"/>
-  </ds:schemaRefs>
-</ds:datastoreItem>
+<file path=customXml/item3.xml><?xml version="1.0" encoding="utf-8"?>
+<p:properties xmlns:p="http://schemas.microsoft.com/office/2006/metadata/properties" xmlns:xsi="http://www.w3.org/2001/XMLSchema-instance" xmlns:pc="http://schemas.microsoft.com/office/infopath/2007/PartnerControls">
+  <documentManagement>
+    <Status xmlns="71af3243-3dd4-4a8d-8c0d-dd76da1f02a5">Not started</Status>
+    <MediaServiceKeyPoints xmlns="71af3243-3dd4-4a8d-8c0d-dd76da1f02a5" xsi:nil="true"/>
+  </documentManagement>
+</p:properties>
 </file>
 
-<file path=customXml/itemProps3.xml><?xml version="1.0" encoding="utf-8"?>
+<file path=customXml/itemProps1.xml><?xml version="1.0" encoding="utf-8"?>
 <ds:datastoreItem xmlns:ds="http://schemas.openxmlformats.org/officeDocument/2006/customXml" ds:itemID="{2D276E62-80A3-44DD-9BCC-97ED2B99B57F}">
   <ds:schemaRefs>
     <ds:schemaRef ds:uri="http://schemas.microsoft.com/office/2006/metadata/contentType"/>
@@ -5018,4 +6462,22 @@
     <ds:schemaRef ds:uri="http://schemas.microsoft.com/internal/obd"/>
   </ds:schemaRefs>
 </ds:datastoreItem>
+</file>
+
+<file path=customXml/itemProps2.xml><?xml version="1.0" encoding="utf-8"?>
+<ds:datastoreItem xmlns:ds="http://schemas.openxmlformats.org/officeDocument/2006/customXml" ds:itemID="{CDB58277-F8DF-46FF-84EC-EF41B835E69F}">
+  <ds:schemaRefs>
+    <ds:schemaRef ds:uri="http://schemas.microsoft.com/sharepoint/v3/contenttype/forms"/>
+  </ds:schemaRefs>
+</ds:datastoreItem>
+</file>
+
+<file path=customXml/itemProps3.xml><?xml version="1.0" encoding="utf-8"?>
+<ds:datastoreItem xmlns:ds="http://schemas.openxmlformats.org/officeDocument/2006/customXml" ds:itemID="{137651BA-F45C-4845-9AB3-E0A65B39F5E1}">
+  <ds:schemaRefs>
+    <ds:schemaRef ds:uri="http://schemas.microsoft.com/office/2006/metadata/properties"/>
+    <ds:schemaRef ds:uri="http://schemas.microsoft.com/office/infopath/2007/PartnerControls"/>
+    <ds:schemaRef ds:uri="71af3243-3dd4-4a8d-8c0d-dd76da1f02a5"/>
+  </ds:schemaRefs>
+</ds:datastoreItem>
 </file>
--- a/Presentation.pptx
+++ b/Presentation.pptx
@@ -6,19 +6,20 @@
   </p:sldMasterIdLst>
   <p:sldIdLst>
     <p:sldId id="257" r:id="rId5"/>
-    <p:sldId id="258" r:id="rId6"/>
-    <p:sldId id="260" r:id="rId7"/>
-    <p:sldId id="261" r:id="rId8"/>
-    <p:sldId id="262" r:id="rId9"/>
-    <p:sldId id="264" r:id="rId10"/>
-    <p:sldId id="266" r:id="rId11"/>
-    <p:sldId id="265" r:id="rId12"/>
-    <p:sldId id="267" r:id="rId13"/>
-    <p:sldId id="263" r:id="rId14"/>
-    <p:sldId id="268" r:id="rId15"/>
-    <p:sldId id="269" r:id="rId16"/>
-    <p:sldId id="271" r:id="rId17"/>
-    <p:sldId id="270" r:id="rId18"/>
+    <p:sldId id="260" r:id="rId6"/>
+    <p:sldId id="261" r:id="rId7"/>
+    <p:sldId id="262" r:id="rId8"/>
+    <p:sldId id="272" r:id="rId9"/>
+    <p:sldId id="274" r:id="rId10"/>
+    <p:sldId id="264" r:id="rId11"/>
+    <p:sldId id="266" r:id="rId12"/>
+    <p:sldId id="265" r:id="rId13"/>
+    <p:sldId id="267" r:id="rId14"/>
+    <p:sldId id="263" r:id="rId15"/>
+    <p:sldId id="268" r:id="rId16"/>
+    <p:sldId id="269" r:id="rId17"/>
+    <p:sldId id="271" r:id="rId18"/>
+    <p:sldId id="270" r:id="rId19"/>
   </p:sldIdLst>
   <p:sldSz cx="12192000" cy="6858000"/>
   <p:notesSz cx="6858000" cy="9144000"/>
@@ -594,7 +595,7 @@
           <a:p>
             <a:fld id="{EA0C0817-A112-4847-8014-A94B7D2A4EA3}" type="datetime1">
               <a:rPr lang="en-US" smtClean="0"/>
-              <a:t>10/28/2021</a:t>
+              <a:t>11/9/2021</a:t>
             </a:fld>
             <a:endParaRPr lang="en-US" dirty="0"/>
           </a:p>
@@ -796,7 +797,7 @@
           <a:p>
             <a:fld id="{7332B432-ACDA-4023-A761-2BAB76577B62}" type="datetime1">
               <a:rPr lang="en-US" smtClean="0"/>
-              <a:t>10/28/2021</a:t>
+              <a:t>11/9/2021</a:t>
             </a:fld>
             <a:endParaRPr lang="en-US" dirty="0"/>
           </a:p>
@@ -1395,7 +1396,7 @@
           <a:p>
             <a:fld id="{D9C646AA-F36E-4540-911D-FFFC0A0EF24A}" type="datetime1">
               <a:rPr lang="en-US" smtClean="0"/>
-              <a:t>10/28/2021</a:t>
+              <a:t>11/9/2021</a:t>
             </a:fld>
             <a:endParaRPr lang="en-US" dirty="0"/>
           </a:p>
@@ -1715,7 +1716,7 @@
           <a:p>
             <a:fld id="{69186D26-FA5F-4637-B602-B7C2DC34CFD4}" type="datetime1">
               <a:rPr lang="en-US" smtClean="0"/>
-              <a:t>10/28/2021</a:t>
+              <a:t>11/9/2021</a:t>
             </a:fld>
             <a:endParaRPr lang="en-US" dirty="0"/>
           </a:p>
@@ -2152,7 +2153,7 @@
           <a:p>
             <a:fld id="{8A7F15D8-96D1-4781-BC50-CA8A088B2FE4}" type="datetime1">
               <a:rPr lang="en-US" smtClean="0"/>
-              <a:t>10/28/2021</a:t>
+              <a:t>11/9/2021</a:t>
             </a:fld>
             <a:endParaRPr lang="en-US" dirty="0"/>
           </a:p>
@@ -2270,7 +2271,7 @@
           <a:p>
             <a:fld id="{F9A96C99-B8F8-4528-BD05-0E16E943DC09}" type="datetime1">
               <a:rPr lang="en-US" smtClean="0"/>
-              <a:t>10/28/2021</a:t>
+              <a:t>11/9/2021</a:t>
             </a:fld>
             <a:endParaRPr lang="en-US" dirty="0"/>
           </a:p>
@@ -2365,7 +2366,7 @@
           <a:p>
             <a:fld id="{03636942-C211-4B28-8DBD-C953E00AF71B}" type="datetime1">
               <a:rPr lang="en-US" smtClean="0"/>
-              <a:t>10/28/2021</a:t>
+              <a:t>11/9/2021</a:t>
             </a:fld>
             <a:endParaRPr lang="en-US" dirty="0"/>
           </a:p>
@@ -2782,7 +2783,7 @@
           <a:p>
             <a:fld id="{7E8D12A6-918A-48BD-8CB9-CA713993B0EA}" type="datetime1">
               <a:rPr lang="en-US" smtClean="0"/>
-              <a:t>10/28/2021</a:t>
+              <a:t>11/9/2021</a:t>
             </a:fld>
             <a:endParaRPr lang="en-US" dirty="0"/>
           </a:p>
@@ -3044,7 +3045,7 @@
             <a:fld id="{E778CE86-875F-4587-BCF6-FA054AFC0D53}" type="datetime1">
               <a:rPr lang="en-US" smtClean="0"/>
               <a:pPr/>
-              <a:t>10/28/2021</a:t>
+              <a:t>11/9/2021</a:t>
             </a:fld>
             <a:endParaRPr lang="en-US" dirty="0"/>
           </a:p>
@@ -3560,7 +3561,7 @@
           <a:p>
             <a:fld id="{F6FA2B21-3FCD-4721-B95C-427943F61125}" type="datetime1">
               <a:rPr lang="en-US" smtClean="0"/>
-              <a:t>10/28/2021</a:t>
+              <a:t>11/9/2021</a:t>
             </a:fld>
             <a:endParaRPr lang="en-US" dirty="0"/>
           </a:p>
@@ -4302,6 +4303,103 @@
           <a:chExt cx="0" cy="0"/>
         </a:xfrm>
       </p:grpSpPr>
+      <p:sp>
+        <p:nvSpPr>
+          <p:cNvPr id="2" name="Title 1">
+            <a:extLst>
+              <a:ext uri="{FF2B5EF4-FFF2-40B4-BE49-F238E27FC236}">
+                <a16:creationId xmlns:a16="http://schemas.microsoft.com/office/drawing/2014/main" id="{3BDBC1AB-A63D-40DE-878A-BED9F6D28E1D}"/>
+              </a:ext>
+            </a:extLst>
+          </p:cNvPr>
+          <p:cNvSpPr>
+            <a:spLocks noGrp="1"/>
+          </p:cNvSpPr>
+          <p:nvPr>
+            <p:ph type="title"/>
+          </p:nvPr>
+        </p:nvSpPr>
+        <p:spPr/>
+        <p:txBody>
+          <a:bodyPr/>
+          <a:lstStyle/>
+          <a:p>
+            <a:r>
+              <a:rPr lang="en-US" dirty="0"/>
+              <a:t>DatabaseGui.java</a:t>
+            </a:r>
+          </a:p>
+        </p:txBody>
+      </p:sp>
+      <p:sp>
+        <p:nvSpPr>
+          <p:cNvPr id="3" name="Content Placeholder 2">
+            <a:extLst>
+              <a:ext uri="{FF2B5EF4-FFF2-40B4-BE49-F238E27FC236}">
+                <a16:creationId xmlns:a16="http://schemas.microsoft.com/office/drawing/2014/main" id="{E4D8D43C-BACC-47CE-BF77-00C22AF84C52}"/>
+              </a:ext>
+            </a:extLst>
+          </p:cNvPr>
+          <p:cNvSpPr>
+            <a:spLocks noGrp="1"/>
+          </p:cNvSpPr>
+          <p:nvPr>
+            <p:ph idx="1"/>
+          </p:nvPr>
+        </p:nvSpPr>
+        <p:spPr/>
+        <p:txBody>
+          <a:bodyPr>
+            <a:normAutofit/>
+          </a:bodyPr>
+          <a:lstStyle/>
+          <a:p>
+            <a:r>
+              <a:rPr lang="en-US" sz="2400" dirty="0"/>
+              <a:t>DatabaseGui.java is our most complex class, defining the look and frontside functionality of the application.</a:t>
+            </a:r>
+          </a:p>
+          <a:p>
+            <a:r>
+              <a:rPr lang="en-US" sz="2400" dirty="0"/>
+              <a:t>The user interface was developed using Java’s Swing library.</a:t>
+            </a:r>
+          </a:p>
+          <a:p>
+            <a:endParaRPr lang="en-US" sz="2400" dirty="0"/>
+          </a:p>
+        </p:txBody>
+      </p:sp>
+    </p:spTree>
+    <p:extLst>
+      <p:ext uri="{BB962C8B-B14F-4D97-AF65-F5344CB8AC3E}">
+        <p14:creationId xmlns:p14="http://schemas.microsoft.com/office/powerpoint/2010/main" val="1225234224"/>
+      </p:ext>
+    </p:extLst>
+  </p:cSld>
+  <p:clrMapOvr>
+    <a:masterClrMapping/>
+  </p:clrMapOvr>
+</p:sld>
+</file>
+
+<file path=ppt/slides/slide11.xml><?xml version="1.0" encoding="utf-8"?>
+<p:sld xmlns:a="http://schemas.openxmlformats.org/drawingml/2006/main" xmlns:r="http://schemas.openxmlformats.org/officeDocument/2006/relationships" xmlns:p="http://schemas.openxmlformats.org/presentationml/2006/main">
+  <p:cSld>
+    <p:spTree>
+      <p:nvGrpSpPr>
+        <p:cNvPr id="1" name=""/>
+        <p:cNvGrpSpPr/>
+        <p:nvPr/>
+      </p:nvGrpSpPr>
+      <p:grpSpPr>
+        <a:xfrm>
+          <a:off x="0" y="0"/>
+          <a:ext cx="0" cy="0"/>
+          <a:chOff x="0" y="0"/>
+          <a:chExt cx="0" cy="0"/>
+        </a:xfrm>
+      </p:grpSpPr>
       <p:pic>
         <p:nvPicPr>
           <p:cNvPr id="7" name="Picture 6" descr="Text&#10;&#10;Description automatically generated">
@@ -4345,7 +4443,7 @@
 </p:sld>
 </file>
 
-<file path=ppt/slides/slide11.xml><?xml version="1.0" encoding="utf-8"?>
+<file path=ppt/slides/slide12.xml><?xml version="1.0" encoding="utf-8"?>
 <p:sld xmlns:a="http://schemas.openxmlformats.org/drawingml/2006/main" xmlns:r="http://schemas.openxmlformats.org/officeDocument/2006/relationships" xmlns:p="http://schemas.openxmlformats.org/presentationml/2006/main">
   <p:cSld>
     <p:spTree>
@@ -4450,7 +4548,7 @@
 </p:sld>
 </file>
 
-<file path=ppt/slides/slide12.xml><?xml version="1.0" encoding="utf-8"?>
+<file path=ppt/slides/slide13.xml><?xml version="1.0" encoding="utf-8"?>
 <p:sld xmlns:a="http://schemas.openxmlformats.org/drawingml/2006/main" xmlns:r="http://schemas.openxmlformats.org/officeDocument/2006/relationships" xmlns:p="http://schemas.openxmlformats.org/presentationml/2006/main">
   <p:cSld>
     <p:spTree>
@@ -4594,7 +4692,7 @@
 </p:sld>
 </file>
 
-<file path=ppt/slides/slide13.xml><?xml version="1.0" encoding="utf-8"?>
+<file path=ppt/slides/slide14.xml><?xml version="1.0" encoding="utf-8"?>
 <p:sld xmlns:a="http://schemas.openxmlformats.org/drawingml/2006/main" xmlns:r="http://schemas.openxmlformats.org/officeDocument/2006/relationships" xmlns:p="http://schemas.openxmlformats.org/presentationml/2006/main">
   <p:cSld>
     <p:spTree>
@@ -4749,7 +4847,7 @@
 </p:sld>
 </file>
 
-<file path=ppt/slides/slide14.xml><?xml version="1.0" encoding="utf-8"?>
+<file path=ppt/slides/slide15.xml><?xml version="1.0" encoding="utf-8"?>
 <p:sld xmlns:a="http://schemas.openxmlformats.org/drawingml/2006/main" xmlns:r="http://schemas.openxmlformats.org/officeDocument/2006/relationships" xmlns:p="http://schemas.openxmlformats.org/presentationml/2006/main">
   <p:cSld>
     <p:spTree>
@@ -4922,90 +5020,43 @@
           <a:chExt cx="0" cy="0"/>
         </a:xfrm>
       </p:grpSpPr>
-      <p:sp>
-        <p:nvSpPr>
-          <p:cNvPr id="2" name="Title 1">
+      <p:pic>
+        <p:nvPicPr>
+          <p:cNvPr id="5" name="Content Placeholder 4">
             <a:extLst>
               <a:ext uri="{FF2B5EF4-FFF2-40B4-BE49-F238E27FC236}">
-                <a16:creationId xmlns:a16="http://schemas.microsoft.com/office/drawing/2014/main" id="{E0948285-257F-4121-A289-F76AFB6B8D39}"/>
+                <a16:creationId xmlns:a16="http://schemas.microsoft.com/office/drawing/2014/main" id="{D06BF12F-DA46-4F34-AEA9-F8A2AABB395F}"/>
               </a:ext>
             </a:extLst>
           </p:cNvPr>
-          <p:cNvSpPr>
-            <a:spLocks noGrp="1"/>
-          </p:cNvSpPr>
-          <p:nvPr>
-            <p:ph type="title"/>
-          </p:nvPr>
-        </p:nvSpPr>
-        <p:spPr/>
-        <p:txBody>
-          <a:bodyPr/>
-          <a:lstStyle/>
-          <a:p>
-            <a:r>
-              <a:rPr lang="en-US" dirty="0"/>
-              <a:t>Database Design</a:t>
-            </a:r>
-          </a:p>
-        </p:txBody>
-      </p:sp>
-      <p:sp>
-        <p:nvSpPr>
-          <p:cNvPr id="3" name="Content Placeholder 2">
-            <a:extLst>
-              <a:ext uri="{FF2B5EF4-FFF2-40B4-BE49-F238E27FC236}">
-                <a16:creationId xmlns:a16="http://schemas.microsoft.com/office/drawing/2014/main" id="{383C03A9-A9E7-4EDF-A067-EB22D74F528A}"/>
-              </a:ext>
-            </a:extLst>
-          </p:cNvPr>
-          <p:cNvSpPr>
-            <a:spLocks noGrp="1"/>
-          </p:cNvSpPr>
+          <p:cNvPicPr>
+            <a:picLocks noGrp="1" noChangeAspect="1"/>
+          </p:cNvPicPr>
           <p:nvPr>
             <p:ph idx="1"/>
           </p:nvPr>
-        </p:nvSpPr>
-        <p:spPr/>
-        <p:txBody>
-          <a:bodyPr>
-            <a:normAutofit/>
-          </a:bodyPr>
-          <a:lstStyle/>
-          <a:p>
-            <a:r>
-              <a:rPr lang="en-US" sz="2400" dirty="0"/>
-              <a:t>ER Diagram</a:t>
-            </a:r>
-          </a:p>
-          <a:p>
-            <a:r>
-              <a:rPr lang="en-US" sz="2400" dirty="0"/>
-              <a:t>Primary/foreign keys and other constraints</a:t>
-            </a:r>
-          </a:p>
-          <a:p>
-            <a:r>
-              <a:rPr lang="en-US" sz="2400" dirty="0"/>
-              <a:t>Other design choices, if any</a:t>
-            </a:r>
-          </a:p>
-          <a:p>
-            <a:r>
-              <a:rPr lang="en-US" sz="2400" dirty="0">
-                <a:solidFill>
-                  <a:srgbClr val="FF0000"/>
-                </a:solidFill>
-              </a:rPr>
-              <a:t>Delete this slide once above slides are done.</a:t>
-            </a:r>
-          </a:p>
-        </p:txBody>
-      </p:sp>
+        </p:nvPicPr>
+        <p:blipFill>
+          <a:blip r:embed="rId2"/>
+          <a:srcRect/>
+          <a:stretch/>
+        </p:blipFill>
+        <p:spPr>
+          <a:xfrm>
+            <a:off x="792003" y="605313"/>
+            <a:ext cx="10607993" cy="5647372"/>
+          </a:xfrm>
+          <a:ln>
+            <a:solidFill>
+              <a:schemeClr val="tx1"/>
+            </a:solidFill>
+          </a:ln>
+        </p:spPr>
+      </p:pic>
     </p:spTree>
     <p:extLst>
       <p:ext uri="{BB962C8B-B14F-4D97-AF65-F5344CB8AC3E}">
-        <p14:creationId xmlns:p14="http://schemas.microsoft.com/office/powerpoint/2010/main" val="2118205699"/>
+        <p14:creationId xmlns:p14="http://schemas.microsoft.com/office/powerpoint/2010/main" val="3874626660"/>
       </p:ext>
     </p:extLst>
   </p:cSld>
@@ -5032,44 +5083,222 @@
           <a:chExt cx="0" cy="0"/>
         </a:xfrm>
       </p:grpSpPr>
-      <p:pic>
-        <p:nvPicPr>
-          <p:cNvPr id="5" name="Content Placeholder 4" descr="Diagram&#10;&#10;Description automatically generated">
+      <p:sp>
+        <p:nvSpPr>
+          <p:cNvPr id="2" name="Title 1">
             <a:extLst>
               <a:ext uri="{FF2B5EF4-FFF2-40B4-BE49-F238E27FC236}">
-                <a16:creationId xmlns:a16="http://schemas.microsoft.com/office/drawing/2014/main" id="{D06BF12F-DA46-4F34-AEA9-F8A2AABB395F}"/>
+                <a16:creationId xmlns:a16="http://schemas.microsoft.com/office/drawing/2014/main" id="{11C653B0-0659-4862-B0C1-0A4F23A3239C}"/>
               </a:ext>
             </a:extLst>
           </p:cNvPr>
-          <p:cNvPicPr>
-            <a:picLocks noGrp="1" noChangeAspect="1"/>
-          </p:cNvPicPr>
+          <p:cNvSpPr>
+            <a:spLocks noGrp="1"/>
+          </p:cNvSpPr>
+          <p:nvPr>
+            <p:ph type="title"/>
+          </p:nvPr>
+        </p:nvSpPr>
+        <p:spPr/>
+        <p:txBody>
+          <a:bodyPr/>
+          <a:lstStyle/>
+          <a:p>
+            <a:r>
+              <a:rPr lang="en-US" dirty="0"/>
+              <a:t>Primary Keys</a:t>
+            </a:r>
+          </a:p>
+        </p:txBody>
+      </p:sp>
+      <p:sp>
+        <p:nvSpPr>
+          <p:cNvPr id="3" name="Content Placeholder 2">
+            <a:extLst>
+              <a:ext uri="{FF2B5EF4-FFF2-40B4-BE49-F238E27FC236}">
+                <a16:creationId xmlns:a16="http://schemas.microsoft.com/office/drawing/2014/main" id="{AF7BF1D0-B8F3-4663-9BA8-91413E1AB770}"/>
+              </a:ext>
+            </a:extLst>
+          </p:cNvPr>
+          <p:cNvSpPr>
+            <a:spLocks noGrp="1"/>
+          </p:cNvSpPr>
           <p:nvPr>
             <p:ph idx="1"/>
           </p:nvPr>
-        </p:nvPicPr>
-        <p:blipFill>
-          <a:blip r:embed="rId2"/>
-          <a:stretch>
-            <a:fillRect/>
-          </a:stretch>
-        </p:blipFill>
-        <p:spPr>
-          <a:xfrm>
-            <a:off x="792003" y="605313"/>
-            <a:ext cx="10607993" cy="5647373"/>
-          </a:xfrm>
-          <a:ln>
-            <a:solidFill>
-              <a:schemeClr val="tx1"/>
-            </a:solidFill>
-          </a:ln>
-        </p:spPr>
-      </p:pic>
+        </p:nvSpPr>
+        <p:spPr/>
+        <p:txBody>
+          <a:bodyPr>
+            <a:normAutofit lnSpcReduction="10000"/>
+          </a:bodyPr>
+          <a:lstStyle/>
+          <a:p>
+            <a:r>
+              <a:rPr lang="en-US" sz="2400" dirty="0">
+                <a:latin typeface="Courier New" panose="02070309020205020404" pitchFamily="49" charset="0"/>
+                <a:cs typeface="Courier New" panose="02070309020205020404" pitchFamily="49" charset="0"/>
+              </a:rPr>
+              <a:t>supplier</a:t>
+            </a:r>
+            <a:r>
+              <a:rPr lang="en-US" sz="2400" dirty="0"/>
+              <a:t>: PRIMARY KEY (</a:t>
+            </a:r>
+            <a:r>
+              <a:rPr lang="en-US" sz="2400" dirty="0" err="1"/>
+              <a:t>SupplierID</a:t>
+            </a:r>
+            <a:r>
+              <a:rPr lang="en-US" sz="2400" dirty="0"/>
+              <a:t>)</a:t>
+            </a:r>
+          </a:p>
+          <a:p>
+            <a:r>
+              <a:rPr lang="en-US" sz="2400" dirty="0">
+                <a:latin typeface="Courier New" panose="02070309020205020404" pitchFamily="49" charset="0"/>
+                <a:cs typeface="Courier New" panose="02070309020205020404" pitchFamily="49" charset="0"/>
+              </a:rPr>
+              <a:t>subject</a:t>
+            </a:r>
+            <a:r>
+              <a:rPr lang="en-US" sz="2400" dirty="0"/>
+              <a:t>: PRIMARY KEY (</a:t>
+            </a:r>
+            <a:r>
+              <a:rPr lang="en-US" sz="2400" dirty="0" err="1"/>
+              <a:t>SubjectID</a:t>
+            </a:r>
+            <a:r>
+              <a:rPr lang="en-US" sz="2400" dirty="0"/>
+              <a:t>)</a:t>
+            </a:r>
+          </a:p>
+          <a:p>
+            <a:r>
+              <a:rPr lang="en-US" sz="2400" dirty="0">
+                <a:latin typeface="Courier New" panose="02070309020205020404" pitchFamily="49" charset="0"/>
+                <a:cs typeface="Courier New" panose="02070309020205020404" pitchFamily="49" charset="0"/>
+              </a:rPr>
+              <a:t>book</a:t>
+            </a:r>
+            <a:r>
+              <a:rPr lang="en-US" sz="2400" dirty="0"/>
+              <a:t>: PRIMARY KEY (</a:t>
+            </a:r>
+            <a:r>
+              <a:rPr lang="en-US" sz="2400" dirty="0" err="1"/>
+              <a:t>BookID</a:t>
+            </a:r>
+            <a:r>
+              <a:rPr lang="en-US" sz="2400" dirty="0"/>
+              <a:t>)</a:t>
+            </a:r>
+          </a:p>
+          <a:p>
+            <a:r>
+              <a:rPr lang="en-US" sz="2400" dirty="0">
+                <a:latin typeface="Courier New" panose="02070309020205020404" pitchFamily="49" charset="0"/>
+                <a:cs typeface="Courier New" panose="02070309020205020404" pitchFamily="49" charset="0"/>
+              </a:rPr>
+              <a:t>customer</a:t>
+            </a:r>
+            <a:r>
+              <a:rPr lang="en-US" sz="2400" dirty="0"/>
+              <a:t>: PRIMARY KEY (</a:t>
+            </a:r>
+            <a:r>
+              <a:rPr lang="en-US" sz="2400" dirty="0" err="1"/>
+              <a:t>CustomerID</a:t>
+            </a:r>
+            <a:r>
+              <a:rPr lang="en-US" sz="2400" dirty="0"/>
+              <a:t>)</a:t>
+            </a:r>
+          </a:p>
+          <a:p>
+            <a:r>
+              <a:rPr lang="en-US" sz="2400" dirty="0">
+                <a:latin typeface="Courier New" panose="02070309020205020404" pitchFamily="49" charset="0"/>
+                <a:cs typeface="Courier New" panose="02070309020205020404" pitchFamily="49" charset="0"/>
+              </a:rPr>
+              <a:t>employee</a:t>
+            </a:r>
+            <a:r>
+              <a:rPr lang="en-US" sz="2400" dirty="0"/>
+              <a:t>: PRIMARY KEY (</a:t>
+            </a:r>
+            <a:r>
+              <a:rPr lang="en-US" sz="2400" dirty="0" err="1"/>
+              <a:t>EmployeeID</a:t>
+            </a:r>
+            <a:r>
+              <a:rPr lang="en-US" sz="2400" dirty="0"/>
+              <a:t>)</a:t>
+            </a:r>
+          </a:p>
+          <a:p>
+            <a:r>
+              <a:rPr lang="en-US" sz="2400" dirty="0">
+                <a:latin typeface="Courier New" panose="02070309020205020404" pitchFamily="49" charset="0"/>
+                <a:cs typeface="Courier New" panose="02070309020205020404" pitchFamily="49" charset="0"/>
+              </a:rPr>
+              <a:t>shipper</a:t>
+            </a:r>
+            <a:r>
+              <a:rPr lang="en-US" sz="2400" dirty="0"/>
+              <a:t>: PRIMARY KEY (</a:t>
+            </a:r>
+            <a:r>
+              <a:rPr lang="en-US" sz="2400" dirty="0" err="1"/>
+              <a:t>ShipperID</a:t>
+            </a:r>
+            <a:r>
+              <a:rPr lang="en-US" sz="2400" dirty="0"/>
+              <a:t>)</a:t>
+            </a:r>
+          </a:p>
+          <a:p>
+            <a:r>
+              <a:rPr lang="en-US" sz="2400" dirty="0">
+                <a:latin typeface="Courier New" panose="02070309020205020404" pitchFamily="49" charset="0"/>
+                <a:cs typeface="Courier New" panose="02070309020205020404" pitchFamily="49" charset="0"/>
+              </a:rPr>
+              <a:t>orders</a:t>
+            </a:r>
+            <a:r>
+              <a:rPr lang="en-US" sz="2400" dirty="0"/>
+              <a:t>: PRIMARY KEY (</a:t>
+            </a:r>
+            <a:r>
+              <a:rPr lang="en-US" sz="2400" dirty="0" err="1"/>
+              <a:t>OrderID</a:t>
+            </a:r>
+            <a:r>
+              <a:rPr lang="en-US" sz="2400" dirty="0"/>
+              <a:t>)</a:t>
+            </a:r>
+          </a:p>
+          <a:p>
+            <a:r>
+              <a:rPr lang="en-US" sz="2400" dirty="0" err="1">
+                <a:latin typeface="Courier New" panose="02070309020205020404" pitchFamily="49" charset="0"/>
+                <a:cs typeface="Courier New" panose="02070309020205020404" pitchFamily="49" charset="0"/>
+              </a:rPr>
+              <a:t>order_detail</a:t>
+            </a:r>
+            <a:r>
+              <a:rPr lang="en-US" sz="2400" dirty="0"/>
+              <a:t>: No primary key.</a:t>
+            </a:r>
+          </a:p>
+        </p:txBody>
+      </p:sp>
     </p:spTree>
     <p:extLst>
       <p:ext uri="{BB962C8B-B14F-4D97-AF65-F5344CB8AC3E}">
-        <p14:creationId xmlns:p14="http://schemas.microsoft.com/office/powerpoint/2010/main" val="3874626660"/>
+        <p14:creationId xmlns:p14="http://schemas.microsoft.com/office/powerpoint/2010/main" val="2932785064"/>
       </p:ext>
     </p:extLst>
   </p:cSld>
@@ -5101,7 +5330,7 @@
           <p:cNvPr id="2" name="Title 1">
             <a:extLst>
               <a:ext uri="{FF2B5EF4-FFF2-40B4-BE49-F238E27FC236}">
-                <a16:creationId xmlns:a16="http://schemas.microsoft.com/office/drawing/2014/main" id="{11C653B0-0659-4862-B0C1-0A4F23A3239C}"/>
+                <a16:creationId xmlns:a16="http://schemas.microsoft.com/office/drawing/2014/main" id="{57C7652C-AED1-4CC9-8162-4DB081039FA4}"/>
               </a:ext>
             </a:extLst>
           </p:cNvPr>
@@ -5119,7 +5348,7 @@
           <a:p>
             <a:r>
               <a:rPr lang="en-US" dirty="0"/>
-              <a:t>Primary Keys</a:t>
+              <a:t>Foreign Keys</a:t>
             </a:r>
           </a:p>
         </p:txBody>
@@ -5129,7 +5358,7 @@
           <p:cNvPr id="3" name="Content Placeholder 2">
             <a:extLst>
               <a:ext uri="{FF2B5EF4-FFF2-40B4-BE49-F238E27FC236}">
-                <a16:creationId xmlns:a16="http://schemas.microsoft.com/office/drawing/2014/main" id="{AF7BF1D0-B8F3-4663-9BA8-91413E1AB770}"/>
+                <a16:creationId xmlns:a16="http://schemas.microsoft.com/office/drawing/2014/main" id="{1D006C83-3CAB-4449-AE3D-91FADEE3B6DF}"/>
               </a:ext>
             </a:extLst>
           </p:cNvPr>
@@ -5143,51 +5372,9 @@
         <p:spPr/>
         <p:txBody>
           <a:bodyPr>
-            <a:normAutofit lnSpcReduction="10000"/>
+            <a:normAutofit fontScale="92500" lnSpcReduction="10000"/>
           </a:bodyPr>
           <a:lstStyle/>
-          <a:p>
-            <a:r>
-              <a:rPr lang="en-US" sz="2400" dirty="0">
-                <a:latin typeface="Courier New" panose="02070309020205020404" pitchFamily="49" charset="0"/>
-                <a:cs typeface="Courier New" panose="02070309020205020404" pitchFamily="49" charset="0"/>
-              </a:rPr>
-              <a:t>supplier</a:t>
-            </a:r>
-            <a:r>
-              <a:rPr lang="en-US" sz="2400" dirty="0"/>
-              <a:t>: PRIMARY KEY (</a:t>
-            </a:r>
-            <a:r>
-              <a:rPr lang="en-US" sz="2400" dirty="0" err="1"/>
-              <a:t>SupplierID</a:t>
-            </a:r>
-            <a:r>
-              <a:rPr lang="en-US" sz="2400" dirty="0"/>
-              <a:t>)</a:t>
-            </a:r>
-          </a:p>
-          <a:p>
-            <a:r>
-              <a:rPr lang="en-US" sz="2400" dirty="0">
-                <a:latin typeface="Courier New" panose="02070309020205020404" pitchFamily="49" charset="0"/>
-                <a:cs typeface="Courier New" panose="02070309020205020404" pitchFamily="49" charset="0"/>
-              </a:rPr>
-              <a:t>subject</a:t>
-            </a:r>
-            <a:r>
-              <a:rPr lang="en-US" sz="2400" dirty="0"/>
-              <a:t>: PRIMARY KEY (</a:t>
-            </a:r>
-            <a:r>
-              <a:rPr lang="en-US" sz="2400" dirty="0" err="1"/>
-              <a:t>SubjectID</a:t>
-            </a:r>
-            <a:r>
-              <a:rPr lang="en-US" sz="2400" dirty="0"/>
-              <a:t>)</a:t>
-            </a:r>
-          </a:p>
           <a:p>
             <a:r>
               <a:rPr lang="en-US" sz="2400" dirty="0">
@@ -5198,77 +5385,52 @@
             </a:r>
             <a:r>
               <a:rPr lang="en-US" sz="2400" dirty="0"/>
-              <a:t>: PRIMARY KEY (</a:t>
-            </a:r>
-            <a:r>
-              <a:rPr lang="en-US" sz="2400" dirty="0" err="1"/>
-              <a:t>BookID</a:t>
-            </a:r>
-            <a:r>
-              <a:rPr lang="en-US" sz="2400" dirty="0"/>
+              <a:t>:</a:t>
+            </a:r>
+          </a:p>
+          <a:p>
+            <a:pPr lvl="1"/>
+            <a:r>
+              <a:rPr lang="en-US" sz="2200" dirty="0"/>
+              <a:t>FOREIGN KEY (</a:t>
+            </a:r>
+            <a:r>
+              <a:rPr lang="en-US" sz="2200" dirty="0" err="1"/>
+              <a:t>SupplierID</a:t>
+            </a:r>
+            <a:r>
+              <a:rPr lang="en-US" sz="2200" dirty="0"/>
+              <a:t>) REFERENCES supplier(</a:t>
+            </a:r>
+            <a:r>
+              <a:rPr lang="en-US" sz="2200" dirty="0" err="1"/>
+              <a:t>SupplierID</a:t>
+            </a:r>
+            <a:r>
+              <a:rPr lang="en-US" sz="2200" dirty="0"/>
               <a:t>)</a:t>
             </a:r>
           </a:p>
           <a:p>
-            <a:r>
-              <a:rPr lang="en-US" sz="2400" dirty="0">
-                <a:latin typeface="Courier New" panose="02070309020205020404" pitchFamily="49" charset="0"/>
-                <a:cs typeface="Courier New" panose="02070309020205020404" pitchFamily="49" charset="0"/>
-              </a:rPr>
-              <a:t>customer</a:t>
-            </a:r>
-            <a:r>
-              <a:rPr lang="en-US" sz="2400" dirty="0"/>
-              <a:t>: PRIMARY KEY (</a:t>
-            </a:r>
-            <a:r>
-              <a:rPr lang="en-US" sz="2400" dirty="0" err="1"/>
-              <a:t>CustomerID</a:t>
-            </a:r>
-            <a:r>
-              <a:rPr lang="en-US" sz="2400" dirty="0"/>
-              <a:t>)</a:t>
-            </a:r>
-          </a:p>
-          <a:p>
-            <a:r>
-              <a:rPr lang="en-US" sz="2400" dirty="0">
-                <a:latin typeface="Courier New" panose="02070309020205020404" pitchFamily="49" charset="0"/>
-                <a:cs typeface="Courier New" panose="02070309020205020404" pitchFamily="49" charset="0"/>
-              </a:rPr>
-              <a:t>employee</a:t>
-            </a:r>
-            <a:r>
-              <a:rPr lang="en-US" sz="2400" dirty="0"/>
-              <a:t>: PRIMARY KEY (</a:t>
-            </a:r>
-            <a:r>
-              <a:rPr lang="en-US" sz="2400" dirty="0" err="1"/>
-              <a:t>EmployeeID</a:t>
-            </a:r>
-            <a:r>
-              <a:rPr lang="en-US" sz="2400" dirty="0"/>
-              <a:t>)</a:t>
-            </a:r>
-          </a:p>
-          <a:p>
-            <a:r>
-              <a:rPr lang="en-US" sz="2400" dirty="0">
-                <a:latin typeface="Courier New" panose="02070309020205020404" pitchFamily="49" charset="0"/>
-                <a:cs typeface="Courier New" panose="02070309020205020404" pitchFamily="49" charset="0"/>
-              </a:rPr>
-              <a:t>shipper</a:t>
-            </a:r>
-            <a:r>
-              <a:rPr lang="en-US" sz="2400" dirty="0"/>
-              <a:t>: PRIMARY KEY (</a:t>
-            </a:r>
-            <a:r>
-              <a:rPr lang="en-US" sz="2400" dirty="0" err="1"/>
-              <a:t>ShipperID</a:t>
-            </a:r>
-            <a:r>
-              <a:rPr lang="en-US" sz="2400" dirty="0"/>
+            <a:pPr lvl="1"/>
+            <a:r>
+              <a:rPr lang="en-US" sz="2200" dirty="0"/>
+              <a:t>FOREIGN KEY (</a:t>
+            </a:r>
+            <a:r>
+              <a:rPr lang="en-US" sz="2200" dirty="0" err="1"/>
+              <a:t>SubjectID</a:t>
+            </a:r>
+            <a:r>
+              <a:rPr lang="en-US" sz="2200" dirty="0"/>
+              <a:t>) REFERENCES subject(</a:t>
+            </a:r>
+            <a:r>
+              <a:rPr lang="en-US" sz="2200" dirty="0" err="1"/>
+              <a:t>SubjectID</a:t>
+            </a:r>
+            <a:r>
+              <a:rPr lang="en-US" sz="2200" dirty="0"/>
               <a:t>)</a:t>
             </a:r>
           </a:p>
@@ -5282,14 +5444,75 @@
             </a:r>
             <a:r>
               <a:rPr lang="en-US" sz="2400" dirty="0"/>
-              <a:t>: PRIMARY KEY (</a:t>
-            </a:r>
-            <a:r>
-              <a:rPr lang="en-US" sz="2400" dirty="0" err="1"/>
-              <a:t>OrderID</a:t>
-            </a:r>
-            <a:r>
-              <a:rPr lang="en-US" sz="2400" dirty="0"/>
+              <a:t>:</a:t>
+            </a:r>
+          </a:p>
+          <a:p>
+            <a:pPr lvl="1"/>
+            <a:r>
+              <a:rPr lang="en-US" sz="2200" dirty="0"/>
+              <a:t>FOREIGN KEY (</a:t>
+            </a:r>
+            <a:r>
+              <a:rPr lang="en-US" sz="2200" dirty="0" err="1"/>
+              <a:t>CustomerID</a:t>
+            </a:r>
+            <a:r>
+              <a:rPr lang="en-US" sz="2200" dirty="0"/>
+              <a:t>) REFERENCES customer(</a:t>
+            </a:r>
+            <a:r>
+              <a:rPr lang="en-US" sz="2200" dirty="0" err="1"/>
+              <a:t>CustomerID</a:t>
+            </a:r>
+            <a:r>
+              <a:rPr lang="en-US" sz="2200" dirty="0"/>
+              <a:t>)</a:t>
+            </a:r>
+          </a:p>
+          <a:p>
+            <a:pPr lvl="1"/>
+            <a:r>
+              <a:rPr lang="en-US" sz="2200" dirty="0"/>
+              <a:t>FOREIGN KEY (</a:t>
+            </a:r>
+            <a:r>
+              <a:rPr lang="en-US" sz="2200" dirty="0" err="1"/>
+              <a:t>EmployeeID</a:t>
+            </a:r>
+            <a:r>
+              <a:rPr lang="en-US" sz="2200" dirty="0"/>
+              <a:t>) REFERENCES employee(</a:t>
+            </a:r>
+            <a:r>
+              <a:rPr lang="en-US" sz="2200" dirty="0" err="1"/>
+              <a:t>EmployeeID</a:t>
+            </a:r>
+            <a:r>
+              <a:rPr lang="en-US" sz="2200" dirty="0"/>
+              <a:t>)</a:t>
+            </a:r>
+          </a:p>
+          <a:p>
+            <a:pPr lvl="1"/>
+            <a:r>
+              <a:rPr lang="en-US" sz="2200" dirty="0"/>
+              <a:t>FOREIGN KEY (</a:t>
+            </a:r>
+            <a:r>
+              <a:rPr lang="en-US" sz="2200" dirty="0" err="1"/>
+              <a:t>ShipperID</a:t>
+            </a:r>
+            <a:r>
+              <a:rPr lang="en-US" sz="2200" dirty="0"/>
+              <a:t>) REFERENCES employee(</a:t>
+            </a:r>
+            <a:r>
+              <a:rPr lang="en-US" sz="2200" dirty="0" err="1"/>
+              <a:t>ShipperID</a:t>
+            </a:r>
+            <a:r>
+              <a:rPr lang="en-US" sz="2200" dirty="0"/>
               <a:t>)</a:t>
             </a:r>
           </a:p>
@@ -5303,7 +5526,53 @@
             </a:r>
             <a:r>
               <a:rPr lang="en-US" sz="2400" dirty="0"/>
-              <a:t>: No primary key.</a:t>
+              <a:t>:</a:t>
+            </a:r>
+          </a:p>
+          <a:p>
+            <a:pPr lvl="1"/>
+            <a:r>
+              <a:rPr lang="en-US" sz="2200" dirty="0"/>
+              <a:t>FOREIGN KEY (</a:t>
+            </a:r>
+            <a:r>
+              <a:rPr lang="en-US" sz="2200" dirty="0" err="1"/>
+              <a:t>BookID</a:t>
+            </a:r>
+            <a:r>
+              <a:rPr lang="en-US" sz="2200" dirty="0"/>
+              <a:t>) REFERENCES book(</a:t>
+            </a:r>
+            <a:r>
+              <a:rPr lang="en-US" sz="2200" dirty="0" err="1"/>
+              <a:t>BookID</a:t>
+            </a:r>
+            <a:r>
+              <a:rPr lang="en-US" sz="2200" dirty="0"/>
+              <a:t>)</a:t>
+            </a:r>
+          </a:p>
+          <a:p>
+            <a:pPr lvl="1"/>
+            <a:r>
+              <a:rPr lang="en-US" sz="2200" dirty="0"/>
+              <a:t>FOREIGN KEY (</a:t>
+            </a:r>
+            <a:r>
+              <a:rPr lang="en-US" sz="2200" dirty="0" err="1"/>
+              <a:t>OrderID</a:t>
+            </a:r>
+            <a:r>
+              <a:rPr lang="en-US" sz="2200" dirty="0"/>
+              <a:t>) REFERENCES orders(</a:t>
+            </a:r>
+            <a:r>
+              <a:rPr lang="en-US" sz="2200" dirty="0" err="1"/>
+              <a:t>OrderID</a:t>
+            </a:r>
+            <a:r>
+              <a:rPr lang="en-US" sz="2200" dirty="0"/>
+              <a:t>)</a:t>
             </a:r>
           </a:p>
         </p:txBody>
@@ -5311,7 +5580,7 @@
     </p:spTree>
     <p:extLst>
       <p:ext uri="{BB962C8B-B14F-4D97-AF65-F5344CB8AC3E}">
-        <p14:creationId xmlns:p14="http://schemas.microsoft.com/office/powerpoint/2010/main" val="2932785064"/>
+        <p14:creationId xmlns:p14="http://schemas.microsoft.com/office/powerpoint/2010/main" val="1057704573"/>
       </p:ext>
     </p:extLst>
   </p:cSld>
@@ -5361,7 +5630,7 @@
           <a:p>
             <a:r>
               <a:rPr lang="en-US" dirty="0"/>
-              <a:t>Foreign Keys</a:t>
+              <a:t>1:N relationship type</a:t>
             </a:r>
           </a:p>
         </p:txBody>
@@ -5385,7 +5654,7 @@
         <p:spPr/>
         <p:txBody>
           <a:bodyPr>
-            <a:normAutofit lnSpcReduction="10000"/>
+            <a:normAutofit/>
           </a:bodyPr>
           <a:lstStyle/>
           <a:p>
@@ -5394,7 +5663,7 @@
                 <a:latin typeface="Courier New" panose="02070309020205020404" pitchFamily="49" charset="0"/>
                 <a:cs typeface="Courier New" panose="02070309020205020404" pitchFamily="49" charset="0"/>
               </a:rPr>
-              <a:t>book</a:t>
+              <a:t>order</a:t>
             </a:r>
             <a:r>
               <a:rPr lang="en-US" sz="2400" dirty="0"/>
@@ -5404,47 +5673,32 @@
           <a:p>
             <a:pPr lvl="1"/>
             <a:r>
-              <a:rPr lang="en-US" sz="2200" dirty="0"/>
-              <a:t>FOREIGN KEY (</a:t>
-            </a:r>
-            <a:r>
-              <a:rPr lang="en-US" sz="2200" dirty="0" err="1"/>
-              <a:t>SupplierID</a:t>
-            </a:r>
-            <a:r>
-              <a:rPr lang="en-US" sz="2200" dirty="0"/>
-              <a:t>) REFERENCES supplier(</a:t>
-            </a:r>
-            <a:r>
-              <a:rPr lang="en-US" sz="2200" dirty="0" err="1"/>
-              <a:t>SupplierID</a:t>
-            </a:r>
-            <a:r>
-              <a:rPr lang="en-US" sz="2200" dirty="0"/>
-              <a:t>)</a:t>
-            </a:r>
+              <a:rPr lang="en-US" sz="2200" dirty="0">
+                <a:latin typeface="Courier New" panose="02070309020205020404" pitchFamily="49" charset="0"/>
+                <a:cs typeface="Courier New" panose="02070309020205020404" pitchFamily="49" charset="0"/>
+              </a:rPr>
+              <a:t>customer</a:t>
+            </a:r>
+            <a:endParaRPr lang="en-US" sz="2200" dirty="0"/>
           </a:p>
           <a:p>
             <a:pPr lvl="1"/>
             <a:r>
-              <a:rPr lang="en-US" sz="2200" dirty="0"/>
-              <a:t>FOREIGN KEY (</a:t>
-            </a:r>
-            <a:r>
-              <a:rPr lang="en-US" sz="2200" dirty="0" err="1"/>
-              <a:t>SubjectID</a:t>
-            </a:r>
-            <a:r>
-              <a:rPr lang="en-US" sz="2200" dirty="0"/>
-              <a:t>) REFERENCES subject(</a:t>
-            </a:r>
-            <a:r>
-              <a:rPr lang="en-US" sz="2200" dirty="0" err="1"/>
-              <a:t>SubjectID</a:t>
-            </a:r>
-            <a:r>
-              <a:rPr lang="en-US" sz="2200" dirty="0"/>
-              <a:t>)</a:t>
+              <a:rPr lang="en-US" sz="2200" dirty="0">
+                <a:latin typeface="Courier New" panose="02070309020205020404" pitchFamily="49" charset="0"/>
+                <a:cs typeface="Courier New" panose="02070309020205020404" pitchFamily="49" charset="0"/>
+              </a:rPr>
+              <a:t>employee</a:t>
+            </a:r>
+          </a:p>
+          <a:p>
+            <a:pPr lvl="1"/>
+            <a:r>
+              <a:rPr lang="en-US" sz="2200" dirty="0">
+                <a:latin typeface="Courier New" panose="02070309020205020404" pitchFamily="49" charset="0"/>
+                <a:cs typeface="Courier New" panose="02070309020205020404" pitchFamily="49" charset="0"/>
+              </a:rPr>
+              <a:t>shipper</a:t>
             </a:r>
           </a:p>
           <a:p>
@@ -5453,116 +5707,27 @@
                 <a:latin typeface="Courier New" panose="02070309020205020404" pitchFamily="49" charset="0"/>
                 <a:cs typeface="Courier New" panose="02070309020205020404" pitchFamily="49" charset="0"/>
               </a:rPr>
-              <a:t>orders</a:t>
-            </a:r>
-            <a:r>
-              <a:rPr lang="en-US" sz="2400" dirty="0"/>
-              <a:t>:</a:t>
+              <a:t>book:</a:t>
             </a:r>
           </a:p>
           <a:p>
             <a:pPr lvl="1"/>
             <a:r>
-              <a:rPr lang="en-US" sz="2200" dirty="0"/>
-              <a:t>FOREIGN KEY (</a:t>
-            </a:r>
-            <a:r>
-              <a:rPr lang="en-US" sz="2200" dirty="0" err="1"/>
-              <a:t>CustomerID</a:t>
-            </a:r>
-            <a:r>
-              <a:rPr lang="en-US" sz="2200" dirty="0"/>
-              <a:t>) REFERENCES customer(</a:t>
-            </a:r>
-            <a:r>
-              <a:rPr lang="en-US" sz="2200" dirty="0" err="1"/>
-              <a:t>CustomerID</a:t>
-            </a:r>
-            <a:r>
-              <a:rPr lang="en-US" sz="2200" dirty="0"/>
-              <a:t>)</a:t>
-            </a:r>
-          </a:p>
-          <a:p>
-            <a:pPr lvl="1"/>
-            <a:r>
-              <a:rPr lang="en-US" sz="2200" dirty="0"/>
-              <a:t>FOREIGN KEY (</a:t>
-            </a:r>
-            <a:r>
-              <a:rPr lang="en-US" sz="2200" dirty="0" err="1"/>
-              <a:t>EmployeeID</a:t>
-            </a:r>
-            <a:r>
-              <a:rPr lang="en-US" sz="2200" dirty="0"/>
-              <a:t>) REFERENCES employee(</a:t>
-            </a:r>
-            <a:r>
-              <a:rPr lang="en-US" sz="2200" dirty="0" err="1"/>
-              <a:t>EmployeeID</a:t>
-            </a:r>
-            <a:r>
-              <a:rPr lang="en-US" sz="2200" dirty="0"/>
-              <a:t>)</a:t>
-            </a:r>
-          </a:p>
-          <a:p>
-            <a:r>
-              <a:rPr lang="en-US" sz="2400" dirty="0" err="1">
+              <a:rPr lang="en-US" sz="2200" dirty="0">
                 <a:latin typeface="Courier New" panose="02070309020205020404" pitchFamily="49" charset="0"/>
                 <a:cs typeface="Courier New" panose="02070309020205020404" pitchFamily="49" charset="0"/>
               </a:rPr>
-              <a:t>order_detail</a:t>
-            </a:r>
-            <a:r>
-              <a:rPr lang="en-US" sz="2400" dirty="0"/>
-              <a:t>:</a:t>
+              <a:t>subject</a:t>
             </a:r>
           </a:p>
           <a:p>
             <a:pPr lvl="1"/>
             <a:r>
-              <a:rPr lang="en-US" sz="2200" dirty="0"/>
-              <a:t>FOREIGN KEY (</a:t>
-            </a:r>
-            <a:r>
-              <a:rPr lang="en-US" sz="2200" dirty="0" err="1"/>
-              <a:t>BookID</a:t>
-            </a:r>
-            <a:r>
-              <a:rPr lang="en-US" sz="2200" dirty="0"/>
-              <a:t>) REFERENCES book(</a:t>
-            </a:r>
-            <a:r>
-              <a:rPr lang="en-US" sz="2200" dirty="0" err="1"/>
-              <a:t>BookID</a:t>
-            </a:r>
-            <a:r>
-              <a:rPr lang="en-US" sz="2200" dirty="0"/>
-              <a:t>)</a:t>
-            </a:r>
-          </a:p>
-          <a:p>
-            <a:pPr lvl="1"/>
-            <a:r>
-              <a:rPr lang="en-US" sz="2200" dirty="0"/>
-              <a:t>FOREIGN KEY (</a:t>
-            </a:r>
-            <a:r>
-              <a:rPr lang="en-US" sz="2200" dirty="0" err="1"/>
-              <a:t>OrderID</a:t>
-            </a:r>
-            <a:r>
-              <a:rPr lang="en-US" sz="2200" dirty="0"/>
-              <a:t>) REFERENCES orders(</a:t>
-            </a:r>
-            <a:r>
-              <a:rPr lang="en-US" sz="2200" dirty="0" err="1"/>
-              <a:t>OrderID</a:t>
-            </a:r>
-            <a:r>
-              <a:rPr lang="en-US" sz="2200" dirty="0"/>
-              <a:t>)</a:t>
+              <a:rPr lang="en-US" sz="2200" dirty="0">
+                <a:latin typeface="Courier New" panose="02070309020205020404" pitchFamily="49" charset="0"/>
+                <a:cs typeface="Courier New" panose="02070309020205020404" pitchFamily="49" charset="0"/>
+              </a:rPr>
+              <a:t>supplier</a:t>
             </a:r>
           </a:p>
         </p:txBody>
@@ -5570,7 +5735,7 @@
     </p:spTree>
     <p:extLst>
       <p:ext uri="{BB962C8B-B14F-4D97-AF65-F5344CB8AC3E}">
-        <p14:creationId xmlns:p14="http://schemas.microsoft.com/office/powerpoint/2010/main" val="1057704573"/>
+        <p14:creationId xmlns:p14="http://schemas.microsoft.com/office/powerpoint/2010/main" val="3289301914"/>
       </p:ext>
     </p:extLst>
   </p:cSld>
@@ -5581,6 +5746,167 @@
 </file>
 
 <file path=ppt/slides/slide6.xml><?xml version="1.0" encoding="utf-8"?>
+<p:sld xmlns:a="http://schemas.openxmlformats.org/drawingml/2006/main" xmlns:r="http://schemas.openxmlformats.org/officeDocument/2006/relationships" xmlns:p="http://schemas.openxmlformats.org/presentationml/2006/main">
+  <p:cSld>
+    <p:spTree>
+      <p:nvGrpSpPr>
+        <p:cNvPr id="1" name=""/>
+        <p:cNvGrpSpPr/>
+        <p:nvPr/>
+      </p:nvGrpSpPr>
+      <p:grpSpPr>
+        <a:xfrm>
+          <a:off x="0" y="0"/>
+          <a:ext cx="0" cy="0"/>
+          <a:chOff x="0" y="0"/>
+          <a:chExt cx="0" cy="0"/>
+        </a:xfrm>
+      </p:grpSpPr>
+      <p:sp>
+        <p:nvSpPr>
+          <p:cNvPr id="2" name="Title 1">
+            <a:extLst>
+              <a:ext uri="{FF2B5EF4-FFF2-40B4-BE49-F238E27FC236}">
+                <a16:creationId xmlns:a16="http://schemas.microsoft.com/office/drawing/2014/main" id="{57C7652C-AED1-4CC9-8162-4DB081039FA4}"/>
+              </a:ext>
+            </a:extLst>
+          </p:cNvPr>
+          <p:cNvSpPr>
+            <a:spLocks noGrp="1"/>
+          </p:cNvSpPr>
+          <p:nvPr>
+            <p:ph type="title"/>
+          </p:nvPr>
+        </p:nvSpPr>
+        <p:spPr/>
+        <p:txBody>
+          <a:bodyPr/>
+          <a:lstStyle/>
+          <a:p>
+            <a:r>
+              <a:rPr lang="en-US" dirty="0"/>
+              <a:t>Others</a:t>
+            </a:r>
+          </a:p>
+        </p:txBody>
+      </p:sp>
+      <p:sp>
+        <p:nvSpPr>
+          <p:cNvPr id="3" name="Content Placeholder 2">
+            <a:extLst>
+              <a:ext uri="{FF2B5EF4-FFF2-40B4-BE49-F238E27FC236}">
+                <a16:creationId xmlns:a16="http://schemas.microsoft.com/office/drawing/2014/main" id="{1D006C83-3CAB-4449-AE3D-91FADEE3B6DF}"/>
+              </a:ext>
+            </a:extLst>
+          </p:cNvPr>
+          <p:cNvSpPr>
+            <a:spLocks noGrp="1"/>
+          </p:cNvSpPr>
+          <p:nvPr>
+            <p:ph idx="1"/>
+          </p:nvPr>
+        </p:nvSpPr>
+        <p:spPr/>
+        <p:txBody>
+          <a:bodyPr>
+            <a:normAutofit/>
+          </a:bodyPr>
+          <a:lstStyle/>
+          <a:p>
+            <a:r>
+              <a:rPr lang="en-US" sz="2400" dirty="0"/>
+              <a:t>M:N relationship type</a:t>
+            </a:r>
+          </a:p>
+          <a:p>
+            <a:pPr lvl="1"/>
+            <a:r>
+              <a:rPr lang="en-US" sz="2200" dirty="0" err="1">
+                <a:latin typeface="Courier New" panose="02070309020205020404" pitchFamily="49" charset="0"/>
+                <a:cs typeface="Courier New" panose="02070309020205020404" pitchFamily="49" charset="0"/>
+              </a:rPr>
+              <a:t>order_detail</a:t>
+            </a:r>
+            <a:r>
+              <a:rPr lang="en-US" sz="2200" dirty="0">
+                <a:latin typeface="Courier New" panose="02070309020205020404" pitchFamily="49" charset="0"/>
+                <a:cs typeface="Courier New" panose="02070309020205020404" pitchFamily="49" charset="0"/>
+              </a:rPr>
+              <a:t> ↔ book</a:t>
+            </a:r>
+          </a:p>
+          <a:p>
+            <a:r>
+              <a:rPr lang="en-US" sz="2400" dirty="0"/>
+              <a:t>Weak entity (</a:t>
+            </a:r>
+            <a:r>
+              <a:rPr lang="en-US" sz="2400" dirty="0" err="1">
+                <a:latin typeface="Courier New" panose="02070309020205020404" pitchFamily="49" charset="0"/>
+                <a:cs typeface="Courier New" panose="02070309020205020404" pitchFamily="49" charset="0"/>
+              </a:rPr>
+              <a:t>order_detail</a:t>
+            </a:r>
+            <a:r>
+              <a:rPr lang="en-US" sz="2400" dirty="0"/>
+              <a:t>)</a:t>
+            </a:r>
+          </a:p>
+          <a:p>
+            <a:pPr lvl="1"/>
+            <a:r>
+              <a:rPr lang="en-US" sz="2200" dirty="0"/>
+              <a:t>Relies on </a:t>
+            </a:r>
+            <a:r>
+              <a:rPr lang="en-US" sz="2200" dirty="0">
+                <a:latin typeface="Courier New" panose="02070309020205020404" pitchFamily="49" charset="0"/>
+                <a:cs typeface="Courier New" panose="02070309020205020404" pitchFamily="49" charset="0"/>
+              </a:rPr>
+              <a:t>order</a:t>
+            </a:r>
+            <a:r>
+              <a:rPr lang="en-US" sz="2200" dirty="0"/>
+              <a:t> for identification</a:t>
+            </a:r>
+          </a:p>
+          <a:p>
+            <a:pPr lvl="1"/>
+            <a:r>
+              <a:rPr lang="en-US" sz="2200" dirty="0">
+                <a:latin typeface="Courier New" panose="02070309020205020404" pitchFamily="49" charset="0"/>
+                <a:cs typeface="Courier New" panose="02070309020205020404" pitchFamily="49" charset="0"/>
+              </a:rPr>
+              <a:t>book</a:t>
+            </a:r>
+            <a:r>
+              <a:rPr lang="en-US" sz="2200" dirty="0"/>
+              <a:t> does not provide identification. Therefore, it has only 1 identifying relationship </a:t>
+            </a:r>
+          </a:p>
+          <a:p>
+            <a:pPr lvl="1"/>
+            <a:endParaRPr lang="en-US" sz="2200" dirty="0">
+              <a:latin typeface="Courier New" panose="02070309020205020404" pitchFamily="49" charset="0"/>
+              <a:cs typeface="Courier New" panose="02070309020205020404" pitchFamily="49" charset="0"/>
+            </a:endParaRPr>
+          </a:p>
+        </p:txBody>
+      </p:sp>
+    </p:spTree>
+    <p:extLst>
+      <p:ext uri="{BB962C8B-B14F-4D97-AF65-F5344CB8AC3E}">
+        <p14:creationId xmlns:p14="http://schemas.microsoft.com/office/powerpoint/2010/main" val="1424483481"/>
+      </p:ext>
+    </p:extLst>
+  </p:cSld>
+  <p:clrMapOvr>
+    <a:masterClrMapping/>
+  </p:clrMapOvr>
+</p:sld>
+</file>
+
+<file path=ppt/slides/slide7.xml><?xml version="1.0" encoding="utf-8"?>
 <p:sld xmlns:a="http://schemas.openxmlformats.org/drawingml/2006/main" xmlns:r="http://schemas.openxmlformats.org/officeDocument/2006/relationships" xmlns:p="http://schemas.openxmlformats.org/presentationml/2006/main">
   <p:cSld>
     <p:spTree>
@@ -5640,7 +5966,7 @@
 </p:sld>
 </file>
 
-<file path=ppt/slides/slide7.xml><?xml version="1.0" encoding="utf-8"?>
+<file path=ppt/slides/slide8.xml><?xml version="1.0" encoding="utf-8"?>
 <p:sld xmlns:a="http://schemas.openxmlformats.org/drawingml/2006/main" xmlns:r="http://schemas.openxmlformats.org/officeDocument/2006/relationships" xmlns:p="http://schemas.openxmlformats.org/presentationml/2006/main">
   <p:cSld>
     <p:spTree>
@@ -5773,7 +6099,7 @@
 </p:sld>
 </file>
 
-<file path=ppt/slides/slide8.xml><?xml version="1.0" encoding="utf-8"?>
+<file path=ppt/slides/slide9.xml><?xml version="1.0" encoding="utf-8"?>
 <p:sld xmlns:a="http://schemas.openxmlformats.org/drawingml/2006/main" xmlns:r="http://schemas.openxmlformats.org/officeDocument/2006/relationships" xmlns:p="http://schemas.openxmlformats.org/presentationml/2006/main">
   <p:cSld>
     <p:spTree>
@@ -5824,103 +6150,6 @@
     <p:extLst>
       <p:ext uri="{BB962C8B-B14F-4D97-AF65-F5344CB8AC3E}">
         <p14:creationId xmlns:p14="http://schemas.microsoft.com/office/powerpoint/2010/main" val="3284229085"/>
-      </p:ext>
-    </p:extLst>
-  </p:cSld>
-  <p:clrMapOvr>
-    <a:masterClrMapping/>
-  </p:clrMapOvr>
-</p:sld>
-</file>
-
-<file path=ppt/slides/slide9.xml><?xml version="1.0" encoding="utf-8"?>
-<p:sld xmlns:a="http://schemas.openxmlformats.org/drawingml/2006/main" xmlns:r="http://schemas.openxmlformats.org/officeDocument/2006/relationships" xmlns:p="http://schemas.openxmlformats.org/presentationml/2006/main">
-  <p:cSld>
-    <p:spTree>
-      <p:nvGrpSpPr>
-        <p:cNvPr id="1" name=""/>
-        <p:cNvGrpSpPr/>
-        <p:nvPr/>
-      </p:nvGrpSpPr>
-      <p:grpSpPr>
-        <a:xfrm>
-          <a:off x="0" y="0"/>
-          <a:ext cx="0" cy="0"/>
-          <a:chOff x="0" y="0"/>
-          <a:chExt cx="0" cy="0"/>
-        </a:xfrm>
-      </p:grpSpPr>
-      <p:sp>
-        <p:nvSpPr>
-          <p:cNvPr id="2" name="Title 1">
-            <a:extLst>
-              <a:ext uri="{FF2B5EF4-FFF2-40B4-BE49-F238E27FC236}">
-                <a16:creationId xmlns:a16="http://schemas.microsoft.com/office/drawing/2014/main" id="{3BDBC1AB-A63D-40DE-878A-BED9F6D28E1D}"/>
-              </a:ext>
-            </a:extLst>
-          </p:cNvPr>
-          <p:cNvSpPr>
-            <a:spLocks noGrp="1"/>
-          </p:cNvSpPr>
-          <p:nvPr>
-            <p:ph type="title"/>
-          </p:nvPr>
-        </p:nvSpPr>
-        <p:spPr/>
-        <p:txBody>
-          <a:bodyPr/>
-          <a:lstStyle/>
-          <a:p>
-            <a:r>
-              <a:rPr lang="en-US" dirty="0"/>
-              <a:t>DatabaseGui.java</a:t>
-            </a:r>
-          </a:p>
-        </p:txBody>
-      </p:sp>
-      <p:sp>
-        <p:nvSpPr>
-          <p:cNvPr id="3" name="Content Placeholder 2">
-            <a:extLst>
-              <a:ext uri="{FF2B5EF4-FFF2-40B4-BE49-F238E27FC236}">
-                <a16:creationId xmlns:a16="http://schemas.microsoft.com/office/drawing/2014/main" id="{E4D8D43C-BACC-47CE-BF77-00C22AF84C52}"/>
-              </a:ext>
-            </a:extLst>
-          </p:cNvPr>
-          <p:cNvSpPr>
-            <a:spLocks noGrp="1"/>
-          </p:cNvSpPr>
-          <p:nvPr>
-            <p:ph idx="1"/>
-          </p:nvPr>
-        </p:nvSpPr>
-        <p:spPr/>
-        <p:txBody>
-          <a:bodyPr>
-            <a:normAutofit/>
-          </a:bodyPr>
-          <a:lstStyle/>
-          <a:p>
-            <a:r>
-              <a:rPr lang="en-US" sz="2400" dirty="0"/>
-              <a:t>DatabaseGui.java is our most complex class, defining the look and frontside functionality of the application.</a:t>
-            </a:r>
-          </a:p>
-          <a:p>
-            <a:r>
-              <a:rPr lang="en-US" sz="2400" dirty="0"/>
-              <a:t>The user interface was developed using Java’s Swing library.</a:t>
-            </a:r>
-          </a:p>
-          <a:p>
-            <a:endParaRPr lang="en-US" sz="2400" dirty="0"/>
-          </a:p>
-        </p:txBody>
-      </p:sp>
-    </p:spTree>
-    <p:extLst>
-      <p:ext uri="{BB962C8B-B14F-4D97-AF65-F5344CB8AC3E}">
-        <p14:creationId xmlns:p14="http://schemas.microsoft.com/office/powerpoint/2010/main" val="1225234224"/>
       </p:ext>
     </p:extLst>
   </p:cSld>
@@ -6207,6 +6436,24 @@
 </file>
 
 <file path=customXml/item1.xml><?xml version="1.0" encoding="utf-8"?>
+<p:properties xmlns:p="http://schemas.microsoft.com/office/2006/metadata/properties" xmlns:xsi="http://www.w3.org/2001/XMLSchema-instance" xmlns:pc="http://schemas.microsoft.com/office/infopath/2007/PartnerControls">
+  <documentManagement>
+    <Status xmlns="71af3243-3dd4-4a8d-8c0d-dd76da1f02a5">Not started</Status>
+    <MediaServiceKeyPoints xmlns="71af3243-3dd4-4a8d-8c0d-dd76da1f02a5" xsi:nil="true"/>
+  </documentManagement>
+</p:properties>
+</file>
+
+<file path=customXml/item2.xml><?xml version="1.0" encoding="utf-8"?>
+<?mso-contentType ?>
+<FormTemplates xmlns="http://schemas.microsoft.com/sharepoint/v3/contenttype/forms">
+  <Display>DocumentLibraryForm</Display>
+  <Edit>DocumentLibraryForm</Edit>
+  <New>DocumentLibraryForm</New>
+</FormTemplates>
+</file>
+
+<file path=customXml/item3.xml><?xml version="1.0" encoding="utf-8"?>
 <ct:contentTypeSchema xmlns:ct="http://schemas.microsoft.com/office/2006/metadata/contentType" xmlns:ma="http://schemas.microsoft.com/office/2006/metadata/properties/metaAttributes" ct:_="" ma:_="" ma:contentTypeName="Document" ma:contentTypeID="0x01010079F111ED35F8CC479449609E8A0923A6" ma:contentTypeVersion="12" ma:contentTypeDescription="Create a new document." ma:contentTypeScope="" ma:versionID="a410dd7f93c95333ffa1b60ed6adedd1">
   <xsd:schema xmlns:xsd="http://www.w3.org/2001/XMLSchema" xmlns:xs="http://www.w3.org/2001/XMLSchema" xmlns:p="http://schemas.microsoft.com/office/2006/metadata/properties" xmlns:ns2="71af3243-3dd4-4a8d-8c0d-dd76da1f02a5" xmlns:ns3="16c05727-aa75-4e4a-9b5f-8a80a1165891" targetNamespace="http://schemas.microsoft.com/office/2006/metadata/properties" ma:root="true" ma:fieldsID="a936d9baba76aa3866493feff160faab" ns2:_="" ns3:_="">
     <xsd:import namespace="71af3243-3dd4-4a8d-8c0d-dd76da1f02a5"/>
@@ -6427,25 +6674,25 @@
 </ct:contentTypeSchema>
 </file>
 
-<file path=customXml/item2.xml><?xml version="1.0" encoding="utf-8"?>
-<?mso-contentType ?>
-<FormTemplates xmlns="http://schemas.microsoft.com/sharepoint/v3/contenttype/forms">
-  <Display>DocumentLibraryForm</Display>
-  <Edit>DocumentLibraryForm</Edit>
-  <New>DocumentLibraryForm</New>
-</FormTemplates>
+<file path=customXml/itemProps1.xml><?xml version="1.0" encoding="utf-8"?>
+<ds:datastoreItem xmlns:ds="http://schemas.openxmlformats.org/officeDocument/2006/customXml" ds:itemID="{137651BA-F45C-4845-9AB3-E0A65B39F5E1}">
+  <ds:schemaRefs>
+    <ds:schemaRef ds:uri="http://schemas.microsoft.com/office/2006/metadata/properties"/>
+    <ds:schemaRef ds:uri="http://schemas.microsoft.com/office/infopath/2007/PartnerControls"/>
+    <ds:schemaRef ds:uri="71af3243-3dd4-4a8d-8c0d-dd76da1f02a5"/>
+  </ds:schemaRefs>
+</ds:datastoreItem>
 </file>
 
-<file path=customXml/item3.xml><?xml version="1.0" encoding="utf-8"?>
-<p:properties xmlns:p="http://schemas.microsoft.com/office/2006/metadata/properties" xmlns:xsi="http://www.w3.org/2001/XMLSchema-instance" xmlns:pc="http://schemas.microsoft.com/office/infopath/2007/PartnerControls">
-  <documentManagement>
-    <Status xmlns="71af3243-3dd4-4a8d-8c0d-dd76da1f02a5">Not started</Status>
-    <MediaServiceKeyPoints xmlns="71af3243-3dd4-4a8d-8c0d-dd76da1f02a5" xsi:nil="true"/>
-  </documentManagement>
-</p:properties>
+<file path=customXml/itemProps2.xml><?xml version="1.0" encoding="utf-8"?>
+<ds:datastoreItem xmlns:ds="http://schemas.openxmlformats.org/officeDocument/2006/customXml" ds:itemID="{CDB58277-F8DF-46FF-84EC-EF41B835E69F}">
+  <ds:schemaRefs>
+    <ds:schemaRef ds:uri="http://schemas.microsoft.com/sharepoint/v3/contenttype/forms"/>
+  </ds:schemaRefs>
+</ds:datastoreItem>
 </file>
 
-<file path=customXml/itemProps1.xml><?xml version="1.0" encoding="utf-8"?>
+<file path=customXml/itemProps3.xml><?xml version="1.0" encoding="utf-8"?>
 <ds:datastoreItem xmlns:ds="http://schemas.openxmlformats.org/officeDocument/2006/customXml" ds:itemID="{2D276E62-80A3-44DD-9BCC-97ED2B99B57F}">
   <ds:schemaRefs>
     <ds:schemaRef ds:uri="http://schemas.microsoft.com/office/2006/metadata/contentType"/>
@@ -6462,22 +6709,4 @@
     <ds:schemaRef ds:uri="http://schemas.microsoft.com/internal/obd"/>
   </ds:schemaRefs>
 </ds:datastoreItem>
-</file>
-
-<file path=customXml/itemProps2.xml><?xml version="1.0" encoding="utf-8"?>
-<ds:datastoreItem xmlns:ds="http://schemas.openxmlformats.org/officeDocument/2006/customXml" ds:itemID="{CDB58277-F8DF-46FF-84EC-EF41B835E69F}">
-  <ds:schemaRefs>
-    <ds:schemaRef ds:uri="http://schemas.microsoft.com/sharepoint/v3/contenttype/forms"/>
-  </ds:schemaRefs>
-</ds:datastoreItem>
-</file>
-
-<file path=customXml/itemProps3.xml><?xml version="1.0" encoding="utf-8"?>
-<ds:datastoreItem xmlns:ds="http://schemas.openxmlformats.org/officeDocument/2006/customXml" ds:itemID="{137651BA-F45C-4845-9AB3-E0A65B39F5E1}">
-  <ds:schemaRefs>
-    <ds:schemaRef ds:uri="http://schemas.microsoft.com/office/2006/metadata/properties"/>
-    <ds:schemaRef ds:uri="http://schemas.microsoft.com/office/infopath/2007/PartnerControls"/>
-    <ds:schemaRef ds:uri="71af3243-3dd4-4a8d-8c0d-dd76da1f02a5"/>
-  </ds:schemaRefs>
-</ds:datastoreItem>
 </file>
--- a/Presentation.pptx
+++ b/Presentation.pptx
@@ -4355,13 +4355,13 @@
           <a:lstStyle/>
           <a:p>
             <a:r>
-              <a:rPr lang="en-US" sz="2400" dirty="0"/>
+              <a:rPr lang="en-US" sz="2800" dirty="0"/>
               <a:t>DatabaseGui.java is our most complex class, defining the look and frontside functionality of the application.</a:t>
             </a:r>
           </a:p>
           <a:p>
             <a:r>
-              <a:rPr lang="en-US" sz="2400" dirty="0"/>
+              <a:rPr lang="en-US" sz="2800" dirty="0"/>
               <a:t>The user interface was developed using Java’s Swing library.</a:t>
             </a:r>
           </a:p>
@@ -4512,24 +4512,24 @@
           <a:lstStyle/>
           <a:p>
             <a:r>
-              <a:rPr lang="en-US" sz="2400" dirty="0"/>
+              <a:rPr lang="en-US" sz="2800" dirty="0"/>
               <a:t>Our main class is the simplest, serving only as a driver for the other two classes.</a:t>
             </a:r>
           </a:p>
           <a:p>
             <a:r>
-              <a:rPr lang="en-US" sz="2400" dirty="0"/>
+              <a:rPr lang="en-US" sz="2800" dirty="0"/>
               <a:t>The database name, port, username, and password, provided by the user as command line arguments, are fed into a new </a:t>
             </a:r>
             <a:r>
-              <a:rPr lang="en-US" sz="2400" dirty="0" err="1">
+              <a:rPr lang="en-US" sz="2800" dirty="0" err="1">
                 <a:latin typeface="Courier New" panose="02070309020205020404" pitchFamily="49" charset="0"/>
                 <a:cs typeface="Courier New" panose="02070309020205020404" pitchFamily="49" charset="0"/>
               </a:rPr>
               <a:t>DatabaseGui</a:t>
             </a:r>
             <a:r>
-              <a:rPr lang="en-US" sz="2400" dirty="0"/>
+              <a:rPr lang="en-US" sz="2800" dirty="0"/>
               <a:t> object.</a:t>
             </a:r>
           </a:p>
@@ -5630,7 +5630,7 @@
           <a:p>
             <a:r>
               <a:rPr lang="en-US" dirty="0"/>
-              <a:t>1:N relationship type</a:t>
+              <a:t>1:N Relationships</a:t>
             </a:r>
           </a:p>
         </p:txBody>
@@ -5659,32 +5659,32 @@
           <a:lstStyle/>
           <a:p>
             <a:r>
+              <a:rPr lang="en-US" sz="2800" dirty="0">
+                <a:latin typeface="Courier New" panose="02070309020205020404" pitchFamily="49" charset="0"/>
+                <a:cs typeface="Courier New" panose="02070309020205020404" pitchFamily="49" charset="0"/>
+              </a:rPr>
+              <a:t>order</a:t>
+            </a:r>
+            <a:r>
+              <a:rPr lang="en-US" sz="2800" dirty="0"/>
+              <a:t>:</a:t>
+            </a:r>
+          </a:p>
+          <a:p>
+            <a:pPr lvl="1"/>
+            <a:r>
               <a:rPr lang="en-US" sz="2400" dirty="0">
                 <a:latin typeface="Courier New" panose="02070309020205020404" pitchFamily="49" charset="0"/>
                 <a:cs typeface="Courier New" panose="02070309020205020404" pitchFamily="49" charset="0"/>
               </a:rPr>
-              <a:t>order</a:t>
-            </a:r>
-            <a:r>
-              <a:rPr lang="en-US" sz="2400" dirty="0"/>
-              <a:t>:</a:t>
-            </a:r>
+              <a:t>customer</a:t>
+            </a:r>
+            <a:endParaRPr lang="en-US" sz="2400" dirty="0"/>
           </a:p>
           <a:p>
             <a:pPr lvl="1"/>
             <a:r>
-              <a:rPr lang="en-US" sz="2200" dirty="0">
-                <a:latin typeface="Courier New" panose="02070309020205020404" pitchFamily="49" charset="0"/>
-                <a:cs typeface="Courier New" panose="02070309020205020404" pitchFamily="49" charset="0"/>
-              </a:rPr>
-              <a:t>customer</a:t>
-            </a:r>
-            <a:endParaRPr lang="en-US" sz="2200" dirty="0"/>
-          </a:p>
-          <a:p>
-            <a:pPr lvl="1"/>
-            <a:r>
-              <a:rPr lang="en-US" sz="2200" dirty="0">
+              <a:rPr lang="en-US" sz="2400" dirty="0">
                 <a:latin typeface="Courier New" panose="02070309020205020404" pitchFamily="49" charset="0"/>
                 <a:cs typeface="Courier New" panose="02070309020205020404" pitchFamily="49" charset="0"/>
               </a:rPr>
@@ -5694,7 +5694,7 @@
           <a:p>
             <a:pPr lvl="1"/>
             <a:r>
-              <a:rPr lang="en-US" sz="2200" dirty="0">
+              <a:rPr lang="en-US" sz="2400" dirty="0">
                 <a:latin typeface="Courier New" panose="02070309020205020404" pitchFamily="49" charset="0"/>
                 <a:cs typeface="Courier New" panose="02070309020205020404" pitchFamily="49" charset="0"/>
               </a:rPr>
@@ -5703,27 +5703,27 @@
           </a:p>
           <a:p>
             <a:r>
+              <a:rPr lang="en-US" sz="2800" dirty="0">
+                <a:latin typeface="Courier New" panose="02070309020205020404" pitchFamily="49" charset="0"/>
+                <a:cs typeface="Courier New" panose="02070309020205020404" pitchFamily="49" charset="0"/>
+              </a:rPr>
+              <a:t>book:</a:t>
+            </a:r>
+          </a:p>
+          <a:p>
+            <a:pPr lvl="1"/>
+            <a:r>
               <a:rPr lang="en-US" sz="2400" dirty="0">
                 <a:latin typeface="Courier New" panose="02070309020205020404" pitchFamily="49" charset="0"/>
                 <a:cs typeface="Courier New" panose="02070309020205020404" pitchFamily="49" charset="0"/>
               </a:rPr>
-              <a:t>book:</a:t>
+              <a:t>subject</a:t>
             </a:r>
           </a:p>
           <a:p>
             <a:pPr lvl="1"/>
             <a:r>
-              <a:rPr lang="en-US" sz="2200" dirty="0">
-                <a:latin typeface="Courier New" panose="02070309020205020404" pitchFamily="49" charset="0"/>
-                <a:cs typeface="Courier New" panose="02070309020205020404" pitchFamily="49" charset="0"/>
-              </a:rPr>
-              <a:t>subject</a:t>
-            </a:r>
-          </a:p>
-          <a:p>
-            <a:pPr lvl="1"/>
-            <a:r>
-              <a:rPr lang="en-US" sz="2200" dirty="0">
+              <a:rPr lang="en-US" sz="2400" dirty="0">
                 <a:latin typeface="Courier New" panose="02070309020205020404" pitchFamily="49" charset="0"/>
                 <a:cs typeface="Courier New" panose="02070309020205020404" pitchFamily="49" charset="0"/>
               </a:rPr>
@@ -5785,7 +5785,7 @@
           <a:p>
             <a:r>
               <a:rPr lang="en-US" dirty="0"/>
-              <a:t>Others</a:t>
+              <a:t>Other Notes</a:t>
             </a:r>
           </a:p>
         </p:txBody>
@@ -5814,82 +5814,79 @@
           <a:lstStyle/>
           <a:p>
             <a:r>
-              <a:rPr lang="en-US" sz="2400" dirty="0"/>
-              <a:t>M:N relationship type</a:t>
-            </a:r>
-          </a:p>
-          <a:p>
-            <a:pPr lvl="1"/>
-            <a:r>
-              <a:rPr lang="en-US" sz="2200" dirty="0" err="1">
+              <a:rPr lang="en-US" sz="3200" dirty="0"/>
+              <a:t>M:N relationship type is used for </a:t>
+            </a:r>
+            <a:r>
+              <a:rPr lang="en-US" sz="3200" dirty="0" err="1">
                 <a:latin typeface="Courier New" panose="02070309020205020404" pitchFamily="49" charset="0"/>
                 <a:cs typeface="Courier New" panose="02070309020205020404" pitchFamily="49" charset="0"/>
               </a:rPr>
               <a:t>order_detail</a:t>
             </a:r>
             <a:r>
-              <a:rPr lang="en-US" sz="2200" dirty="0">
+              <a:rPr lang="en-US" sz="3200" dirty="0">
                 <a:latin typeface="Courier New" panose="02070309020205020404" pitchFamily="49" charset="0"/>
                 <a:cs typeface="Courier New" panose="02070309020205020404" pitchFamily="49" charset="0"/>
               </a:rPr>
               <a:t> ↔ book</a:t>
             </a:r>
-          </a:p>
-          <a:p>
-            <a:r>
-              <a:rPr lang="en-US" sz="2400" dirty="0"/>
+            <a:r>
+              <a:rPr lang="en-US" sz="2800" dirty="0">
+                <a:latin typeface="Century Gothic" panose="020B0502020202020204" pitchFamily="34" charset="0"/>
+                <a:cs typeface="Courier New" panose="02070309020205020404" pitchFamily="49" charset="0"/>
+              </a:rPr>
+              <a:t>.</a:t>
+            </a:r>
+          </a:p>
+          <a:p>
+            <a:r>
+              <a:rPr lang="en-US" sz="3200" dirty="0"/>
               <a:t>Weak entity (</a:t>
             </a:r>
             <a:r>
-              <a:rPr lang="en-US" sz="2400" dirty="0" err="1">
+              <a:rPr lang="en-US" sz="3200" dirty="0" err="1">
                 <a:latin typeface="Courier New" panose="02070309020205020404" pitchFamily="49" charset="0"/>
                 <a:cs typeface="Courier New" panose="02070309020205020404" pitchFamily="49" charset="0"/>
               </a:rPr>
               <a:t>order_detail</a:t>
             </a:r>
             <a:r>
-              <a:rPr lang="en-US" sz="2400" dirty="0"/>
+              <a:rPr lang="en-US" sz="3200" dirty="0"/>
               <a:t>)</a:t>
             </a:r>
           </a:p>
           <a:p>
             <a:pPr lvl="1"/>
             <a:r>
-              <a:rPr lang="en-US" sz="2200" dirty="0"/>
+              <a:rPr lang="en-US" sz="2800" dirty="0"/>
               <a:t>Relies on </a:t>
             </a:r>
             <a:r>
-              <a:rPr lang="en-US" sz="2200" dirty="0">
+              <a:rPr lang="en-US" sz="2800" dirty="0">
                 <a:latin typeface="Courier New" panose="02070309020205020404" pitchFamily="49" charset="0"/>
                 <a:cs typeface="Courier New" panose="02070309020205020404" pitchFamily="49" charset="0"/>
               </a:rPr>
               <a:t>order</a:t>
             </a:r>
             <a:r>
-              <a:rPr lang="en-US" sz="2200" dirty="0"/>
-              <a:t> for identification</a:t>
+              <a:rPr lang="en-US" sz="2800" dirty="0"/>
+              <a:t> for identification.</a:t>
             </a:r>
           </a:p>
           <a:p>
             <a:pPr lvl="1"/>
             <a:r>
-              <a:rPr lang="en-US" sz="2200" dirty="0">
+              <a:rPr lang="en-US" sz="2800" dirty="0">
                 <a:latin typeface="Courier New" panose="02070309020205020404" pitchFamily="49" charset="0"/>
                 <a:cs typeface="Courier New" panose="02070309020205020404" pitchFamily="49" charset="0"/>
               </a:rPr>
               <a:t>book</a:t>
             </a:r>
             <a:r>
-              <a:rPr lang="en-US" sz="2200" dirty="0"/>
-              <a:t> does not provide identification. Therefore, it has only 1 identifying relationship </a:t>
-            </a:r>
-          </a:p>
-          <a:p>
-            <a:pPr lvl="1"/>
-            <a:endParaRPr lang="en-US" sz="2200" dirty="0">
-              <a:latin typeface="Courier New" panose="02070309020205020404" pitchFamily="49" charset="0"/>
-              <a:cs typeface="Courier New" panose="02070309020205020404" pitchFamily="49" charset="0"/>
-            </a:endParaRPr>
+              <a:rPr lang="en-US" sz="2800" dirty="0"/>
+              <a:t> does not provide identification. Therefore, it has only one identifying relationship.</a:t>
+            </a:r>
           </a:p>
         </p:txBody>
       </p:sp>
@@ -6030,57 +6027,57 @@
         <p:spPr/>
         <p:txBody>
           <a:bodyPr>
-            <a:normAutofit/>
+            <a:normAutofit lnSpcReduction="10000"/>
           </a:bodyPr>
           <a:lstStyle/>
           <a:p>
             <a:r>
-              <a:rPr lang="en-US" sz="2400" dirty="0"/>
+              <a:rPr lang="en-US" sz="2800" dirty="0"/>
               <a:t>Our code for connecting the user application to the database was contained in the </a:t>
             </a:r>
             <a:r>
-              <a:rPr lang="en-US" sz="2400" dirty="0" err="1">
+              <a:rPr lang="en-US" sz="2800" dirty="0" err="1">
                 <a:latin typeface="Courier New" panose="02070309020205020404" pitchFamily="49" charset="0"/>
                 <a:cs typeface="Courier New" panose="02070309020205020404" pitchFamily="49" charset="0"/>
               </a:rPr>
               <a:t>DatabaseInterface</a:t>
             </a:r>
             <a:r>
-              <a:rPr lang="en-US" sz="2400" dirty="0"/>
+              <a:rPr lang="en-US" sz="2800" dirty="0"/>
               <a:t> class.</a:t>
             </a:r>
           </a:p>
           <a:p>
             <a:r>
-              <a:rPr lang="en-US" sz="2400" dirty="0"/>
+              <a:rPr lang="en-US" sz="2800" dirty="0"/>
               <a:t>This class is a fairly straightforward implementation pf JDBC, taking a database name, port, username, and password as arguments for establishing a connection.</a:t>
             </a:r>
           </a:p>
           <a:p>
             <a:r>
-              <a:rPr lang="en-US" sz="2400" dirty="0"/>
+              <a:rPr lang="en-US" sz="2800" dirty="0"/>
               <a:t>The method </a:t>
             </a:r>
             <a:r>
-              <a:rPr lang="en-US" sz="2400" dirty="0" err="1">
+              <a:rPr lang="en-US" sz="2800" dirty="0" err="1">
                 <a:latin typeface="Courier New" panose="02070309020205020404" pitchFamily="49" charset="0"/>
                 <a:cs typeface="Courier New" panose="02070309020205020404" pitchFamily="49" charset="0"/>
               </a:rPr>
               <a:t>execStatement</a:t>
             </a:r>
             <a:r>
-              <a:rPr lang="en-US" sz="2400" dirty="0"/>
+              <a:rPr lang="en-US" sz="2800" dirty="0"/>
               <a:t> takes a query or statement string as an input, then returns the </a:t>
             </a:r>
             <a:r>
-              <a:rPr lang="en-US" sz="2400" dirty="0" err="1">
+              <a:rPr lang="en-US" sz="2800" dirty="0" err="1">
                 <a:latin typeface="Courier New" panose="02070309020205020404" pitchFamily="49" charset="0"/>
                 <a:cs typeface="Courier New" panose="02070309020205020404" pitchFamily="49" charset="0"/>
               </a:rPr>
               <a:t>ResultSet</a:t>
             </a:r>
             <a:r>
-              <a:rPr lang="en-US" sz="2400" dirty="0"/>
+              <a:rPr lang="en-US" sz="2800" dirty="0"/>
               <a:t>.</a:t>
             </a:r>
           </a:p>
@@ -6445,15 +6442,6 @@
 </file>
 
 <file path=customXml/item2.xml><?xml version="1.0" encoding="utf-8"?>
-<?mso-contentType ?>
-<FormTemplates xmlns="http://schemas.microsoft.com/sharepoint/v3/contenttype/forms">
-  <Display>DocumentLibraryForm</Display>
-  <Edit>DocumentLibraryForm</Edit>
-  <New>DocumentLibraryForm</New>
-</FormTemplates>
-</file>
-
-<file path=customXml/item3.xml><?xml version="1.0" encoding="utf-8"?>
 <ct:contentTypeSchema xmlns:ct="http://schemas.microsoft.com/office/2006/metadata/contentType" xmlns:ma="http://schemas.microsoft.com/office/2006/metadata/properties/metaAttributes" ct:_="" ma:_="" ma:contentTypeName="Document" ma:contentTypeID="0x01010079F111ED35F8CC479449609E8A0923A6" ma:contentTypeVersion="12" ma:contentTypeDescription="Create a new document." ma:contentTypeScope="" ma:versionID="a410dd7f93c95333ffa1b60ed6adedd1">
   <xsd:schema xmlns:xsd="http://www.w3.org/2001/XMLSchema" xmlns:xs="http://www.w3.org/2001/XMLSchema" xmlns:p="http://schemas.microsoft.com/office/2006/metadata/properties" xmlns:ns2="71af3243-3dd4-4a8d-8c0d-dd76da1f02a5" xmlns:ns3="16c05727-aa75-4e4a-9b5f-8a80a1165891" targetNamespace="http://schemas.microsoft.com/office/2006/metadata/properties" ma:root="true" ma:fieldsID="a936d9baba76aa3866493feff160faab" ns2:_="" ns3:_="">
     <xsd:import namespace="71af3243-3dd4-4a8d-8c0d-dd76da1f02a5"/>
@@ -6674,6 +6662,15 @@
 </ct:contentTypeSchema>
 </file>
 
+<file path=customXml/item3.xml><?xml version="1.0" encoding="utf-8"?>
+<?mso-contentType ?>
+<FormTemplates xmlns="http://schemas.microsoft.com/sharepoint/v3/contenttype/forms">
+  <Display>DocumentLibraryForm</Display>
+  <Edit>DocumentLibraryForm</Edit>
+  <New>DocumentLibraryForm</New>
+</FormTemplates>
+</file>
+
 <file path=customXml/itemProps1.xml><?xml version="1.0" encoding="utf-8"?>
 <ds:datastoreItem xmlns:ds="http://schemas.openxmlformats.org/officeDocument/2006/customXml" ds:itemID="{137651BA-F45C-4845-9AB3-E0A65B39F5E1}">
   <ds:schemaRefs>
@@ -6685,14 +6682,6 @@
 </file>
 
 <file path=customXml/itemProps2.xml><?xml version="1.0" encoding="utf-8"?>
-<ds:datastoreItem xmlns:ds="http://schemas.openxmlformats.org/officeDocument/2006/customXml" ds:itemID="{CDB58277-F8DF-46FF-84EC-EF41B835E69F}">
-  <ds:schemaRefs>
-    <ds:schemaRef ds:uri="http://schemas.microsoft.com/sharepoint/v3/contenttype/forms"/>
-  </ds:schemaRefs>
-</ds:datastoreItem>
-</file>
-
-<file path=customXml/itemProps3.xml><?xml version="1.0" encoding="utf-8"?>
 <ds:datastoreItem xmlns:ds="http://schemas.openxmlformats.org/officeDocument/2006/customXml" ds:itemID="{2D276E62-80A3-44DD-9BCC-97ED2B99B57F}">
   <ds:schemaRefs>
     <ds:schemaRef ds:uri="http://schemas.microsoft.com/office/2006/metadata/contentType"/>
@@ -6709,4 +6698,12 @@
     <ds:schemaRef ds:uri="http://schemas.microsoft.com/internal/obd"/>
   </ds:schemaRefs>
 </ds:datastoreItem>
+</file>
+
+<file path=customXml/itemProps3.xml><?xml version="1.0" encoding="utf-8"?>
+<ds:datastoreItem xmlns:ds="http://schemas.openxmlformats.org/officeDocument/2006/customXml" ds:itemID="{CDB58277-F8DF-46FF-84EC-EF41B835E69F}">
+  <ds:schemaRefs>
+    <ds:schemaRef ds:uri="http://schemas.microsoft.com/sharepoint/v3/contenttype/forms"/>
+  </ds:schemaRefs>
+</ds:datastoreItem>
 </file>
--- a/Presentation.pptx
+++ b/Presentation.pptx
@@ -1,36 +1,131 @@
 
 <file path=ppt/presentation.xml><?xml version="1.0" encoding="utf-8"?>
-<p:presentation xmlns:a="http://schemas.openxmlformats.org/drawingml/2006/main" xmlns:p="http://schemas.openxmlformats.org/presentationml/2006/main" xmlns:r="http://schemas.openxmlformats.org/officeDocument/2006/relationships" xmlns:p14="http://schemas.microsoft.com/office/powerpoint/2010/main" xmlns:p15="http://schemas.microsoft.com/office/powerpoint/2012/main" xmlns:mc="http://schemas.openxmlformats.org/markup-compatibility/2006">
+<p:presentation xmlns:a="http://schemas.openxmlformats.org/drawingml/2006/main" xmlns:r="http://schemas.openxmlformats.org/officeDocument/2006/relationships" xmlns:p="http://schemas.openxmlformats.org/presentationml/2006/main">
   <p:sldMasterIdLst>
-    <p:sldMasterId id="2147483648" r:id="rId2"/>
-    <p:sldMasterId id="2147483661" r:id="rId3"/>
-    <p:sldMasterId id="2147483674" r:id="rId4"/>
-    <p:sldMasterId id="2147483687" r:id="rId5"/>
+    <p:sldMasterId id="2147483648" r:id="rId1"/>
+    <p:sldMasterId id="2147483661" r:id="rId2"/>
+    <p:sldMasterId id="2147483674" r:id="rId3"/>
+    <p:sldMasterId id="2147483687" r:id="rId4"/>
   </p:sldMasterIdLst>
   <p:sldIdLst>
-    <p:sldId id="256" r:id="rId6"/>
-    <p:sldId id="257" r:id="rId7"/>
-    <p:sldId id="258" r:id="rId8"/>
-    <p:sldId id="259" r:id="rId9"/>
-    <p:sldId id="260" r:id="rId10"/>
-    <p:sldId id="261" r:id="rId11"/>
-    <p:sldId id="262" r:id="rId12"/>
-    <p:sldId id="263" r:id="rId13"/>
-    <p:sldId id="264" r:id="rId14"/>
-    <p:sldId id="265" r:id="rId15"/>
-    <p:sldId id="266" r:id="rId16"/>
-    <p:sldId id="267" r:id="rId17"/>
-    <p:sldId id="268" r:id="rId18"/>
-    <p:sldId id="269" r:id="rId19"/>
-    <p:sldId id="270" r:id="rId20"/>
+    <p:sldId id="256" r:id="rId5"/>
+    <p:sldId id="257" r:id="rId6"/>
+    <p:sldId id="258" r:id="rId7"/>
+    <p:sldId id="259" r:id="rId8"/>
+    <p:sldId id="260" r:id="rId9"/>
+    <p:sldId id="261" r:id="rId10"/>
+    <p:sldId id="262" r:id="rId11"/>
+    <p:sldId id="263" r:id="rId12"/>
+    <p:sldId id="264" r:id="rId13"/>
+    <p:sldId id="265" r:id="rId14"/>
+    <p:sldId id="266" r:id="rId15"/>
+    <p:sldId id="267" r:id="rId16"/>
+    <p:sldId id="268" r:id="rId17"/>
+    <p:sldId id="269" r:id="rId18"/>
+    <p:sldId id="270" r:id="rId19"/>
   </p:sldIdLst>
   <p:sldSz cx="12192000" cy="6858000"/>
   <p:notesSz cx="7772400" cy="10058400"/>
+  <p:defaultTextStyle>
+    <a:defPPr>
+      <a:defRPr lang="en-US"/>
+    </a:defPPr>
+    <a:lvl1pPr marL="0" algn="l" defTabSz="914400" rtl="0" eaLnBrk="1" latinLnBrk="0" hangingPunct="1">
+      <a:defRPr sz="1800" kern="1200">
+        <a:solidFill>
+          <a:schemeClr val="tx1"/>
+        </a:solidFill>
+        <a:latin typeface="+mn-lt"/>
+        <a:ea typeface="+mn-ea"/>
+        <a:cs typeface="+mn-cs"/>
+      </a:defRPr>
+    </a:lvl1pPr>
+    <a:lvl2pPr marL="457200" algn="l" defTabSz="914400" rtl="0" eaLnBrk="1" latinLnBrk="0" hangingPunct="1">
+      <a:defRPr sz="1800" kern="1200">
+        <a:solidFill>
+          <a:schemeClr val="tx1"/>
+        </a:solidFill>
+        <a:latin typeface="+mn-lt"/>
+        <a:ea typeface="+mn-ea"/>
+        <a:cs typeface="+mn-cs"/>
+      </a:defRPr>
+    </a:lvl2pPr>
+    <a:lvl3pPr marL="914400" algn="l" defTabSz="914400" rtl="0" eaLnBrk="1" latinLnBrk="0" hangingPunct="1">
+      <a:defRPr sz="1800" kern="1200">
+        <a:solidFill>
+          <a:schemeClr val="tx1"/>
+        </a:solidFill>
+        <a:latin typeface="+mn-lt"/>
+        <a:ea typeface="+mn-ea"/>
+        <a:cs typeface="+mn-cs"/>
+      </a:defRPr>
+    </a:lvl3pPr>
+    <a:lvl4pPr marL="1371600" algn="l" defTabSz="914400" rtl="0" eaLnBrk="1" latinLnBrk="0" hangingPunct="1">
+      <a:defRPr sz="1800" kern="1200">
+        <a:solidFill>
+          <a:schemeClr val="tx1"/>
+        </a:solidFill>
+        <a:latin typeface="+mn-lt"/>
+        <a:ea typeface="+mn-ea"/>
+        <a:cs typeface="+mn-cs"/>
+      </a:defRPr>
+    </a:lvl4pPr>
+    <a:lvl5pPr marL="1828800" algn="l" defTabSz="914400" rtl="0" eaLnBrk="1" latinLnBrk="0" hangingPunct="1">
+      <a:defRPr sz="1800" kern="1200">
+        <a:solidFill>
+          <a:schemeClr val="tx1"/>
+        </a:solidFill>
+        <a:latin typeface="+mn-lt"/>
+        <a:ea typeface="+mn-ea"/>
+        <a:cs typeface="+mn-cs"/>
+      </a:defRPr>
+    </a:lvl5pPr>
+    <a:lvl6pPr marL="2286000" algn="l" defTabSz="914400" rtl="0" eaLnBrk="1" latinLnBrk="0" hangingPunct="1">
+      <a:defRPr sz="1800" kern="1200">
+        <a:solidFill>
+          <a:schemeClr val="tx1"/>
+        </a:solidFill>
+        <a:latin typeface="+mn-lt"/>
+        <a:ea typeface="+mn-ea"/>
+        <a:cs typeface="+mn-cs"/>
+      </a:defRPr>
+    </a:lvl6pPr>
+    <a:lvl7pPr marL="2743200" algn="l" defTabSz="914400" rtl="0" eaLnBrk="1" latinLnBrk="0" hangingPunct="1">
+      <a:defRPr sz="1800" kern="1200">
+        <a:solidFill>
+          <a:schemeClr val="tx1"/>
+        </a:solidFill>
+        <a:latin typeface="+mn-lt"/>
+        <a:ea typeface="+mn-ea"/>
+        <a:cs typeface="+mn-cs"/>
+      </a:defRPr>
+    </a:lvl7pPr>
+    <a:lvl8pPr marL="3200400" algn="l" defTabSz="914400" rtl="0" eaLnBrk="1" latinLnBrk="0" hangingPunct="1">
+      <a:defRPr sz="1800" kern="1200">
+        <a:solidFill>
+          <a:schemeClr val="tx1"/>
+        </a:solidFill>
+        <a:latin typeface="+mn-lt"/>
+        <a:ea typeface="+mn-ea"/>
+        <a:cs typeface="+mn-cs"/>
+      </a:defRPr>
+    </a:lvl8pPr>
+    <a:lvl9pPr marL="3657600" algn="l" defTabSz="914400" rtl="0" eaLnBrk="1" latinLnBrk="0" hangingPunct="1">
+      <a:defRPr sz="1800" kern="1200">
+        <a:solidFill>
+          <a:schemeClr val="tx1"/>
+        </a:solidFill>
+        <a:latin typeface="+mn-lt"/>
+        <a:ea typeface="+mn-ea"/>
+        <a:cs typeface="+mn-cs"/>
+      </a:defRPr>
+    </a:lvl9pPr>
+  </p:defaultTextStyle>
 </p:presentation>
 </file>
 
 <file path=ppt/slideLayouts/slideLayout1.xml><?xml version="1.0" encoding="utf-8"?>
-<p:sldLayout xmlns:a="http://schemas.openxmlformats.org/drawingml/2006/main" xmlns:p="http://schemas.openxmlformats.org/presentationml/2006/main" xmlns:r="http://schemas.openxmlformats.org/officeDocument/2006/relationships" xmlns:p14="http://schemas.microsoft.com/office/powerpoint/2010/main" xmlns:p15="http://schemas.microsoft.com/office/powerpoint/2012/main" xmlns:mc="http://schemas.openxmlformats.org/markup-compatibility/2006" type="blank" preserve="1">
+<p:sldLayout xmlns:a="http://schemas.openxmlformats.org/drawingml/2006/main" xmlns:r="http://schemas.openxmlformats.org/officeDocument/2006/relationships" xmlns:p="http://schemas.openxmlformats.org/presentationml/2006/main" type="blank" preserve="1">
   <p:cSld name="Blank Slide">
     <p:spTree>
       <p:nvGrpSpPr>
@@ -48,11 +143,14 @@
       </p:grpSpPr>
     </p:spTree>
   </p:cSld>
+  <p:clrMapOvr>
+    <a:masterClrMapping/>
+  </p:clrMapOvr>
 </p:sldLayout>
 </file>
 
 <file path=ppt/slideLayouts/slideLayout10.xml><?xml version="1.0" encoding="utf-8"?>
-<p:sldLayout xmlns:a="http://schemas.openxmlformats.org/drawingml/2006/main" xmlns:p="http://schemas.openxmlformats.org/presentationml/2006/main" xmlns:r="http://schemas.openxmlformats.org/officeDocument/2006/relationships" xmlns:p14="http://schemas.microsoft.com/office/powerpoint/2010/main" xmlns:p15="http://schemas.microsoft.com/office/powerpoint/2012/main" xmlns:mc="http://schemas.openxmlformats.org/markup-compatibility/2006" type="objOverTx" preserve="1">
+<p:sldLayout xmlns:a="http://schemas.openxmlformats.org/drawingml/2006/main" xmlns:r="http://schemas.openxmlformats.org/officeDocument/2006/relationships" xmlns:p="http://schemas.openxmlformats.org/presentationml/2006/main" type="objOverTx" preserve="1">
   <p:cSld name="Title, Content over Content">
     <p:spTree>
       <p:nvGrpSpPr>
@@ -92,11 +190,12 @@
           </a:ln>
         </p:spPr>
         <p:txBody>
-          <a:bodyPr lIns="0" rIns="0" tIns="0" bIns="0" anchor="ctr">
+          <a:bodyPr lIns="0" tIns="0" rIns="0" bIns="0" anchor="ctr">
             <a:noAutofit/>
           </a:bodyPr>
-          <a:p>
-            <a:endParaRPr b="0" lang="en-US" sz="1800" spc="-1" strike="noStrike">
+          <a:lstStyle/>
+          <a:p>
+            <a:endParaRPr lang="en-US" sz="1800" b="0" strike="noStrike" spc="-1">
               <a:solidFill>
                 <a:srgbClr val="000000"/>
               </a:solidFill>
@@ -129,11 +228,12 @@
           </a:ln>
         </p:spPr>
         <p:txBody>
-          <a:bodyPr lIns="0" rIns="0" tIns="0" bIns="0" anchor="t">
+          <a:bodyPr lIns="0" tIns="0" rIns="0" bIns="0" anchor="t">
             <a:normAutofit/>
           </a:bodyPr>
-          <a:p>
-            <a:endParaRPr b="0" lang="en-US" sz="1500" spc="-1" strike="noStrike">
+          <a:lstStyle/>
+          <a:p>
+            <a:endParaRPr lang="en-US" sz="1500" b="0" strike="noStrike" spc="-1">
               <a:solidFill>
                 <a:srgbClr val="000000"/>
               </a:solidFill>
@@ -166,11 +266,12 @@
           </a:ln>
         </p:spPr>
         <p:txBody>
-          <a:bodyPr lIns="0" rIns="0" tIns="0" bIns="0" anchor="t">
+          <a:bodyPr lIns="0" tIns="0" rIns="0" bIns="0" anchor="t">
             <a:normAutofit/>
           </a:bodyPr>
-          <a:p>
-            <a:endParaRPr b="0" lang="en-US" sz="1500" spc="-1" strike="noStrike">
+          <a:lstStyle/>
+          <a:p>
+            <a:endParaRPr lang="en-US" sz="1500" b="0" strike="noStrike" spc="-1">
               <a:solidFill>
                 <a:srgbClr val="000000"/>
               </a:solidFill>
@@ -181,11 +282,14 @@
       </p:sp>
     </p:spTree>
   </p:cSld>
+  <p:clrMapOvr>
+    <a:masterClrMapping/>
+  </p:clrMapOvr>
 </p:sldLayout>
 </file>
 
 <file path=ppt/slideLayouts/slideLayout11.xml><?xml version="1.0" encoding="utf-8"?>
-<p:sldLayout xmlns:a="http://schemas.openxmlformats.org/drawingml/2006/main" xmlns:p="http://schemas.openxmlformats.org/presentationml/2006/main" xmlns:r="http://schemas.openxmlformats.org/officeDocument/2006/relationships" xmlns:p14="http://schemas.microsoft.com/office/powerpoint/2010/main" xmlns:p15="http://schemas.microsoft.com/office/powerpoint/2012/main" xmlns:mc="http://schemas.openxmlformats.org/markup-compatibility/2006" type="fourObj" preserve="1">
+<p:sldLayout xmlns:a="http://schemas.openxmlformats.org/drawingml/2006/main" xmlns:r="http://schemas.openxmlformats.org/officeDocument/2006/relationships" xmlns:p="http://schemas.openxmlformats.org/presentationml/2006/main" type="fourObj" preserve="1">
   <p:cSld name="Title, 4 Content">
     <p:spTree>
       <p:nvGrpSpPr>
@@ -225,11 +329,12 @@
           </a:ln>
         </p:spPr>
         <p:txBody>
-          <a:bodyPr lIns="0" rIns="0" tIns="0" bIns="0" anchor="ctr">
+          <a:bodyPr lIns="0" tIns="0" rIns="0" bIns="0" anchor="ctr">
             <a:noAutofit/>
           </a:bodyPr>
-          <a:p>
-            <a:endParaRPr b="0" lang="en-US" sz="1800" spc="-1" strike="noStrike">
+          <a:lstStyle/>
+          <a:p>
+            <a:endParaRPr lang="en-US" sz="1800" b="0" strike="noStrike" spc="-1">
               <a:solidFill>
                 <a:srgbClr val="000000"/>
               </a:solidFill>
@@ -262,11 +367,12 @@
           </a:ln>
         </p:spPr>
         <p:txBody>
-          <a:bodyPr lIns="0" rIns="0" tIns="0" bIns="0" anchor="t">
+          <a:bodyPr lIns="0" tIns="0" rIns="0" bIns="0" anchor="t">
             <a:normAutofit/>
           </a:bodyPr>
-          <a:p>
-            <a:endParaRPr b="0" lang="en-US" sz="1500" spc="-1" strike="noStrike">
+          <a:lstStyle/>
+          <a:p>
+            <a:endParaRPr lang="en-US" sz="1500" b="0" strike="noStrike" spc="-1">
               <a:solidFill>
                 <a:srgbClr val="000000"/>
               </a:solidFill>
@@ -299,11 +405,12 @@
           </a:ln>
         </p:spPr>
         <p:txBody>
-          <a:bodyPr lIns="0" rIns="0" tIns="0" bIns="0" anchor="t">
+          <a:bodyPr lIns="0" tIns="0" rIns="0" bIns="0" anchor="t">
             <a:normAutofit/>
           </a:bodyPr>
-          <a:p>
-            <a:endParaRPr b="0" lang="en-US" sz="1500" spc="-1" strike="noStrike">
+          <a:lstStyle/>
+          <a:p>
+            <a:endParaRPr lang="en-US" sz="1500" b="0" strike="noStrike" spc="-1">
               <a:solidFill>
                 <a:srgbClr val="000000"/>
               </a:solidFill>
@@ -336,11 +443,12 @@
           </a:ln>
         </p:spPr>
         <p:txBody>
-          <a:bodyPr lIns="0" rIns="0" tIns="0" bIns="0" anchor="t">
+          <a:bodyPr lIns="0" tIns="0" rIns="0" bIns="0" anchor="t">
             <a:normAutofit/>
           </a:bodyPr>
-          <a:p>
-            <a:endParaRPr b="0" lang="en-US" sz="1500" spc="-1" strike="noStrike">
+          <a:lstStyle/>
+          <a:p>
+            <a:endParaRPr lang="en-US" sz="1500" b="0" strike="noStrike" spc="-1">
               <a:solidFill>
                 <a:srgbClr val="000000"/>
               </a:solidFill>
@@ -373,11 +481,12 @@
           </a:ln>
         </p:spPr>
         <p:txBody>
-          <a:bodyPr lIns="0" rIns="0" tIns="0" bIns="0" anchor="t">
+          <a:bodyPr lIns="0" tIns="0" rIns="0" bIns="0" anchor="t">
             <a:normAutofit/>
           </a:bodyPr>
-          <a:p>
-            <a:endParaRPr b="0" lang="en-US" sz="1500" spc="-1" strike="noStrike">
+          <a:lstStyle/>
+          <a:p>
+            <a:endParaRPr lang="en-US" sz="1500" b="0" strike="noStrike" spc="-1">
               <a:solidFill>
                 <a:srgbClr val="000000"/>
               </a:solidFill>
@@ -388,11 +497,14 @@
       </p:sp>
     </p:spTree>
   </p:cSld>
+  <p:clrMapOvr>
+    <a:masterClrMapping/>
+  </p:clrMapOvr>
 </p:sldLayout>
 </file>
 
 <file path=ppt/slideLayouts/slideLayout12.xml><?xml version="1.0" encoding="utf-8"?>
-<p:sldLayout xmlns:a="http://schemas.openxmlformats.org/drawingml/2006/main" xmlns:p="http://schemas.openxmlformats.org/presentationml/2006/main" xmlns:r="http://schemas.openxmlformats.org/officeDocument/2006/relationships" xmlns:p14="http://schemas.microsoft.com/office/powerpoint/2010/main" xmlns:p15="http://schemas.microsoft.com/office/powerpoint/2012/main" xmlns:mc="http://schemas.openxmlformats.org/markup-compatibility/2006" type="blank" preserve="1">
+<p:sldLayout xmlns:a="http://schemas.openxmlformats.org/drawingml/2006/main" xmlns:r="http://schemas.openxmlformats.org/officeDocument/2006/relationships" xmlns:p="http://schemas.openxmlformats.org/presentationml/2006/main" type="blank" preserve="1">
   <p:cSld name="Title, 6 Content">
     <p:spTree>
       <p:nvGrpSpPr>
@@ -432,11 +544,12 @@
           </a:ln>
         </p:spPr>
         <p:txBody>
-          <a:bodyPr lIns="0" rIns="0" tIns="0" bIns="0" anchor="ctr">
+          <a:bodyPr lIns="0" tIns="0" rIns="0" bIns="0" anchor="ctr">
             <a:noAutofit/>
           </a:bodyPr>
-          <a:p>
-            <a:endParaRPr b="0" lang="en-US" sz="1800" spc="-1" strike="noStrike">
+          <a:lstStyle/>
+          <a:p>
+            <a:endParaRPr lang="en-US" sz="1800" b="0" strike="noStrike" spc="-1">
               <a:solidFill>
                 <a:srgbClr val="000000"/>
               </a:solidFill>
@@ -469,11 +582,12 @@
           </a:ln>
         </p:spPr>
         <p:txBody>
-          <a:bodyPr lIns="0" rIns="0" tIns="0" bIns="0" anchor="t">
+          <a:bodyPr lIns="0" tIns="0" rIns="0" bIns="0" anchor="t">
             <a:normAutofit/>
           </a:bodyPr>
-          <a:p>
-            <a:endParaRPr b="0" lang="en-US" sz="1500" spc="-1" strike="noStrike">
+          <a:lstStyle/>
+          <a:p>
+            <a:endParaRPr lang="en-US" sz="1500" b="0" strike="noStrike" spc="-1">
               <a:solidFill>
                 <a:srgbClr val="000000"/>
               </a:solidFill>
@@ -506,11 +620,12 @@
           </a:ln>
         </p:spPr>
         <p:txBody>
-          <a:bodyPr lIns="0" rIns="0" tIns="0" bIns="0" anchor="t">
+          <a:bodyPr lIns="0" tIns="0" rIns="0" bIns="0" anchor="t">
             <a:normAutofit/>
           </a:bodyPr>
-          <a:p>
-            <a:endParaRPr b="0" lang="en-US" sz="1500" spc="-1" strike="noStrike">
+          <a:lstStyle/>
+          <a:p>
+            <a:endParaRPr lang="en-US" sz="1500" b="0" strike="noStrike" spc="-1">
               <a:solidFill>
                 <a:srgbClr val="000000"/>
               </a:solidFill>
@@ -543,11 +658,12 @@
           </a:ln>
         </p:spPr>
         <p:txBody>
-          <a:bodyPr lIns="0" rIns="0" tIns="0" bIns="0" anchor="t">
+          <a:bodyPr lIns="0" tIns="0" rIns="0" bIns="0" anchor="t">
             <a:normAutofit/>
           </a:bodyPr>
-          <a:p>
-            <a:endParaRPr b="0" lang="en-US" sz="1500" spc="-1" strike="noStrike">
+          <a:lstStyle/>
+          <a:p>
+            <a:endParaRPr lang="en-US" sz="1500" b="0" strike="noStrike" spc="-1">
               <a:solidFill>
                 <a:srgbClr val="000000"/>
               </a:solidFill>
@@ -580,11 +696,12 @@
           </a:ln>
         </p:spPr>
         <p:txBody>
-          <a:bodyPr lIns="0" rIns="0" tIns="0" bIns="0" anchor="t">
+          <a:bodyPr lIns="0" tIns="0" rIns="0" bIns="0" anchor="t">
             <a:normAutofit/>
           </a:bodyPr>
-          <a:p>
-            <a:endParaRPr b="0" lang="en-US" sz="1500" spc="-1" strike="noStrike">
+          <a:lstStyle/>
+          <a:p>
+            <a:endParaRPr lang="en-US" sz="1500" b="0" strike="noStrike" spc="-1">
               <a:solidFill>
                 <a:srgbClr val="000000"/>
               </a:solidFill>
@@ -617,11 +734,12 @@
           </a:ln>
         </p:spPr>
         <p:txBody>
-          <a:bodyPr lIns="0" rIns="0" tIns="0" bIns="0" anchor="t">
+          <a:bodyPr lIns="0" tIns="0" rIns="0" bIns="0" anchor="t">
             <a:normAutofit/>
           </a:bodyPr>
-          <a:p>
-            <a:endParaRPr b="0" lang="en-US" sz="1500" spc="-1" strike="noStrike">
+          <a:lstStyle/>
+          <a:p>
+            <a:endParaRPr lang="en-US" sz="1500" b="0" strike="noStrike" spc="-1">
               <a:solidFill>
                 <a:srgbClr val="000000"/>
               </a:solidFill>
@@ -654,11 +772,12 @@
           </a:ln>
         </p:spPr>
         <p:txBody>
-          <a:bodyPr lIns="0" rIns="0" tIns="0" bIns="0" anchor="t">
+          <a:bodyPr lIns="0" tIns="0" rIns="0" bIns="0" anchor="t">
             <a:normAutofit/>
           </a:bodyPr>
-          <a:p>
-            <a:endParaRPr b="0" lang="en-US" sz="1500" spc="-1" strike="noStrike">
+          <a:lstStyle/>
+          <a:p>
+            <a:endParaRPr lang="en-US" sz="1500" b="0" strike="noStrike" spc="-1">
               <a:solidFill>
                 <a:srgbClr val="000000"/>
               </a:solidFill>
@@ -669,11 +788,14 @@
       </p:sp>
     </p:spTree>
   </p:cSld>
+  <p:clrMapOvr>
+    <a:masterClrMapping/>
+  </p:clrMapOvr>
 </p:sldLayout>
 </file>
 
 <file path=ppt/slideLayouts/slideLayout13.xml><?xml version="1.0" encoding="utf-8"?>
-<p:sldLayout xmlns:a="http://schemas.openxmlformats.org/drawingml/2006/main" xmlns:p="http://schemas.openxmlformats.org/presentationml/2006/main" xmlns:r="http://schemas.openxmlformats.org/officeDocument/2006/relationships" xmlns:p14="http://schemas.microsoft.com/office/powerpoint/2010/main" xmlns:p15="http://schemas.microsoft.com/office/powerpoint/2012/main" xmlns:mc="http://schemas.openxmlformats.org/markup-compatibility/2006" type="blank" preserve="1">
+<p:sldLayout xmlns:a="http://schemas.openxmlformats.org/drawingml/2006/main" xmlns:r="http://schemas.openxmlformats.org/officeDocument/2006/relationships" xmlns:p="http://schemas.openxmlformats.org/presentationml/2006/main" type="blank" preserve="1">
   <p:cSld name="Blank Slide">
     <p:spTree>
       <p:nvGrpSpPr>
@@ -691,11 +813,14 @@
       </p:grpSpPr>
     </p:spTree>
   </p:cSld>
+  <p:clrMapOvr>
+    <a:masterClrMapping/>
+  </p:clrMapOvr>
 </p:sldLayout>
 </file>
 
 <file path=ppt/slideLayouts/slideLayout14.xml><?xml version="1.0" encoding="utf-8"?>
-<p:sldLayout xmlns:a="http://schemas.openxmlformats.org/drawingml/2006/main" xmlns:p="http://schemas.openxmlformats.org/presentationml/2006/main" xmlns:r="http://schemas.openxmlformats.org/officeDocument/2006/relationships" xmlns:p14="http://schemas.microsoft.com/office/powerpoint/2010/main" xmlns:p15="http://schemas.microsoft.com/office/powerpoint/2012/main" xmlns:mc="http://schemas.openxmlformats.org/markup-compatibility/2006" type="tx" preserve="1">
+<p:sldLayout xmlns:a="http://schemas.openxmlformats.org/drawingml/2006/main" xmlns:r="http://schemas.openxmlformats.org/officeDocument/2006/relationships" xmlns:p="http://schemas.openxmlformats.org/presentationml/2006/main" type="tx" preserve="1">
   <p:cSld name="Title Slide">
     <p:spTree>
       <p:nvGrpSpPr>
@@ -735,11 +860,12 @@
           </a:ln>
         </p:spPr>
         <p:txBody>
-          <a:bodyPr lIns="0" rIns="0" tIns="0" bIns="0" anchor="ctr">
+          <a:bodyPr lIns="0" tIns="0" rIns="0" bIns="0" anchor="ctr">
             <a:noAutofit/>
           </a:bodyPr>
-          <a:p>
-            <a:endParaRPr b="0" lang="en-US" sz="1800" spc="-1" strike="noStrike">
+          <a:lstStyle/>
+          <a:p>
+            <a:endParaRPr lang="en-US" sz="1800" b="0" strike="noStrike" spc="-1">
               <a:solidFill>
                 <a:srgbClr val="000000"/>
               </a:solidFill>
@@ -772,12 +898,13 @@
           </a:ln>
         </p:spPr>
         <p:txBody>
-          <a:bodyPr lIns="0" rIns="0" tIns="0" bIns="0" anchor="ctr">
+          <a:bodyPr lIns="0" tIns="0" rIns="0" bIns="0" anchor="ctr">
             <a:noAutofit/>
           </a:bodyPr>
+          <a:lstStyle/>
           <a:p>
             <a:pPr algn="ctr"/>
-            <a:endParaRPr b="0" lang="en-US" sz="3200" spc="-1" strike="noStrike">
+            <a:endParaRPr lang="en-US" sz="3200" b="0" strike="noStrike" spc="-1">
               <a:latin typeface="Nimbus Sans"/>
             </a:endParaRPr>
           </a:p>
@@ -785,11 +912,14 @@
       </p:sp>
     </p:spTree>
   </p:cSld>
+  <p:clrMapOvr>
+    <a:masterClrMapping/>
+  </p:clrMapOvr>
 </p:sldLayout>
 </file>
 
 <file path=ppt/slideLayouts/slideLayout15.xml><?xml version="1.0" encoding="utf-8"?>
-<p:sldLayout xmlns:a="http://schemas.openxmlformats.org/drawingml/2006/main" xmlns:p="http://schemas.openxmlformats.org/presentationml/2006/main" xmlns:r="http://schemas.openxmlformats.org/officeDocument/2006/relationships" xmlns:p14="http://schemas.microsoft.com/office/powerpoint/2010/main" xmlns:p15="http://schemas.microsoft.com/office/powerpoint/2012/main" xmlns:mc="http://schemas.openxmlformats.org/markup-compatibility/2006" type="obj" preserve="1">
+<p:sldLayout xmlns:a="http://schemas.openxmlformats.org/drawingml/2006/main" xmlns:r="http://schemas.openxmlformats.org/officeDocument/2006/relationships" xmlns:p="http://schemas.openxmlformats.org/presentationml/2006/main" type="obj" preserve="1">
   <p:cSld name="Title, Content">
     <p:spTree>
       <p:nvGrpSpPr>
@@ -829,11 +959,12 @@
           </a:ln>
         </p:spPr>
         <p:txBody>
-          <a:bodyPr lIns="0" rIns="0" tIns="0" bIns="0" anchor="ctr">
+          <a:bodyPr lIns="0" tIns="0" rIns="0" bIns="0" anchor="ctr">
             <a:noAutofit/>
           </a:bodyPr>
-          <a:p>
-            <a:endParaRPr b="0" lang="en-US" sz="1800" spc="-1" strike="noStrike">
+          <a:lstStyle/>
+          <a:p>
+            <a:endParaRPr lang="en-US" sz="1800" b="0" strike="noStrike" spc="-1">
               <a:solidFill>
                 <a:srgbClr val="000000"/>
               </a:solidFill>
@@ -866,11 +997,12 @@
           </a:ln>
         </p:spPr>
         <p:txBody>
-          <a:bodyPr lIns="0" rIns="0" tIns="0" bIns="0" anchor="t">
+          <a:bodyPr lIns="0" tIns="0" rIns="0" bIns="0" anchor="t">
             <a:normAutofit/>
           </a:bodyPr>
-          <a:p>
-            <a:endParaRPr b="0" lang="en-US" sz="1500" spc="-1" strike="noStrike">
+          <a:lstStyle/>
+          <a:p>
+            <a:endParaRPr lang="en-US" sz="1500" b="0" strike="noStrike" spc="-1">
               <a:solidFill>
                 <a:srgbClr val="000000"/>
               </a:solidFill>
@@ -881,11 +1013,14 @@
       </p:sp>
     </p:spTree>
   </p:cSld>
+  <p:clrMapOvr>
+    <a:masterClrMapping/>
+  </p:clrMapOvr>
 </p:sldLayout>
 </file>
 
 <file path=ppt/slideLayouts/slideLayout16.xml><?xml version="1.0" encoding="utf-8"?>
-<p:sldLayout xmlns:a="http://schemas.openxmlformats.org/drawingml/2006/main" xmlns:p="http://schemas.openxmlformats.org/presentationml/2006/main" xmlns:r="http://schemas.openxmlformats.org/officeDocument/2006/relationships" xmlns:p14="http://schemas.microsoft.com/office/powerpoint/2010/main" xmlns:p15="http://schemas.microsoft.com/office/powerpoint/2012/main" xmlns:mc="http://schemas.openxmlformats.org/markup-compatibility/2006" type="twoObj" preserve="1">
+<p:sldLayout xmlns:a="http://schemas.openxmlformats.org/drawingml/2006/main" xmlns:r="http://schemas.openxmlformats.org/officeDocument/2006/relationships" xmlns:p="http://schemas.openxmlformats.org/presentationml/2006/main" type="twoObj" preserve="1">
   <p:cSld name="Title, 2 Content">
     <p:spTree>
       <p:nvGrpSpPr>
@@ -925,11 +1060,12 @@
           </a:ln>
         </p:spPr>
         <p:txBody>
-          <a:bodyPr lIns="0" rIns="0" tIns="0" bIns="0" anchor="ctr">
+          <a:bodyPr lIns="0" tIns="0" rIns="0" bIns="0" anchor="ctr">
             <a:noAutofit/>
           </a:bodyPr>
-          <a:p>
-            <a:endParaRPr b="0" lang="en-US" sz="1800" spc="-1" strike="noStrike">
+          <a:lstStyle/>
+          <a:p>
+            <a:endParaRPr lang="en-US" sz="1800" b="0" strike="noStrike" spc="-1">
               <a:solidFill>
                 <a:srgbClr val="000000"/>
               </a:solidFill>
@@ -962,11 +1098,12 @@
           </a:ln>
         </p:spPr>
         <p:txBody>
-          <a:bodyPr lIns="0" rIns="0" tIns="0" bIns="0" anchor="t">
+          <a:bodyPr lIns="0" tIns="0" rIns="0" bIns="0" anchor="t">
             <a:normAutofit/>
           </a:bodyPr>
-          <a:p>
-            <a:endParaRPr b="0" lang="en-US" sz="1500" spc="-1" strike="noStrike">
+          <a:lstStyle/>
+          <a:p>
+            <a:endParaRPr lang="en-US" sz="1500" b="0" strike="noStrike" spc="-1">
               <a:solidFill>
                 <a:srgbClr val="000000"/>
               </a:solidFill>
@@ -999,11 +1136,12 @@
           </a:ln>
         </p:spPr>
         <p:txBody>
-          <a:bodyPr lIns="0" rIns="0" tIns="0" bIns="0" anchor="t">
+          <a:bodyPr lIns="0" tIns="0" rIns="0" bIns="0" anchor="t">
             <a:normAutofit/>
           </a:bodyPr>
-          <a:p>
-            <a:endParaRPr b="0" lang="en-US" sz="1500" spc="-1" strike="noStrike">
+          <a:lstStyle/>
+          <a:p>
+            <a:endParaRPr lang="en-US" sz="1500" b="0" strike="noStrike" spc="-1">
               <a:solidFill>
                 <a:srgbClr val="000000"/>
               </a:solidFill>
@@ -1014,11 +1152,14 @@
       </p:sp>
     </p:spTree>
   </p:cSld>
+  <p:clrMapOvr>
+    <a:masterClrMapping/>
+  </p:clrMapOvr>
 </p:sldLayout>
 </file>
 
 <file path=ppt/slideLayouts/slideLayout17.xml><?xml version="1.0" encoding="utf-8"?>
-<p:sldLayout xmlns:a="http://schemas.openxmlformats.org/drawingml/2006/main" xmlns:p="http://schemas.openxmlformats.org/presentationml/2006/main" xmlns:r="http://schemas.openxmlformats.org/officeDocument/2006/relationships" xmlns:p14="http://schemas.microsoft.com/office/powerpoint/2010/main" xmlns:p15="http://schemas.microsoft.com/office/powerpoint/2012/main" xmlns:mc="http://schemas.openxmlformats.org/markup-compatibility/2006" type="titleOnly" preserve="1">
+<p:sldLayout xmlns:a="http://schemas.openxmlformats.org/drawingml/2006/main" xmlns:r="http://schemas.openxmlformats.org/officeDocument/2006/relationships" xmlns:p="http://schemas.openxmlformats.org/presentationml/2006/main" type="titleOnly" preserve="1">
   <p:cSld name="Title Only">
     <p:spTree>
       <p:nvGrpSpPr>
@@ -1058,11 +1199,12 @@
           </a:ln>
         </p:spPr>
         <p:txBody>
-          <a:bodyPr lIns="0" rIns="0" tIns="0" bIns="0" anchor="ctr">
+          <a:bodyPr lIns="0" tIns="0" rIns="0" bIns="0" anchor="ctr">
             <a:noAutofit/>
           </a:bodyPr>
-          <a:p>
-            <a:endParaRPr b="0" lang="en-US" sz="1800" spc="-1" strike="noStrike">
+          <a:lstStyle/>
+          <a:p>
+            <a:endParaRPr lang="en-US" sz="1800" b="0" strike="noStrike" spc="-1">
               <a:solidFill>
                 <a:srgbClr val="000000"/>
               </a:solidFill>
@@ -1073,11 +1215,14 @@
       </p:sp>
     </p:spTree>
   </p:cSld>
+  <p:clrMapOvr>
+    <a:masterClrMapping/>
+  </p:clrMapOvr>
 </p:sldLayout>
 </file>
 
 <file path=ppt/slideLayouts/slideLayout18.xml><?xml version="1.0" encoding="utf-8"?>
-<p:sldLayout xmlns:a="http://schemas.openxmlformats.org/drawingml/2006/main" xmlns:p="http://schemas.openxmlformats.org/presentationml/2006/main" xmlns:r="http://schemas.openxmlformats.org/officeDocument/2006/relationships" xmlns:p14="http://schemas.microsoft.com/office/powerpoint/2010/main" xmlns:p15="http://schemas.microsoft.com/office/powerpoint/2012/main" xmlns:mc="http://schemas.openxmlformats.org/markup-compatibility/2006" type="objOnly" preserve="1">
+<p:sldLayout xmlns:a="http://schemas.openxmlformats.org/drawingml/2006/main" xmlns:r="http://schemas.openxmlformats.org/officeDocument/2006/relationships" xmlns:p="http://schemas.openxmlformats.org/presentationml/2006/main" type="objOnly" preserve="1">
   <p:cSld name="Centered Text">
     <p:spTree>
       <p:nvGrpSpPr>
@@ -1117,12 +1262,13 @@
           </a:ln>
         </p:spPr>
         <p:txBody>
-          <a:bodyPr lIns="0" rIns="0" tIns="0" bIns="0" anchor="ctr">
+          <a:bodyPr lIns="0" tIns="0" rIns="0" bIns="0" anchor="ctr">
             <a:noAutofit/>
           </a:bodyPr>
+          <a:lstStyle/>
           <a:p>
             <a:pPr algn="ctr"/>
-            <a:endParaRPr b="0" lang="en-US" sz="3200" spc="-1" strike="noStrike">
+            <a:endParaRPr lang="en-US" sz="3200" b="0" strike="noStrike" spc="-1">
               <a:latin typeface="Nimbus Sans"/>
             </a:endParaRPr>
           </a:p>
@@ -1130,11 +1276,14 @@
       </p:sp>
     </p:spTree>
   </p:cSld>
+  <p:clrMapOvr>
+    <a:masterClrMapping/>
+  </p:clrMapOvr>
 </p:sldLayout>
 </file>
 
 <file path=ppt/slideLayouts/slideLayout19.xml><?xml version="1.0" encoding="utf-8"?>
-<p:sldLayout xmlns:a="http://schemas.openxmlformats.org/drawingml/2006/main" xmlns:p="http://schemas.openxmlformats.org/presentationml/2006/main" xmlns:r="http://schemas.openxmlformats.org/officeDocument/2006/relationships" xmlns:p14="http://schemas.microsoft.com/office/powerpoint/2010/main" xmlns:p15="http://schemas.microsoft.com/office/powerpoint/2012/main" xmlns:mc="http://schemas.openxmlformats.org/markup-compatibility/2006" type="twoObjAndObj" preserve="1">
+<p:sldLayout xmlns:a="http://schemas.openxmlformats.org/drawingml/2006/main" xmlns:r="http://schemas.openxmlformats.org/officeDocument/2006/relationships" xmlns:p="http://schemas.openxmlformats.org/presentationml/2006/main" type="twoObjAndObj" preserve="1">
   <p:cSld name="Title, 2 Content and Content">
     <p:spTree>
       <p:nvGrpSpPr>
@@ -1174,11 +1323,12 @@
           </a:ln>
         </p:spPr>
         <p:txBody>
-          <a:bodyPr lIns="0" rIns="0" tIns="0" bIns="0" anchor="ctr">
+          <a:bodyPr lIns="0" tIns="0" rIns="0" bIns="0" anchor="ctr">
             <a:noAutofit/>
           </a:bodyPr>
-          <a:p>
-            <a:endParaRPr b="0" lang="en-US" sz="1800" spc="-1" strike="noStrike">
+          <a:lstStyle/>
+          <a:p>
+            <a:endParaRPr lang="en-US" sz="1800" b="0" strike="noStrike" spc="-1">
               <a:solidFill>
                 <a:srgbClr val="000000"/>
               </a:solidFill>
@@ -1211,11 +1361,12 @@
           </a:ln>
         </p:spPr>
         <p:txBody>
-          <a:bodyPr lIns="0" rIns="0" tIns="0" bIns="0" anchor="t">
+          <a:bodyPr lIns="0" tIns="0" rIns="0" bIns="0" anchor="t">
             <a:normAutofit/>
           </a:bodyPr>
-          <a:p>
-            <a:endParaRPr b="0" lang="en-US" sz="1500" spc="-1" strike="noStrike">
+          <a:lstStyle/>
+          <a:p>
+            <a:endParaRPr lang="en-US" sz="1500" b="0" strike="noStrike" spc="-1">
               <a:solidFill>
                 <a:srgbClr val="000000"/>
               </a:solidFill>
@@ -1248,11 +1399,12 @@
           </a:ln>
         </p:spPr>
         <p:txBody>
-          <a:bodyPr lIns="0" rIns="0" tIns="0" bIns="0" anchor="t">
+          <a:bodyPr lIns="0" tIns="0" rIns="0" bIns="0" anchor="t">
             <a:normAutofit/>
           </a:bodyPr>
-          <a:p>
-            <a:endParaRPr b="0" lang="en-US" sz="1500" spc="-1" strike="noStrike">
+          <a:lstStyle/>
+          <a:p>
+            <a:endParaRPr lang="en-US" sz="1500" b="0" strike="noStrike" spc="-1">
               <a:solidFill>
                 <a:srgbClr val="000000"/>
               </a:solidFill>
@@ -1285,11 +1437,12 @@
           </a:ln>
         </p:spPr>
         <p:txBody>
-          <a:bodyPr lIns="0" rIns="0" tIns="0" bIns="0" anchor="t">
+          <a:bodyPr lIns="0" tIns="0" rIns="0" bIns="0" anchor="t">
             <a:normAutofit/>
           </a:bodyPr>
-          <a:p>
-            <a:endParaRPr b="0" lang="en-US" sz="1500" spc="-1" strike="noStrike">
+          <a:lstStyle/>
+          <a:p>
+            <a:endParaRPr lang="en-US" sz="1500" b="0" strike="noStrike" spc="-1">
               <a:solidFill>
                 <a:srgbClr val="000000"/>
               </a:solidFill>
@@ -1300,11 +1453,14 @@
       </p:sp>
     </p:spTree>
   </p:cSld>
+  <p:clrMapOvr>
+    <a:masterClrMapping/>
+  </p:clrMapOvr>
 </p:sldLayout>
 </file>
 
 <file path=ppt/slideLayouts/slideLayout2.xml><?xml version="1.0" encoding="utf-8"?>
-<p:sldLayout xmlns:a="http://schemas.openxmlformats.org/drawingml/2006/main" xmlns:p="http://schemas.openxmlformats.org/presentationml/2006/main" xmlns:r="http://schemas.openxmlformats.org/officeDocument/2006/relationships" xmlns:p14="http://schemas.microsoft.com/office/powerpoint/2010/main" xmlns:p15="http://schemas.microsoft.com/office/powerpoint/2012/main" xmlns:mc="http://schemas.openxmlformats.org/markup-compatibility/2006" type="tx" preserve="1">
+<p:sldLayout xmlns:a="http://schemas.openxmlformats.org/drawingml/2006/main" xmlns:r="http://schemas.openxmlformats.org/officeDocument/2006/relationships" xmlns:p="http://schemas.openxmlformats.org/presentationml/2006/main" type="tx" preserve="1">
   <p:cSld name="Title Slide">
     <p:spTree>
       <p:nvGrpSpPr>
@@ -1344,11 +1500,12 @@
           </a:ln>
         </p:spPr>
         <p:txBody>
-          <a:bodyPr lIns="0" rIns="0" tIns="0" bIns="0" anchor="ctr">
+          <a:bodyPr lIns="0" tIns="0" rIns="0" bIns="0" anchor="ctr">
             <a:noAutofit/>
           </a:bodyPr>
-          <a:p>
-            <a:endParaRPr b="0" lang="en-US" sz="1800" spc="-1" strike="noStrike">
+          <a:lstStyle/>
+          <a:p>
+            <a:endParaRPr lang="en-US" sz="1800" b="0" strike="noStrike" spc="-1">
               <a:solidFill>
                 <a:srgbClr val="000000"/>
               </a:solidFill>
@@ -1381,12 +1538,13 @@
           </a:ln>
         </p:spPr>
         <p:txBody>
-          <a:bodyPr lIns="0" rIns="0" tIns="0" bIns="0" anchor="ctr">
+          <a:bodyPr lIns="0" tIns="0" rIns="0" bIns="0" anchor="ctr">
             <a:noAutofit/>
           </a:bodyPr>
+          <a:lstStyle/>
           <a:p>
             <a:pPr algn="ctr"/>
-            <a:endParaRPr b="0" lang="en-US" sz="3200" spc="-1" strike="noStrike">
+            <a:endParaRPr lang="en-US" sz="3200" b="0" strike="noStrike" spc="-1">
               <a:latin typeface="Nimbus Sans"/>
             </a:endParaRPr>
           </a:p>
@@ -1394,11 +1552,14 @@
       </p:sp>
     </p:spTree>
   </p:cSld>
+  <p:clrMapOvr>
+    <a:masterClrMapping/>
+  </p:clrMapOvr>
 </p:sldLayout>
 </file>
 
 <file path=ppt/slideLayouts/slideLayout20.xml><?xml version="1.0" encoding="utf-8"?>
-<p:sldLayout xmlns:a="http://schemas.openxmlformats.org/drawingml/2006/main" xmlns:p="http://schemas.openxmlformats.org/presentationml/2006/main" xmlns:r="http://schemas.openxmlformats.org/officeDocument/2006/relationships" xmlns:p14="http://schemas.microsoft.com/office/powerpoint/2010/main" xmlns:p15="http://schemas.microsoft.com/office/powerpoint/2012/main" xmlns:mc="http://schemas.openxmlformats.org/markup-compatibility/2006" type="objAndTwoObj" preserve="1">
+<p:sldLayout xmlns:a="http://schemas.openxmlformats.org/drawingml/2006/main" xmlns:r="http://schemas.openxmlformats.org/officeDocument/2006/relationships" xmlns:p="http://schemas.openxmlformats.org/presentationml/2006/main" type="objAndTwoObj" preserve="1">
   <p:cSld name="Title Content and 2 Content">
     <p:spTree>
       <p:nvGrpSpPr>
@@ -1438,11 +1599,12 @@
           </a:ln>
         </p:spPr>
         <p:txBody>
-          <a:bodyPr lIns="0" rIns="0" tIns="0" bIns="0" anchor="ctr">
+          <a:bodyPr lIns="0" tIns="0" rIns="0" bIns="0" anchor="ctr">
             <a:noAutofit/>
           </a:bodyPr>
-          <a:p>
-            <a:endParaRPr b="0" lang="en-US" sz="1800" spc="-1" strike="noStrike">
+          <a:lstStyle/>
+          <a:p>
+            <a:endParaRPr lang="en-US" sz="1800" b="0" strike="noStrike" spc="-1">
               <a:solidFill>
                 <a:srgbClr val="000000"/>
               </a:solidFill>
@@ -1475,11 +1637,12 @@
           </a:ln>
         </p:spPr>
         <p:txBody>
-          <a:bodyPr lIns="0" rIns="0" tIns="0" bIns="0" anchor="t">
+          <a:bodyPr lIns="0" tIns="0" rIns="0" bIns="0" anchor="t">
             <a:normAutofit/>
           </a:bodyPr>
-          <a:p>
-            <a:endParaRPr b="0" lang="en-US" sz="1500" spc="-1" strike="noStrike">
+          <a:lstStyle/>
+          <a:p>
+            <a:endParaRPr lang="en-US" sz="1500" b="0" strike="noStrike" spc="-1">
               <a:solidFill>
                 <a:srgbClr val="000000"/>
               </a:solidFill>
@@ -1512,11 +1675,12 @@
           </a:ln>
         </p:spPr>
         <p:txBody>
-          <a:bodyPr lIns="0" rIns="0" tIns="0" bIns="0" anchor="t">
+          <a:bodyPr lIns="0" tIns="0" rIns="0" bIns="0" anchor="t">
             <a:normAutofit/>
           </a:bodyPr>
-          <a:p>
-            <a:endParaRPr b="0" lang="en-US" sz="1500" spc="-1" strike="noStrike">
+          <a:lstStyle/>
+          <a:p>
+            <a:endParaRPr lang="en-US" sz="1500" b="0" strike="noStrike" spc="-1">
               <a:solidFill>
                 <a:srgbClr val="000000"/>
               </a:solidFill>
@@ -1549,11 +1713,12 @@
           </a:ln>
         </p:spPr>
         <p:txBody>
-          <a:bodyPr lIns="0" rIns="0" tIns="0" bIns="0" anchor="t">
+          <a:bodyPr lIns="0" tIns="0" rIns="0" bIns="0" anchor="t">
             <a:normAutofit/>
           </a:bodyPr>
-          <a:p>
-            <a:endParaRPr b="0" lang="en-US" sz="1500" spc="-1" strike="noStrike">
+          <a:lstStyle/>
+          <a:p>
+            <a:endParaRPr lang="en-US" sz="1500" b="0" strike="noStrike" spc="-1">
               <a:solidFill>
                 <a:srgbClr val="000000"/>
               </a:solidFill>
@@ -1564,11 +1729,14 @@
       </p:sp>
     </p:spTree>
   </p:cSld>
+  <p:clrMapOvr>
+    <a:masterClrMapping/>
+  </p:clrMapOvr>
 </p:sldLayout>
 </file>
 
 <file path=ppt/slideLayouts/slideLayout21.xml><?xml version="1.0" encoding="utf-8"?>
-<p:sldLayout xmlns:a="http://schemas.openxmlformats.org/drawingml/2006/main" xmlns:p="http://schemas.openxmlformats.org/presentationml/2006/main" xmlns:r="http://schemas.openxmlformats.org/officeDocument/2006/relationships" xmlns:p14="http://schemas.microsoft.com/office/powerpoint/2010/main" xmlns:p15="http://schemas.microsoft.com/office/powerpoint/2012/main" xmlns:mc="http://schemas.openxmlformats.org/markup-compatibility/2006" type="twoObjOverTx" preserve="1">
+<p:sldLayout xmlns:a="http://schemas.openxmlformats.org/drawingml/2006/main" xmlns:r="http://schemas.openxmlformats.org/officeDocument/2006/relationships" xmlns:p="http://schemas.openxmlformats.org/presentationml/2006/main" type="twoObjOverTx" preserve="1">
   <p:cSld name="Title, 2 Content over Content">
     <p:spTree>
       <p:nvGrpSpPr>
@@ -1608,11 +1776,12 @@
           </a:ln>
         </p:spPr>
         <p:txBody>
-          <a:bodyPr lIns="0" rIns="0" tIns="0" bIns="0" anchor="ctr">
+          <a:bodyPr lIns="0" tIns="0" rIns="0" bIns="0" anchor="ctr">
             <a:noAutofit/>
           </a:bodyPr>
-          <a:p>
-            <a:endParaRPr b="0" lang="en-US" sz="1800" spc="-1" strike="noStrike">
+          <a:lstStyle/>
+          <a:p>
+            <a:endParaRPr lang="en-US" sz="1800" b="0" strike="noStrike" spc="-1">
               <a:solidFill>
                 <a:srgbClr val="000000"/>
               </a:solidFill>
@@ -1645,11 +1814,12 @@
           </a:ln>
         </p:spPr>
         <p:txBody>
-          <a:bodyPr lIns="0" rIns="0" tIns="0" bIns="0" anchor="t">
+          <a:bodyPr lIns="0" tIns="0" rIns="0" bIns="0" anchor="t">
             <a:normAutofit/>
           </a:bodyPr>
-          <a:p>
-            <a:endParaRPr b="0" lang="en-US" sz="1500" spc="-1" strike="noStrike">
+          <a:lstStyle/>
+          <a:p>
+            <a:endParaRPr lang="en-US" sz="1500" b="0" strike="noStrike" spc="-1">
               <a:solidFill>
                 <a:srgbClr val="000000"/>
               </a:solidFill>
@@ -1682,11 +1852,12 @@
           </a:ln>
         </p:spPr>
         <p:txBody>
-          <a:bodyPr lIns="0" rIns="0" tIns="0" bIns="0" anchor="t">
+          <a:bodyPr lIns="0" tIns="0" rIns="0" bIns="0" anchor="t">
             <a:normAutofit/>
           </a:bodyPr>
-          <a:p>
-            <a:endParaRPr b="0" lang="en-US" sz="1500" spc="-1" strike="noStrike">
+          <a:lstStyle/>
+          <a:p>
+            <a:endParaRPr lang="en-US" sz="1500" b="0" strike="noStrike" spc="-1">
               <a:solidFill>
                 <a:srgbClr val="000000"/>
               </a:solidFill>
@@ -1719,11 +1890,12 @@
           </a:ln>
         </p:spPr>
         <p:txBody>
-          <a:bodyPr lIns="0" rIns="0" tIns="0" bIns="0" anchor="t">
+          <a:bodyPr lIns="0" tIns="0" rIns="0" bIns="0" anchor="t">
             <a:normAutofit/>
           </a:bodyPr>
-          <a:p>
-            <a:endParaRPr b="0" lang="en-US" sz="1500" spc="-1" strike="noStrike">
+          <a:lstStyle/>
+          <a:p>
+            <a:endParaRPr lang="en-US" sz="1500" b="0" strike="noStrike" spc="-1">
               <a:solidFill>
                 <a:srgbClr val="000000"/>
               </a:solidFill>
@@ -1734,11 +1906,14 @@
       </p:sp>
     </p:spTree>
   </p:cSld>
+  <p:clrMapOvr>
+    <a:masterClrMapping/>
+  </p:clrMapOvr>
 </p:sldLayout>
 </file>
 
 <file path=ppt/slideLayouts/slideLayout22.xml><?xml version="1.0" encoding="utf-8"?>
-<p:sldLayout xmlns:a="http://schemas.openxmlformats.org/drawingml/2006/main" xmlns:p="http://schemas.openxmlformats.org/presentationml/2006/main" xmlns:r="http://schemas.openxmlformats.org/officeDocument/2006/relationships" xmlns:p14="http://schemas.microsoft.com/office/powerpoint/2010/main" xmlns:p15="http://schemas.microsoft.com/office/powerpoint/2012/main" xmlns:mc="http://schemas.openxmlformats.org/markup-compatibility/2006" type="objOverTx" preserve="1">
+<p:sldLayout xmlns:a="http://schemas.openxmlformats.org/drawingml/2006/main" xmlns:r="http://schemas.openxmlformats.org/officeDocument/2006/relationships" xmlns:p="http://schemas.openxmlformats.org/presentationml/2006/main" type="objOverTx" preserve="1">
   <p:cSld name="Title, Content over Content">
     <p:spTree>
       <p:nvGrpSpPr>
@@ -1778,11 +1953,12 @@
           </a:ln>
         </p:spPr>
         <p:txBody>
-          <a:bodyPr lIns="0" rIns="0" tIns="0" bIns="0" anchor="ctr">
+          <a:bodyPr lIns="0" tIns="0" rIns="0" bIns="0" anchor="ctr">
             <a:noAutofit/>
           </a:bodyPr>
-          <a:p>
-            <a:endParaRPr b="0" lang="en-US" sz="1800" spc="-1" strike="noStrike">
+          <a:lstStyle/>
+          <a:p>
+            <a:endParaRPr lang="en-US" sz="1800" b="0" strike="noStrike" spc="-1">
               <a:solidFill>
                 <a:srgbClr val="000000"/>
               </a:solidFill>
@@ -1815,11 +1991,12 @@
           </a:ln>
         </p:spPr>
         <p:txBody>
-          <a:bodyPr lIns="0" rIns="0" tIns="0" bIns="0" anchor="t">
+          <a:bodyPr lIns="0" tIns="0" rIns="0" bIns="0" anchor="t">
             <a:normAutofit/>
           </a:bodyPr>
-          <a:p>
-            <a:endParaRPr b="0" lang="en-US" sz="1500" spc="-1" strike="noStrike">
+          <a:lstStyle/>
+          <a:p>
+            <a:endParaRPr lang="en-US" sz="1500" b="0" strike="noStrike" spc="-1">
               <a:solidFill>
                 <a:srgbClr val="000000"/>
               </a:solidFill>
@@ -1852,11 +2029,12 @@
           </a:ln>
         </p:spPr>
         <p:txBody>
-          <a:bodyPr lIns="0" rIns="0" tIns="0" bIns="0" anchor="t">
+          <a:bodyPr lIns="0" tIns="0" rIns="0" bIns="0" anchor="t">
             <a:normAutofit/>
           </a:bodyPr>
-          <a:p>
-            <a:endParaRPr b="0" lang="en-US" sz="1500" spc="-1" strike="noStrike">
+          <a:lstStyle/>
+          <a:p>
+            <a:endParaRPr lang="en-US" sz="1500" b="0" strike="noStrike" spc="-1">
               <a:solidFill>
                 <a:srgbClr val="000000"/>
               </a:solidFill>
@@ -1867,11 +2045,14 @@
       </p:sp>
     </p:spTree>
   </p:cSld>
+  <p:clrMapOvr>
+    <a:masterClrMapping/>
+  </p:clrMapOvr>
 </p:sldLayout>
 </file>
 
 <file path=ppt/slideLayouts/slideLayout23.xml><?xml version="1.0" encoding="utf-8"?>
-<p:sldLayout xmlns:a="http://schemas.openxmlformats.org/drawingml/2006/main" xmlns:p="http://schemas.openxmlformats.org/presentationml/2006/main" xmlns:r="http://schemas.openxmlformats.org/officeDocument/2006/relationships" xmlns:p14="http://schemas.microsoft.com/office/powerpoint/2010/main" xmlns:p15="http://schemas.microsoft.com/office/powerpoint/2012/main" xmlns:mc="http://schemas.openxmlformats.org/markup-compatibility/2006" type="fourObj" preserve="1">
+<p:sldLayout xmlns:a="http://schemas.openxmlformats.org/drawingml/2006/main" xmlns:r="http://schemas.openxmlformats.org/officeDocument/2006/relationships" xmlns:p="http://schemas.openxmlformats.org/presentationml/2006/main" type="fourObj" preserve="1">
   <p:cSld name="Title, 4 Content">
     <p:spTree>
       <p:nvGrpSpPr>
@@ -1911,11 +2092,12 @@
           </a:ln>
         </p:spPr>
         <p:txBody>
-          <a:bodyPr lIns="0" rIns="0" tIns="0" bIns="0" anchor="ctr">
+          <a:bodyPr lIns="0" tIns="0" rIns="0" bIns="0" anchor="ctr">
             <a:noAutofit/>
           </a:bodyPr>
-          <a:p>
-            <a:endParaRPr b="0" lang="en-US" sz="1800" spc="-1" strike="noStrike">
+          <a:lstStyle/>
+          <a:p>
+            <a:endParaRPr lang="en-US" sz="1800" b="0" strike="noStrike" spc="-1">
               <a:solidFill>
                 <a:srgbClr val="000000"/>
               </a:solidFill>
@@ -1948,11 +2130,12 @@
           </a:ln>
         </p:spPr>
         <p:txBody>
-          <a:bodyPr lIns="0" rIns="0" tIns="0" bIns="0" anchor="t">
+          <a:bodyPr lIns="0" tIns="0" rIns="0" bIns="0" anchor="t">
             <a:normAutofit/>
           </a:bodyPr>
-          <a:p>
-            <a:endParaRPr b="0" lang="en-US" sz="1500" spc="-1" strike="noStrike">
+          <a:lstStyle/>
+          <a:p>
+            <a:endParaRPr lang="en-US" sz="1500" b="0" strike="noStrike" spc="-1">
               <a:solidFill>
                 <a:srgbClr val="000000"/>
               </a:solidFill>
@@ -1985,11 +2168,12 @@
           </a:ln>
         </p:spPr>
         <p:txBody>
-          <a:bodyPr lIns="0" rIns="0" tIns="0" bIns="0" anchor="t">
+          <a:bodyPr lIns="0" tIns="0" rIns="0" bIns="0" anchor="t">
             <a:normAutofit/>
           </a:bodyPr>
-          <a:p>
-            <a:endParaRPr b="0" lang="en-US" sz="1500" spc="-1" strike="noStrike">
+          <a:lstStyle/>
+          <a:p>
+            <a:endParaRPr lang="en-US" sz="1500" b="0" strike="noStrike" spc="-1">
               <a:solidFill>
                 <a:srgbClr val="000000"/>
               </a:solidFill>
@@ -2022,11 +2206,12 @@
           </a:ln>
         </p:spPr>
         <p:txBody>
-          <a:bodyPr lIns="0" rIns="0" tIns="0" bIns="0" anchor="t">
+          <a:bodyPr lIns="0" tIns="0" rIns="0" bIns="0" anchor="t">
             <a:normAutofit/>
           </a:bodyPr>
-          <a:p>
-            <a:endParaRPr b="0" lang="en-US" sz="1500" spc="-1" strike="noStrike">
+          <a:lstStyle/>
+          <a:p>
+            <a:endParaRPr lang="en-US" sz="1500" b="0" strike="noStrike" spc="-1">
               <a:solidFill>
                 <a:srgbClr val="000000"/>
               </a:solidFill>
@@ -2059,11 +2244,12 @@
           </a:ln>
         </p:spPr>
         <p:txBody>
-          <a:bodyPr lIns="0" rIns="0" tIns="0" bIns="0" anchor="t">
+          <a:bodyPr lIns="0" tIns="0" rIns="0" bIns="0" anchor="t">
             <a:normAutofit/>
           </a:bodyPr>
-          <a:p>
-            <a:endParaRPr b="0" lang="en-US" sz="1500" spc="-1" strike="noStrike">
+          <a:lstStyle/>
+          <a:p>
+            <a:endParaRPr lang="en-US" sz="1500" b="0" strike="noStrike" spc="-1">
               <a:solidFill>
                 <a:srgbClr val="000000"/>
               </a:solidFill>
@@ -2074,11 +2260,14 @@
       </p:sp>
     </p:spTree>
   </p:cSld>
+  <p:clrMapOvr>
+    <a:masterClrMapping/>
+  </p:clrMapOvr>
 </p:sldLayout>
 </file>
 
 <file path=ppt/slideLayouts/slideLayout24.xml><?xml version="1.0" encoding="utf-8"?>
-<p:sldLayout xmlns:a="http://schemas.openxmlformats.org/drawingml/2006/main" xmlns:p="http://schemas.openxmlformats.org/presentationml/2006/main" xmlns:r="http://schemas.openxmlformats.org/officeDocument/2006/relationships" xmlns:p14="http://schemas.microsoft.com/office/powerpoint/2010/main" xmlns:p15="http://schemas.microsoft.com/office/powerpoint/2012/main" xmlns:mc="http://schemas.openxmlformats.org/markup-compatibility/2006" type="blank" preserve="1">
+<p:sldLayout xmlns:a="http://schemas.openxmlformats.org/drawingml/2006/main" xmlns:r="http://schemas.openxmlformats.org/officeDocument/2006/relationships" xmlns:p="http://schemas.openxmlformats.org/presentationml/2006/main" type="blank" preserve="1">
   <p:cSld name="Title, 6 Content">
     <p:spTree>
       <p:nvGrpSpPr>
@@ -2118,11 +2307,12 @@
           </a:ln>
         </p:spPr>
         <p:txBody>
-          <a:bodyPr lIns="0" rIns="0" tIns="0" bIns="0" anchor="ctr">
+          <a:bodyPr lIns="0" tIns="0" rIns="0" bIns="0" anchor="ctr">
             <a:noAutofit/>
           </a:bodyPr>
-          <a:p>
-            <a:endParaRPr b="0" lang="en-US" sz="1800" spc="-1" strike="noStrike">
+          <a:lstStyle/>
+          <a:p>
+            <a:endParaRPr lang="en-US" sz="1800" b="0" strike="noStrike" spc="-1">
               <a:solidFill>
                 <a:srgbClr val="000000"/>
               </a:solidFill>
@@ -2155,11 +2345,12 @@
           </a:ln>
         </p:spPr>
         <p:txBody>
-          <a:bodyPr lIns="0" rIns="0" tIns="0" bIns="0" anchor="t">
+          <a:bodyPr lIns="0" tIns="0" rIns="0" bIns="0" anchor="t">
             <a:normAutofit/>
           </a:bodyPr>
-          <a:p>
-            <a:endParaRPr b="0" lang="en-US" sz="1500" spc="-1" strike="noStrike">
+          <a:lstStyle/>
+          <a:p>
+            <a:endParaRPr lang="en-US" sz="1500" b="0" strike="noStrike" spc="-1">
               <a:solidFill>
                 <a:srgbClr val="000000"/>
               </a:solidFill>
@@ -2192,11 +2383,12 @@
           </a:ln>
         </p:spPr>
         <p:txBody>
-          <a:bodyPr lIns="0" rIns="0" tIns="0" bIns="0" anchor="t">
+          <a:bodyPr lIns="0" tIns="0" rIns="0" bIns="0" anchor="t">
             <a:normAutofit/>
           </a:bodyPr>
-          <a:p>
-            <a:endParaRPr b="0" lang="en-US" sz="1500" spc="-1" strike="noStrike">
+          <a:lstStyle/>
+          <a:p>
+            <a:endParaRPr lang="en-US" sz="1500" b="0" strike="noStrike" spc="-1">
               <a:solidFill>
                 <a:srgbClr val="000000"/>
               </a:solidFill>
@@ -2229,11 +2421,12 @@
           </a:ln>
         </p:spPr>
         <p:txBody>
-          <a:bodyPr lIns="0" rIns="0" tIns="0" bIns="0" anchor="t">
+          <a:bodyPr lIns="0" tIns="0" rIns="0" bIns="0" anchor="t">
             <a:normAutofit/>
           </a:bodyPr>
-          <a:p>
-            <a:endParaRPr b="0" lang="en-US" sz="1500" spc="-1" strike="noStrike">
+          <a:lstStyle/>
+          <a:p>
+            <a:endParaRPr lang="en-US" sz="1500" b="0" strike="noStrike" spc="-1">
               <a:solidFill>
                 <a:srgbClr val="000000"/>
               </a:solidFill>
@@ -2266,11 +2459,12 @@
           </a:ln>
         </p:spPr>
         <p:txBody>
-          <a:bodyPr lIns="0" rIns="0" tIns="0" bIns="0" anchor="t">
+          <a:bodyPr lIns="0" tIns="0" rIns="0" bIns="0" anchor="t">
             <a:normAutofit/>
           </a:bodyPr>
-          <a:p>
-            <a:endParaRPr b="0" lang="en-US" sz="1500" spc="-1" strike="noStrike">
+          <a:lstStyle/>
+          <a:p>
+            <a:endParaRPr lang="en-US" sz="1500" b="0" strike="noStrike" spc="-1">
               <a:solidFill>
                 <a:srgbClr val="000000"/>
               </a:solidFill>
@@ -2303,11 +2497,12 @@
           </a:ln>
         </p:spPr>
         <p:txBody>
-          <a:bodyPr lIns="0" rIns="0" tIns="0" bIns="0" anchor="t">
+          <a:bodyPr lIns="0" tIns="0" rIns="0" bIns="0" anchor="t">
             <a:normAutofit/>
           </a:bodyPr>
-          <a:p>
-            <a:endParaRPr b="0" lang="en-US" sz="1500" spc="-1" strike="noStrike">
+          <a:lstStyle/>
+          <a:p>
+            <a:endParaRPr lang="en-US" sz="1500" b="0" strike="noStrike" spc="-1">
               <a:solidFill>
                 <a:srgbClr val="000000"/>
               </a:solidFill>
@@ -2340,11 +2535,12 @@
           </a:ln>
         </p:spPr>
         <p:txBody>
-          <a:bodyPr lIns="0" rIns="0" tIns="0" bIns="0" anchor="t">
+          <a:bodyPr lIns="0" tIns="0" rIns="0" bIns="0" anchor="t">
             <a:normAutofit/>
           </a:bodyPr>
-          <a:p>
-            <a:endParaRPr b="0" lang="en-US" sz="1500" spc="-1" strike="noStrike">
+          <a:lstStyle/>
+          <a:p>
+            <a:endParaRPr lang="en-US" sz="1500" b="0" strike="noStrike" spc="-1">
               <a:solidFill>
                 <a:srgbClr val="000000"/>
               </a:solidFill>
@@ -2355,11 +2551,14 @@
       </p:sp>
     </p:spTree>
   </p:cSld>
+  <p:clrMapOvr>
+    <a:masterClrMapping/>
+  </p:clrMapOvr>
 </p:sldLayout>
 </file>
 
 <file path=ppt/slideLayouts/slideLayout25.xml><?xml version="1.0" encoding="utf-8"?>
-<p:sldLayout xmlns:a="http://schemas.openxmlformats.org/drawingml/2006/main" xmlns:p="http://schemas.openxmlformats.org/presentationml/2006/main" xmlns:r="http://schemas.openxmlformats.org/officeDocument/2006/relationships" xmlns:p14="http://schemas.microsoft.com/office/powerpoint/2010/main" xmlns:p15="http://schemas.microsoft.com/office/powerpoint/2012/main" xmlns:mc="http://schemas.openxmlformats.org/markup-compatibility/2006" type="blank" preserve="1">
+<p:sldLayout xmlns:a="http://schemas.openxmlformats.org/drawingml/2006/main" xmlns:r="http://schemas.openxmlformats.org/officeDocument/2006/relationships" xmlns:p="http://schemas.openxmlformats.org/presentationml/2006/main" type="blank" preserve="1">
   <p:cSld name="Blank Slide">
     <p:spTree>
       <p:nvGrpSpPr>
@@ -2377,11 +2576,14 @@
       </p:grpSpPr>
     </p:spTree>
   </p:cSld>
+  <p:clrMapOvr>
+    <a:masterClrMapping/>
+  </p:clrMapOvr>
 </p:sldLayout>
 </file>
 
 <file path=ppt/slideLayouts/slideLayout26.xml><?xml version="1.0" encoding="utf-8"?>
-<p:sldLayout xmlns:a="http://schemas.openxmlformats.org/drawingml/2006/main" xmlns:p="http://schemas.openxmlformats.org/presentationml/2006/main" xmlns:r="http://schemas.openxmlformats.org/officeDocument/2006/relationships" xmlns:p14="http://schemas.microsoft.com/office/powerpoint/2010/main" xmlns:p15="http://schemas.microsoft.com/office/powerpoint/2012/main" xmlns:mc="http://schemas.openxmlformats.org/markup-compatibility/2006" type="tx" preserve="1">
+<p:sldLayout xmlns:a="http://schemas.openxmlformats.org/drawingml/2006/main" xmlns:r="http://schemas.openxmlformats.org/officeDocument/2006/relationships" xmlns:p="http://schemas.openxmlformats.org/presentationml/2006/main" type="tx" preserve="1">
   <p:cSld name="Title Slide">
     <p:spTree>
       <p:nvGrpSpPr>
@@ -2421,11 +2623,12 @@
           </a:ln>
         </p:spPr>
         <p:txBody>
-          <a:bodyPr lIns="0" rIns="0" tIns="0" bIns="0" anchor="ctr">
+          <a:bodyPr lIns="0" tIns="0" rIns="0" bIns="0" anchor="ctr">
             <a:noAutofit/>
           </a:bodyPr>
-          <a:p>
-            <a:endParaRPr b="0" lang="en-US" sz="1800" spc="-1" strike="noStrike">
+          <a:lstStyle/>
+          <a:p>
+            <a:endParaRPr lang="en-US" sz="1800" b="0" strike="noStrike" spc="-1">
               <a:solidFill>
                 <a:srgbClr val="000000"/>
               </a:solidFill>
@@ -2458,12 +2661,13 @@
           </a:ln>
         </p:spPr>
         <p:txBody>
-          <a:bodyPr lIns="0" rIns="0" tIns="0" bIns="0" anchor="ctr">
+          <a:bodyPr lIns="0" tIns="0" rIns="0" bIns="0" anchor="ctr">
             <a:noAutofit/>
           </a:bodyPr>
+          <a:lstStyle/>
           <a:p>
             <a:pPr algn="ctr"/>
-            <a:endParaRPr b="0" lang="en-US" sz="3200" spc="-1" strike="noStrike">
+            <a:endParaRPr lang="en-US" sz="3200" b="0" strike="noStrike" spc="-1">
               <a:latin typeface="Nimbus Sans"/>
             </a:endParaRPr>
           </a:p>
@@ -2471,11 +2675,14 @@
       </p:sp>
     </p:spTree>
   </p:cSld>
+  <p:clrMapOvr>
+    <a:masterClrMapping/>
+  </p:clrMapOvr>
 </p:sldLayout>
 </file>
 
 <file path=ppt/slideLayouts/slideLayout27.xml><?xml version="1.0" encoding="utf-8"?>
-<p:sldLayout xmlns:a="http://schemas.openxmlformats.org/drawingml/2006/main" xmlns:p="http://schemas.openxmlformats.org/presentationml/2006/main" xmlns:r="http://schemas.openxmlformats.org/officeDocument/2006/relationships" xmlns:p14="http://schemas.microsoft.com/office/powerpoint/2010/main" xmlns:p15="http://schemas.microsoft.com/office/powerpoint/2012/main" xmlns:mc="http://schemas.openxmlformats.org/markup-compatibility/2006" type="obj" preserve="1">
+<p:sldLayout xmlns:a="http://schemas.openxmlformats.org/drawingml/2006/main" xmlns:r="http://schemas.openxmlformats.org/officeDocument/2006/relationships" xmlns:p="http://schemas.openxmlformats.org/presentationml/2006/main" type="obj" preserve="1">
   <p:cSld name="Title, Content">
     <p:spTree>
       <p:nvGrpSpPr>
@@ -2515,11 +2722,12 @@
           </a:ln>
         </p:spPr>
         <p:txBody>
-          <a:bodyPr lIns="0" rIns="0" tIns="0" bIns="0" anchor="ctr">
+          <a:bodyPr lIns="0" tIns="0" rIns="0" bIns="0" anchor="ctr">
             <a:noAutofit/>
           </a:bodyPr>
-          <a:p>
-            <a:endParaRPr b="0" lang="en-US" sz="1800" spc="-1" strike="noStrike">
+          <a:lstStyle/>
+          <a:p>
+            <a:endParaRPr lang="en-US" sz="1800" b="0" strike="noStrike" spc="-1">
               <a:solidFill>
                 <a:srgbClr val="000000"/>
               </a:solidFill>
@@ -2552,11 +2760,12 @@
           </a:ln>
         </p:spPr>
         <p:txBody>
-          <a:bodyPr lIns="0" rIns="0" tIns="0" bIns="0" anchor="t">
+          <a:bodyPr lIns="0" tIns="0" rIns="0" bIns="0" anchor="t">
             <a:normAutofit/>
           </a:bodyPr>
-          <a:p>
-            <a:endParaRPr b="0" lang="en-US" sz="1500" spc="-1" strike="noStrike">
+          <a:lstStyle/>
+          <a:p>
+            <a:endParaRPr lang="en-US" sz="1500" b="0" strike="noStrike" spc="-1">
               <a:solidFill>
                 <a:srgbClr val="000000"/>
               </a:solidFill>
@@ -2567,11 +2776,14 @@
       </p:sp>
     </p:spTree>
   </p:cSld>
+  <p:clrMapOvr>
+    <a:masterClrMapping/>
+  </p:clrMapOvr>
 </p:sldLayout>
 </file>
 
 <file path=ppt/slideLayouts/slideLayout28.xml><?xml version="1.0" encoding="utf-8"?>
-<p:sldLayout xmlns:a="http://schemas.openxmlformats.org/drawingml/2006/main" xmlns:p="http://schemas.openxmlformats.org/presentationml/2006/main" xmlns:r="http://schemas.openxmlformats.org/officeDocument/2006/relationships" xmlns:p14="http://schemas.microsoft.com/office/powerpoint/2010/main" xmlns:p15="http://schemas.microsoft.com/office/powerpoint/2012/main" xmlns:mc="http://schemas.openxmlformats.org/markup-compatibility/2006" type="twoObj" preserve="1">
+<p:sldLayout xmlns:a="http://schemas.openxmlformats.org/drawingml/2006/main" xmlns:r="http://schemas.openxmlformats.org/officeDocument/2006/relationships" xmlns:p="http://schemas.openxmlformats.org/presentationml/2006/main" type="twoObj" preserve="1">
   <p:cSld name="Title, 2 Content">
     <p:spTree>
       <p:nvGrpSpPr>
@@ -2611,11 +2823,12 @@
           </a:ln>
         </p:spPr>
         <p:txBody>
-          <a:bodyPr lIns="0" rIns="0" tIns="0" bIns="0" anchor="ctr">
+          <a:bodyPr lIns="0" tIns="0" rIns="0" bIns="0" anchor="ctr">
             <a:noAutofit/>
           </a:bodyPr>
-          <a:p>
-            <a:endParaRPr b="0" lang="en-US" sz="1800" spc="-1" strike="noStrike">
+          <a:lstStyle/>
+          <a:p>
+            <a:endParaRPr lang="en-US" sz="1800" b="0" strike="noStrike" spc="-1">
               <a:solidFill>
                 <a:srgbClr val="000000"/>
               </a:solidFill>
@@ -2648,11 +2861,12 @@
           </a:ln>
         </p:spPr>
         <p:txBody>
-          <a:bodyPr lIns="0" rIns="0" tIns="0" bIns="0" anchor="t">
+          <a:bodyPr lIns="0" tIns="0" rIns="0" bIns="0" anchor="t">
             <a:normAutofit/>
           </a:bodyPr>
-          <a:p>
-            <a:endParaRPr b="0" lang="en-US" sz="1500" spc="-1" strike="noStrike">
+          <a:lstStyle/>
+          <a:p>
+            <a:endParaRPr lang="en-US" sz="1500" b="0" strike="noStrike" spc="-1">
               <a:solidFill>
                 <a:srgbClr val="000000"/>
               </a:solidFill>
@@ -2685,11 +2899,12 @@
           </a:ln>
         </p:spPr>
         <p:txBody>
-          <a:bodyPr lIns="0" rIns="0" tIns="0" bIns="0" anchor="t">
+          <a:bodyPr lIns="0" tIns="0" rIns="0" bIns="0" anchor="t">
             <a:normAutofit/>
           </a:bodyPr>
-          <a:p>
-            <a:endParaRPr b="0" lang="en-US" sz="1500" spc="-1" strike="noStrike">
+          <a:lstStyle/>
+          <a:p>
+            <a:endParaRPr lang="en-US" sz="1500" b="0" strike="noStrike" spc="-1">
               <a:solidFill>
                 <a:srgbClr val="000000"/>
               </a:solidFill>
@@ -2700,11 +2915,14 @@
       </p:sp>
     </p:spTree>
   </p:cSld>
+  <p:clrMapOvr>
+    <a:masterClrMapping/>
+  </p:clrMapOvr>
 </p:sldLayout>
 </file>
 
 <file path=ppt/slideLayouts/slideLayout29.xml><?xml version="1.0" encoding="utf-8"?>
-<p:sldLayout xmlns:a="http://schemas.openxmlformats.org/drawingml/2006/main" xmlns:p="http://schemas.openxmlformats.org/presentationml/2006/main" xmlns:r="http://schemas.openxmlformats.org/officeDocument/2006/relationships" xmlns:p14="http://schemas.microsoft.com/office/powerpoint/2010/main" xmlns:p15="http://schemas.microsoft.com/office/powerpoint/2012/main" xmlns:mc="http://schemas.openxmlformats.org/markup-compatibility/2006" type="titleOnly" preserve="1">
+<p:sldLayout xmlns:a="http://schemas.openxmlformats.org/drawingml/2006/main" xmlns:r="http://schemas.openxmlformats.org/officeDocument/2006/relationships" xmlns:p="http://schemas.openxmlformats.org/presentationml/2006/main" type="titleOnly" preserve="1">
   <p:cSld name="Title Only">
     <p:spTree>
       <p:nvGrpSpPr>
@@ -2744,11 +2962,12 @@
           </a:ln>
         </p:spPr>
         <p:txBody>
-          <a:bodyPr lIns="0" rIns="0" tIns="0" bIns="0" anchor="ctr">
+          <a:bodyPr lIns="0" tIns="0" rIns="0" bIns="0" anchor="ctr">
             <a:noAutofit/>
           </a:bodyPr>
-          <a:p>
-            <a:endParaRPr b="0" lang="en-US" sz="1800" spc="-1" strike="noStrike">
+          <a:lstStyle/>
+          <a:p>
+            <a:endParaRPr lang="en-US" sz="1800" b="0" strike="noStrike" spc="-1">
               <a:solidFill>
                 <a:srgbClr val="000000"/>
               </a:solidFill>
@@ -2759,11 +2978,14 @@
       </p:sp>
     </p:spTree>
   </p:cSld>
+  <p:clrMapOvr>
+    <a:masterClrMapping/>
+  </p:clrMapOvr>
 </p:sldLayout>
 </file>
 
 <file path=ppt/slideLayouts/slideLayout3.xml><?xml version="1.0" encoding="utf-8"?>
-<p:sldLayout xmlns:a="http://schemas.openxmlformats.org/drawingml/2006/main" xmlns:p="http://schemas.openxmlformats.org/presentationml/2006/main" xmlns:r="http://schemas.openxmlformats.org/officeDocument/2006/relationships" xmlns:p14="http://schemas.microsoft.com/office/powerpoint/2010/main" xmlns:p15="http://schemas.microsoft.com/office/powerpoint/2012/main" xmlns:mc="http://schemas.openxmlformats.org/markup-compatibility/2006" type="obj" preserve="1">
+<p:sldLayout xmlns:a="http://schemas.openxmlformats.org/drawingml/2006/main" xmlns:r="http://schemas.openxmlformats.org/officeDocument/2006/relationships" xmlns:p="http://schemas.openxmlformats.org/presentationml/2006/main" type="obj" preserve="1">
   <p:cSld name="Title, Content">
     <p:spTree>
       <p:nvGrpSpPr>
@@ -2803,11 +3025,12 @@
           </a:ln>
         </p:spPr>
         <p:txBody>
-          <a:bodyPr lIns="0" rIns="0" tIns="0" bIns="0" anchor="ctr">
+          <a:bodyPr lIns="0" tIns="0" rIns="0" bIns="0" anchor="ctr">
             <a:noAutofit/>
           </a:bodyPr>
-          <a:p>
-            <a:endParaRPr b="0" lang="en-US" sz="1800" spc="-1" strike="noStrike">
+          <a:lstStyle/>
+          <a:p>
+            <a:endParaRPr lang="en-US" sz="1800" b="0" strike="noStrike" spc="-1">
               <a:solidFill>
                 <a:srgbClr val="000000"/>
               </a:solidFill>
@@ -2840,11 +3063,12 @@
           </a:ln>
         </p:spPr>
         <p:txBody>
-          <a:bodyPr lIns="0" rIns="0" tIns="0" bIns="0" anchor="t">
+          <a:bodyPr lIns="0" tIns="0" rIns="0" bIns="0" anchor="t">
             <a:normAutofit/>
           </a:bodyPr>
-          <a:p>
-            <a:endParaRPr b="0" lang="en-US" sz="1500" spc="-1" strike="noStrike">
+          <a:lstStyle/>
+          <a:p>
+            <a:endParaRPr lang="en-US" sz="1500" b="0" strike="noStrike" spc="-1">
               <a:solidFill>
                 <a:srgbClr val="000000"/>
               </a:solidFill>
@@ -2855,11 +3079,14 @@
       </p:sp>
     </p:spTree>
   </p:cSld>
+  <p:clrMapOvr>
+    <a:masterClrMapping/>
+  </p:clrMapOvr>
 </p:sldLayout>
 </file>
 
 <file path=ppt/slideLayouts/slideLayout30.xml><?xml version="1.0" encoding="utf-8"?>
-<p:sldLayout xmlns:a="http://schemas.openxmlformats.org/drawingml/2006/main" xmlns:p="http://schemas.openxmlformats.org/presentationml/2006/main" xmlns:r="http://schemas.openxmlformats.org/officeDocument/2006/relationships" xmlns:p14="http://schemas.microsoft.com/office/powerpoint/2010/main" xmlns:p15="http://schemas.microsoft.com/office/powerpoint/2012/main" xmlns:mc="http://schemas.openxmlformats.org/markup-compatibility/2006" type="objOnly" preserve="1">
+<p:sldLayout xmlns:a="http://schemas.openxmlformats.org/drawingml/2006/main" xmlns:r="http://schemas.openxmlformats.org/officeDocument/2006/relationships" xmlns:p="http://schemas.openxmlformats.org/presentationml/2006/main" type="objOnly" preserve="1">
   <p:cSld name="Centered Text">
     <p:spTree>
       <p:nvGrpSpPr>
@@ -2899,12 +3126,13 @@
           </a:ln>
         </p:spPr>
         <p:txBody>
-          <a:bodyPr lIns="0" rIns="0" tIns="0" bIns="0" anchor="ctr">
+          <a:bodyPr lIns="0" tIns="0" rIns="0" bIns="0" anchor="ctr">
             <a:noAutofit/>
           </a:bodyPr>
+          <a:lstStyle/>
           <a:p>
             <a:pPr algn="ctr"/>
-            <a:endParaRPr b="0" lang="en-US" sz="3200" spc="-1" strike="noStrike">
+            <a:endParaRPr lang="en-US" sz="3200" b="0" strike="noStrike" spc="-1">
               <a:latin typeface="Nimbus Sans"/>
             </a:endParaRPr>
           </a:p>
@@ -2912,11 +3140,14 @@
       </p:sp>
     </p:spTree>
   </p:cSld>
+  <p:clrMapOvr>
+    <a:masterClrMapping/>
+  </p:clrMapOvr>
 </p:sldLayout>
 </file>
 
 <file path=ppt/slideLayouts/slideLayout31.xml><?xml version="1.0" encoding="utf-8"?>
-<p:sldLayout xmlns:a="http://schemas.openxmlformats.org/drawingml/2006/main" xmlns:p="http://schemas.openxmlformats.org/presentationml/2006/main" xmlns:r="http://schemas.openxmlformats.org/officeDocument/2006/relationships" xmlns:p14="http://schemas.microsoft.com/office/powerpoint/2010/main" xmlns:p15="http://schemas.microsoft.com/office/powerpoint/2012/main" xmlns:mc="http://schemas.openxmlformats.org/markup-compatibility/2006" type="twoObjAndObj" preserve="1">
+<p:sldLayout xmlns:a="http://schemas.openxmlformats.org/drawingml/2006/main" xmlns:r="http://schemas.openxmlformats.org/officeDocument/2006/relationships" xmlns:p="http://schemas.openxmlformats.org/presentationml/2006/main" type="twoObjAndObj" preserve="1">
   <p:cSld name="Title, 2 Content and Content">
     <p:spTree>
       <p:nvGrpSpPr>
@@ -2956,11 +3187,12 @@
           </a:ln>
         </p:spPr>
         <p:txBody>
-          <a:bodyPr lIns="0" rIns="0" tIns="0" bIns="0" anchor="ctr">
+          <a:bodyPr lIns="0" tIns="0" rIns="0" bIns="0" anchor="ctr">
             <a:noAutofit/>
           </a:bodyPr>
-          <a:p>
-            <a:endParaRPr b="0" lang="en-US" sz="1800" spc="-1" strike="noStrike">
+          <a:lstStyle/>
+          <a:p>
+            <a:endParaRPr lang="en-US" sz="1800" b="0" strike="noStrike" spc="-1">
               <a:solidFill>
                 <a:srgbClr val="000000"/>
               </a:solidFill>
@@ -2993,11 +3225,12 @@
           </a:ln>
         </p:spPr>
         <p:txBody>
-          <a:bodyPr lIns="0" rIns="0" tIns="0" bIns="0" anchor="t">
+          <a:bodyPr lIns="0" tIns="0" rIns="0" bIns="0" anchor="t">
             <a:normAutofit/>
           </a:bodyPr>
-          <a:p>
-            <a:endParaRPr b="0" lang="en-US" sz="1500" spc="-1" strike="noStrike">
+          <a:lstStyle/>
+          <a:p>
+            <a:endParaRPr lang="en-US" sz="1500" b="0" strike="noStrike" spc="-1">
               <a:solidFill>
                 <a:srgbClr val="000000"/>
               </a:solidFill>
@@ -3030,11 +3263,12 @@
           </a:ln>
         </p:spPr>
         <p:txBody>
-          <a:bodyPr lIns="0" rIns="0" tIns="0" bIns="0" anchor="t">
+          <a:bodyPr lIns="0" tIns="0" rIns="0" bIns="0" anchor="t">
             <a:normAutofit/>
           </a:bodyPr>
-          <a:p>
-            <a:endParaRPr b="0" lang="en-US" sz="1500" spc="-1" strike="noStrike">
+          <a:lstStyle/>
+          <a:p>
+            <a:endParaRPr lang="en-US" sz="1500" b="0" strike="noStrike" spc="-1">
               <a:solidFill>
                 <a:srgbClr val="000000"/>
               </a:solidFill>
@@ -3067,11 +3301,12 @@
           </a:ln>
         </p:spPr>
         <p:txBody>
-          <a:bodyPr lIns="0" rIns="0" tIns="0" bIns="0" anchor="t">
+          <a:bodyPr lIns="0" tIns="0" rIns="0" bIns="0" anchor="t">
             <a:normAutofit/>
           </a:bodyPr>
-          <a:p>
-            <a:endParaRPr b="0" lang="en-US" sz="1500" spc="-1" strike="noStrike">
+          <a:lstStyle/>
+          <a:p>
+            <a:endParaRPr lang="en-US" sz="1500" b="0" strike="noStrike" spc="-1">
               <a:solidFill>
                 <a:srgbClr val="000000"/>
               </a:solidFill>
@@ -3082,11 +3317,14 @@
       </p:sp>
     </p:spTree>
   </p:cSld>
+  <p:clrMapOvr>
+    <a:masterClrMapping/>
+  </p:clrMapOvr>
 </p:sldLayout>
 </file>
 
 <file path=ppt/slideLayouts/slideLayout32.xml><?xml version="1.0" encoding="utf-8"?>
-<p:sldLayout xmlns:a="http://schemas.openxmlformats.org/drawingml/2006/main" xmlns:p="http://schemas.openxmlformats.org/presentationml/2006/main" xmlns:r="http://schemas.openxmlformats.org/officeDocument/2006/relationships" xmlns:p14="http://schemas.microsoft.com/office/powerpoint/2010/main" xmlns:p15="http://schemas.microsoft.com/office/powerpoint/2012/main" xmlns:mc="http://schemas.openxmlformats.org/markup-compatibility/2006" type="objAndTwoObj" preserve="1">
+<p:sldLayout xmlns:a="http://schemas.openxmlformats.org/drawingml/2006/main" xmlns:r="http://schemas.openxmlformats.org/officeDocument/2006/relationships" xmlns:p="http://schemas.openxmlformats.org/presentationml/2006/main" type="objAndTwoObj" preserve="1">
   <p:cSld name="Title Content and 2 Content">
     <p:spTree>
       <p:nvGrpSpPr>
@@ -3126,11 +3364,12 @@
           </a:ln>
         </p:spPr>
         <p:txBody>
-          <a:bodyPr lIns="0" rIns="0" tIns="0" bIns="0" anchor="ctr">
+          <a:bodyPr lIns="0" tIns="0" rIns="0" bIns="0" anchor="ctr">
             <a:noAutofit/>
           </a:bodyPr>
-          <a:p>
-            <a:endParaRPr b="0" lang="en-US" sz="1800" spc="-1" strike="noStrike">
+          <a:lstStyle/>
+          <a:p>
+            <a:endParaRPr lang="en-US" sz="1800" b="0" strike="noStrike" spc="-1">
               <a:solidFill>
                 <a:srgbClr val="000000"/>
               </a:solidFill>
@@ -3163,11 +3402,12 @@
           </a:ln>
         </p:spPr>
         <p:txBody>
-          <a:bodyPr lIns="0" rIns="0" tIns="0" bIns="0" anchor="t">
+          <a:bodyPr lIns="0" tIns="0" rIns="0" bIns="0" anchor="t">
             <a:normAutofit/>
           </a:bodyPr>
-          <a:p>
-            <a:endParaRPr b="0" lang="en-US" sz="1500" spc="-1" strike="noStrike">
+          <a:lstStyle/>
+          <a:p>
+            <a:endParaRPr lang="en-US" sz="1500" b="0" strike="noStrike" spc="-1">
               <a:solidFill>
                 <a:srgbClr val="000000"/>
               </a:solidFill>
@@ -3200,11 +3440,12 @@
           </a:ln>
         </p:spPr>
         <p:txBody>
-          <a:bodyPr lIns="0" rIns="0" tIns="0" bIns="0" anchor="t">
+          <a:bodyPr lIns="0" tIns="0" rIns="0" bIns="0" anchor="t">
             <a:normAutofit/>
           </a:bodyPr>
-          <a:p>
-            <a:endParaRPr b="0" lang="en-US" sz="1500" spc="-1" strike="noStrike">
+          <a:lstStyle/>
+          <a:p>
+            <a:endParaRPr lang="en-US" sz="1500" b="0" strike="noStrike" spc="-1">
               <a:solidFill>
                 <a:srgbClr val="000000"/>
               </a:solidFill>
@@ -3237,11 +3478,12 @@
           </a:ln>
         </p:spPr>
         <p:txBody>
-          <a:bodyPr lIns="0" rIns="0" tIns="0" bIns="0" anchor="t">
+          <a:bodyPr lIns="0" tIns="0" rIns="0" bIns="0" anchor="t">
             <a:normAutofit/>
           </a:bodyPr>
-          <a:p>
-            <a:endParaRPr b="0" lang="en-US" sz="1500" spc="-1" strike="noStrike">
+          <a:lstStyle/>
+          <a:p>
+            <a:endParaRPr lang="en-US" sz="1500" b="0" strike="noStrike" spc="-1">
               <a:solidFill>
                 <a:srgbClr val="000000"/>
               </a:solidFill>
@@ -3252,11 +3494,14 @@
       </p:sp>
     </p:spTree>
   </p:cSld>
+  <p:clrMapOvr>
+    <a:masterClrMapping/>
+  </p:clrMapOvr>
 </p:sldLayout>
 </file>
 
 <file path=ppt/slideLayouts/slideLayout33.xml><?xml version="1.0" encoding="utf-8"?>
-<p:sldLayout xmlns:a="http://schemas.openxmlformats.org/drawingml/2006/main" xmlns:p="http://schemas.openxmlformats.org/presentationml/2006/main" xmlns:r="http://schemas.openxmlformats.org/officeDocument/2006/relationships" xmlns:p14="http://schemas.microsoft.com/office/powerpoint/2010/main" xmlns:p15="http://schemas.microsoft.com/office/powerpoint/2012/main" xmlns:mc="http://schemas.openxmlformats.org/markup-compatibility/2006" type="twoObjOverTx" preserve="1">
+<p:sldLayout xmlns:a="http://schemas.openxmlformats.org/drawingml/2006/main" xmlns:r="http://schemas.openxmlformats.org/officeDocument/2006/relationships" xmlns:p="http://schemas.openxmlformats.org/presentationml/2006/main" type="twoObjOverTx" preserve="1">
   <p:cSld name="Title, 2 Content over Content">
     <p:spTree>
       <p:nvGrpSpPr>
@@ -3296,11 +3541,12 @@
           </a:ln>
         </p:spPr>
         <p:txBody>
-          <a:bodyPr lIns="0" rIns="0" tIns="0" bIns="0" anchor="ctr">
+          <a:bodyPr lIns="0" tIns="0" rIns="0" bIns="0" anchor="ctr">
             <a:noAutofit/>
           </a:bodyPr>
-          <a:p>
-            <a:endParaRPr b="0" lang="en-US" sz="1800" spc="-1" strike="noStrike">
+          <a:lstStyle/>
+          <a:p>
+            <a:endParaRPr lang="en-US" sz="1800" b="0" strike="noStrike" spc="-1">
               <a:solidFill>
                 <a:srgbClr val="000000"/>
               </a:solidFill>
@@ -3333,11 +3579,12 @@
           </a:ln>
         </p:spPr>
         <p:txBody>
-          <a:bodyPr lIns="0" rIns="0" tIns="0" bIns="0" anchor="t">
+          <a:bodyPr lIns="0" tIns="0" rIns="0" bIns="0" anchor="t">
             <a:normAutofit/>
           </a:bodyPr>
-          <a:p>
-            <a:endParaRPr b="0" lang="en-US" sz="1500" spc="-1" strike="noStrike">
+          <a:lstStyle/>
+          <a:p>
+            <a:endParaRPr lang="en-US" sz="1500" b="0" strike="noStrike" spc="-1">
               <a:solidFill>
                 <a:srgbClr val="000000"/>
               </a:solidFill>
@@ -3370,11 +3617,12 @@
           </a:ln>
         </p:spPr>
         <p:txBody>
-          <a:bodyPr lIns="0" rIns="0" tIns="0" bIns="0" anchor="t">
+          <a:bodyPr lIns="0" tIns="0" rIns="0" bIns="0" anchor="t">
             <a:normAutofit/>
           </a:bodyPr>
-          <a:p>
-            <a:endParaRPr b="0" lang="en-US" sz="1500" spc="-1" strike="noStrike">
+          <a:lstStyle/>
+          <a:p>
+            <a:endParaRPr lang="en-US" sz="1500" b="0" strike="noStrike" spc="-1">
               <a:solidFill>
                 <a:srgbClr val="000000"/>
               </a:solidFill>
@@ -3407,11 +3655,12 @@
           </a:ln>
         </p:spPr>
         <p:txBody>
-          <a:bodyPr lIns="0" rIns="0" tIns="0" bIns="0" anchor="t">
+          <a:bodyPr lIns="0" tIns="0" rIns="0" bIns="0" anchor="t">
             <a:normAutofit/>
           </a:bodyPr>
-          <a:p>
-            <a:endParaRPr b="0" lang="en-US" sz="1500" spc="-1" strike="noStrike">
+          <a:lstStyle/>
+          <a:p>
+            <a:endParaRPr lang="en-US" sz="1500" b="0" strike="noStrike" spc="-1">
               <a:solidFill>
                 <a:srgbClr val="000000"/>
               </a:solidFill>
@@ -3422,11 +3671,14 @@
       </p:sp>
     </p:spTree>
   </p:cSld>
+  <p:clrMapOvr>
+    <a:masterClrMapping/>
+  </p:clrMapOvr>
 </p:sldLayout>
 </file>
 
 <file path=ppt/slideLayouts/slideLayout34.xml><?xml version="1.0" encoding="utf-8"?>
-<p:sldLayout xmlns:a="http://schemas.openxmlformats.org/drawingml/2006/main" xmlns:p="http://schemas.openxmlformats.org/presentationml/2006/main" xmlns:r="http://schemas.openxmlformats.org/officeDocument/2006/relationships" xmlns:p14="http://schemas.microsoft.com/office/powerpoint/2010/main" xmlns:p15="http://schemas.microsoft.com/office/powerpoint/2012/main" xmlns:mc="http://schemas.openxmlformats.org/markup-compatibility/2006" type="objOverTx" preserve="1">
+<p:sldLayout xmlns:a="http://schemas.openxmlformats.org/drawingml/2006/main" xmlns:r="http://schemas.openxmlformats.org/officeDocument/2006/relationships" xmlns:p="http://schemas.openxmlformats.org/presentationml/2006/main" type="objOverTx" preserve="1">
   <p:cSld name="Title, Content over Content">
     <p:spTree>
       <p:nvGrpSpPr>
@@ -3466,11 +3718,12 @@
           </a:ln>
         </p:spPr>
         <p:txBody>
-          <a:bodyPr lIns="0" rIns="0" tIns="0" bIns="0" anchor="ctr">
+          <a:bodyPr lIns="0" tIns="0" rIns="0" bIns="0" anchor="ctr">
             <a:noAutofit/>
           </a:bodyPr>
-          <a:p>
-            <a:endParaRPr b="0" lang="en-US" sz="1800" spc="-1" strike="noStrike">
+          <a:lstStyle/>
+          <a:p>
+            <a:endParaRPr lang="en-US" sz="1800" b="0" strike="noStrike" spc="-1">
               <a:solidFill>
                 <a:srgbClr val="000000"/>
               </a:solidFill>
@@ -3503,11 +3756,12 @@
           </a:ln>
         </p:spPr>
         <p:txBody>
-          <a:bodyPr lIns="0" rIns="0" tIns="0" bIns="0" anchor="t">
+          <a:bodyPr lIns="0" tIns="0" rIns="0" bIns="0" anchor="t">
             <a:normAutofit/>
           </a:bodyPr>
-          <a:p>
-            <a:endParaRPr b="0" lang="en-US" sz="1500" spc="-1" strike="noStrike">
+          <a:lstStyle/>
+          <a:p>
+            <a:endParaRPr lang="en-US" sz="1500" b="0" strike="noStrike" spc="-1">
               <a:solidFill>
                 <a:srgbClr val="000000"/>
               </a:solidFill>
@@ -3540,11 +3794,12 @@
           </a:ln>
         </p:spPr>
         <p:txBody>
-          <a:bodyPr lIns="0" rIns="0" tIns="0" bIns="0" anchor="t">
+          <a:bodyPr lIns="0" tIns="0" rIns="0" bIns="0" anchor="t">
             <a:normAutofit/>
           </a:bodyPr>
-          <a:p>
-            <a:endParaRPr b="0" lang="en-US" sz="1500" spc="-1" strike="noStrike">
+          <a:lstStyle/>
+          <a:p>
+            <a:endParaRPr lang="en-US" sz="1500" b="0" strike="noStrike" spc="-1">
               <a:solidFill>
                 <a:srgbClr val="000000"/>
               </a:solidFill>
@@ -3555,11 +3810,14 @@
       </p:sp>
     </p:spTree>
   </p:cSld>
+  <p:clrMapOvr>
+    <a:masterClrMapping/>
+  </p:clrMapOvr>
 </p:sldLayout>
 </file>
 
 <file path=ppt/slideLayouts/slideLayout35.xml><?xml version="1.0" encoding="utf-8"?>
-<p:sldLayout xmlns:a="http://schemas.openxmlformats.org/drawingml/2006/main" xmlns:p="http://schemas.openxmlformats.org/presentationml/2006/main" xmlns:r="http://schemas.openxmlformats.org/officeDocument/2006/relationships" xmlns:p14="http://schemas.microsoft.com/office/powerpoint/2010/main" xmlns:p15="http://schemas.microsoft.com/office/powerpoint/2012/main" xmlns:mc="http://schemas.openxmlformats.org/markup-compatibility/2006" type="fourObj" preserve="1">
+<p:sldLayout xmlns:a="http://schemas.openxmlformats.org/drawingml/2006/main" xmlns:r="http://schemas.openxmlformats.org/officeDocument/2006/relationships" xmlns:p="http://schemas.openxmlformats.org/presentationml/2006/main" type="fourObj" preserve="1">
   <p:cSld name="Title, 4 Content">
     <p:spTree>
       <p:nvGrpSpPr>
@@ -3599,11 +3857,12 @@
           </a:ln>
         </p:spPr>
         <p:txBody>
-          <a:bodyPr lIns="0" rIns="0" tIns="0" bIns="0" anchor="ctr">
+          <a:bodyPr lIns="0" tIns="0" rIns="0" bIns="0" anchor="ctr">
             <a:noAutofit/>
           </a:bodyPr>
-          <a:p>
-            <a:endParaRPr b="0" lang="en-US" sz="1800" spc="-1" strike="noStrike">
+          <a:lstStyle/>
+          <a:p>
+            <a:endParaRPr lang="en-US" sz="1800" b="0" strike="noStrike" spc="-1">
               <a:solidFill>
                 <a:srgbClr val="000000"/>
               </a:solidFill>
@@ -3636,11 +3895,12 @@
           </a:ln>
         </p:spPr>
         <p:txBody>
-          <a:bodyPr lIns="0" rIns="0" tIns="0" bIns="0" anchor="t">
+          <a:bodyPr lIns="0" tIns="0" rIns="0" bIns="0" anchor="t">
             <a:normAutofit/>
           </a:bodyPr>
-          <a:p>
-            <a:endParaRPr b="0" lang="en-US" sz="1500" spc="-1" strike="noStrike">
+          <a:lstStyle/>
+          <a:p>
+            <a:endParaRPr lang="en-US" sz="1500" b="0" strike="noStrike" spc="-1">
               <a:solidFill>
                 <a:srgbClr val="000000"/>
               </a:solidFill>
@@ -3673,11 +3933,12 @@
           </a:ln>
         </p:spPr>
         <p:txBody>
-          <a:bodyPr lIns="0" rIns="0" tIns="0" bIns="0" anchor="t">
+          <a:bodyPr lIns="0" tIns="0" rIns="0" bIns="0" anchor="t">
             <a:normAutofit/>
           </a:bodyPr>
-          <a:p>
-            <a:endParaRPr b="0" lang="en-US" sz="1500" spc="-1" strike="noStrike">
+          <a:lstStyle/>
+          <a:p>
+            <a:endParaRPr lang="en-US" sz="1500" b="0" strike="noStrike" spc="-1">
               <a:solidFill>
                 <a:srgbClr val="000000"/>
               </a:solidFill>
@@ -3710,11 +3971,12 @@
           </a:ln>
         </p:spPr>
         <p:txBody>
-          <a:bodyPr lIns="0" rIns="0" tIns="0" bIns="0" anchor="t">
+          <a:bodyPr lIns="0" tIns="0" rIns="0" bIns="0" anchor="t">
             <a:normAutofit/>
           </a:bodyPr>
-          <a:p>
-            <a:endParaRPr b="0" lang="en-US" sz="1500" spc="-1" strike="noStrike">
+          <a:lstStyle/>
+          <a:p>
+            <a:endParaRPr lang="en-US" sz="1500" b="0" strike="noStrike" spc="-1">
               <a:solidFill>
                 <a:srgbClr val="000000"/>
               </a:solidFill>
@@ -3747,11 +4009,12 @@
           </a:ln>
         </p:spPr>
         <p:txBody>
-          <a:bodyPr lIns="0" rIns="0" tIns="0" bIns="0" anchor="t">
+          <a:bodyPr lIns="0" tIns="0" rIns="0" bIns="0" anchor="t">
             <a:normAutofit/>
           </a:bodyPr>
-          <a:p>
-            <a:endParaRPr b="0" lang="en-US" sz="1500" spc="-1" strike="noStrike">
+          <a:lstStyle/>
+          <a:p>
+            <a:endParaRPr lang="en-US" sz="1500" b="0" strike="noStrike" spc="-1">
               <a:solidFill>
                 <a:srgbClr val="000000"/>
               </a:solidFill>
@@ -3762,11 +4025,14 @@
       </p:sp>
     </p:spTree>
   </p:cSld>
+  <p:clrMapOvr>
+    <a:masterClrMapping/>
+  </p:clrMapOvr>
 </p:sldLayout>
 </file>
 
 <file path=ppt/slideLayouts/slideLayout36.xml><?xml version="1.0" encoding="utf-8"?>
-<p:sldLayout xmlns:a="http://schemas.openxmlformats.org/drawingml/2006/main" xmlns:p="http://schemas.openxmlformats.org/presentationml/2006/main" xmlns:r="http://schemas.openxmlformats.org/officeDocument/2006/relationships" xmlns:p14="http://schemas.microsoft.com/office/powerpoint/2010/main" xmlns:p15="http://schemas.microsoft.com/office/powerpoint/2012/main" xmlns:mc="http://schemas.openxmlformats.org/markup-compatibility/2006" type="blank" preserve="1">
+<p:sldLayout xmlns:a="http://schemas.openxmlformats.org/drawingml/2006/main" xmlns:r="http://schemas.openxmlformats.org/officeDocument/2006/relationships" xmlns:p="http://schemas.openxmlformats.org/presentationml/2006/main" type="blank" preserve="1">
   <p:cSld name="Title, 6 Content">
     <p:spTree>
       <p:nvGrpSpPr>
@@ -3806,11 +4072,12 @@
           </a:ln>
         </p:spPr>
         <p:txBody>
-          <a:bodyPr lIns="0" rIns="0" tIns="0" bIns="0" anchor="ctr">
+          <a:bodyPr lIns="0" tIns="0" rIns="0" bIns="0" anchor="ctr">
             <a:noAutofit/>
           </a:bodyPr>
-          <a:p>
-            <a:endParaRPr b="0" lang="en-US" sz="1800" spc="-1" strike="noStrike">
+          <a:lstStyle/>
+          <a:p>
+            <a:endParaRPr lang="en-US" sz="1800" b="0" strike="noStrike" spc="-1">
               <a:solidFill>
                 <a:srgbClr val="000000"/>
               </a:solidFill>
@@ -3843,11 +4110,12 @@
           </a:ln>
         </p:spPr>
         <p:txBody>
-          <a:bodyPr lIns="0" rIns="0" tIns="0" bIns="0" anchor="t">
+          <a:bodyPr lIns="0" tIns="0" rIns="0" bIns="0" anchor="t">
             <a:normAutofit/>
           </a:bodyPr>
-          <a:p>
-            <a:endParaRPr b="0" lang="en-US" sz="1500" spc="-1" strike="noStrike">
+          <a:lstStyle/>
+          <a:p>
+            <a:endParaRPr lang="en-US" sz="1500" b="0" strike="noStrike" spc="-1">
               <a:solidFill>
                 <a:srgbClr val="000000"/>
               </a:solidFill>
@@ -3880,11 +4148,12 @@
           </a:ln>
         </p:spPr>
         <p:txBody>
-          <a:bodyPr lIns="0" rIns="0" tIns="0" bIns="0" anchor="t">
+          <a:bodyPr lIns="0" tIns="0" rIns="0" bIns="0" anchor="t">
             <a:normAutofit/>
           </a:bodyPr>
-          <a:p>
-            <a:endParaRPr b="0" lang="en-US" sz="1500" spc="-1" strike="noStrike">
+          <a:lstStyle/>
+          <a:p>
+            <a:endParaRPr lang="en-US" sz="1500" b="0" strike="noStrike" spc="-1">
               <a:solidFill>
                 <a:srgbClr val="000000"/>
               </a:solidFill>
@@ -3917,11 +4186,12 @@
           </a:ln>
         </p:spPr>
         <p:txBody>
-          <a:bodyPr lIns="0" rIns="0" tIns="0" bIns="0" anchor="t">
+          <a:bodyPr lIns="0" tIns="0" rIns="0" bIns="0" anchor="t">
             <a:normAutofit/>
           </a:bodyPr>
-          <a:p>
-            <a:endParaRPr b="0" lang="en-US" sz="1500" spc="-1" strike="noStrike">
+          <a:lstStyle/>
+          <a:p>
+            <a:endParaRPr lang="en-US" sz="1500" b="0" strike="noStrike" spc="-1">
               <a:solidFill>
                 <a:srgbClr val="000000"/>
               </a:solidFill>
@@ -3954,11 +4224,12 @@
           </a:ln>
         </p:spPr>
         <p:txBody>
-          <a:bodyPr lIns="0" rIns="0" tIns="0" bIns="0" anchor="t">
+          <a:bodyPr lIns="0" tIns="0" rIns="0" bIns="0" anchor="t">
             <a:normAutofit/>
           </a:bodyPr>
-          <a:p>
-            <a:endParaRPr b="0" lang="en-US" sz="1500" spc="-1" strike="noStrike">
+          <a:lstStyle/>
+          <a:p>
+            <a:endParaRPr lang="en-US" sz="1500" b="0" strike="noStrike" spc="-1">
               <a:solidFill>
                 <a:srgbClr val="000000"/>
               </a:solidFill>
@@ -3991,11 +4262,12 @@
           </a:ln>
         </p:spPr>
         <p:txBody>
-          <a:bodyPr lIns="0" rIns="0" tIns="0" bIns="0" anchor="t">
+          <a:bodyPr lIns="0" tIns="0" rIns="0" bIns="0" anchor="t">
             <a:normAutofit/>
           </a:bodyPr>
-          <a:p>
-            <a:endParaRPr b="0" lang="en-US" sz="1500" spc="-1" strike="noStrike">
+          <a:lstStyle/>
+          <a:p>
+            <a:endParaRPr lang="en-US" sz="1500" b="0" strike="noStrike" spc="-1">
               <a:solidFill>
                 <a:srgbClr val="000000"/>
               </a:solidFill>
@@ -4028,11 +4300,12 @@
           </a:ln>
         </p:spPr>
         <p:txBody>
-          <a:bodyPr lIns="0" rIns="0" tIns="0" bIns="0" anchor="t">
+          <a:bodyPr lIns="0" tIns="0" rIns="0" bIns="0" anchor="t">
             <a:normAutofit/>
           </a:bodyPr>
-          <a:p>
-            <a:endParaRPr b="0" lang="en-US" sz="1500" spc="-1" strike="noStrike">
+          <a:lstStyle/>
+          <a:p>
+            <a:endParaRPr lang="en-US" sz="1500" b="0" strike="noStrike" spc="-1">
               <a:solidFill>
                 <a:srgbClr val="000000"/>
               </a:solidFill>
@@ -4043,11 +4316,14 @@
       </p:sp>
     </p:spTree>
   </p:cSld>
+  <p:clrMapOvr>
+    <a:masterClrMapping/>
+  </p:clrMapOvr>
 </p:sldLayout>
 </file>
 
 <file path=ppt/slideLayouts/slideLayout37.xml><?xml version="1.0" encoding="utf-8"?>
-<p:sldLayout xmlns:a="http://schemas.openxmlformats.org/drawingml/2006/main" xmlns:p="http://schemas.openxmlformats.org/presentationml/2006/main" xmlns:r="http://schemas.openxmlformats.org/officeDocument/2006/relationships" xmlns:p14="http://schemas.microsoft.com/office/powerpoint/2010/main" xmlns:p15="http://schemas.microsoft.com/office/powerpoint/2012/main" xmlns:mc="http://schemas.openxmlformats.org/markup-compatibility/2006" type="blank" preserve="1">
+<p:sldLayout xmlns:a="http://schemas.openxmlformats.org/drawingml/2006/main" xmlns:r="http://schemas.openxmlformats.org/officeDocument/2006/relationships" xmlns:p="http://schemas.openxmlformats.org/presentationml/2006/main" type="blank" preserve="1">
   <p:cSld name="Blank Slide">
     <p:spTree>
       <p:nvGrpSpPr>
@@ -4065,11 +4341,14 @@
       </p:grpSpPr>
     </p:spTree>
   </p:cSld>
+  <p:clrMapOvr>
+    <a:masterClrMapping/>
+  </p:clrMapOvr>
 </p:sldLayout>
 </file>
 
 <file path=ppt/slideLayouts/slideLayout38.xml><?xml version="1.0" encoding="utf-8"?>
-<p:sldLayout xmlns:a="http://schemas.openxmlformats.org/drawingml/2006/main" xmlns:p="http://schemas.openxmlformats.org/presentationml/2006/main" xmlns:r="http://schemas.openxmlformats.org/officeDocument/2006/relationships" xmlns:p14="http://schemas.microsoft.com/office/powerpoint/2010/main" xmlns:p15="http://schemas.microsoft.com/office/powerpoint/2012/main" xmlns:mc="http://schemas.openxmlformats.org/markup-compatibility/2006" type="tx" preserve="1">
+<p:sldLayout xmlns:a="http://schemas.openxmlformats.org/drawingml/2006/main" xmlns:r="http://schemas.openxmlformats.org/officeDocument/2006/relationships" xmlns:p="http://schemas.openxmlformats.org/presentationml/2006/main" type="tx" preserve="1">
   <p:cSld name="Title Slide">
     <p:spTree>
       <p:nvGrpSpPr>
@@ -4109,11 +4388,12 @@
           </a:ln>
         </p:spPr>
         <p:txBody>
-          <a:bodyPr lIns="0" rIns="0" tIns="0" bIns="0" anchor="ctr">
+          <a:bodyPr lIns="0" tIns="0" rIns="0" bIns="0" anchor="ctr">
             <a:noAutofit/>
           </a:bodyPr>
-          <a:p>
-            <a:endParaRPr b="0" lang="en-US" sz="1800" spc="-1" strike="noStrike">
+          <a:lstStyle/>
+          <a:p>
+            <a:endParaRPr lang="en-US" sz="1800" b="0" strike="noStrike" spc="-1">
               <a:solidFill>
                 <a:srgbClr val="000000"/>
               </a:solidFill>
@@ -4146,12 +4426,13 @@
           </a:ln>
         </p:spPr>
         <p:txBody>
-          <a:bodyPr lIns="0" rIns="0" tIns="0" bIns="0" anchor="ctr">
+          <a:bodyPr lIns="0" tIns="0" rIns="0" bIns="0" anchor="ctr">
             <a:noAutofit/>
           </a:bodyPr>
+          <a:lstStyle/>
           <a:p>
             <a:pPr algn="ctr"/>
-            <a:endParaRPr b="0" lang="en-US" sz="3200" spc="-1" strike="noStrike">
+            <a:endParaRPr lang="en-US" sz="3200" b="0" strike="noStrike" spc="-1">
               <a:latin typeface="Nimbus Sans"/>
             </a:endParaRPr>
           </a:p>
@@ -4159,11 +4440,14 @@
       </p:sp>
     </p:spTree>
   </p:cSld>
+  <p:clrMapOvr>
+    <a:masterClrMapping/>
+  </p:clrMapOvr>
 </p:sldLayout>
 </file>
 
 <file path=ppt/slideLayouts/slideLayout39.xml><?xml version="1.0" encoding="utf-8"?>
-<p:sldLayout xmlns:a="http://schemas.openxmlformats.org/drawingml/2006/main" xmlns:p="http://schemas.openxmlformats.org/presentationml/2006/main" xmlns:r="http://schemas.openxmlformats.org/officeDocument/2006/relationships" xmlns:p14="http://schemas.microsoft.com/office/powerpoint/2010/main" xmlns:p15="http://schemas.microsoft.com/office/powerpoint/2012/main" xmlns:mc="http://schemas.openxmlformats.org/markup-compatibility/2006" type="obj" preserve="1">
+<p:sldLayout xmlns:a="http://schemas.openxmlformats.org/drawingml/2006/main" xmlns:r="http://schemas.openxmlformats.org/officeDocument/2006/relationships" xmlns:p="http://schemas.openxmlformats.org/presentationml/2006/main" type="obj" preserve="1">
   <p:cSld name="Title, Content">
     <p:spTree>
       <p:nvGrpSpPr>
@@ -4203,11 +4487,12 @@
           </a:ln>
         </p:spPr>
         <p:txBody>
-          <a:bodyPr lIns="0" rIns="0" tIns="0" bIns="0" anchor="ctr">
+          <a:bodyPr lIns="0" tIns="0" rIns="0" bIns="0" anchor="ctr">
             <a:noAutofit/>
           </a:bodyPr>
-          <a:p>
-            <a:endParaRPr b="0" lang="en-US" sz="1800" spc="-1" strike="noStrike">
+          <a:lstStyle/>
+          <a:p>
+            <a:endParaRPr lang="en-US" sz="1800" b="0" strike="noStrike" spc="-1">
               <a:solidFill>
                 <a:srgbClr val="000000"/>
               </a:solidFill>
@@ -4240,11 +4525,12 @@
           </a:ln>
         </p:spPr>
         <p:txBody>
-          <a:bodyPr lIns="0" rIns="0" tIns="0" bIns="0" anchor="t">
+          <a:bodyPr lIns="0" tIns="0" rIns="0" bIns="0" anchor="t">
             <a:normAutofit/>
           </a:bodyPr>
-          <a:p>
-            <a:endParaRPr b="0" lang="en-US" sz="1500" spc="-1" strike="noStrike">
+          <a:lstStyle/>
+          <a:p>
+            <a:endParaRPr lang="en-US" sz="1500" b="0" strike="noStrike" spc="-1">
               <a:solidFill>
                 <a:srgbClr val="000000"/>
               </a:solidFill>
@@ -4255,11 +4541,14 @@
       </p:sp>
     </p:spTree>
   </p:cSld>
+  <p:clrMapOvr>
+    <a:masterClrMapping/>
+  </p:clrMapOvr>
 </p:sldLayout>
 </file>
 
 <file path=ppt/slideLayouts/slideLayout4.xml><?xml version="1.0" encoding="utf-8"?>
-<p:sldLayout xmlns:a="http://schemas.openxmlformats.org/drawingml/2006/main" xmlns:p="http://schemas.openxmlformats.org/presentationml/2006/main" xmlns:r="http://schemas.openxmlformats.org/officeDocument/2006/relationships" xmlns:p14="http://schemas.microsoft.com/office/powerpoint/2010/main" xmlns:p15="http://schemas.microsoft.com/office/powerpoint/2012/main" xmlns:mc="http://schemas.openxmlformats.org/markup-compatibility/2006" type="twoObj" preserve="1">
+<p:sldLayout xmlns:a="http://schemas.openxmlformats.org/drawingml/2006/main" xmlns:r="http://schemas.openxmlformats.org/officeDocument/2006/relationships" xmlns:p="http://schemas.openxmlformats.org/presentationml/2006/main" type="twoObj" preserve="1">
   <p:cSld name="Title, 2 Content">
     <p:spTree>
       <p:nvGrpSpPr>
@@ -4299,11 +4588,12 @@
           </a:ln>
         </p:spPr>
         <p:txBody>
-          <a:bodyPr lIns="0" rIns="0" tIns="0" bIns="0" anchor="ctr">
+          <a:bodyPr lIns="0" tIns="0" rIns="0" bIns="0" anchor="ctr">
             <a:noAutofit/>
           </a:bodyPr>
-          <a:p>
-            <a:endParaRPr b="0" lang="en-US" sz="1800" spc="-1" strike="noStrike">
+          <a:lstStyle/>
+          <a:p>
+            <a:endParaRPr lang="en-US" sz="1800" b="0" strike="noStrike" spc="-1">
               <a:solidFill>
                 <a:srgbClr val="000000"/>
               </a:solidFill>
@@ -4336,11 +4626,12 @@
           </a:ln>
         </p:spPr>
         <p:txBody>
-          <a:bodyPr lIns="0" rIns="0" tIns="0" bIns="0" anchor="t">
+          <a:bodyPr lIns="0" tIns="0" rIns="0" bIns="0" anchor="t">
             <a:normAutofit/>
           </a:bodyPr>
-          <a:p>
-            <a:endParaRPr b="0" lang="en-US" sz="1500" spc="-1" strike="noStrike">
+          <a:lstStyle/>
+          <a:p>
+            <a:endParaRPr lang="en-US" sz="1500" b="0" strike="noStrike" spc="-1">
               <a:solidFill>
                 <a:srgbClr val="000000"/>
               </a:solidFill>
@@ -4373,11 +4664,12 @@
           </a:ln>
         </p:spPr>
         <p:txBody>
-          <a:bodyPr lIns="0" rIns="0" tIns="0" bIns="0" anchor="t">
+          <a:bodyPr lIns="0" tIns="0" rIns="0" bIns="0" anchor="t">
             <a:normAutofit/>
           </a:bodyPr>
-          <a:p>
-            <a:endParaRPr b="0" lang="en-US" sz="1500" spc="-1" strike="noStrike">
+          <a:lstStyle/>
+          <a:p>
+            <a:endParaRPr lang="en-US" sz="1500" b="0" strike="noStrike" spc="-1">
               <a:solidFill>
                 <a:srgbClr val="000000"/>
               </a:solidFill>
@@ -4388,11 +4680,14 @@
       </p:sp>
     </p:spTree>
   </p:cSld>
+  <p:clrMapOvr>
+    <a:masterClrMapping/>
+  </p:clrMapOvr>
 </p:sldLayout>
 </file>
 
 <file path=ppt/slideLayouts/slideLayout40.xml><?xml version="1.0" encoding="utf-8"?>
-<p:sldLayout xmlns:a="http://schemas.openxmlformats.org/drawingml/2006/main" xmlns:p="http://schemas.openxmlformats.org/presentationml/2006/main" xmlns:r="http://schemas.openxmlformats.org/officeDocument/2006/relationships" xmlns:p14="http://schemas.microsoft.com/office/powerpoint/2010/main" xmlns:p15="http://schemas.microsoft.com/office/powerpoint/2012/main" xmlns:mc="http://schemas.openxmlformats.org/markup-compatibility/2006" type="twoObj" preserve="1">
+<p:sldLayout xmlns:a="http://schemas.openxmlformats.org/drawingml/2006/main" xmlns:r="http://schemas.openxmlformats.org/officeDocument/2006/relationships" xmlns:p="http://schemas.openxmlformats.org/presentationml/2006/main" type="twoObj" preserve="1">
   <p:cSld name="Title, 2 Content">
     <p:spTree>
       <p:nvGrpSpPr>
@@ -4432,11 +4727,12 @@
           </a:ln>
         </p:spPr>
         <p:txBody>
-          <a:bodyPr lIns="0" rIns="0" tIns="0" bIns="0" anchor="ctr">
+          <a:bodyPr lIns="0" tIns="0" rIns="0" bIns="0" anchor="ctr">
             <a:noAutofit/>
           </a:bodyPr>
-          <a:p>
-            <a:endParaRPr b="0" lang="en-US" sz="1800" spc="-1" strike="noStrike">
+          <a:lstStyle/>
+          <a:p>
+            <a:endParaRPr lang="en-US" sz="1800" b="0" strike="noStrike" spc="-1">
               <a:solidFill>
                 <a:srgbClr val="000000"/>
               </a:solidFill>
@@ -4469,11 +4765,12 @@
           </a:ln>
         </p:spPr>
         <p:txBody>
-          <a:bodyPr lIns="0" rIns="0" tIns="0" bIns="0" anchor="t">
+          <a:bodyPr lIns="0" tIns="0" rIns="0" bIns="0" anchor="t">
             <a:normAutofit/>
           </a:bodyPr>
-          <a:p>
-            <a:endParaRPr b="0" lang="en-US" sz="1500" spc="-1" strike="noStrike">
+          <a:lstStyle/>
+          <a:p>
+            <a:endParaRPr lang="en-US" sz="1500" b="0" strike="noStrike" spc="-1">
               <a:solidFill>
                 <a:srgbClr val="000000"/>
               </a:solidFill>
@@ -4506,11 +4803,12 @@
           </a:ln>
         </p:spPr>
         <p:txBody>
-          <a:bodyPr lIns="0" rIns="0" tIns="0" bIns="0" anchor="t">
+          <a:bodyPr lIns="0" tIns="0" rIns="0" bIns="0" anchor="t">
             <a:normAutofit/>
           </a:bodyPr>
-          <a:p>
-            <a:endParaRPr b="0" lang="en-US" sz="1500" spc="-1" strike="noStrike">
+          <a:lstStyle/>
+          <a:p>
+            <a:endParaRPr lang="en-US" sz="1500" b="0" strike="noStrike" spc="-1">
               <a:solidFill>
                 <a:srgbClr val="000000"/>
               </a:solidFill>
@@ -4521,11 +4819,14 @@
       </p:sp>
     </p:spTree>
   </p:cSld>
+  <p:clrMapOvr>
+    <a:masterClrMapping/>
+  </p:clrMapOvr>
 </p:sldLayout>
 </file>
 
 <file path=ppt/slideLayouts/slideLayout41.xml><?xml version="1.0" encoding="utf-8"?>
-<p:sldLayout xmlns:a="http://schemas.openxmlformats.org/drawingml/2006/main" xmlns:p="http://schemas.openxmlformats.org/presentationml/2006/main" xmlns:r="http://schemas.openxmlformats.org/officeDocument/2006/relationships" xmlns:p14="http://schemas.microsoft.com/office/powerpoint/2010/main" xmlns:p15="http://schemas.microsoft.com/office/powerpoint/2012/main" xmlns:mc="http://schemas.openxmlformats.org/markup-compatibility/2006" type="titleOnly" preserve="1">
+<p:sldLayout xmlns:a="http://schemas.openxmlformats.org/drawingml/2006/main" xmlns:r="http://schemas.openxmlformats.org/officeDocument/2006/relationships" xmlns:p="http://schemas.openxmlformats.org/presentationml/2006/main" type="titleOnly" preserve="1">
   <p:cSld name="Title Only">
     <p:spTree>
       <p:nvGrpSpPr>
@@ -4565,11 +4866,12 @@
           </a:ln>
         </p:spPr>
         <p:txBody>
-          <a:bodyPr lIns="0" rIns="0" tIns="0" bIns="0" anchor="ctr">
+          <a:bodyPr lIns="0" tIns="0" rIns="0" bIns="0" anchor="ctr">
             <a:noAutofit/>
           </a:bodyPr>
-          <a:p>
-            <a:endParaRPr b="0" lang="en-US" sz="1800" spc="-1" strike="noStrike">
+          <a:lstStyle/>
+          <a:p>
+            <a:endParaRPr lang="en-US" sz="1800" b="0" strike="noStrike" spc="-1">
               <a:solidFill>
                 <a:srgbClr val="000000"/>
               </a:solidFill>
@@ -4580,11 +4882,14 @@
       </p:sp>
     </p:spTree>
   </p:cSld>
+  <p:clrMapOvr>
+    <a:masterClrMapping/>
+  </p:clrMapOvr>
 </p:sldLayout>
 </file>
 
 <file path=ppt/slideLayouts/slideLayout42.xml><?xml version="1.0" encoding="utf-8"?>
-<p:sldLayout xmlns:a="http://schemas.openxmlformats.org/drawingml/2006/main" xmlns:p="http://schemas.openxmlformats.org/presentationml/2006/main" xmlns:r="http://schemas.openxmlformats.org/officeDocument/2006/relationships" xmlns:p14="http://schemas.microsoft.com/office/powerpoint/2010/main" xmlns:p15="http://schemas.microsoft.com/office/powerpoint/2012/main" xmlns:mc="http://schemas.openxmlformats.org/markup-compatibility/2006" type="objOnly" preserve="1">
+<p:sldLayout xmlns:a="http://schemas.openxmlformats.org/drawingml/2006/main" xmlns:r="http://schemas.openxmlformats.org/officeDocument/2006/relationships" xmlns:p="http://schemas.openxmlformats.org/presentationml/2006/main" type="objOnly" preserve="1">
   <p:cSld name="Centered Text">
     <p:spTree>
       <p:nvGrpSpPr>
@@ -4624,12 +4929,13 @@
           </a:ln>
         </p:spPr>
         <p:txBody>
-          <a:bodyPr lIns="0" rIns="0" tIns="0" bIns="0" anchor="ctr">
+          <a:bodyPr lIns="0" tIns="0" rIns="0" bIns="0" anchor="ctr">
             <a:noAutofit/>
           </a:bodyPr>
+          <a:lstStyle/>
           <a:p>
             <a:pPr algn="ctr"/>
-            <a:endParaRPr b="0" lang="en-US" sz="3200" spc="-1" strike="noStrike">
+            <a:endParaRPr lang="en-US" sz="3200" b="0" strike="noStrike" spc="-1">
               <a:latin typeface="Nimbus Sans"/>
             </a:endParaRPr>
           </a:p>
@@ -4637,11 +4943,14 @@
       </p:sp>
     </p:spTree>
   </p:cSld>
+  <p:clrMapOvr>
+    <a:masterClrMapping/>
+  </p:clrMapOvr>
 </p:sldLayout>
 </file>
 
 <file path=ppt/slideLayouts/slideLayout43.xml><?xml version="1.0" encoding="utf-8"?>
-<p:sldLayout xmlns:a="http://schemas.openxmlformats.org/drawingml/2006/main" xmlns:p="http://schemas.openxmlformats.org/presentationml/2006/main" xmlns:r="http://schemas.openxmlformats.org/officeDocument/2006/relationships" xmlns:p14="http://schemas.microsoft.com/office/powerpoint/2010/main" xmlns:p15="http://schemas.microsoft.com/office/powerpoint/2012/main" xmlns:mc="http://schemas.openxmlformats.org/markup-compatibility/2006" type="twoObjAndObj" preserve="1">
+<p:sldLayout xmlns:a="http://schemas.openxmlformats.org/drawingml/2006/main" xmlns:r="http://schemas.openxmlformats.org/officeDocument/2006/relationships" xmlns:p="http://schemas.openxmlformats.org/presentationml/2006/main" type="twoObjAndObj" preserve="1">
   <p:cSld name="Title, 2 Content and Content">
     <p:spTree>
       <p:nvGrpSpPr>
@@ -4681,11 +4990,12 @@
           </a:ln>
         </p:spPr>
         <p:txBody>
-          <a:bodyPr lIns="0" rIns="0" tIns="0" bIns="0" anchor="ctr">
+          <a:bodyPr lIns="0" tIns="0" rIns="0" bIns="0" anchor="ctr">
             <a:noAutofit/>
           </a:bodyPr>
-          <a:p>
-            <a:endParaRPr b="0" lang="en-US" sz="1800" spc="-1" strike="noStrike">
+          <a:lstStyle/>
+          <a:p>
+            <a:endParaRPr lang="en-US" sz="1800" b="0" strike="noStrike" spc="-1">
               <a:solidFill>
                 <a:srgbClr val="000000"/>
               </a:solidFill>
@@ -4718,11 +5028,12 @@
           </a:ln>
         </p:spPr>
         <p:txBody>
-          <a:bodyPr lIns="0" rIns="0" tIns="0" bIns="0" anchor="t">
+          <a:bodyPr lIns="0" tIns="0" rIns="0" bIns="0" anchor="t">
             <a:normAutofit/>
           </a:bodyPr>
-          <a:p>
-            <a:endParaRPr b="0" lang="en-US" sz="1500" spc="-1" strike="noStrike">
+          <a:lstStyle/>
+          <a:p>
+            <a:endParaRPr lang="en-US" sz="1500" b="0" strike="noStrike" spc="-1">
               <a:solidFill>
                 <a:srgbClr val="000000"/>
               </a:solidFill>
@@ -4755,11 +5066,12 @@
           </a:ln>
         </p:spPr>
         <p:txBody>
-          <a:bodyPr lIns="0" rIns="0" tIns="0" bIns="0" anchor="t">
+          <a:bodyPr lIns="0" tIns="0" rIns="0" bIns="0" anchor="t">
             <a:normAutofit/>
           </a:bodyPr>
-          <a:p>
-            <a:endParaRPr b="0" lang="en-US" sz="1500" spc="-1" strike="noStrike">
+          <a:lstStyle/>
+          <a:p>
+            <a:endParaRPr lang="en-US" sz="1500" b="0" strike="noStrike" spc="-1">
               <a:solidFill>
                 <a:srgbClr val="000000"/>
               </a:solidFill>
@@ -4792,11 +5104,12 @@
           </a:ln>
         </p:spPr>
         <p:txBody>
-          <a:bodyPr lIns="0" rIns="0" tIns="0" bIns="0" anchor="t">
+          <a:bodyPr lIns="0" tIns="0" rIns="0" bIns="0" anchor="t">
             <a:normAutofit/>
           </a:bodyPr>
-          <a:p>
-            <a:endParaRPr b="0" lang="en-US" sz="1500" spc="-1" strike="noStrike">
+          <a:lstStyle/>
+          <a:p>
+            <a:endParaRPr lang="en-US" sz="1500" b="0" strike="noStrike" spc="-1">
               <a:solidFill>
                 <a:srgbClr val="000000"/>
               </a:solidFill>
@@ -4807,11 +5120,14 @@
       </p:sp>
     </p:spTree>
   </p:cSld>
+  <p:clrMapOvr>
+    <a:masterClrMapping/>
+  </p:clrMapOvr>
 </p:sldLayout>
 </file>
 
 <file path=ppt/slideLayouts/slideLayout44.xml><?xml version="1.0" encoding="utf-8"?>
-<p:sldLayout xmlns:a="http://schemas.openxmlformats.org/drawingml/2006/main" xmlns:p="http://schemas.openxmlformats.org/presentationml/2006/main" xmlns:r="http://schemas.openxmlformats.org/officeDocument/2006/relationships" xmlns:p14="http://schemas.microsoft.com/office/powerpoint/2010/main" xmlns:p15="http://schemas.microsoft.com/office/powerpoint/2012/main" xmlns:mc="http://schemas.openxmlformats.org/markup-compatibility/2006" type="objAndTwoObj" preserve="1">
+<p:sldLayout xmlns:a="http://schemas.openxmlformats.org/drawingml/2006/main" xmlns:r="http://schemas.openxmlformats.org/officeDocument/2006/relationships" xmlns:p="http://schemas.openxmlformats.org/presentationml/2006/main" type="objAndTwoObj" preserve="1">
   <p:cSld name="Title Content and 2 Content">
     <p:spTree>
       <p:nvGrpSpPr>
@@ -4851,11 +5167,12 @@
           </a:ln>
         </p:spPr>
         <p:txBody>
-          <a:bodyPr lIns="0" rIns="0" tIns="0" bIns="0" anchor="ctr">
+          <a:bodyPr lIns="0" tIns="0" rIns="0" bIns="0" anchor="ctr">
             <a:noAutofit/>
           </a:bodyPr>
-          <a:p>
-            <a:endParaRPr b="0" lang="en-US" sz="1800" spc="-1" strike="noStrike">
+          <a:lstStyle/>
+          <a:p>
+            <a:endParaRPr lang="en-US" sz="1800" b="0" strike="noStrike" spc="-1">
               <a:solidFill>
                 <a:srgbClr val="000000"/>
               </a:solidFill>
@@ -4888,11 +5205,12 @@
           </a:ln>
         </p:spPr>
         <p:txBody>
-          <a:bodyPr lIns="0" rIns="0" tIns="0" bIns="0" anchor="t">
+          <a:bodyPr lIns="0" tIns="0" rIns="0" bIns="0" anchor="t">
             <a:normAutofit/>
           </a:bodyPr>
-          <a:p>
-            <a:endParaRPr b="0" lang="en-US" sz="1500" spc="-1" strike="noStrike">
+          <a:lstStyle/>
+          <a:p>
+            <a:endParaRPr lang="en-US" sz="1500" b="0" strike="noStrike" spc="-1">
               <a:solidFill>
                 <a:srgbClr val="000000"/>
               </a:solidFill>
@@ -4925,11 +5243,12 @@
           </a:ln>
         </p:spPr>
         <p:txBody>
-          <a:bodyPr lIns="0" rIns="0" tIns="0" bIns="0" anchor="t">
+          <a:bodyPr lIns="0" tIns="0" rIns="0" bIns="0" anchor="t">
             <a:normAutofit/>
           </a:bodyPr>
-          <a:p>
-            <a:endParaRPr b="0" lang="en-US" sz="1500" spc="-1" strike="noStrike">
+          <a:lstStyle/>
+          <a:p>
+            <a:endParaRPr lang="en-US" sz="1500" b="0" strike="noStrike" spc="-1">
               <a:solidFill>
                 <a:srgbClr val="000000"/>
               </a:solidFill>
@@ -4962,11 +5281,12 @@
           </a:ln>
         </p:spPr>
         <p:txBody>
-          <a:bodyPr lIns="0" rIns="0" tIns="0" bIns="0" anchor="t">
+          <a:bodyPr lIns="0" tIns="0" rIns="0" bIns="0" anchor="t">
             <a:normAutofit/>
           </a:bodyPr>
-          <a:p>
-            <a:endParaRPr b="0" lang="en-US" sz="1500" spc="-1" strike="noStrike">
+          <a:lstStyle/>
+          <a:p>
+            <a:endParaRPr lang="en-US" sz="1500" b="0" strike="noStrike" spc="-1">
               <a:solidFill>
                 <a:srgbClr val="000000"/>
               </a:solidFill>
@@ -4977,11 +5297,14 @@
       </p:sp>
     </p:spTree>
   </p:cSld>
+  <p:clrMapOvr>
+    <a:masterClrMapping/>
+  </p:clrMapOvr>
 </p:sldLayout>
 </file>
 
 <file path=ppt/slideLayouts/slideLayout45.xml><?xml version="1.0" encoding="utf-8"?>
-<p:sldLayout xmlns:a="http://schemas.openxmlformats.org/drawingml/2006/main" xmlns:p="http://schemas.openxmlformats.org/presentationml/2006/main" xmlns:r="http://schemas.openxmlformats.org/officeDocument/2006/relationships" xmlns:p14="http://schemas.microsoft.com/office/powerpoint/2010/main" xmlns:p15="http://schemas.microsoft.com/office/powerpoint/2012/main" xmlns:mc="http://schemas.openxmlformats.org/markup-compatibility/2006" type="twoObjOverTx" preserve="1">
+<p:sldLayout xmlns:a="http://schemas.openxmlformats.org/drawingml/2006/main" xmlns:r="http://schemas.openxmlformats.org/officeDocument/2006/relationships" xmlns:p="http://schemas.openxmlformats.org/presentationml/2006/main" type="twoObjOverTx" preserve="1">
   <p:cSld name="Title, 2 Content over Content">
     <p:spTree>
       <p:nvGrpSpPr>
@@ -5021,11 +5344,12 @@
           </a:ln>
         </p:spPr>
         <p:txBody>
-          <a:bodyPr lIns="0" rIns="0" tIns="0" bIns="0" anchor="ctr">
+          <a:bodyPr lIns="0" tIns="0" rIns="0" bIns="0" anchor="ctr">
             <a:noAutofit/>
           </a:bodyPr>
-          <a:p>
-            <a:endParaRPr b="0" lang="en-US" sz="1800" spc="-1" strike="noStrike">
+          <a:lstStyle/>
+          <a:p>
+            <a:endParaRPr lang="en-US" sz="1800" b="0" strike="noStrike" spc="-1">
               <a:solidFill>
                 <a:srgbClr val="000000"/>
               </a:solidFill>
@@ -5058,11 +5382,12 @@
           </a:ln>
         </p:spPr>
         <p:txBody>
-          <a:bodyPr lIns="0" rIns="0" tIns="0" bIns="0" anchor="t">
+          <a:bodyPr lIns="0" tIns="0" rIns="0" bIns="0" anchor="t">
             <a:normAutofit/>
           </a:bodyPr>
-          <a:p>
-            <a:endParaRPr b="0" lang="en-US" sz="1500" spc="-1" strike="noStrike">
+          <a:lstStyle/>
+          <a:p>
+            <a:endParaRPr lang="en-US" sz="1500" b="0" strike="noStrike" spc="-1">
               <a:solidFill>
                 <a:srgbClr val="000000"/>
               </a:solidFill>
@@ -5095,11 +5420,12 @@
           </a:ln>
         </p:spPr>
         <p:txBody>
-          <a:bodyPr lIns="0" rIns="0" tIns="0" bIns="0" anchor="t">
+          <a:bodyPr lIns="0" tIns="0" rIns="0" bIns="0" anchor="t">
             <a:normAutofit/>
           </a:bodyPr>
-          <a:p>
-            <a:endParaRPr b="0" lang="en-US" sz="1500" spc="-1" strike="noStrike">
+          <a:lstStyle/>
+          <a:p>
+            <a:endParaRPr lang="en-US" sz="1500" b="0" strike="noStrike" spc="-1">
               <a:solidFill>
                 <a:srgbClr val="000000"/>
               </a:solidFill>
@@ -5132,11 +5458,12 @@
           </a:ln>
         </p:spPr>
         <p:txBody>
-          <a:bodyPr lIns="0" rIns="0" tIns="0" bIns="0" anchor="t">
+          <a:bodyPr lIns="0" tIns="0" rIns="0" bIns="0" anchor="t">
             <a:normAutofit/>
           </a:bodyPr>
-          <a:p>
-            <a:endParaRPr b="0" lang="en-US" sz="1500" spc="-1" strike="noStrike">
+          <a:lstStyle/>
+          <a:p>
+            <a:endParaRPr lang="en-US" sz="1500" b="0" strike="noStrike" spc="-1">
               <a:solidFill>
                 <a:srgbClr val="000000"/>
               </a:solidFill>
@@ -5147,11 +5474,14 @@
       </p:sp>
     </p:spTree>
   </p:cSld>
+  <p:clrMapOvr>
+    <a:masterClrMapping/>
+  </p:clrMapOvr>
 </p:sldLayout>
 </file>
 
 <file path=ppt/slideLayouts/slideLayout46.xml><?xml version="1.0" encoding="utf-8"?>
-<p:sldLayout xmlns:a="http://schemas.openxmlformats.org/drawingml/2006/main" xmlns:p="http://schemas.openxmlformats.org/presentationml/2006/main" xmlns:r="http://schemas.openxmlformats.org/officeDocument/2006/relationships" xmlns:p14="http://schemas.microsoft.com/office/powerpoint/2010/main" xmlns:p15="http://schemas.microsoft.com/office/powerpoint/2012/main" xmlns:mc="http://schemas.openxmlformats.org/markup-compatibility/2006" type="objOverTx" preserve="1">
+<p:sldLayout xmlns:a="http://schemas.openxmlformats.org/drawingml/2006/main" xmlns:r="http://schemas.openxmlformats.org/officeDocument/2006/relationships" xmlns:p="http://schemas.openxmlformats.org/presentationml/2006/main" type="objOverTx" preserve="1">
   <p:cSld name="Title, Content over Content">
     <p:spTree>
       <p:nvGrpSpPr>
@@ -5191,11 +5521,12 @@
           </a:ln>
         </p:spPr>
         <p:txBody>
-          <a:bodyPr lIns="0" rIns="0" tIns="0" bIns="0" anchor="ctr">
+          <a:bodyPr lIns="0" tIns="0" rIns="0" bIns="0" anchor="ctr">
             <a:noAutofit/>
           </a:bodyPr>
-          <a:p>
-            <a:endParaRPr b="0" lang="en-US" sz="1800" spc="-1" strike="noStrike">
+          <a:lstStyle/>
+          <a:p>
+            <a:endParaRPr lang="en-US" sz="1800" b="0" strike="noStrike" spc="-1">
               <a:solidFill>
                 <a:srgbClr val="000000"/>
               </a:solidFill>
@@ -5228,11 +5559,12 @@
           </a:ln>
         </p:spPr>
         <p:txBody>
-          <a:bodyPr lIns="0" rIns="0" tIns="0" bIns="0" anchor="t">
+          <a:bodyPr lIns="0" tIns="0" rIns="0" bIns="0" anchor="t">
             <a:normAutofit/>
           </a:bodyPr>
-          <a:p>
-            <a:endParaRPr b="0" lang="en-US" sz="1500" spc="-1" strike="noStrike">
+          <a:lstStyle/>
+          <a:p>
+            <a:endParaRPr lang="en-US" sz="1500" b="0" strike="noStrike" spc="-1">
               <a:solidFill>
                 <a:srgbClr val="000000"/>
               </a:solidFill>
@@ -5265,11 +5597,12 @@
           </a:ln>
         </p:spPr>
         <p:txBody>
-          <a:bodyPr lIns="0" rIns="0" tIns="0" bIns="0" anchor="t">
+          <a:bodyPr lIns="0" tIns="0" rIns="0" bIns="0" anchor="t">
             <a:normAutofit/>
           </a:bodyPr>
-          <a:p>
-            <a:endParaRPr b="0" lang="en-US" sz="1500" spc="-1" strike="noStrike">
+          <a:lstStyle/>
+          <a:p>
+            <a:endParaRPr lang="en-US" sz="1500" b="0" strike="noStrike" spc="-1">
               <a:solidFill>
                 <a:srgbClr val="000000"/>
               </a:solidFill>
@@ -5280,11 +5613,14 @@
       </p:sp>
     </p:spTree>
   </p:cSld>
+  <p:clrMapOvr>
+    <a:masterClrMapping/>
+  </p:clrMapOvr>
 </p:sldLayout>
 </file>
 
 <file path=ppt/slideLayouts/slideLayout47.xml><?xml version="1.0" encoding="utf-8"?>
-<p:sldLayout xmlns:a="http://schemas.openxmlformats.org/drawingml/2006/main" xmlns:p="http://schemas.openxmlformats.org/presentationml/2006/main" xmlns:r="http://schemas.openxmlformats.org/officeDocument/2006/relationships" xmlns:p14="http://schemas.microsoft.com/office/powerpoint/2010/main" xmlns:p15="http://schemas.microsoft.com/office/powerpoint/2012/main" xmlns:mc="http://schemas.openxmlformats.org/markup-compatibility/2006" type="fourObj" preserve="1">
+<p:sldLayout xmlns:a="http://schemas.openxmlformats.org/drawingml/2006/main" xmlns:r="http://schemas.openxmlformats.org/officeDocument/2006/relationships" xmlns:p="http://schemas.openxmlformats.org/presentationml/2006/main" type="fourObj" preserve="1">
   <p:cSld name="Title, 4 Content">
     <p:spTree>
       <p:nvGrpSpPr>
@@ -5324,11 +5660,12 @@
           </a:ln>
         </p:spPr>
         <p:txBody>
-          <a:bodyPr lIns="0" rIns="0" tIns="0" bIns="0" anchor="ctr">
+          <a:bodyPr lIns="0" tIns="0" rIns="0" bIns="0" anchor="ctr">
             <a:noAutofit/>
           </a:bodyPr>
-          <a:p>
-            <a:endParaRPr b="0" lang="en-US" sz="1800" spc="-1" strike="noStrike">
+          <a:lstStyle/>
+          <a:p>
+            <a:endParaRPr lang="en-US" sz="1800" b="0" strike="noStrike" spc="-1">
               <a:solidFill>
                 <a:srgbClr val="000000"/>
               </a:solidFill>
@@ -5361,11 +5698,12 @@
           </a:ln>
         </p:spPr>
         <p:txBody>
-          <a:bodyPr lIns="0" rIns="0" tIns="0" bIns="0" anchor="t">
+          <a:bodyPr lIns="0" tIns="0" rIns="0" bIns="0" anchor="t">
             <a:normAutofit/>
           </a:bodyPr>
-          <a:p>
-            <a:endParaRPr b="0" lang="en-US" sz="1500" spc="-1" strike="noStrike">
+          <a:lstStyle/>
+          <a:p>
+            <a:endParaRPr lang="en-US" sz="1500" b="0" strike="noStrike" spc="-1">
               <a:solidFill>
                 <a:srgbClr val="000000"/>
               </a:solidFill>
@@ -5398,11 +5736,12 @@
           </a:ln>
         </p:spPr>
         <p:txBody>
-          <a:bodyPr lIns="0" rIns="0" tIns="0" bIns="0" anchor="t">
+          <a:bodyPr lIns="0" tIns="0" rIns="0" bIns="0" anchor="t">
             <a:normAutofit/>
           </a:bodyPr>
-          <a:p>
-            <a:endParaRPr b="0" lang="en-US" sz="1500" spc="-1" strike="noStrike">
+          <a:lstStyle/>
+          <a:p>
+            <a:endParaRPr lang="en-US" sz="1500" b="0" strike="noStrike" spc="-1">
               <a:solidFill>
                 <a:srgbClr val="000000"/>
               </a:solidFill>
@@ -5435,11 +5774,12 @@
           </a:ln>
         </p:spPr>
         <p:txBody>
-          <a:bodyPr lIns="0" rIns="0" tIns="0" bIns="0" anchor="t">
+          <a:bodyPr lIns="0" tIns="0" rIns="0" bIns="0" anchor="t">
             <a:normAutofit/>
           </a:bodyPr>
-          <a:p>
-            <a:endParaRPr b="0" lang="en-US" sz="1500" spc="-1" strike="noStrike">
+          <a:lstStyle/>
+          <a:p>
+            <a:endParaRPr lang="en-US" sz="1500" b="0" strike="noStrike" spc="-1">
               <a:solidFill>
                 <a:srgbClr val="000000"/>
               </a:solidFill>
@@ -5472,11 +5812,12 @@
           </a:ln>
         </p:spPr>
         <p:txBody>
-          <a:bodyPr lIns="0" rIns="0" tIns="0" bIns="0" anchor="t">
+          <a:bodyPr lIns="0" tIns="0" rIns="0" bIns="0" anchor="t">
             <a:normAutofit/>
           </a:bodyPr>
-          <a:p>
-            <a:endParaRPr b="0" lang="en-US" sz="1500" spc="-1" strike="noStrike">
+          <a:lstStyle/>
+          <a:p>
+            <a:endParaRPr lang="en-US" sz="1500" b="0" strike="noStrike" spc="-1">
               <a:solidFill>
                 <a:srgbClr val="000000"/>
               </a:solidFill>
@@ -5487,11 +5828,14 @@
       </p:sp>
     </p:spTree>
   </p:cSld>
+  <p:clrMapOvr>
+    <a:masterClrMapping/>
+  </p:clrMapOvr>
 </p:sldLayout>
 </file>
 
 <file path=ppt/slideLayouts/slideLayout48.xml><?xml version="1.0" encoding="utf-8"?>
-<p:sldLayout xmlns:a="http://schemas.openxmlformats.org/drawingml/2006/main" xmlns:p="http://schemas.openxmlformats.org/presentationml/2006/main" xmlns:r="http://schemas.openxmlformats.org/officeDocument/2006/relationships" xmlns:p14="http://schemas.microsoft.com/office/powerpoint/2010/main" xmlns:p15="http://schemas.microsoft.com/office/powerpoint/2012/main" xmlns:mc="http://schemas.openxmlformats.org/markup-compatibility/2006" type="blank" preserve="1">
+<p:sldLayout xmlns:a="http://schemas.openxmlformats.org/drawingml/2006/main" xmlns:r="http://schemas.openxmlformats.org/officeDocument/2006/relationships" xmlns:p="http://schemas.openxmlformats.org/presentationml/2006/main" type="blank" preserve="1">
   <p:cSld name="Title, 6 Content">
     <p:spTree>
       <p:nvGrpSpPr>
@@ -5531,11 +5875,12 @@
           </a:ln>
         </p:spPr>
         <p:txBody>
-          <a:bodyPr lIns="0" rIns="0" tIns="0" bIns="0" anchor="ctr">
+          <a:bodyPr lIns="0" tIns="0" rIns="0" bIns="0" anchor="ctr">
             <a:noAutofit/>
           </a:bodyPr>
-          <a:p>
-            <a:endParaRPr b="0" lang="en-US" sz="1800" spc="-1" strike="noStrike">
+          <a:lstStyle/>
+          <a:p>
+            <a:endParaRPr lang="en-US" sz="1800" b="0" strike="noStrike" spc="-1">
               <a:solidFill>
                 <a:srgbClr val="000000"/>
               </a:solidFill>
@@ -5568,11 +5913,12 @@
           </a:ln>
         </p:spPr>
         <p:txBody>
-          <a:bodyPr lIns="0" rIns="0" tIns="0" bIns="0" anchor="t">
+          <a:bodyPr lIns="0" tIns="0" rIns="0" bIns="0" anchor="t">
             <a:normAutofit/>
           </a:bodyPr>
-          <a:p>
-            <a:endParaRPr b="0" lang="en-US" sz="1500" spc="-1" strike="noStrike">
+          <a:lstStyle/>
+          <a:p>
+            <a:endParaRPr lang="en-US" sz="1500" b="0" strike="noStrike" spc="-1">
               <a:solidFill>
                 <a:srgbClr val="000000"/>
               </a:solidFill>
@@ -5605,11 +5951,12 @@
           </a:ln>
         </p:spPr>
         <p:txBody>
-          <a:bodyPr lIns="0" rIns="0" tIns="0" bIns="0" anchor="t">
+          <a:bodyPr lIns="0" tIns="0" rIns="0" bIns="0" anchor="t">
             <a:normAutofit/>
           </a:bodyPr>
-          <a:p>
-            <a:endParaRPr b="0" lang="en-US" sz="1500" spc="-1" strike="noStrike">
+          <a:lstStyle/>
+          <a:p>
+            <a:endParaRPr lang="en-US" sz="1500" b="0" strike="noStrike" spc="-1">
               <a:solidFill>
                 <a:srgbClr val="000000"/>
               </a:solidFill>
@@ -5642,11 +5989,12 @@
           </a:ln>
         </p:spPr>
         <p:txBody>
-          <a:bodyPr lIns="0" rIns="0" tIns="0" bIns="0" anchor="t">
+          <a:bodyPr lIns="0" tIns="0" rIns="0" bIns="0" anchor="t">
             <a:normAutofit/>
           </a:bodyPr>
-          <a:p>
-            <a:endParaRPr b="0" lang="en-US" sz="1500" spc="-1" strike="noStrike">
+          <a:lstStyle/>
+          <a:p>
+            <a:endParaRPr lang="en-US" sz="1500" b="0" strike="noStrike" spc="-1">
               <a:solidFill>
                 <a:srgbClr val="000000"/>
               </a:solidFill>
@@ -5679,11 +6027,12 @@
           </a:ln>
         </p:spPr>
         <p:txBody>
-          <a:bodyPr lIns="0" rIns="0" tIns="0" bIns="0" anchor="t">
+          <a:bodyPr lIns="0" tIns="0" rIns="0" bIns="0" anchor="t">
             <a:normAutofit/>
           </a:bodyPr>
-          <a:p>
-            <a:endParaRPr b="0" lang="en-US" sz="1500" spc="-1" strike="noStrike">
+          <a:lstStyle/>
+          <a:p>
+            <a:endParaRPr lang="en-US" sz="1500" b="0" strike="noStrike" spc="-1">
               <a:solidFill>
                 <a:srgbClr val="000000"/>
               </a:solidFill>
@@ -5716,11 +6065,12 @@
           </a:ln>
         </p:spPr>
         <p:txBody>
-          <a:bodyPr lIns="0" rIns="0" tIns="0" bIns="0" anchor="t">
+          <a:bodyPr lIns="0" tIns="0" rIns="0" bIns="0" anchor="t">
             <a:normAutofit/>
           </a:bodyPr>
-          <a:p>
-            <a:endParaRPr b="0" lang="en-US" sz="1500" spc="-1" strike="noStrike">
+          <a:lstStyle/>
+          <a:p>
+            <a:endParaRPr lang="en-US" sz="1500" b="0" strike="noStrike" spc="-1">
               <a:solidFill>
                 <a:srgbClr val="000000"/>
               </a:solidFill>
@@ -5753,11 +6103,12 @@
           </a:ln>
         </p:spPr>
         <p:txBody>
-          <a:bodyPr lIns="0" rIns="0" tIns="0" bIns="0" anchor="t">
+          <a:bodyPr lIns="0" tIns="0" rIns="0" bIns="0" anchor="t">
             <a:normAutofit/>
           </a:bodyPr>
-          <a:p>
-            <a:endParaRPr b="0" lang="en-US" sz="1500" spc="-1" strike="noStrike">
+          <a:lstStyle/>
+          <a:p>
+            <a:endParaRPr lang="en-US" sz="1500" b="0" strike="noStrike" spc="-1">
               <a:solidFill>
                 <a:srgbClr val="000000"/>
               </a:solidFill>
@@ -5768,11 +6119,14 @@
       </p:sp>
     </p:spTree>
   </p:cSld>
+  <p:clrMapOvr>
+    <a:masterClrMapping/>
+  </p:clrMapOvr>
 </p:sldLayout>
 </file>
 
 <file path=ppt/slideLayouts/slideLayout5.xml><?xml version="1.0" encoding="utf-8"?>
-<p:sldLayout xmlns:a="http://schemas.openxmlformats.org/drawingml/2006/main" xmlns:p="http://schemas.openxmlformats.org/presentationml/2006/main" xmlns:r="http://schemas.openxmlformats.org/officeDocument/2006/relationships" xmlns:p14="http://schemas.microsoft.com/office/powerpoint/2010/main" xmlns:p15="http://schemas.microsoft.com/office/powerpoint/2012/main" xmlns:mc="http://schemas.openxmlformats.org/markup-compatibility/2006" type="titleOnly" preserve="1">
+<p:sldLayout xmlns:a="http://schemas.openxmlformats.org/drawingml/2006/main" xmlns:r="http://schemas.openxmlformats.org/officeDocument/2006/relationships" xmlns:p="http://schemas.openxmlformats.org/presentationml/2006/main" type="titleOnly" preserve="1">
   <p:cSld name="Title Only">
     <p:spTree>
       <p:nvGrpSpPr>
@@ -5812,11 +6166,12 @@
           </a:ln>
         </p:spPr>
         <p:txBody>
-          <a:bodyPr lIns="0" rIns="0" tIns="0" bIns="0" anchor="ctr">
+          <a:bodyPr lIns="0" tIns="0" rIns="0" bIns="0" anchor="ctr">
             <a:noAutofit/>
           </a:bodyPr>
-          <a:p>
-            <a:endParaRPr b="0" lang="en-US" sz="1800" spc="-1" strike="noStrike">
+          <a:lstStyle/>
+          <a:p>
+            <a:endParaRPr lang="en-US" sz="1800" b="0" strike="noStrike" spc="-1">
               <a:solidFill>
                 <a:srgbClr val="000000"/>
               </a:solidFill>
@@ -5827,11 +6182,14 @@
       </p:sp>
     </p:spTree>
   </p:cSld>
+  <p:clrMapOvr>
+    <a:masterClrMapping/>
+  </p:clrMapOvr>
 </p:sldLayout>
 </file>
 
 <file path=ppt/slideLayouts/slideLayout6.xml><?xml version="1.0" encoding="utf-8"?>
-<p:sldLayout xmlns:a="http://schemas.openxmlformats.org/drawingml/2006/main" xmlns:p="http://schemas.openxmlformats.org/presentationml/2006/main" xmlns:r="http://schemas.openxmlformats.org/officeDocument/2006/relationships" xmlns:p14="http://schemas.microsoft.com/office/powerpoint/2010/main" xmlns:p15="http://schemas.microsoft.com/office/powerpoint/2012/main" xmlns:mc="http://schemas.openxmlformats.org/markup-compatibility/2006" type="objOnly" preserve="1">
+<p:sldLayout xmlns:a="http://schemas.openxmlformats.org/drawingml/2006/main" xmlns:r="http://schemas.openxmlformats.org/officeDocument/2006/relationships" xmlns:p="http://schemas.openxmlformats.org/presentationml/2006/main" type="objOnly" preserve="1">
   <p:cSld name="Centered Text">
     <p:spTree>
       <p:nvGrpSpPr>
@@ -5871,12 +6229,13 @@
           </a:ln>
         </p:spPr>
         <p:txBody>
-          <a:bodyPr lIns="0" rIns="0" tIns="0" bIns="0" anchor="ctr">
+          <a:bodyPr lIns="0" tIns="0" rIns="0" bIns="0" anchor="ctr">
             <a:noAutofit/>
           </a:bodyPr>
+          <a:lstStyle/>
           <a:p>
             <a:pPr algn="ctr"/>
-            <a:endParaRPr b="0" lang="en-US" sz="3200" spc="-1" strike="noStrike">
+            <a:endParaRPr lang="en-US" sz="3200" b="0" strike="noStrike" spc="-1">
               <a:latin typeface="Nimbus Sans"/>
             </a:endParaRPr>
           </a:p>
@@ -5884,11 +6243,14 @@
       </p:sp>
     </p:spTree>
   </p:cSld>
+  <p:clrMapOvr>
+    <a:masterClrMapping/>
+  </p:clrMapOvr>
 </p:sldLayout>
 </file>
 
 <file path=ppt/slideLayouts/slideLayout7.xml><?xml version="1.0" encoding="utf-8"?>
-<p:sldLayout xmlns:a="http://schemas.openxmlformats.org/drawingml/2006/main" xmlns:p="http://schemas.openxmlformats.org/presentationml/2006/main" xmlns:r="http://schemas.openxmlformats.org/officeDocument/2006/relationships" xmlns:p14="http://schemas.microsoft.com/office/powerpoint/2010/main" xmlns:p15="http://schemas.microsoft.com/office/powerpoint/2012/main" xmlns:mc="http://schemas.openxmlformats.org/markup-compatibility/2006" type="twoObjAndObj" preserve="1">
+<p:sldLayout xmlns:a="http://schemas.openxmlformats.org/drawingml/2006/main" xmlns:r="http://schemas.openxmlformats.org/officeDocument/2006/relationships" xmlns:p="http://schemas.openxmlformats.org/presentationml/2006/main" type="twoObjAndObj" preserve="1">
   <p:cSld name="Title, 2 Content and Content">
     <p:spTree>
       <p:nvGrpSpPr>
@@ -5928,11 +6290,12 @@
           </a:ln>
         </p:spPr>
         <p:txBody>
-          <a:bodyPr lIns="0" rIns="0" tIns="0" bIns="0" anchor="ctr">
+          <a:bodyPr lIns="0" tIns="0" rIns="0" bIns="0" anchor="ctr">
             <a:noAutofit/>
           </a:bodyPr>
-          <a:p>
-            <a:endParaRPr b="0" lang="en-US" sz="1800" spc="-1" strike="noStrike">
+          <a:lstStyle/>
+          <a:p>
+            <a:endParaRPr lang="en-US" sz="1800" b="0" strike="noStrike" spc="-1">
               <a:solidFill>
                 <a:srgbClr val="000000"/>
               </a:solidFill>
@@ -5965,11 +6328,12 @@
           </a:ln>
         </p:spPr>
         <p:txBody>
-          <a:bodyPr lIns="0" rIns="0" tIns="0" bIns="0" anchor="t">
+          <a:bodyPr lIns="0" tIns="0" rIns="0" bIns="0" anchor="t">
             <a:normAutofit/>
           </a:bodyPr>
-          <a:p>
-            <a:endParaRPr b="0" lang="en-US" sz="1500" spc="-1" strike="noStrike">
+          <a:lstStyle/>
+          <a:p>
+            <a:endParaRPr lang="en-US" sz="1500" b="0" strike="noStrike" spc="-1">
               <a:solidFill>
                 <a:srgbClr val="000000"/>
               </a:solidFill>
@@ -6002,11 +6366,12 @@
           </a:ln>
         </p:spPr>
         <p:txBody>
-          <a:bodyPr lIns="0" rIns="0" tIns="0" bIns="0" anchor="t">
+          <a:bodyPr lIns="0" tIns="0" rIns="0" bIns="0" anchor="t">
             <a:normAutofit/>
           </a:bodyPr>
-          <a:p>
-            <a:endParaRPr b="0" lang="en-US" sz="1500" spc="-1" strike="noStrike">
+          <a:lstStyle/>
+          <a:p>
+            <a:endParaRPr lang="en-US" sz="1500" b="0" strike="noStrike" spc="-1">
               <a:solidFill>
                 <a:srgbClr val="000000"/>
               </a:solidFill>
@@ -6039,11 +6404,12 @@
           </a:ln>
         </p:spPr>
         <p:txBody>
-          <a:bodyPr lIns="0" rIns="0" tIns="0" bIns="0" anchor="t">
+          <a:bodyPr lIns="0" tIns="0" rIns="0" bIns="0" anchor="t">
             <a:normAutofit/>
           </a:bodyPr>
-          <a:p>
-            <a:endParaRPr b="0" lang="en-US" sz="1500" spc="-1" strike="noStrike">
+          <a:lstStyle/>
+          <a:p>
+            <a:endParaRPr lang="en-US" sz="1500" b="0" strike="noStrike" spc="-1">
               <a:solidFill>
                 <a:srgbClr val="000000"/>
               </a:solidFill>
@@ -6054,11 +6420,14 @@
       </p:sp>
     </p:spTree>
   </p:cSld>
+  <p:clrMapOvr>
+    <a:masterClrMapping/>
+  </p:clrMapOvr>
 </p:sldLayout>
 </file>
 
 <file path=ppt/slideLayouts/slideLayout8.xml><?xml version="1.0" encoding="utf-8"?>
-<p:sldLayout xmlns:a="http://schemas.openxmlformats.org/drawingml/2006/main" xmlns:p="http://schemas.openxmlformats.org/presentationml/2006/main" xmlns:r="http://schemas.openxmlformats.org/officeDocument/2006/relationships" xmlns:p14="http://schemas.microsoft.com/office/powerpoint/2010/main" xmlns:p15="http://schemas.microsoft.com/office/powerpoint/2012/main" xmlns:mc="http://schemas.openxmlformats.org/markup-compatibility/2006" type="objAndTwoObj" preserve="1">
+<p:sldLayout xmlns:a="http://schemas.openxmlformats.org/drawingml/2006/main" xmlns:r="http://schemas.openxmlformats.org/officeDocument/2006/relationships" xmlns:p="http://schemas.openxmlformats.org/presentationml/2006/main" type="objAndTwoObj" preserve="1">
   <p:cSld name="Title Content and 2 Content">
     <p:spTree>
       <p:nvGrpSpPr>
@@ -6098,11 +6467,12 @@
           </a:ln>
         </p:spPr>
         <p:txBody>
-          <a:bodyPr lIns="0" rIns="0" tIns="0" bIns="0" anchor="ctr">
+          <a:bodyPr lIns="0" tIns="0" rIns="0" bIns="0" anchor="ctr">
             <a:noAutofit/>
           </a:bodyPr>
-          <a:p>
-            <a:endParaRPr b="0" lang="en-US" sz="1800" spc="-1" strike="noStrike">
+          <a:lstStyle/>
+          <a:p>
+            <a:endParaRPr lang="en-US" sz="1800" b="0" strike="noStrike" spc="-1">
               <a:solidFill>
                 <a:srgbClr val="000000"/>
               </a:solidFill>
@@ -6135,11 +6505,12 @@
           </a:ln>
         </p:spPr>
         <p:txBody>
-          <a:bodyPr lIns="0" rIns="0" tIns="0" bIns="0" anchor="t">
+          <a:bodyPr lIns="0" tIns="0" rIns="0" bIns="0" anchor="t">
             <a:normAutofit/>
           </a:bodyPr>
-          <a:p>
-            <a:endParaRPr b="0" lang="en-US" sz="1500" spc="-1" strike="noStrike">
+          <a:lstStyle/>
+          <a:p>
+            <a:endParaRPr lang="en-US" sz="1500" b="0" strike="noStrike" spc="-1">
               <a:solidFill>
                 <a:srgbClr val="000000"/>
               </a:solidFill>
@@ -6172,11 +6543,12 @@
           </a:ln>
         </p:spPr>
         <p:txBody>
-          <a:bodyPr lIns="0" rIns="0" tIns="0" bIns="0" anchor="t">
+          <a:bodyPr lIns="0" tIns="0" rIns="0" bIns="0" anchor="t">
             <a:normAutofit/>
           </a:bodyPr>
-          <a:p>
-            <a:endParaRPr b="0" lang="en-US" sz="1500" spc="-1" strike="noStrike">
+          <a:lstStyle/>
+          <a:p>
+            <a:endParaRPr lang="en-US" sz="1500" b="0" strike="noStrike" spc="-1">
               <a:solidFill>
                 <a:srgbClr val="000000"/>
               </a:solidFill>
@@ -6209,11 +6581,12 @@
           </a:ln>
         </p:spPr>
         <p:txBody>
-          <a:bodyPr lIns="0" rIns="0" tIns="0" bIns="0" anchor="t">
+          <a:bodyPr lIns="0" tIns="0" rIns="0" bIns="0" anchor="t">
             <a:normAutofit/>
           </a:bodyPr>
-          <a:p>
-            <a:endParaRPr b="0" lang="en-US" sz="1500" spc="-1" strike="noStrike">
+          <a:lstStyle/>
+          <a:p>
+            <a:endParaRPr lang="en-US" sz="1500" b="0" strike="noStrike" spc="-1">
               <a:solidFill>
                 <a:srgbClr val="000000"/>
               </a:solidFill>
@@ -6224,11 +6597,14 @@
       </p:sp>
     </p:spTree>
   </p:cSld>
+  <p:clrMapOvr>
+    <a:masterClrMapping/>
+  </p:clrMapOvr>
 </p:sldLayout>
 </file>
 
 <file path=ppt/slideLayouts/slideLayout9.xml><?xml version="1.0" encoding="utf-8"?>
-<p:sldLayout xmlns:a="http://schemas.openxmlformats.org/drawingml/2006/main" xmlns:p="http://schemas.openxmlformats.org/presentationml/2006/main" xmlns:r="http://schemas.openxmlformats.org/officeDocument/2006/relationships" xmlns:p14="http://schemas.microsoft.com/office/powerpoint/2010/main" xmlns:p15="http://schemas.microsoft.com/office/powerpoint/2012/main" xmlns:mc="http://schemas.openxmlformats.org/markup-compatibility/2006" type="twoObjOverTx" preserve="1">
+<p:sldLayout xmlns:a="http://schemas.openxmlformats.org/drawingml/2006/main" xmlns:r="http://schemas.openxmlformats.org/officeDocument/2006/relationships" xmlns:p="http://schemas.openxmlformats.org/presentationml/2006/main" type="twoObjOverTx" preserve="1">
   <p:cSld name="Title, 2 Content over Content">
     <p:spTree>
       <p:nvGrpSpPr>
@@ -6268,11 +6644,12 @@
           </a:ln>
         </p:spPr>
         <p:txBody>
-          <a:bodyPr lIns="0" rIns="0" tIns="0" bIns="0" anchor="ctr">
+          <a:bodyPr lIns="0" tIns="0" rIns="0" bIns="0" anchor="ctr">
             <a:noAutofit/>
           </a:bodyPr>
-          <a:p>
-            <a:endParaRPr b="0" lang="en-US" sz="1800" spc="-1" strike="noStrike">
+          <a:lstStyle/>
+          <a:p>
+            <a:endParaRPr lang="en-US" sz="1800" b="0" strike="noStrike" spc="-1">
               <a:solidFill>
                 <a:srgbClr val="000000"/>
               </a:solidFill>
@@ -6305,11 +6682,12 @@
           </a:ln>
         </p:spPr>
         <p:txBody>
-          <a:bodyPr lIns="0" rIns="0" tIns="0" bIns="0" anchor="t">
+          <a:bodyPr lIns="0" tIns="0" rIns="0" bIns="0" anchor="t">
             <a:normAutofit/>
           </a:bodyPr>
-          <a:p>
-            <a:endParaRPr b="0" lang="en-US" sz="1500" spc="-1" strike="noStrike">
+          <a:lstStyle/>
+          <a:p>
+            <a:endParaRPr lang="en-US" sz="1500" b="0" strike="noStrike" spc="-1">
               <a:solidFill>
                 <a:srgbClr val="000000"/>
               </a:solidFill>
@@ -6342,11 +6720,12 @@
           </a:ln>
         </p:spPr>
         <p:txBody>
-          <a:bodyPr lIns="0" rIns="0" tIns="0" bIns="0" anchor="t">
+          <a:bodyPr lIns="0" tIns="0" rIns="0" bIns="0" anchor="t">
             <a:normAutofit/>
           </a:bodyPr>
-          <a:p>
-            <a:endParaRPr b="0" lang="en-US" sz="1500" spc="-1" strike="noStrike">
+          <a:lstStyle/>
+          <a:p>
+            <a:endParaRPr lang="en-US" sz="1500" b="0" strike="noStrike" spc="-1">
               <a:solidFill>
                 <a:srgbClr val="000000"/>
               </a:solidFill>
@@ -6379,11 +6758,12 @@
           </a:ln>
         </p:spPr>
         <p:txBody>
-          <a:bodyPr lIns="0" rIns="0" tIns="0" bIns="0" anchor="t">
+          <a:bodyPr lIns="0" tIns="0" rIns="0" bIns="0" anchor="t">
             <a:normAutofit/>
           </a:bodyPr>
-          <a:p>
-            <a:endParaRPr b="0" lang="en-US" sz="1500" spc="-1" strike="noStrike">
+          <a:lstStyle/>
+          <a:p>
+            <a:endParaRPr lang="en-US" sz="1500" b="0" strike="noStrike" spc="-1">
               <a:solidFill>
                 <a:srgbClr val="000000"/>
               </a:solidFill>
@@ -6394,17 +6774,21 @@
       </p:sp>
     </p:spTree>
   </p:cSld>
+  <p:clrMapOvr>
+    <a:masterClrMapping/>
+  </p:clrMapOvr>
 </p:sldLayout>
 </file>
 
 <file path=ppt/slideMasters/slideMaster1.xml><?xml version="1.0" encoding="utf-8"?>
-<p:sldMaster xmlns:a="http://schemas.openxmlformats.org/drawingml/2006/main" xmlns:p="http://schemas.openxmlformats.org/presentationml/2006/main" xmlns:r="http://schemas.openxmlformats.org/officeDocument/2006/relationships" xmlns:p14="http://schemas.microsoft.com/office/powerpoint/2010/main" xmlns:p15="http://schemas.microsoft.com/office/powerpoint/2012/main" xmlns:mc="http://schemas.openxmlformats.org/markup-compatibility/2006">
+<p:sldMaster xmlns:a="http://schemas.openxmlformats.org/drawingml/2006/main" xmlns:r="http://schemas.openxmlformats.org/officeDocument/2006/relationships" xmlns:p="http://schemas.openxmlformats.org/presentationml/2006/main">
   <p:cSld>
     <p:bg>
       <p:bgPr>
         <a:solidFill>
-          <a:srgbClr val="ffffff"/>
+          <a:srgbClr val="FFFFFF"/>
         </a:solidFill>
+        <a:effectLst/>
       </p:bgPr>
     </p:bg>
     <p:spTree>
@@ -6423,7 +6807,7 @@
       </p:grpSpPr>
       <p:sp>
         <p:nvSpPr>
-          <p:cNvPr id="0" name="Rectangle 8" hidden="1"/>
+          <p:cNvPr id="16" name="Rectangle 8" hidden="1"/>
           <p:cNvSpPr/>
           <p:nvPr/>
         </p:nvSpPr>
@@ -6436,7 +6820,7 @@
             <a:avLst/>
           </a:prstGeom>
           <a:solidFill>
-            <a:srgbClr val="ffffff"/>
+            <a:srgbClr val="FFFFFF"/>
           </a:solidFill>
           <a:ln>
             <a:noFill/>
@@ -6459,7 +6843,7 @@
       </p:sp>
       <p:sp>
         <p:nvSpPr>
-          <p:cNvPr id="1" name="Rectangle 6" hidden="1"/>
+          <p:cNvPr id="17" name="Rectangle 6" hidden="1"/>
           <p:cNvSpPr/>
           <p:nvPr/>
         </p:nvSpPr>
@@ -6482,9 +6866,15 @@
           </a:ln>
         </p:spPr>
         <p:style>
-          <a:lnRef idx="0"/>
-          <a:fillRef idx="0"/>
-          <a:effectRef idx="0"/>
+          <a:lnRef idx="0">
+            <a:scrgbClr r="0" g="0" b="0"/>
+          </a:lnRef>
+          <a:fillRef idx="0">
+            <a:scrgbClr r="0" g="0" b="0"/>
+          </a:fillRef>
+          <a:effectRef idx="0">
+            <a:scrgbClr r="0" g="0" b="0"/>
+          </a:effectRef>
           <a:fontRef idx="minor"/>
         </p:style>
       </p:sp>
@@ -6503,7 +6893,7 @@
             <a:avLst/>
           </a:prstGeom>
           <a:noFill/>
-          <a:ln cap="sq" w="6350">
+          <a:ln w="6350" cap="sq">
             <a:solidFill>
               <a:srgbClr val="000000">
                 <a:lumMod val="85000"/>
@@ -6514,9 +6904,15 @@
           </a:ln>
         </p:spPr>
         <p:style>
-          <a:lnRef idx="0"/>
-          <a:fillRef idx="0"/>
-          <a:effectRef idx="0"/>
+          <a:lnRef idx="0">
+            <a:scrgbClr r="0" g="0" b="0"/>
+          </a:lnRef>
+          <a:fillRef idx="0">
+            <a:scrgbClr r="0" g="0" b="0"/>
+          </a:fillRef>
+          <a:effectRef idx="0">
+            <a:scrgbClr r="0" g="0" b="0"/>
+          </a:effectRef>
           <a:fontRef idx="minor"/>
         </p:style>
       </p:sp>
@@ -6574,13 +6970,13 @@
             <a:avLst/>
           </a:prstGeom>
           <a:solidFill>
-            <a:srgbClr val="ffffff"/>
+            <a:srgbClr val="FFFFFF"/>
           </a:solidFill>
           <a:ln w="6350">
             <a:noFill/>
           </a:ln>
           <a:effectLst>
-            <a:outerShdw algn="ctr" blurRad="50760" rotWithShape="0">
+            <a:outerShdw blurRad="50760" algn="ctr" rotWithShape="0">
               <a:srgbClr val="000000">
                 <a:alpha val="66000"/>
               </a:srgbClr>
@@ -6588,9 +6984,15 @@
           </a:effectLst>
         </p:spPr>
         <p:style>
-          <a:lnRef idx="0"/>
-          <a:fillRef idx="0"/>
-          <a:effectRef idx="0"/>
+          <a:lnRef idx="0">
+            <a:scrgbClr r="0" g="0" b="0"/>
+          </a:lnRef>
+          <a:fillRef idx="0">
+            <a:scrgbClr r="0" g="0" b="0"/>
+          </a:fillRef>
+          <a:effectRef idx="0">
+            <a:scrgbClr r="0" g="0" b="0"/>
+          </a:effectRef>
           <a:fontRef idx="minor"/>
         </p:style>
       </p:sp>
@@ -6609,7 +7011,7 @@
             <a:avLst/>
           </a:prstGeom>
           <a:noFill/>
-          <a:ln cap="sq" w="6350">
+          <a:ln w="6350" cap="sq">
             <a:solidFill>
               <a:srgbClr val="000000">
                 <a:lumMod val="75000"/>
@@ -6620,9 +7022,15 @@
           </a:ln>
         </p:spPr>
         <p:style>
-          <a:lnRef idx="0"/>
-          <a:fillRef idx="0"/>
-          <a:effectRef idx="0"/>
+          <a:lnRef idx="0">
+            <a:scrgbClr r="0" g="0" b="0"/>
+          </a:lnRef>
+          <a:fillRef idx="0">
+            <a:scrgbClr r="0" g="0" b="0"/>
+          </a:fillRef>
+          <a:effectRef idx="0">
+            <a:scrgbClr r="0" g="0" b="0"/>
+          </a:effectRef>
           <a:fontRef idx="minor"/>
         </p:style>
       </p:sp>
@@ -6692,7 +7100,7 @@
             </a:prstGeom>
             <a:ln>
               <a:solidFill>
-                <a:srgbClr val="ffffff"/>
+                <a:srgbClr val="FFFFFF"/>
               </a:solidFill>
               <a:miter/>
             </a:ln>
@@ -6726,7 +7134,7 @@
             </a:prstGeom>
             <a:ln>
               <a:solidFill>
-                <a:srgbClr val="ffffff"/>
+                <a:srgbClr val="FFFFFF"/>
               </a:solidFill>
               <a:miter/>
             </a:ln>
@@ -6760,7 +7168,7 @@
             </a:prstGeom>
             <a:ln>
               <a:solidFill>
-                <a:srgbClr val="ffffff"/>
+                <a:srgbClr val="FFFFFF"/>
               </a:solidFill>
               <a:miter/>
             </a:ln>
@@ -6806,6 +7214,7 @@
           <a:bodyPr anchor="ctr">
             <a:normAutofit fontScale="95000"/>
           </a:bodyPr>
+          <a:lstStyle/>
           <a:p>
             <a:pPr algn="ctr">
               <a:lnSpc>
@@ -6813,7 +7222,7 @@
               </a:lnSpc>
             </a:pPr>
             <a:r>
-              <a:rPr b="0" lang="en-US" sz="6800" spc="-100" strike="noStrike" cap="all">
+              <a:rPr lang="en-US" sz="6800" b="0" strike="noStrike" cap="all" spc="-100">
                 <a:solidFill>
                   <a:srgbClr val="262626"/>
                 </a:solidFill>
@@ -6821,7 +7230,7 @@
               </a:rPr>
               <a:t>Click to edit Master title style</a:t>
             </a:r>
-            <a:endParaRPr b="0" lang="en-US" sz="6800" spc="-1" strike="noStrike">
+            <a:endParaRPr lang="en-US" sz="6800" b="0" strike="noStrike" spc="-1">
               <a:solidFill>
                 <a:srgbClr val="000000"/>
               </a:solidFill>
@@ -6857,6 +7266,7 @@
           <a:bodyPr anchor="b">
             <a:noAutofit/>
           </a:bodyPr>
+          <a:lstStyle/>
           <a:p>
             <a:pPr algn="ctr">
               <a:lnSpc>
@@ -6864,15 +7274,15 @@
               </a:lnSpc>
             </a:pPr>
             <a:fld id="{1398AA2E-5242-468F-B786-F3577882891F}" type="datetime1">
-              <a:rPr b="0" lang="en-US" sz="1300" spc="-1" strike="noStrike">
+              <a:rPr lang="en-US" sz="1300" b="0" strike="noStrike" spc="-1">
                 <a:solidFill>
-                  <a:srgbClr val="ffffff"/>
+                  <a:srgbClr val="FFFFFF"/>
                 </a:solidFill>
                 <a:latin typeface="Century Gothic"/>
               </a:rPr>
-              <a:t>11/12/2021</a:t>
+              <a:t>11/15/2021</a:t>
             </a:fld>
-            <a:endParaRPr b="0" lang="en-US" sz="1300" spc="-1" strike="noStrike">
+            <a:endParaRPr lang="en-US" sz="1300" b="0" strike="noStrike" spc="-1">
               <a:latin typeface="Nimbus Roman"/>
             </a:endParaRPr>
           </a:p>
@@ -6905,8 +7315,9 @@
           <a:bodyPr anchor="b">
             <a:noAutofit/>
           </a:bodyPr>
-          <a:p>
-            <a:endParaRPr b="0" lang="en-US" sz="2400" spc="-1" strike="noStrike">
+          <a:lstStyle/>
+          <a:p>
+            <a:endParaRPr lang="en-US" sz="2400" b="0" strike="noStrike" spc="-1">
               <a:latin typeface="Nimbus Roman"/>
             </a:endParaRPr>
           </a:p>
@@ -6939,6 +7350,7 @@
           <a:bodyPr anchor="b">
             <a:noAutofit/>
           </a:bodyPr>
+          <a:lstStyle/>
           <a:p>
             <a:pPr algn="r">
               <a:lnSpc>
@@ -6946,15 +7358,15 @@
               </a:lnSpc>
             </a:pPr>
             <a:fld id="{2BEF7A55-833E-4654-A919-F48818DAC047}" type="slidenum">
-              <a:rPr b="0" lang="en-US" sz="800" spc="-1" strike="noStrike">
+              <a:rPr lang="en-US" sz="800" b="0" strike="noStrike" spc="-1">
                 <a:solidFill>
-                  <a:srgbClr val="5c5c5c"/>
+                  <a:srgbClr val="5C5C5C"/>
                 </a:solidFill>
                 <a:latin typeface="Century Gothic"/>
               </a:rPr>
-              <a:t>&lt;number&gt;</a:t>
+              <a:t>‹#›</a:t>
             </a:fld>
-            <a:endParaRPr b="0" lang="en-US" sz="800" spc="-1" strike="noStrike">
+            <a:endParaRPr lang="en-US" sz="800" b="0" strike="noStrike" spc="-1">
               <a:latin typeface="Nimbus Roman"/>
             </a:endParaRPr>
           </a:p>
@@ -6984,9 +7396,10 @@
           </a:ln>
         </p:spPr>
         <p:txBody>
-          <a:bodyPr lIns="0" rIns="0" tIns="0" bIns="0" anchor="t">
+          <a:bodyPr lIns="0" tIns="0" rIns="0" bIns="0" anchor="t">
             <a:normAutofit/>
           </a:bodyPr>
+          <a:lstStyle/>
           <a:p>
             <a:pPr marL="432000" indent="-324000">
               <a:spcBef>
@@ -7000,7 +7413,7 @@
               <a:buChar char=""/>
             </a:pPr>
             <a:r>
-              <a:rPr b="0" lang="en-US" sz="1500" spc="-1" strike="noStrike">
+              <a:rPr lang="en-US" sz="1500" b="0" strike="noStrike" spc="-1">
                 <a:solidFill>
                   <a:srgbClr val="000000"/>
                 </a:solidFill>
@@ -7008,15 +7421,9 @@
               </a:rPr>
               <a:t>Click to edit the outline text format</a:t>
             </a:r>
-            <a:endParaRPr b="0" lang="en-US" sz="1500" spc="-1" strike="noStrike">
-              <a:solidFill>
-                <a:srgbClr val="000000"/>
-              </a:solidFill>
-              <a:latin typeface="Century Gothic"/>
-            </a:endParaRPr>
-          </a:p>
-          <a:p>
-            <a:pPr lvl="1" marL="864000" indent="-324000">
+          </a:p>
+          <a:p>
+            <a:pPr marL="864000" lvl="1" indent="-324000">
               <a:spcBef>
                 <a:spcPts val="1134"/>
               </a:spcBef>
@@ -7028,7 +7435,7 @@
               <a:buChar char=""/>
             </a:pPr>
             <a:r>
-              <a:rPr b="0" lang="en-US" sz="1200" spc="-1" strike="noStrike">
+              <a:rPr lang="en-US" sz="1200" b="0" strike="noStrike" spc="-1">
                 <a:solidFill>
                   <a:srgbClr val="000000"/>
                 </a:solidFill>
@@ -7036,15 +7443,9 @@
               </a:rPr>
               <a:t>Second Outline Level</a:t>
             </a:r>
-            <a:endParaRPr b="0" lang="en-US" sz="1200" spc="-1" strike="noStrike">
-              <a:solidFill>
-                <a:srgbClr val="000000"/>
-              </a:solidFill>
-              <a:latin typeface="Century Gothic"/>
-            </a:endParaRPr>
-          </a:p>
-          <a:p>
-            <a:pPr lvl="2" marL="1296000" indent="-288000">
+          </a:p>
+          <a:p>
+            <a:pPr marL="1296000" lvl="2" indent="-288000">
               <a:spcBef>
                 <a:spcPts val="850"/>
               </a:spcBef>
@@ -7056,7 +7457,7 @@
               <a:buChar char=""/>
             </a:pPr>
             <a:r>
-              <a:rPr b="0" lang="en-US" sz="1200" spc="-1" strike="noStrike">
+              <a:rPr lang="en-US" sz="1200" b="0" strike="noStrike" spc="-1">
                 <a:solidFill>
                   <a:srgbClr val="000000"/>
                 </a:solidFill>
@@ -7064,15 +7465,9 @@
               </a:rPr>
               <a:t>Third Outline Level</a:t>
             </a:r>
-            <a:endParaRPr b="0" lang="en-US" sz="1200" spc="-1" strike="noStrike">
-              <a:solidFill>
-                <a:srgbClr val="000000"/>
-              </a:solidFill>
-              <a:latin typeface="Century Gothic"/>
-            </a:endParaRPr>
-          </a:p>
-          <a:p>
-            <a:pPr lvl="3" marL="1728000" indent="-216000">
+          </a:p>
+          <a:p>
+            <a:pPr marL="1728000" lvl="3" indent="-216000">
               <a:spcBef>
                 <a:spcPts val="567"/>
               </a:spcBef>
@@ -7084,7 +7479,7 @@
               <a:buChar char=""/>
             </a:pPr>
             <a:r>
-              <a:rPr b="0" lang="en-US" sz="1200" spc="-1" strike="noStrike">
+              <a:rPr lang="en-US" sz="1200" b="0" strike="noStrike" spc="-1">
                 <a:solidFill>
                   <a:srgbClr val="000000"/>
                 </a:solidFill>
@@ -7092,15 +7487,9 @@
               </a:rPr>
               <a:t>Fourth Outline Level</a:t>
             </a:r>
-            <a:endParaRPr b="0" lang="en-US" sz="1200" spc="-1" strike="noStrike">
-              <a:solidFill>
-                <a:srgbClr val="000000"/>
-              </a:solidFill>
-              <a:latin typeface="Century Gothic"/>
-            </a:endParaRPr>
-          </a:p>
-          <a:p>
-            <a:pPr lvl="4" marL="2160000" indent="-216000">
+          </a:p>
+          <a:p>
+            <a:pPr marL="2160000" lvl="4" indent="-216000">
               <a:spcBef>
                 <a:spcPts val="283"/>
               </a:spcBef>
@@ -7112,7 +7501,7 @@
               <a:buChar char=""/>
             </a:pPr>
             <a:r>
-              <a:rPr b="0" lang="en-US" sz="2000" spc="-1" strike="noStrike">
+              <a:rPr lang="en-US" sz="2000" b="0" strike="noStrike" spc="-1">
                 <a:solidFill>
                   <a:srgbClr val="000000"/>
                 </a:solidFill>
@@ -7120,15 +7509,9 @@
               </a:rPr>
               <a:t>Fifth Outline Level</a:t>
             </a:r>
-            <a:endParaRPr b="0" lang="en-US" sz="2000" spc="-1" strike="noStrike">
-              <a:solidFill>
-                <a:srgbClr val="000000"/>
-              </a:solidFill>
-              <a:latin typeface="Century Gothic"/>
-            </a:endParaRPr>
-          </a:p>
-          <a:p>
-            <a:pPr lvl="5" marL="2592000" indent="-216000">
+          </a:p>
+          <a:p>
+            <a:pPr marL="2592000" lvl="5" indent="-216000">
               <a:spcBef>
                 <a:spcPts val="283"/>
               </a:spcBef>
@@ -7140,7 +7523,7 @@
               <a:buChar char=""/>
             </a:pPr>
             <a:r>
-              <a:rPr b="0" lang="en-US" sz="2000" spc="-1" strike="noStrike">
+              <a:rPr lang="en-US" sz="2000" b="0" strike="noStrike" spc="-1">
                 <a:solidFill>
                   <a:srgbClr val="000000"/>
                 </a:solidFill>
@@ -7148,15 +7531,9 @@
               </a:rPr>
               <a:t>Sixth Outline Level</a:t>
             </a:r>
-            <a:endParaRPr b="0" lang="en-US" sz="2000" spc="-1" strike="noStrike">
-              <a:solidFill>
-                <a:srgbClr val="000000"/>
-              </a:solidFill>
-              <a:latin typeface="Century Gothic"/>
-            </a:endParaRPr>
-          </a:p>
-          <a:p>
-            <a:pPr lvl="6" marL="3024000" indent="-216000">
+          </a:p>
+          <a:p>
+            <a:pPr marL="3024000" lvl="6" indent="-216000">
               <a:spcBef>
                 <a:spcPts val="283"/>
               </a:spcBef>
@@ -7168,7 +7545,7 @@
               <a:buChar char=""/>
             </a:pPr>
             <a:r>
-              <a:rPr b="0" lang="en-US" sz="2000" spc="-1" strike="noStrike">
+              <a:rPr lang="en-US" sz="2000" b="0" strike="noStrike" spc="-1">
                 <a:solidFill>
                   <a:srgbClr val="000000"/>
                 </a:solidFill>
@@ -7176,43 +7553,318 @@
               </a:rPr>
               <a:t>Seventh Outline Level</a:t>
             </a:r>
-            <a:endParaRPr b="0" lang="en-US" sz="2000" spc="-1" strike="noStrike">
-              <a:solidFill>
-                <a:srgbClr val="000000"/>
-              </a:solidFill>
-              <a:latin typeface="Century Gothic"/>
-            </a:endParaRPr>
           </a:p>
         </p:txBody>
       </p:sp>
     </p:spTree>
   </p:cSld>
-  <p:clrMap bg1="lt1" bg2="lt2" tx1="dk1" tx2="dk2" accent1="accent1" accent2="accent2" accent3="accent3" accent4="accent4" accent5="accent5" accent6="accent6" hlink="hlink" folHlink="folHlink"/>
+  <p:clrMap bg1="lt1" tx1="dk1" bg2="lt2" tx2="dk2" accent1="accent1" accent2="accent2" accent3="accent3" accent4="accent4" accent5="accent5" accent6="accent6" hlink="hlink" folHlink="folHlink"/>
   <p:sldLayoutIdLst>
-    <p:sldLayoutId id="2147483649" r:id="rId2"/>
-    <p:sldLayoutId id="2147483650" r:id="rId3"/>
-    <p:sldLayoutId id="2147483651" r:id="rId4"/>
-    <p:sldLayoutId id="2147483652" r:id="rId5"/>
-    <p:sldLayoutId id="2147483653" r:id="rId6"/>
-    <p:sldLayoutId id="2147483654" r:id="rId7"/>
-    <p:sldLayoutId id="2147483655" r:id="rId8"/>
-    <p:sldLayoutId id="2147483656" r:id="rId9"/>
-    <p:sldLayoutId id="2147483657" r:id="rId10"/>
-    <p:sldLayoutId id="2147483658" r:id="rId11"/>
-    <p:sldLayoutId id="2147483659" r:id="rId12"/>
-    <p:sldLayoutId id="2147483660" r:id="rId13"/>
+    <p:sldLayoutId id="2147483649" r:id="rId1"/>
+    <p:sldLayoutId id="2147483650" r:id="rId2"/>
+    <p:sldLayoutId id="2147483651" r:id="rId3"/>
+    <p:sldLayoutId id="2147483652" r:id="rId4"/>
+    <p:sldLayoutId id="2147483653" r:id="rId5"/>
+    <p:sldLayoutId id="2147483654" r:id="rId6"/>
+    <p:sldLayoutId id="2147483655" r:id="rId7"/>
+    <p:sldLayoutId id="2147483656" r:id="rId8"/>
+    <p:sldLayoutId id="2147483657" r:id="rId9"/>
+    <p:sldLayoutId id="2147483658" r:id="rId10"/>
+    <p:sldLayoutId id="2147483659" r:id="rId11"/>
+    <p:sldLayoutId id="2147483660" r:id="rId12"/>
   </p:sldLayoutIdLst>
+  <p:txStyles>
+    <p:titleStyle>
+      <a:lvl1pPr algn="l" defTabSz="914400" rtl="0" eaLnBrk="1" latinLnBrk="0" hangingPunct="1">
+        <a:lnSpc>
+          <a:spcPct val="90000"/>
+        </a:lnSpc>
+        <a:spcBef>
+          <a:spcPct val="0"/>
+        </a:spcBef>
+        <a:buNone/>
+        <a:defRPr sz="4400" kern="1200">
+          <a:solidFill>
+            <a:schemeClr val="tx1"/>
+          </a:solidFill>
+          <a:latin typeface="+mj-lt"/>
+          <a:ea typeface="+mj-ea"/>
+          <a:cs typeface="+mj-cs"/>
+        </a:defRPr>
+      </a:lvl1pPr>
+    </p:titleStyle>
+    <p:bodyStyle>
+      <a:lvl1pPr marL="228600" indent="-228600" algn="l" defTabSz="914400" rtl="0" eaLnBrk="1" latinLnBrk="0" hangingPunct="1">
+        <a:lnSpc>
+          <a:spcPct val="90000"/>
+        </a:lnSpc>
+        <a:spcBef>
+          <a:spcPts val="1000"/>
+        </a:spcBef>
+        <a:buFont typeface="Arial" panose="020B0604020202020204" pitchFamily="34" charset="0"/>
+        <a:buChar char="•"/>
+        <a:defRPr sz="2800" kern="1200">
+          <a:solidFill>
+            <a:schemeClr val="tx1"/>
+          </a:solidFill>
+          <a:latin typeface="+mn-lt"/>
+          <a:ea typeface="+mn-ea"/>
+          <a:cs typeface="+mn-cs"/>
+        </a:defRPr>
+      </a:lvl1pPr>
+      <a:lvl2pPr marL="685800" indent="-228600" algn="l" defTabSz="914400" rtl="0" eaLnBrk="1" latinLnBrk="0" hangingPunct="1">
+        <a:lnSpc>
+          <a:spcPct val="90000"/>
+        </a:lnSpc>
+        <a:spcBef>
+          <a:spcPts val="500"/>
+        </a:spcBef>
+        <a:buFont typeface="Arial" panose="020B0604020202020204" pitchFamily="34" charset="0"/>
+        <a:buChar char="•"/>
+        <a:defRPr sz="2400" kern="1200">
+          <a:solidFill>
+            <a:schemeClr val="tx1"/>
+          </a:solidFill>
+          <a:latin typeface="+mn-lt"/>
+          <a:ea typeface="+mn-ea"/>
+          <a:cs typeface="+mn-cs"/>
+        </a:defRPr>
+      </a:lvl2pPr>
+      <a:lvl3pPr marL="1143000" indent="-228600" algn="l" defTabSz="914400" rtl="0" eaLnBrk="1" latinLnBrk="0" hangingPunct="1">
+        <a:lnSpc>
+          <a:spcPct val="90000"/>
+        </a:lnSpc>
+        <a:spcBef>
+          <a:spcPts val="500"/>
+        </a:spcBef>
+        <a:buFont typeface="Arial" panose="020B0604020202020204" pitchFamily="34" charset="0"/>
+        <a:buChar char="•"/>
+        <a:defRPr sz="2000" kern="1200">
+          <a:solidFill>
+            <a:schemeClr val="tx1"/>
+          </a:solidFill>
+          <a:latin typeface="+mn-lt"/>
+          <a:ea typeface="+mn-ea"/>
+          <a:cs typeface="+mn-cs"/>
+        </a:defRPr>
+      </a:lvl3pPr>
+      <a:lvl4pPr marL="1600200" indent="-228600" algn="l" defTabSz="914400" rtl="0" eaLnBrk="1" latinLnBrk="0" hangingPunct="1">
+        <a:lnSpc>
+          <a:spcPct val="90000"/>
+        </a:lnSpc>
+        <a:spcBef>
+          <a:spcPts val="500"/>
+        </a:spcBef>
+        <a:buFont typeface="Arial" panose="020B0604020202020204" pitchFamily="34" charset="0"/>
+        <a:buChar char="•"/>
+        <a:defRPr sz="1800" kern="1200">
+          <a:solidFill>
+            <a:schemeClr val="tx1"/>
+          </a:solidFill>
+          <a:latin typeface="+mn-lt"/>
+          <a:ea typeface="+mn-ea"/>
+          <a:cs typeface="+mn-cs"/>
+        </a:defRPr>
+      </a:lvl4pPr>
+      <a:lvl5pPr marL="2057400" indent="-228600" algn="l" defTabSz="914400" rtl="0" eaLnBrk="1" latinLnBrk="0" hangingPunct="1">
+        <a:lnSpc>
+          <a:spcPct val="90000"/>
+        </a:lnSpc>
+        <a:spcBef>
+          <a:spcPts val="500"/>
+        </a:spcBef>
+        <a:buFont typeface="Arial" panose="020B0604020202020204" pitchFamily="34" charset="0"/>
+        <a:buChar char="•"/>
+        <a:defRPr sz="1800" kern="1200">
+          <a:solidFill>
+            <a:schemeClr val="tx1"/>
+          </a:solidFill>
+          <a:latin typeface="+mn-lt"/>
+          <a:ea typeface="+mn-ea"/>
+          <a:cs typeface="+mn-cs"/>
+        </a:defRPr>
+      </a:lvl5pPr>
+      <a:lvl6pPr marL="2514600" indent="-228600" algn="l" defTabSz="914400" rtl="0" eaLnBrk="1" latinLnBrk="0" hangingPunct="1">
+        <a:lnSpc>
+          <a:spcPct val="90000"/>
+        </a:lnSpc>
+        <a:spcBef>
+          <a:spcPts val="500"/>
+        </a:spcBef>
+        <a:buFont typeface="Arial" panose="020B0604020202020204" pitchFamily="34" charset="0"/>
+        <a:buChar char="•"/>
+        <a:defRPr sz="1800" kern="1200">
+          <a:solidFill>
+            <a:schemeClr val="tx1"/>
+          </a:solidFill>
+          <a:latin typeface="+mn-lt"/>
+          <a:ea typeface="+mn-ea"/>
+          <a:cs typeface="+mn-cs"/>
+        </a:defRPr>
+      </a:lvl6pPr>
+      <a:lvl7pPr marL="2971800" indent="-228600" algn="l" defTabSz="914400" rtl="0" eaLnBrk="1" latinLnBrk="0" hangingPunct="1">
+        <a:lnSpc>
+          <a:spcPct val="90000"/>
+        </a:lnSpc>
+        <a:spcBef>
+          <a:spcPts val="500"/>
+        </a:spcBef>
+        <a:buFont typeface="Arial" panose="020B0604020202020204" pitchFamily="34" charset="0"/>
+        <a:buChar char="•"/>
+        <a:defRPr sz="1800" kern="1200">
+          <a:solidFill>
+            <a:schemeClr val="tx1"/>
+          </a:solidFill>
+          <a:latin typeface="+mn-lt"/>
+          <a:ea typeface="+mn-ea"/>
+          <a:cs typeface="+mn-cs"/>
+        </a:defRPr>
+      </a:lvl7pPr>
+      <a:lvl8pPr marL="3429000" indent="-228600" algn="l" defTabSz="914400" rtl="0" eaLnBrk="1" latinLnBrk="0" hangingPunct="1">
+        <a:lnSpc>
+          <a:spcPct val="90000"/>
+        </a:lnSpc>
+        <a:spcBef>
+          <a:spcPts val="500"/>
+        </a:spcBef>
+        <a:buFont typeface="Arial" panose="020B0604020202020204" pitchFamily="34" charset="0"/>
+        <a:buChar char="•"/>
+        <a:defRPr sz="1800" kern="1200">
+          <a:solidFill>
+            <a:schemeClr val="tx1"/>
+          </a:solidFill>
+          <a:latin typeface="+mn-lt"/>
+          <a:ea typeface="+mn-ea"/>
+          <a:cs typeface="+mn-cs"/>
+        </a:defRPr>
+      </a:lvl8pPr>
+      <a:lvl9pPr marL="3886200" indent="-228600" algn="l" defTabSz="914400" rtl="0" eaLnBrk="1" latinLnBrk="0" hangingPunct="1">
+        <a:lnSpc>
+          <a:spcPct val="90000"/>
+        </a:lnSpc>
+        <a:spcBef>
+          <a:spcPts val="500"/>
+        </a:spcBef>
+        <a:buFont typeface="Arial" panose="020B0604020202020204" pitchFamily="34" charset="0"/>
+        <a:buChar char="•"/>
+        <a:defRPr sz="1800" kern="1200">
+          <a:solidFill>
+            <a:schemeClr val="tx1"/>
+          </a:solidFill>
+          <a:latin typeface="+mn-lt"/>
+          <a:ea typeface="+mn-ea"/>
+          <a:cs typeface="+mn-cs"/>
+        </a:defRPr>
+      </a:lvl9pPr>
+    </p:bodyStyle>
+    <p:otherStyle>
+      <a:defPPr>
+        <a:defRPr lang="en-US"/>
+      </a:defPPr>
+      <a:lvl1pPr marL="0" algn="l" defTabSz="914400" rtl="0" eaLnBrk="1" latinLnBrk="0" hangingPunct="1">
+        <a:defRPr sz="1800" kern="1200">
+          <a:solidFill>
+            <a:schemeClr val="tx1"/>
+          </a:solidFill>
+          <a:latin typeface="+mn-lt"/>
+          <a:ea typeface="+mn-ea"/>
+          <a:cs typeface="+mn-cs"/>
+        </a:defRPr>
+      </a:lvl1pPr>
+      <a:lvl2pPr marL="457200" algn="l" defTabSz="914400" rtl="0" eaLnBrk="1" latinLnBrk="0" hangingPunct="1">
+        <a:defRPr sz="1800" kern="1200">
+          <a:solidFill>
+            <a:schemeClr val="tx1"/>
+          </a:solidFill>
+          <a:latin typeface="+mn-lt"/>
+          <a:ea typeface="+mn-ea"/>
+          <a:cs typeface="+mn-cs"/>
+        </a:defRPr>
+      </a:lvl2pPr>
+      <a:lvl3pPr marL="914400" algn="l" defTabSz="914400" rtl="0" eaLnBrk="1" latinLnBrk="0" hangingPunct="1">
+        <a:defRPr sz="1800" kern="1200">
+          <a:solidFill>
+            <a:schemeClr val="tx1"/>
+          </a:solidFill>
+          <a:latin typeface="+mn-lt"/>
+          <a:ea typeface="+mn-ea"/>
+          <a:cs typeface="+mn-cs"/>
+        </a:defRPr>
+      </a:lvl3pPr>
+      <a:lvl4pPr marL="1371600" algn="l" defTabSz="914400" rtl="0" eaLnBrk="1" latinLnBrk="0" hangingPunct="1">
+        <a:defRPr sz="1800" kern="1200">
+          <a:solidFill>
+            <a:schemeClr val="tx1"/>
+          </a:solidFill>
+          <a:latin typeface="+mn-lt"/>
+          <a:ea typeface="+mn-ea"/>
+          <a:cs typeface="+mn-cs"/>
+        </a:defRPr>
+      </a:lvl4pPr>
+      <a:lvl5pPr marL="1828800" algn="l" defTabSz="914400" rtl="0" eaLnBrk="1" latinLnBrk="0" hangingPunct="1">
+        <a:defRPr sz="1800" kern="1200">
+          <a:solidFill>
+            <a:schemeClr val="tx1"/>
+          </a:solidFill>
+          <a:latin typeface="+mn-lt"/>
+          <a:ea typeface="+mn-ea"/>
+          <a:cs typeface="+mn-cs"/>
+        </a:defRPr>
+      </a:lvl5pPr>
+      <a:lvl6pPr marL="2286000" algn="l" defTabSz="914400" rtl="0" eaLnBrk="1" latinLnBrk="0" hangingPunct="1">
+        <a:defRPr sz="1800" kern="1200">
+          <a:solidFill>
+            <a:schemeClr val="tx1"/>
+          </a:solidFill>
+          <a:latin typeface="+mn-lt"/>
+          <a:ea typeface="+mn-ea"/>
+          <a:cs typeface="+mn-cs"/>
+        </a:defRPr>
+      </a:lvl6pPr>
+      <a:lvl7pPr marL="2743200" algn="l" defTabSz="914400" rtl="0" eaLnBrk="1" latinLnBrk="0" hangingPunct="1">
+        <a:defRPr sz="1800" kern="1200">
+          <a:solidFill>
+            <a:schemeClr val="tx1"/>
+          </a:solidFill>
+          <a:latin typeface="+mn-lt"/>
+          <a:ea typeface="+mn-ea"/>
+          <a:cs typeface="+mn-cs"/>
+        </a:defRPr>
+      </a:lvl7pPr>
+      <a:lvl8pPr marL="3200400" algn="l" defTabSz="914400" rtl="0" eaLnBrk="1" latinLnBrk="0" hangingPunct="1">
+        <a:defRPr sz="1800" kern="1200">
+          <a:solidFill>
+            <a:schemeClr val="tx1"/>
+          </a:solidFill>
+          <a:latin typeface="+mn-lt"/>
+          <a:ea typeface="+mn-ea"/>
+          <a:cs typeface="+mn-cs"/>
+        </a:defRPr>
+      </a:lvl8pPr>
+      <a:lvl9pPr marL="3657600" algn="l" defTabSz="914400" rtl="0" eaLnBrk="1" latinLnBrk="0" hangingPunct="1">
+        <a:defRPr sz="1800" kern="1200">
+          <a:solidFill>
+            <a:schemeClr val="tx1"/>
+          </a:solidFill>
+          <a:latin typeface="+mn-lt"/>
+          <a:ea typeface="+mn-ea"/>
+          <a:cs typeface="+mn-cs"/>
+        </a:defRPr>
+      </a:lvl9pPr>
+    </p:otherStyle>
+  </p:txStyles>
 </p:sldMaster>
 </file>
 
 <file path=ppt/slideMasters/slideMaster2.xml><?xml version="1.0" encoding="utf-8"?>
-<p:sldMaster xmlns:a="http://schemas.openxmlformats.org/drawingml/2006/main" xmlns:p="http://schemas.openxmlformats.org/presentationml/2006/main" xmlns:r="http://schemas.openxmlformats.org/officeDocument/2006/relationships" xmlns:p14="http://schemas.microsoft.com/office/powerpoint/2010/main" xmlns:p15="http://schemas.microsoft.com/office/powerpoint/2012/main" xmlns:mc="http://schemas.openxmlformats.org/markup-compatibility/2006">
+<p:sldMaster xmlns:a="http://schemas.openxmlformats.org/drawingml/2006/main" xmlns:r="http://schemas.openxmlformats.org/officeDocument/2006/relationships" xmlns:p="http://schemas.openxmlformats.org/presentationml/2006/main">
   <p:cSld>
     <p:bg>
       <p:bgPr>
         <a:solidFill>
-          <a:srgbClr val="ffffff"/>
+          <a:srgbClr val="FFFFFF"/>
         </a:solidFill>
+        <a:effectLst/>
       </p:bgPr>
     </p:bg>
     <p:spTree>
@@ -7244,7 +7896,7 @@
             <a:avLst/>
           </a:prstGeom>
           <a:solidFill>
-            <a:srgbClr val="ffffff"/>
+            <a:srgbClr val="FFFFFF"/>
           </a:solidFill>
           <a:ln>
             <a:noFill/>
@@ -7290,9 +7942,15 @@
           </a:ln>
         </p:spPr>
         <p:style>
-          <a:lnRef idx="0"/>
-          <a:fillRef idx="0"/>
-          <a:effectRef idx="0"/>
+          <a:lnRef idx="0">
+            <a:scrgbClr r="0" g="0" b="0"/>
+          </a:lnRef>
+          <a:fillRef idx="0">
+            <a:scrgbClr r="0" g="0" b="0"/>
+          </a:fillRef>
+          <a:effectRef idx="0">
+            <a:scrgbClr r="0" g="0" b="0"/>
+          </a:effectRef>
           <a:fontRef idx="minor"/>
         </p:style>
       </p:sp>
@@ -7311,7 +7969,7 @@
             <a:avLst/>
           </a:prstGeom>
           <a:noFill/>
-          <a:ln cap="sq" w="6350">
+          <a:ln w="6350" cap="sq">
             <a:solidFill>
               <a:srgbClr val="000000">
                 <a:lumMod val="85000"/>
@@ -7322,9 +7980,15 @@
           </a:ln>
         </p:spPr>
         <p:style>
-          <a:lnRef idx="0"/>
-          <a:fillRef idx="0"/>
-          <a:effectRef idx="0"/>
+          <a:lnRef idx="0">
+            <a:scrgbClr r="0" g="0" b="0"/>
+          </a:lnRef>
+          <a:fillRef idx="0">
+            <a:scrgbClr r="0" g="0" b="0"/>
+          </a:fillRef>
+          <a:effectRef idx="0">
+            <a:scrgbClr r="0" g="0" b="0"/>
+          </a:effectRef>
           <a:fontRef idx="minor"/>
         </p:style>
       </p:sp>
@@ -7355,6 +8019,7 @@
           <a:bodyPr anchor="ctr">
             <a:noAutofit/>
           </a:bodyPr>
+          <a:lstStyle/>
           <a:p>
             <a:pPr>
               <a:lnSpc>
@@ -7362,7 +8027,7 @@
               </a:lnSpc>
             </a:pPr>
             <a:r>
-              <a:rPr b="0" lang="en-US" sz="4000" spc="-1" strike="noStrike">
+              <a:rPr lang="en-US" sz="4000" b="0" strike="noStrike" spc="-1">
                 <a:solidFill>
                   <a:srgbClr val="262626"/>
                 </a:solidFill>
@@ -7370,7 +8035,7 @@
               </a:rPr>
               <a:t>Click to edit Master title style</a:t>
             </a:r>
-            <a:endParaRPr b="0" lang="en-US" sz="4000" spc="-1" strike="noStrike">
+            <a:endParaRPr lang="en-US" sz="4000" b="0" strike="noStrike" spc="-1">
               <a:solidFill>
                 <a:srgbClr val="000000"/>
               </a:solidFill>
@@ -7406,6 +8071,7 @@
           <a:bodyPr anchor="t">
             <a:noAutofit/>
           </a:bodyPr>
+          <a:lstStyle/>
           <a:p>
             <a:pPr marL="182880" indent="-182880">
               <a:lnSpc>
@@ -7421,7 +8087,7 @@
               <a:buChar char="◦"/>
             </a:pPr>
             <a:r>
-              <a:rPr b="0" lang="en-US" sz="1500" spc="-1" strike="noStrike">
+              <a:rPr lang="en-US" sz="1500" b="0" strike="noStrike" spc="-1">
                 <a:solidFill>
                   <a:srgbClr val="000000"/>
                 </a:solidFill>
@@ -7429,15 +8095,9 @@
               </a:rPr>
               <a:t>Click to edit Master text styles</a:t>
             </a:r>
-            <a:endParaRPr b="0" lang="en-US" sz="1500" spc="-1" strike="noStrike">
-              <a:solidFill>
-                <a:srgbClr val="000000"/>
-              </a:solidFill>
-              <a:latin typeface="Century Gothic"/>
-            </a:endParaRPr>
-          </a:p>
-          <a:p>
-            <a:pPr lvl="1" marL="457200" indent="-182880">
+          </a:p>
+          <a:p>
+            <a:pPr marL="457200" lvl="1" indent="-182880">
               <a:lnSpc>
                 <a:spcPct val="100000"/>
               </a:lnSpc>
@@ -7451,7 +8111,7 @@
               <a:buChar char="◦"/>
             </a:pPr>
             <a:r>
-              <a:rPr b="0" lang="en-US" sz="1300" spc="-1" strike="noStrike">
+              <a:rPr lang="en-US" sz="1300" b="0" strike="noStrike" spc="-1">
                 <a:solidFill>
                   <a:srgbClr val="000000"/>
                 </a:solidFill>
@@ -7459,15 +8119,9 @@
               </a:rPr>
               <a:t>Second level</a:t>
             </a:r>
-            <a:endParaRPr b="0" lang="en-US" sz="1300" spc="-1" strike="noStrike">
-              <a:solidFill>
-                <a:srgbClr val="000000"/>
-              </a:solidFill>
-              <a:latin typeface="Century Gothic"/>
-            </a:endParaRPr>
-          </a:p>
-          <a:p>
-            <a:pPr lvl="2" marL="731520" indent="-182880">
+          </a:p>
+          <a:p>
+            <a:pPr marL="731520" lvl="2" indent="-182880">
               <a:lnSpc>
                 <a:spcPct val="100000"/>
               </a:lnSpc>
@@ -7481,7 +8135,7 @@
               <a:buChar char="◦"/>
             </a:pPr>
             <a:r>
-              <a:rPr b="0" lang="en-US" sz="1200" spc="-1" strike="noStrike">
+              <a:rPr lang="en-US" sz="1200" b="0" strike="noStrike" spc="-1">
                 <a:solidFill>
                   <a:srgbClr val="000000"/>
                 </a:solidFill>
@@ -7489,15 +8143,9 @@
               </a:rPr>
               <a:t>Third level</a:t>
             </a:r>
-            <a:endParaRPr b="0" lang="en-US" sz="1200" spc="-1" strike="noStrike">
-              <a:solidFill>
-                <a:srgbClr val="000000"/>
-              </a:solidFill>
-              <a:latin typeface="Century Gothic"/>
-            </a:endParaRPr>
-          </a:p>
-          <a:p>
-            <a:pPr lvl="3" marL="1005840" indent="-182880">
+          </a:p>
+          <a:p>
+            <a:pPr marL="1005840" lvl="3" indent="-182880">
               <a:lnSpc>
                 <a:spcPct val="100000"/>
               </a:lnSpc>
@@ -7511,7 +8159,7 @@
               <a:buChar char="◦"/>
             </a:pPr>
             <a:r>
-              <a:rPr b="0" lang="en-US" sz="1200" spc="-1" strike="noStrike">
+              <a:rPr lang="en-US" sz="1200" b="0" strike="noStrike" spc="-1">
                 <a:solidFill>
                   <a:srgbClr val="000000"/>
                 </a:solidFill>
@@ -7519,15 +8167,9 @@
               </a:rPr>
               <a:t>Fourth level</a:t>
             </a:r>
-            <a:endParaRPr b="0" lang="en-US" sz="1200" spc="-1" strike="noStrike">
-              <a:solidFill>
-                <a:srgbClr val="000000"/>
-              </a:solidFill>
-              <a:latin typeface="Century Gothic"/>
-            </a:endParaRPr>
-          </a:p>
-          <a:p>
-            <a:pPr lvl="4" marL="1280160" indent="-182880">
+          </a:p>
+          <a:p>
+            <a:pPr marL="1280160" lvl="4" indent="-182880">
               <a:lnSpc>
                 <a:spcPct val="100000"/>
               </a:lnSpc>
@@ -7541,7 +8183,7 @@
               <a:buChar char="◦"/>
             </a:pPr>
             <a:r>
-              <a:rPr b="0" lang="en-US" sz="1200" spc="-1" strike="noStrike">
+              <a:rPr lang="en-US" sz="1200" b="0" strike="noStrike" spc="-1">
                 <a:solidFill>
                   <a:srgbClr val="000000"/>
                 </a:solidFill>
@@ -7549,12 +8191,6 @@
               </a:rPr>
               <a:t>Fifth level</a:t>
             </a:r>
-            <a:endParaRPr b="0" lang="en-US" sz="1200" spc="-1" strike="noStrike">
-              <a:solidFill>
-                <a:srgbClr val="000000"/>
-              </a:solidFill>
-              <a:latin typeface="Century Gothic"/>
-            </a:endParaRPr>
           </a:p>
         </p:txBody>
       </p:sp>
@@ -7585,6 +8221,7 @@
           <a:bodyPr anchor="b">
             <a:noAutofit/>
           </a:bodyPr>
+          <a:lstStyle/>
           <a:p>
             <a:pPr algn="r">
               <a:lnSpc>
@@ -7592,15 +8229,15 @@
               </a:lnSpc>
             </a:pPr>
             <a:fld id="{063DC58F-BE4C-42EA-8318-5C6615821885}" type="datetime1">
-              <a:rPr b="0" lang="en-US" sz="800" spc="-1" strike="noStrike">
+              <a:rPr lang="en-US" sz="800" b="0" strike="noStrike" spc="-1">
                 <a:solidFill>
                   <a:srgbClr val="404040"/>
                 </a:solidFill>
                 <a:latin typeface="Century Gothic"/>
               </a:rPr>
-              <a:t>11/12/2021</a:t>
+              <a:t>11/15/2021</a:t>
             </a:fld>
-            <a:endParaRPr b="0" lang="en-US" sz="800" spc="-1" strike="noStrike">
+            <a:endParaRPr lang="en-US" sz="800" b="0" strike="noStrike" spc="-1">
               <a:latin typeface="Nimbus Roman"/>
             </a:endParaRPr>
           </a:p>
@@ -7633,8 +8270,9 @@
           <a:bodyPr anchor="b">
             <a:noAutofit/>
           </a:bodyPr>
-          <a:p>
-            <a:endParaRPr b="0" lang="en-US" sz="2400" spc="-1" strike="noStrike">
+          <a:lstStyle/>
+          <a:p>
+            <a:endParaRPr lang="en-US" sz="2400" b="0" strike="noStrike" spc="-1">
               <a:latin typeface="Nimbus Roman"/>
             </a:endParaRPr>
           </a:p>
@@ -7667,6 +8305,7 @@
           <a:bodyPr anchor="b">
             <a:noAutofit/>
           </a:bodyPr>
+          <a:lstStyle/>
           <a:p>
             <a:pPr algn="r">
               <a:lnSpc>
@@ -7674,15 +8313,15 @@
               </a:lnSpc>
             </a:pPr>
             <a:fld id="{5DB2F678-0D19-4EE4-92B1-8947E6938C8C}" type="slidenum">
-              <a:rPr b="0" lang="en-US" sz="800" spc="-1" strike="noStrike">
+              <a:rPr lang="en-US" sz="800" b="0" strike="noStrike" spc="-1">
                 <a:solidFill>
                   <a:srgbClr val="404040"/>
                 </a:solidFill>
                 <a:latin typeface="Century Gothic"/>
               </a:rPr>
-              <a:t>&lt;number&gt;</a:t>
+              <a:t>‹#›</a:t>
             </a:fld>
-            <a:endParaRPr b="0" lang="en-US" sz="800" spc="-1" strike="noStrike">
+            <a:endParaRPr lang="en-US" sz="800" b="0" strike="noStrike" spc="-1">
               <a:latin typeface="Nimbus Roman"/>
             </a:endParaRPr>
           </a:p>
@@ -7690,32 +8329,313 @@
       </p:sp>
     </p:spTree>
   </p:cSld>
-  <p:clrMap bg1="lt1" bg2="lt2" tx1="dk1" tx2="dk2" accent1="accent1" accent2="accent2" accent3="accent3" accent4="accent4" accent5="accent5" accent6="accent6" hlink="hlink" folHlink="folHlink"/>
+  <p:clrMap bg1="lt1" tx1="dk1" bg2="lt2" tx2="dk2" accent1="accent1" accent2="accent2" accent3="accent3" accent4="accent4" accent5="accent5" accent6="accent6" hlink="hlink" folHlink="folHlink"/>
   <p:sldLayoutIdLst>
-    <p:sldLayoutId id="2147483662" r:id="rId2"/>
-    <p:sldLayoutId id="2147483663" r:id="rId3"/>
-    <p:sldLayoutId id="2147483664" r:id="rId4"/>
-    <p:sldLayoutId id="2147483665" r:id="rId5"/>
-    <p:sldLayoutId id="2147483666" r:id="rId6"/>
-    <p:sldLayoutId id="2147483667" r:id="rId7"/>
-    <p:sldLayoutId id="2147483668" r:id="rId8"/>
-    <p:sldLayoutId id="2147483669" r:id="rId9"/>
-    <p:sldLayoutId id="2147483670" r:id="rId10"/>
-    <p:sldLayoutId id="2147483671" r:id="rId11"/>
-    <p:sldLayoutId id="2147483672" r:id="rId12"/>
-    <p:sldLayoutId id="2147483673" r:id="rId13"/>
+    <p:sldLayoutId id="2147483662" r:id="rId1"/>
+    <p:sldLayoutId id="2147483663" r:id="rId2"/>
+    <p:sldLayoutId id="2147483664" r:id="rId3"/>
+    <p:sldLayoutId id="2147483665" r:id="rId4"/>
+    <p:sldLayoutId id="2147483666" r:id="rId5"/>
+    <p:sldLayoutId id="2147483667" r:id="rId6"/>
+    <p:sldLayoutId id="2147483668" r:id="rId7"/>
+    <p:sldLayoutId id="2147483669" r:id="rId8"/>
+    <p:sldLayoutId id="2147483670" r:id="rId9"/>
+    <p:sldLayoutId id="2147483671" r:id="rId10"/>
+    <p:sldLayoutId id="2147483672" r:id="rId11"/>
+    <p:sldLayoutId id="2147483673" r:id="rId12"/>
   </p:sldLayoutIdLst>
+  <p:txStyles>
+    <p:titleStyle>
+      <a:lvl1pPr algn="l" defTabSz="914400" rtl="0" eaLnBrk="1" latinLnBrk="0" hangingPunct="1">
+        <a:lnSpc>
+          <a:spcPct val="90000"/>
+        </a:lnSpc>
+        <a:spcBef>
+          <a:spcPct val="0"/>
+        </a:spcBef>
+        <a:buNone/>
+        <a:defRPr sz="4400" kern="1200">
+          <a:solidFill>
+            <a:schemeClr val="tx1"/>
+          </a:solidFill>
+          <a:latin typeface="+mj-lt"/>
+          <a:ea typeface="+mj-ea"/>
+          <a:cs typeface="+mj-cs"/>
+        </a:defRPr>
+      </a:lvl1pPr>
+    </p:titleStyle>
+    <p:bodyStyle>
+      <a:lvl1pPr marL="228600" indent="-228600" algn="l" defTabSz="914400" rtl="0" eaLnBrk="1" latinLnBrk="0" hangingPunct="1">
+        <a:lnSpc>
+          <a:spcPct val="90000"/>
+        </a:lnSpc>
+        <a:spcBef>
+          <a:spcPts val="1000"/>
+        </a:spcBef>
+        <a:buFont typeface="Arial" panose="020B0604020202020204" pitchFamily="34" charset="0"/>
+        <a:buChar char="•"/>
+        <a:defRPr sz="2800" kern="1200">
+          <a:solidFill>
+            <a:schemeClr val="tx1"/>
+          </a:solidFill>
+          <a:latin typeface="+mn-lt"/>
+          <a:ea typeface="+mn-ea"/>
+          <a:cs typeface="+mn-cs"/>
+        </a:defRPr>
+      </a:lvl1pPr>
+      <a:lvl2pPr marL="685800" indent="-228600" algn="l" defTabSz="914400" rtl="0" eaLnBrk="1" latinLnBrk="0" hangingPunct="1">
+        <a:lnSpc>
+          <a:spcPct val="90000"/>
+        </a:lnSpc>
+        <a:spcBef>
+          <a:spcPts val="500"/>
+        </a:spcBef>
+        <a:buFont typeface="Arial" panose="020B0604020202020204" pitchFamily="34" charset="0"/>
+        <a:buChar char="•"/>
+        <a:defRPr sz="2400" kern="1200">
+          <a:solidFill>
+            <a:schemeClr val="tx1"/>
+          </a:solidFill>
+          <a:latin typeface="+mn-lt"/>
+          <a:ea typeface="+mn-ea"/>
+          <a:cs typeface="+mn-cs"/>
+        </a:defRPr>
+      </a:lvl2pPr>
+      <a:lvl3pPr marL="1143000" indent="-228600" algn="l" defTabSz="914400" rtl="0" eaLnBrk="1" latinLnBrk="0" hangingPunct="1">
+        <a:lnSpc>
+          <a:spcPct val="90000"/>
+        </a:lnSpc>
+        <a:spcBef>
+          <a:spcPts val="500"/>
+        </a:spcBef>
+        <a:buFont typeface="Arial" panose="020B0604020202020204" pitchFamily="34" charset="0"/>
+        <a:buChar char="•"/>
+        <a:defRPr sz="2000" kern="1200">
+          <a:solidFill>
+            <a:schemeClr val="tx1"/>
+          </a:solidFill>
+          <a:latin typeface="+mn-lt"/>
+          <a:ea typeface="+mn-ea"/>
+          <a:cs typeface="+mn-cs"/>
+        </a:defRPr>
+      </a:lvl3pPr>
+      <a:lvl4pPr marL="1600200" indent="-228600" algn="l" defTabSz="914400" rtl="0" eaLnBrk="1" latinLnBrk="0" hangingPunct="1">
+        <a:lnSpc>
+          <a:spcPct val="90000"/>
+        </a:lnSpc>
+        <a:spcBef>
+          <a:spcPts val="500"/>
+        </a:spcBef>
+        <a:buFont typeface="Arial" panose="020B0604020202020204" pitchFamily="34" charset="0"/>
+        <a:buChar char="•"/>
+        <a:defRPr sz="1800" kern="1200">
+          <a:solidFill>
+            <a:schemeClr val="tx1"/>
+          </a:solidFill>
+          <a:latin typeface="+mn-lt"/>
+          <a:ea typeface="+mn-ea"/>
+          <a:cs typeface="+mn-cs"/>
+        </a:defRPr>
+      </a:lvl4pPr>
+      <a:lvl5pPr marL="2057400" indent="-228600" algn="l" defTabSz="914400" rtl="0" eaLnBrk="1" latinLnBrk="0" hangingPunct="1">
+        <a:lnSpc>
+          <a:spcPct val="90000"/>
+        </a:lnSpc>
+        <a:spcBef>
+          <a:spcPts val="500"/>
+        </a:spcBef>
+        <a:buFont typeface="Arial" panose="020B0604020202020204" pitchFamily="34" charset="0"/>
+        <a:buChar char="•"/>
+        <a:defRPr sz="1800" kern="1200">
+          <a:solidFill>
+            <a:schemeClr val="tx1"/>
+          </a:solidFill>
+          <a:latin typeface="+mn-lt"/>
+          <a:ea typeface="+mn-ea"/>
+          <a:cs typeface="+mn-cs"/>
+        </a:defRPr>
+      </a:lvl5pPr>
+      <a:lvl6pPr marL="2514600" indent="-228600" algn="l" defTabSz="914400" rtl="0" eaLnBrk="1" latinLnBrk="0" hangingPunct="1">
+        <a:lnSpc>
+          <a:spcPct val="90000"/>
+        </a:lnSpc>
+        <a:spcBef>
+          <a:spcPts val="500"/>
+        </a:spcBef>
+        <a:buFont typeface="Arial" panose="020B0604020202020204" pitchFamily="34" charset="0"/>
+        <a:buChar char="•"/>
+        <a:defRPr sz="1800" kern="1200">
+          <a:solidFill>
+            <a:schemeClr val="tx1"/>
+          </a:solidFill>
+          <a:latin typeface="+mn-lt"/>
+          <a:ea typeface="+mn-ea"/>
+          <a:cs typeface="+mn-cs"/>
+        </a:defRPr>
+      </a:lvl6pPr>
+      <a:lvl7pPr marL="2971800" indent="-228600" algn="l" defTabSz="914400" rtl="0" eaLnBrk="1" latinLnBrk="0" hangingPunct="1">
+        <a:lnSpc>
+          <a:spcPct val="90000"/>
+        </a:lnSpc>
+        <a:spcBef>
+          <a:spcPts val="500"/>
+        </a:spcBef>
+        <a:buFont typeface="Arial" panose="020B0604020202020204" pitchFamily="34" charset="0"/>
+        <a:buChar char="•"/>
+        <a:defRPr sz="1800" kern="1200">
+          <a:solidFill>
+            <a:schemeClr val="tx1"/>
+          </a:solidFill>
+          <a:latin typeface="+mn-lt"/>
+          <a:ea typeface="+mn-ea"/>
+          <a:cs typeface="+mn-cs"/>
+        </a:defRPr>
+      </a:lvl7pPr>
+      <a:lvl8pPr marL="3429000" indent="-228600" algn="l" defTabSz="914400" rtl="0" eaLnBrk="1" latinLnBrk="0" hangingPunct="1">
+        <a:lnSpc>
+          <a:spcPct val="90000"/>
+        </a:lnSpc>
+        <a:spcBef>
+          <a:spcPts val="500"/>
+        </a:spcBef>
+        <a:buFont typeface="Arial" panose="020B0604020202020204" pitchFamily="34" charset="0"/>
+        <a:buChar char="•"/>
+        <a:defRPr sz="1800" kern="1200">
+          <a:solidFill>
+            <a:schemeClr val="tx1"/>
+          </a:solidFill>
+          <a:latin typeface="+mn-lt"/>
+          <a:ea typeface="+mn-ea"/>
+          <a:cs typeface="+mn-cs"/>
+        </a:defRPr>
+      </a:lvl8pPr>
+      <a:lvl9pPr marL="3886200" indent="-228600" algn="l" defTabSz="914400" rtl="0" eaLnBrk="1" latinLnBrk="0" hangingPunct="1">
+        <a:lnSpc>
+          <a:spcPct val="90000"/>
+        </a:lnSpc>
+        <a:spcBef>
+          <a:spcPts val="500"/>
+        </a:spcBef>
+        <a:buFont typeface="Arial" panose="020B0604020202020204" pitchFamily="34" charset="0"/>
+        <a:buChar char="•"/>
+        <a:defRPr sz="1800" kern="1200">
+          <a:solidFill>
+            <a:schemeClr val="tx1"/>
+          </a:solidFill>
+          <a:latin typeface="+mn-lt"/>
+          <a:ea typeface="+mn-ea"/>
+          <a:cs typeface="+mn-cs"/>
+        </a:defRPr>
+      </a:lvl9pPr>
+    </p:bodyStyle>
+    <p:otherStyle>
+      <a:defPPr>
+        <a:defRPr lang="en-US"/>
+      </a:defPPr>
+      <a:lvl1pPr marL="0" algn="l" defTabSz="914400" rtl="0" eaLnBrk="1" latinLnBrk="0" hangingPunct="1">
+        <a:defRPr sz="1800" kern="1200">
+          <a:solidFill>
+            <a:schemeClr val="tx1"/>
+          </a:solidFill>
+          <a:latin typeface="+mn-lt"/>
+          <a:ea typeface="+mn-ea"/>
+          <a:cs typeface="+mn-cs"/>
+        </a:defRPr>
+      </a:lvl1pPr>
+      <a:lvl2pPr marL="457200" algn="l" defTabSz="914400" rtl="0" eaLnBrk="1" latinLnBrk="0" hangingPunct="1">
+        <a:defRPr sz="1800" kern="1200">
+          <a:solidFill>
+            <a:schemeClr val="tx1"/>
+          </a:solidFill>
+          <a:latin typeface="+mn-lt"/>
+          <a:ea typeface="+mn-ea"/>
+          <a:cs typeface="+mn-cs"/>
+        </a:defRPr>
+      </a:lvl2pPr>
+      <a:lvl3pPr marL="914400" algn="l" defTabSz="914400" rtl="0" eaLnBrk="1" latinLnBrk="0" hangingPunct="1">
+        <a:defRPr sz="1800" kern="1200">
+          <a:solidFill>
+            <a:schemeClr val="tx1"/>
+          </a:solidFill>
+          <a:latin typeface="+mn-lt"/>
+          <a:ea typeface="+mn-ea"/>
+          <a:cs typeface="+mn-cs"/>
+        </a:defRPr>
+      </a:lvl3pPr>
+      <a:lvl4pPr marL="1371600" algn="l" defTabSz="914400" rtl="0" eaLnBrk="1" latinLnBrk="0" hangingPunct="1">
+        <a:defRPr sz="1800" kern="1200">
+          <a:solidFill>
+            <a:schemeClr val="tx1"/>
+          </a:solidFill>
+          <a:latin typeface="+mn-lt"/>
+          <a:ea typeface="+mn-ea"/>
+          <a:cs typeface="+mn-cs"/>
+        </a:defRPr>
+      </a:lvl4pPr>
+      <a:lvl5pPr marL="1828800" algn="l" defTabSz="914400" rtl="0" eaLnBrk="1" latinLnBrk="0" hangingPunct="1">
+        <a:defRPr sz="1800" kern="1200">
+          <a:solidFill>
+            <a:schemeClr val="tx1"/>
+          </a:solidFill>
+          <a:latin typeface="+mn-lt"/>
+          <a:ea typeface="+mn-ea"/>
+          <a:cs typeface="+mn-cs"/>
+        </a:defRPr>
+      </a:lvl5pPr>
+      <a:lvl6pPr marL="2286000" algn="l" defTabSz="914400" rtl="0" eaLnBrk="1" latinLnBrk="0" hangingPunct="1">
+        <a:defRPr sz="1800" kern="1200">
+          <a:solidFill>
+            <a:schemeClr val="tx1"/>
+          </a:solidFill>
+          <a:latin typeface="+mn-lt"/>
+          <a:ea typeface="+mn-ea"/>
+          <a:cs typeface="+mn-cs"/>
+        </a:defRPr>
+      </a:lvl6pPr>
+      <a:lvl7pPr marL="2743200" algn="l" defTabSz="914400" rtl="0" eaLnBrk="1" latinLnBrk="0" hangingPunct="1">
+        <a:defRPr sz="1800" kern="1200">
+          <a:solidFill>
+            <a:schemeClr val="tx1"/>
+          </a:solidFill>
+          <a:latin typeface="+mn-lt"/>
+          <a:ea typeface="+mn-ea"/>
+          <a:cs typeface="+mn-cs"/>
+        </a:defRPr>
+      </a:lvl7pPr>
+      <a:lvl8pPr marL="3200400" algn="l" defTabSz="914400" rtl="0" eaLnBrk="1" latinLnBrk="0" hangingPunct="1">
+        <a:defRPr sz="1800" kern="1200">
+          <a:solidFill>
+            <a:schemeClr val="tx1"/>
+          </a:solidFill>
+          <a:latin typeface="+mn-lt"/>
+          <a:ea typeface="+mn-ea"/>
+          <a:cs typeface="+mn-cs"/>
+        </a:defRPr>
+      </a:lvl8pPr>
+      <a:lvl9pPr marL="3657600" algn="l" defTabSz="914400" rtl="0" eaLnBrk="1" latinLnBrk="0" hangingPunct="1">
+        <a:defRPr sz="1800" kern="1200">
+          <a:solidFill>
+            <a:schemeClr val="tx1"/>
+          </a:solidFill>
+          <a:latin typeface="+mn-lt"/>
+          <a:ea typeface="+mn-ea"/>
+          <a:cs typeface="+mn-cs"/>
+        </a:defRPr>
+      </a:lvl9pPr>
+    </p:otherStyle>
+  </p:txStyles>
 </p:sldMaster>
 </file>
 
 <file path=ppt/slideMasters/slideMaster3.xml><?xml version="1.0" encoding="utf-8"?>
-<p:sldMaster xmlns:a="http://schemas.openxmlformats.org/drawingml/2006/main" xmlns:p="http://schemas.openxmlformats.org/presentationml/2006/main" xmlns:r="http://schemas.openxmlformats.org/officeDocument/2006/relationships" xmlns:p14="http://schemas.microsoft.com/office/powerpoint/2010/main" xmlns:p15="http://schemas.microsoft.com/office/powerpoint/2012/main" xmlns:mc="http://schemas.openxmlformats.org/markup-compatibility/2006">
+<p:sldMaster xmlns:a="http://schemas.openxmlformats.org/drawingml/2006/main" xmlns:r="http://schemas.openxmlformats.org/officeDocument/2006/relationships" xmlns:p="http://schemas.openxmlformats.org/presentationml/2006/main">
   <p:cSld>
     <p:bg>
       <p:bgPr>
         <a:solidFill>
-          <a:srgbClr val="ffffff"/>
+          <a:srgbClr val="FFFFFF"/>
         </a:solidFill>
+        <a:effectLst/>
       </p:bgPr>
     </p:bg>
     <p:spTree>
@@ -7747,7 +8667,7 @@
             <a:avLst/>
           </a:prstGeom>
           <a:solidFill>
-            <a:srgbClr val="ffffff"/>
+            <a:srgbClr val="FFFFFF"/>
           </a:solidFill>
           <a:ln>
             <a:noFill/>
@@ -7793,9 +8713,15 @@
           </a:ln>
         </p:spPr>
         <p:style>
-          <a:lnRef idx="0"/>
-          <a:fillRef idx="0"/>
-          <a:effectRef idx="0"/>
+          <a:lnRef idx="0">
+            <a:scrgbClr r="0" g="0" b="0"/>
+          </a:lnRef>
+          <a:fillRef idx="0">
+            <a:scrgbClr r="0" g="0" b="0"/>
+          </a:fillRef>
+          <a:effectRef idx="0">
+            <a:scrgbClr r="0" g="0" b="0"/>
+          </a:effectRef>
           <a:fontRef idx="minor"/>
         </p:style>
       </p:sp>
@@ -7814,7 +8740,7 @@
             <a:avLst/>
           </a:prstGeom>
           <a:noFill/>
-          <a:ln cap="sq" w="6350">
+          <a:ln w="6350" cap="sq">
             <a:solidFill>
               <a:srgbClr val="000000">
                 <a:lumMod val="85000"/>
@@ -7825,9 +8751,15 @@
           </a:ln>
         </p:spPr>
         <p:style>
-          <a:lnRef idx="0"/>
-          <a:fillRef idx="0"/>
-          <a:effectRef idx="0"/>
+          <a:lnRef idx="0">
+            <a:scrgbClr r="0" g="0" b="0"/>
+          </a:lnRef>
+          <a:fillRef idx="0">
+            <a:scrgbClr r="0" g="0" b="0"/>
+          </a:fillRef>
+          <a:effectRef idx="0">
+            <a:scrgbClr r="0" g="0" b="0"/>
+          </a:effectRef>
           <a:fontRef idx="minor"/>
         </p:style>
       </p:sp>
@@ -7858,6 +8790,7 @@
           <a:bodyPr anchor="b">
             <a:noAutofit/>
           </a:bodyPr>
+          <a:lstStyle/>
           <a:p>
             <a:pPr algn="r">
               <a:lnSpc>
@@ -7865,15 +8798,15 @@
               </a:lnSpc>
             </a:pPr>
             <a:fld id="{19D5BF99-2EBC-4034-A493-53C1E6DA9C01}" type="datetime1">
-              <a:rPr b="0" lang="en-US" sz="800" spc="-1" strike="noStrike">
+              <a:rPr lang="en-US" sz="800" b="0" strike="noStrike" spc="-1">
                 <a:solidFill>
                   <a:srgbClr val="404040"/>
                 </a:solidFill>
                 <a:latin typeface="Century Gothic"/>
               </a:rPr>
-              <a:t>11/12/2021</a:t>
+              <a:t>11/15/2021</a:t>
             </a:fld>
-            <a:endParaRPr b="0" lang="en-US" sz="800" spc="-1" strike="noStrike">
+            <a:endParaRPr lang="en-US" sz="800" b="0" strike="noStrike" spc="-1">
               <a:latin typeface="Nimbus Roman"/>
             </a:endParaRPr>
           </a:p>
@@ -7906,8 +8839,9 @@
           <a:bodyPr anchor="b">
             <a:noAutofit/>
           </a:bodyPr>
-          <a:p>
-            <a:endParaRPr b="0" lang="en-US" sz="2400" spc="-1" strike="noStrike">
+          <a:lstStyle/>
+          <a:p>
+            <a:endParaRPr lang="en-US" sz="2400" b="0" strike="noStrike" spc="-1">
               <a:latin typeface="Nimbus Roman"/>
             </a:endParaRPr>
           </a:p>
@@ -7940,6 +8874,7 @@
           <a:bodyPr anchor="b">
             <a:noAutofit/>
           </a:bodyPr>
+          <a:lstStyle/>
           <a:p>
             <a:pPr algn="r">
               <a:lnSpc>
@@ -7947,15 +8882,15 @@
               </a:lnSpc>
             </a:pPr>
             <a:fld id="{4F06F857-D5BA-4C3D-ACE4-3F05F033FDC6}" type="slidenum">
-              <a:rPr b="0" lang="en-US" sz="800" spc="-1" strike="noStrike">
+              <a:rPr lang="en-US" sz="800" b="0" strike="noStrike" spc="-1">
                 <a:solidFill>
                   <a:srgbClr val="404040"/>
                 </a:solidFill>
                 <a:latin typeface="Century Gothic"/>
               </a:rPr>
-              <a:t>&lt;number&gt;</a:t>
+              <a:t>‹#›</a:t>
             </a:fld>
-            <a:endParaRPr b="0" lang="en-US" sz="800" spc="-1" strike="noStrike">
+            <a:endParaRPr lang="en-US" sz="800" b="0" strike="noStrike" spc="-1">
               <a:latin typeface="Nimbus Roman"/>
             </a:endParaRPr>
           </a:p>
@@ -7985,12 +8920,13 @@
           </a:ln>
         </p:spPr>
         <p:txBody>
-          <a:bodyPr lIns="0" rIns="0" tIns="0" bIns="0" anchor="ctr">
+          <a:bodyPr lIns="0" tIns="0" rIns="0" bIns="0" anchor="ctr">
             <a:noAutofit/>
           </a:bodyPr>
+          <a:lstStyle/>
           <a:p>
             <a:r>
-              <a:rPr b="0" lang="en-US" sz="1800" spc="-1" strike="noStrike">
+              <a:rPr lang="en-US" sz="1800" b="0" strike="noStrike" spc="-1">
                 <a:solidFill>
                   <a:srgbClr val="000000"/>
                 </a:solidFill>
@@ -7998,12 +8934,6 @@
               </a:rPr>
               <a:t>Click to edit the title text format</a:t>
             </a:r>
-            <a:endParaRPr b="0" lang="en-US" sz="1800" spc="-1" strike="noStrike">
-              <a:solidFill>
-                <a:srgbClr val="000000"/>
-              </a:solidFill>
-              <a:latin typeface="Century Gothic"/>
-            </a:endParaRPr>
           </a:p>
         </p:txBody>
       </p:sp>
@@ -8031,9 +8961,10 @@
           </a:ln>
         </p:spPr>
         <p:txBody>
-          <a:bodyPr lIns="0" rIns="0" tIns="0" bIns="0" anchor="t">
+          <a:bodyPr lIns="0" tIns="0" rIns="0" bIns="0" anchor="t">
             <a:normAutofit/>
           </a:bodyPr>
+          <a:lstStyle/>
           <a:p>
             <a:pPr marL="432000" indent="-324000">
               <a:spcBef>
@@ -8047,7 +8978,7 @@
               <a:buChar char=""/>
             </a:pPr>
             <a:r>
-              <a:rPr b="0" lang="en-US" sz="1500" spc="-1" strike="noStrike">
+              <a:rPr lang="en-US" sz="1500" b="0" strike="noStrike" spc="-1">
                 <a:solidFill>
                   <a:srgbClr val="000000"/>
                 </a:solidFill>
@@ -8055,15 +8986,9 @@
               </a:rPr>
               <a:t>Click to edit the outline text format</a:t>
             </a:r>
-            <a:endParaRPr b="0" lang="en-US" sz="1500" spc="-1" strike="noStrike">
-              <a:solidFill>
-                <a:srgbClr val="000000"/>
-              </a:solidFill>
-              <a:latin typeface="Century Gothic"/>
-            </a:endParaRPr>
-          </a:p>
-          <a:p>
-            <a:pPr lvl="1" marL="864000" indent="-324000">
+          </a:p>
+          <a:p>
+            <a:pPr marL="864000" lvl="1" indent="-324000">
               <a:spcBef>
                 <a:spcPts val="1134"/>
               </a:spcBef>
@@ -8075,7 +9000,7 @@
               <a:buChar char=""/>
             </a:pPr>
             <a:r>
-              <a:rPr b="0" lang="en-US" sz="1200" spc="-1" strike="noStrike">
+              <a:rPr lang="en-US" sz="1200" b="0" strike="noStrike" spc="-1">
                 <a:solidFill>
                   <a:srgbClr val="000000"/>
                 </a:solidFill>
@@ -8083,15 +9008,9 @@
               </a:rPr>
               <a:t>Second Outline Level</a:t>
             </a:r>
-            <a:endParaRPr b="0" lang="en-US" sz="1200" spc="-1" strike="noStrike">
-              <a:solidFill>
-                <a:srgbClr val="000000"/>
-              </a:solidFill>
-              <a:latin typeface="Century Gothic"/>
-            </a:endParaRPr>
-          </a:p>
-          <a:p>
-            <a:pPr lvl="2" marL="1296000" indent="-288000">
+          </a:p>
+          <a:p>
+            <a:pPr marL="1296000" lvl="2" indent="-288000">
               <a:spcBef>
                 <a:spcPts val="850"/>
               </a:spcBef>
@@ -8103,7 +9022,7 @@
               <a:buChar char=""/>
             </a:pPr>
             <a:r>
-              <a:rPr b="0" lang="en-US" sz="1200" spc="-1" strike="noStrike">
+              <a:rPr lang="en-US" sz="1200" b="0" strike="noStrike" spc="-1">
                 <a:solidFill>
                   <a:srgbClr val="000000"/>
                 </a:solidFill>
@@ -8111,15 +9030,9 @@
               </a:rPr>
               <a:t>Third Outline Level</a:t>
             </a:r>
-            <a:endParaRPr b="0" lang="en-US" sz="1200" spc="-1" strike="noStrike">
-              <a:solidFill>
-                <a:srgbClr val="000000"/>
-              </a:solidFill>
-              <a:latin typeface="Century Gothic"/>
-            </a:endParaRPr>
-          </a:p>
-          <a:p>
-            <a:pPr lvl="3" marL="1728000" indent="-216000">
+          </a:p>
+          <a:p>
+            <a:pPr marL="1728000" lvl="3" indent="-216000">
               <a:spcBef>
                 <a:spcPts val="567"/>
               </a:spcBef>
@@ -8131,7 +9044,7 @@
               <a:buChar char=""/>
             </a:pPr>
             <a:r>
-              <a:rPr b="0" lang="en-US" sz="1200" spc="-1" strike="noStrike">
+              <a:rPr lang="en-US" sz="1200" b="0" strike="noStrike" spc="-1">
                 <a:solidFill>
                   <a:srgbClr val="000000"/>
                 </a:solidFill>
@@ -8139,15 +9052,9 @@
               </a:rPr>
               <a:t>Fourth Outline Level</a:t>
             </a:r>
-            <a:endParaRPr b="0" lang="en-US" sz="1200" spc="-1" strike="noStrike">
-              <a:solidFill>
-                <a:srgbClr val="000000"/>
-              </a:solidFill>
-              <a:latin typeface="Century Gothic"/>
-            </a:endParaRPr>
-          </a:p>
-          <a:p>
-            <a:pPr lvl="4" marL="2160000" indent="-216000">
+          </a:p>
+          <a:p>
+            <a:pPr marL="2160000" lvl="4" indent="-216000">
               <a:spcBef>
                 <a:spcPts val="283"/>
               </a:spcBef>
@@ -8159,7 +9066,7 @@
               <a:buChar char=""/>
             </a:pPr>
             <a:r>
-              <a:rPr b="0" lang="en-US" sz="2000" spc="-1" strike="noStrike">
+              <a:rPr lang="en-US" sz="2000" b="0" strike="noStrike" spc="-1">
                 <a:solidFill>
                   <a:srgbClr val="000000"/>
                 </a:solidFill>
@@ -8167,15 +9074,9 @@
               </a:rPr>
               <a:t>Fifth Outline Level</a:t>
             </a:r>
-            <a:endParaRPr b="0" lang="en-US" sz="2000" spc="-1" strike="noStrike">
-              <a:solidFill>
-                <a:srgbClr val="000000"/>
-              </a:solidFill>
-              <a:latin typeface="Century Gothic"/>
-            </a:endParaRPr>
-          </a:p>
-          <a:p>
-            <a:pPr lvl="5" marL="2592000" indent="-216000">
+          </a:p>
+          <a:p>
+            <a:pPr marL="2592000" lvl="5" indent="-216000">
               <a:spcBef>
                 <a:spcPts val="283"/>
               </a:spcBef>
@@ -8187,7 +9088,7 @@
               <a:buChar char=""/>
             </a:pPr>
             <a:r>
-              <a:rPr b="0" lang="en-US" sz="2000" spc="-1" strike="noStrike">
+              <a:rPr lang="en-US" sz="2000" b="0" strike="noStrike" spc="-1">
                 <a:solidFill>
                   <a:srgbClr val="000000"/>
                 </a:solidFill>
@@ -8195,15 +9096,9 @@
               </a:rPr>
               <a:t>Sixth Outline Level</a:t>
             </a:r>
-            <a:endParaRPr b="0" lang="en-US" sz="2000" spc="-1" strike="noStrike">
-              <a:solidFill>
-                <a:srgbClr val="000000"/>
-              </a:solidFill>
-              <a:latin typeface="Century Gothic"/>
-            </a:endParaRPr>
-          </a:p>
-          <a:p>
-            <a:pPr lvl="6" marL="3024000" indent="-216000">
+          </a:p>
+          <a:p>
+            <a:pPr marL="3024000" lvl="6" indent="-216000">
               <a:spcBef>
                 <a:spcPts val="283"/>
               </a:spcBef>
@@ -8215,7 +9110,7 @@
               <a:buChar char=""/>
             </a:pPr>
             <a:r>
-              <a:rPr b="0" lang="en-US" sz="2000" spc="-1" strike="noStrike">
+              <a:rPr lang="en-US" sz="2000" b="0" strike="noStrike" spc="-1">
                 <a:solidFill>
                   <a:srgbClr val="000000"/>
                 </a:solidFill>
@@ -8223,43 +9118,318 @@
               </a:rPr>
               <a:t>Seventh Outline Level</a:t>
             </a:r>
-            <a:endParaRPr b="0" lang="en-US" sz="2000" spc="-1" strike="noStrike">
-              <a:solidFill>
-                <a:srgbClr val="000000"/>
-              </a:solidFill>
-              <a:latin typeface="Century Gothic"/>
-            </a:endParaRPr>
           </a:p>
         </p:txBody>
       </p:sp>
     </p:spTree>
   </p:cSld>
-  <p:clrMap bg1="lt1" bg2="lt2" tx1="dk1" tx2="dk2" accent1="accent1" accent2="accent2" accent3="accent3" accent4="accent4" accent5="accent5" accent6="accent6" hlink="hlink" folHlink="folHlink"/>
+  <p:clrMap bg1="lt1" tx1="dk1" bg2="lt2" tx2="dk2" accent1="accent1" accent2="accent2" accent3="accent3" accent4="accent4" accent5="accent5" accent6="accent6" hlink="hlink" folHlink="folHlink"/>
   <p:sldLayoutIdLst>
-    <p:sldLayoutId id="2147483675" r:id="rId2"/>
-    <p:sldLayoutId id="2147483676" r:id="rId3"/>
-    <p:sldLayoutId id="2147483677" r:id="rId4"/>
-    <p:sldLayoutId id="2147483678" r:id="rId5"/>
-    <p:sldLayoutId id="2147483679" r:id="rId6"/>
-    <p:sldLayoutId id="2147483680" r:id="rId7"/>
-    <p:sldLayoutId id="2147483681" r:id="rId8"/>
-    <p:sldLayoutId id="2147483682" r:id="rId9"/>
-    <p:sldLayoutId id="2147483683" r:id="rId10"/>
-    <p:sldLayoutId id="2147483684" r:id="rId11"/>
-    <p:sldLayoutId id="2147483685" r:id="rId12"/>
-    <p:sldLayoutId id="2147483686" r:id="rId13"/>
+    <p:sldLayoutId id="2147483675" r:id="rId1"/>
+    <p:sldLayoutId id="2147483676" r:id="rId2"/>
+    <p:sldLayoutId id="2147483677" r:id="rId3"/>
+    <p:sldLayoutId id="2147483678" r:id="rId4"/>
+    <p:sldLayoutId id="2147483679" r:id="rId5"/>
+    <p:sldLayoutId id="2147483680" r:id="rId6"/>
+    <p:sldLayoutId id="2147483681" r:id="rId7"/>
+    <p:sldLayoutId id="2147483682" r:id="rId8"/>
+    <p:sldLayoutId id="2147483683" r:id="rId9"/>
+    <p:sldLayoutId id="2147483684" r:id="rId10"/>
+    <p:sldLayoutId id="2147483685" r:id="rId11"/>
+    <p:sldLayoutId id="2147483686" r:id="rId12"/>
   </p:sldLayoutIdLst>
+  <p:txStyles>
+    <p:titleStyle>
+      <a:lvl1pPr algn="l" defTabSz="914400" rtl="0" eaLnBrk="1" latinLnBrk="0" hangingPunct="1">
+        <a:lnSpc>
+          <a:spcPct val="90000"/>
+        </a:lnSpc>
+        <a:spcBef>
+          <a:spcPct val="0"/>
+        </a:spcBef>
+        <a:buNone/>
+        <a:defRPr sz="4400" kern="1200">
+          <a:solidFill>
+            <a:schemeClr val="tx1"/>
+          </a:solidFill>
+          <a:latin typeface="+mj-lt"/>
+          <a:ea typeface="+mj-ea"/>
+          <a:cs typeface="+mj-cs"/>
+        </a:defRPr>
+      </a:lvl1pPr>
+    </p:titleStyle>
+    <p:bodyStyle>
+      <a:lvl1pPr marL="228600" indent="-228600" algn="l" defTabSz="914400" rtl="0" eaLnBrk="1" latinLnBrk="0" hangingPunct="1">
+        <a:lnSpc>
+          <a:spcPct val="90000"/>
+        </a:lnSpc>
+        <a:spcBef>
+          <a:spcPts val="1000"/>
+        </a:spcBef>
+        <a:buFont typeface="Arial" panose="020B0604020202020204" pitchFamily="34" charset="0"/>
+        <a:buChar char="•"/>
+        <a:defRPr sz="2800" kern="1200">
+          <a:solidFill>
+            <a:schemeClr val="tx1"/>
+          </a:solidFill>
+          <a:latin typeface="+mn-lt"/>
+          <a:ea typeface="+mn-ea"/>
+          <a:cs typeface="+mn-cs"/>
+        </a:defRPr>
+      </a:lvl1pPr>
+      <a:lvl2pPr marL="685800" indent="-228600" algn="l" defTabSz="914400" rtl="0" eaLnBrk="1" latinLnBrk="0" hangingPunct="1">
+        <a:lnSpc>
+          <a:spcPct val="90000"/>
+        </a:lnSpc>
+        <a:spcBef>
+          <a:spcPts val="500"/>
+        </a:spcBef>
+        <a:buFont typeface="Arial" panose="020B0604020202020204" pitchFamily="34" charset="0"/>
+        <a:buChar char="•"/>
+        <a:defRPr sz="2400" kern="1200">
+          <a:solidFill>
+            <a:schemeClr val="tx1"/>
+          </a:solidFill>
+          <a:latin typeface="+mn-lt"/>
+          <a:ea typeface="+mn-ea"/>
+          <a:cs typeface="+mn-cs"/>
+        </a:defRPr>
+      </a:lvl2pPr>
+      <a:lvl3pPr marL="1143000" indent="-228600" algn="l" defTabSz="914400" rtl="0" eaLnBrk="1" latinLnBrk="0" hangingPunct="1">
+        <a:lnSpc>
+          <a:spcPct val="90000"/>
+        </a:lnSpc>
+        <a:spcBef>
+          <a:spcPts val="500"/>
+        </a:spcBef>
+        <a:buFont typeface="Arial" panose="020B0604020202020204" pitchFamily="34" charset="0"/>
+        <a:buChar char="•"/>
+        <a:defRPr sz="2000" kern="1200">
+          <a:solidFill>
+            <a:schemeClr val="tx1"/>
+          </a:solidFill>
+          <a:latin typeface="+mn-lt"/>
+          <a:ea typeface="+mn-ea"/>
+          <a:cs typeface="+mn-cs"/>
+        </a:defRPr>
+      </a:lvl3pPr>
+      <a:lvl4pPr marL="1600200" indent="-228600" algn="l" defTabSz="914400" rtl="0" eaLnBrk="1" latinLnBrk="0" hangingPunct="1">
+        <a:lnSpc>
+          <a:spcPct val="90000"/>
+        </a:lnSpc>
+        <a:spcBef>
+          <a:spcPts val="500"/>
+        </a:spcBef>
+        <a:buFont typeface="Arial" panose="020B0604020202020204" pitchFamily="34" charset="0"/>
+        <a:buChar char="•"/>
+        <a:defRPr sz="1800" kern="1200">
+          <a:solidFill>
+            <a:schemeClr val="tx1"/>
+          </a:solidFill>
+          <a:latin typeface="+mn-lt"/>
+          <a:ea typeface="+mn-ea"/>
+          <a:cs typeface="+mn-cs"/>
+        </a:defRPr>
+      </a:lvl4pPr>
+      <a:lvl5pPr marL="2057400" indent="-228600" algn="l" defTabSz="914400" rtl="0" eaLnBrk="1" latinLnBrk="0" hangingPunct="1">
+        <a:lnSpc>
+          <a:spcPct val="90000"/>
+        </a:lnSpc>
+        <a:spcBef>
+          <a:spcPts val="500"/>
+        </a:spcBef>
+        <a:buFont typeface="Arial" panose="020B0604020202020204" pitchFamily="34" charset="0"/>
+        <a:buChar char="•"/>
+        <a:defRPr sz="1800" kern="1200">
+          <a:solidFill>
+            <a:schemeClr val="tx1"/>
+          </a:solidFill>
+          <a:latin typeface="+mn-lt"/>
+          <a:ea typeface="+mn-ea"/>
+          <a:cs typeface="+mn-cs"/>
+        </a:defRPr>
+      </a:lvl5pPr>
+      <a:lvl6pPr marL="2514600" indent="-228600" algn="l" defTabSz="914400" rtl="0" eaLnBrk="1" latinLnBrk="0" hangingPunct="1">
+        <a:lnSpc>
+          <a:spcPct val="90000"/>
+        </a:lnSpc>
+        <a:spcBef>
+          <a:spcPts val="500"/>
+        </a:spcBef>
+        <a:buFont typeface="Arial" panose="020B0604020202020204" pitchFamily="34" charset="0"/>
+        <a:buChar char="•"/>
+        <a:defRPr sz="1800" kern="1200">
+          <a:solidFill>
+            <a:schemeClr val="tx1"/>
+          </a:solidFill>
+          <a:latin typeface="+mn-lt"/>
+          <a:ea typeface="+mn-ea"/>
+          <a:cs typeface="+mn-cs"/>
+        </a:defRPr>
+      </a:lvl6pPr>
+      <a:lvl7pPr marL="2971800" indent="-228600" algn="l" defTabSz="914400" rtl="0" eaLnBrk="1" latinLnBrk="0" hangingPunct="1">
+        <a:lnSpc>
+          <a:spcPct val="90000"/>
+        </a:lnSpc>
+        <a:spcBef>
+          <a:spcPts val="500"/>
+        </a:spcBef>
+        <a:buFont typeface="Arial" panose="020B0604020202020204" pitchFamily="34" charset="0"/>
+        <a:buChar char="•"/>
+        <a:defRPr sz="1800" kern="1200">
+          <a:solidFill>
+            <a:schemeClr val="tx1"/>
+          </a:solidFill>
+          <a:latin typeface="+mn-lt"/>
+          <a:ea typeface="+mn-ea"/>
+          <a:cs typeface="+mn-cs"/>
+        </a:defRPr>
+      </a:lvl7pPr>
+      <a:lvl8pPr marL="3429000" indent="-228600" algn="l" defTabSz="914400" rtl="0" eaLnBrk="1" latinLnBrk="0" hangingPunct="1">
+        <a:lnSpc>
+          <a:spcPct val="90000"/>
+        </a:lnSpc>
+        <a:spcBef>
+          <a:spcPts val="500"/>
+        </a:spcBef>
+        <a:buFont typeface="Arial" panose="020B0604020202020204" pitchFamily="34" charset="0"/>
+        <a:buChar char="•"/>
+        <a:defRPr sz="1800" kern="1200">
+          <a:solidFill>
+            <a:schemeClr val="tx1"/>
+          </a:solidFill>
+          <a:latin typeface="+mn-lt"/>
+          <a:ea typeface="+mn-ea"/>
+          <a:cs typeface="+mn-cs"/>
+        </a:defRPr>
+      </a:lvl8pPr>
+      <a:lvl9pPr marL="3886200" indent="-228600" algn="l" defTabSz="914400" rtl="0" eaLnBrk="1" latinLnBrk="0" hangingPunct="1">
+        <a:lnSpc>
+          <a:spcPct val="90000"/>
+        </a:lnSpc>
+        <a:spcBef>
+          <a:spcPts val="500"/>
+        </a:spcBef>
+        <a:buFont typeface="Arial" panose="020B0604020202020204" pitchFamily="34" charset="0"/>
+        <a:buChar char="•"/>
+        <a:defRPr sz="1800" kern="1200">
+          <a:solidFill>
+            <a:schemeClr val="tx1"/>
+          </a:solidFill>
+          <a:latin typeface="+mn-lt"/>
+          <a:ea typeface="+mn-ea"/>
+          <a:cs typeface="+mn-cs"/>
+        </a:defRPr>
+      </a:lvl9pPr>
+    </p:bodyStyle>
+    <p:otherStyle>
+      <a:defPPr>
+        <a:defRPr lang="en-US"/>
+      </a:defPPr>
+      <a:lvl1pPr marL="0" algn="l" defTabSz="914400" rtl="0" eaLnBrk="1" latinLnBrk="0" hangingPunct="1">
+        <a:defRPr sz="1800" kern="1200">
+          <a:solidFill>
+            <a:schemeClr val="tx1"/>
+          </a:solidFill>
+          <a:latin typeface="+mn-lt"/>
+          <a:ea typeface="+mn-ea"/>
+          <a:cs typeface="+mn-cs"/>
+        </a:defRPr>
+      </a:lvl1pPr>
+      <a:lvl2pPr marL="457200" algn="l" defTabSz="914400" rtl="0" eaLnBrk="1" latinLnBrk="0" hangingPunct="1">
+        <a:defRPr sz="1800" kern="1200">
+          <a:solidFill>
+            <a:schemeClr val="tx1"/>
+          </a:solidFill>
+          <a:latin typeface="+mn-lt"/>
+          <a:ea typeface="+mn-ea"/>
+          <a:cs typeface="+mn-cs"/>
+        </a:defRPr>
+      </a:lvl2pPr>
+      <a:lvl3pPr marL="914400" algn="l" defTabSz="914400" rtl="0" eaLnBrk="1" latinLnBrk="0" hangingPunct="1">
+        <a:defRPr sz="1800" kern="1200">
+          <a:solidFill>
+            <a:schemeClr val="tx1"/>
+          </a:solidFill>
+          <a:latin typeface="+mn-lt"/>
+          <a:ea typeface="+mn-ea"/>
+          <a:cs typeface="+mn-cs"/>
+        </a:defRPr>
+      </a:lvl3pPr>
+      <a:lvl4pPr marL="1371600" algn="l" defTabSz="914400" rtl="0" eaLnBrk="1" latinLnBrk="0" hangingPunct="1">
+        <a:defRPr sz="1800" kern="1200">
+          <a:solidFill>
+            <a:schemeClr val="tx1"/>
+          </a:solidFill>
+          <a:latin typeface="+mn-lt"/>
+          <a:ea typeface="+mn-ea"/>
+          <a:cs typeface="+mn-cs"/>
+        </a:defRPr>
+      </a:lvl4pPr>
+      <a:lvl5pPr marL="1828800" algn="l" defTabSz="914400" rtl="0" eaLnBrk="1" latinLnBrk="0" hangingPunct="1">
+        <a:defRPr sz="1800" kern="1200">
+          <a:solidFill>
+            <a:schemeClr val="tx1"/>
+          </a:solidFill>
+          <a:latin typeface="+mn-lt"/>
+          <a:ea typeface="+mn-ea"/>
+          <a:cs typeface="+mn-cs"/>
+        </a:defRPr>
+      </a:lvl5pPr>
+      <a:lvl6pPr marL="2286000" algn="l" defTabSz="914400" rtl="0" eaLnBrk="1" latinLnBrk="0" hangingPunct="1">
+        <a:defRPr sz="1800" kern="1200">
+          <a:solidFill>
+            <a:schemeClr val="tx1"/>
+          </a:solidFill>
+          <a:latin typeface="+mn-lt"/>
+          <a:ea typeface="+mn-ea"/>
+          <a:cs typeface="+mn-cs"/>
+        </a:defRPr>
+      </a:lvl6pPr>
+      <a:lvl7pPr marL="2743200" algn="l" defTabSz="914400" rtl="0" eaLnBrk="1" latinLnBrk="0" hangingPunct="1">
+        <a:defRPr sz="1800" kern="1200">
+          <a:solidFill>
+            <a:schemeClr val="tx1"/>
+          </a:solidFill>
+          <a:latin typeface="+mn-lt"/>
+          <a:ea typeface="+mn-ea"/>
+          <a:cs typeface="+mn-cs"/>
+        </a:defRPr>
+      </a:lvl7pPr>
+      <a:lvl8pPr marL="3200400" algn="l" defTabSz="914400" rtl="0" eaLnBrk="1" latinLnBrk="0" hangingPunct="1">
+        <a:defRPr sz="1800" kern="1200">
+          <a:solidFill>
+            <a:schemeClr val="tx1"/>
+          </a:solidFill>
+          <a:latin typeface="+mn-lt"/>
+          <a:ea typeface="+mn-ea"/>
+          <a:cs typeface="+mn-cs"/>
+        </a:defRPr>
+      </a:lvl8pPr>
+      <a:lvl9pPr marL="3657600" algn="l" defTabSz="914400" rtl="0" eaLnBrk="1" latinLnBrk="0" hangingPunct="1">
+        <a:defRPr sz="1800" kern="1200">
+          <a:solidFill>
+            <a:schemeClr val="tx1"/>
+          </a:solidFill>
+          <a:latin typeface="+mn-lt"/>
+          <a:ea typeface="+mn-ea"/>
+          <a:cs typeface="+mn-cs"/>
+        </a:defRPr>
+      </a:lvl9pPr>
+    </p:otherStyle>
+  </p:txStyles>
 </p:sldMaster>
 </file>
 
 <file path=ppt/slideMasters/slideMaster4.xml><?xml version="1.0" encoding="utf-8"?>
-<p:sldMaster xmlns:a="http://schemas.openxmlformats.org/drawingml/2006/main" xmlns:p="http://schemas.openxmlformats.org/presentationml/2006/main" xmlns:r="http://schemas.openxmlformats.org/officeDocument/2006/relationships" xmlns:p14="http://schemas.microsoft.com/office/powerpoint/2010/main" xmlns:p15="http://schemas.microsoft.com/office/powerpoint/2012/main" xmlns:mc="http://schemas.openxmlformats.org/markup-compatibility/2006">
+<p:sldMaster xmlns:a="http://schemas.openxmlformats.org/drawingml/2006/main" xmlns:r="http://schemas.openxmlformats.org/officeDocument/2006/relationships" xmlns:p="http://schemas.openxmlformats.org/presentationml/2006/main">
   <p:cSld>
     <p:bg>
       <p:bgPr>
         <a:solidFill>
-          <a:srgbClr val="ffffff"/>
+          <a:srgbClr val="FFFFFF"/>
         </a:solidFill>
+        <a:effectLst/>
       </p:bgPr>
     </p:bg>
     <p:spTree>
@@ -8291,7 +9461,7 @@
             <a:avLst/>
           </a:prstGeom>
           <a:solidFill>
-            <a:srgbClr val="ffffff"/>
+            <a:srgbClr val="FFFFFF"/>
           </a:solidFill>
           <a:ln>
             <a:noFill/>
@@ -8337,9 +9507,15 @@
           </a:ln>
         </p:spPr>
         <p:style>
-          <a:lnRef idx="0"/>
-          <a:fillRef idx="0"/>
-          <a:effectRef idx="0"/>
+          <a:lnRef idx="0">
+            <a:scrgbClr r="0" g="0" b="0"/>
+          </a:lnRef>
+          <a:fillRef idx="0">
+            <a:scrgbClr r="0" g="0" b="0"/>
+          </a:fillRef>
+          <a:effectRef idx="0">
+            <a:scrgbClr r="0" g="0" b="0"/>
+          </a:effectRef>
           <a:fontRef idx="minor"/>
         </p:style>
       </p:sp>
@@ -8358,7 +9534,7 @@
             <a:avLst/>
           </a:prstGeom>
           <a:noFill/>
-          <a:ln cap="sq" w="6350">
+          <a:ln w="6350" cap="sq">
             <a:solidFill>
               <a:srgbClr val="000000">
                 <a:lumMod val="85000"/>
@@ -8369,9 +9545,15 @@
           </a:ln>
         </p:spPr>
         <p:style>
-          <a:lnRef idx="0"/>
-          <a:fillRef idx="0"/>
-          <a:effectRef idx="0"/>
+          <a:lnRef idx="0">
+            <a:scrgbClr r="0" g="0" b="0"/>
+          </a:lnRef>
+          <a:fillRef idx="0">
+            <a:scrgbClr r="0" g="0" b="0"/>
+          </a:fillRef>
+          <a:effectRef idx="0">
+            <a:scrgbClr r="0" g="0" b="0"/>
+          </a:effectRef>
           <a:fontRef idx="minor"/>
         </p:style>
       </p:sp>
@@ -8433,27 +9615,28 @@
             <a:avLst/>
           </a:prstGeom>
           <a:solidFill>
-            <a:srgbClr val="96c881"/>
+            <a:srgbClr val="96C881"/>
           </a:solidFill>
           <a:ln w="0">
             <a:noFill/>
           </a:ln>
         </p:spPr>
         <p:txBody>
-          <a:bodyPr lIns="90000" rIns="90000" tIns="45000" bIns="45000" anchor="t">
+          <a:bodyPr lIns="90000" tIns="45000" rIns="90000" bIns="45000" anchor="t">
             <a:noAutofit/>
           </a:bodyPr>
+          <a:lstStyle/>
           <a:p>
             <a:pPr>
               <a:lnSpc>
                 <a:spcPct val="100000"/>
               </a:lnSpc>
               <a:tabLst>
-                <a:tab algn="l" pos="0"/>
+                <a:tab pos="0" algn="l"/>
               </a:tabLst>
             </a:pPr>
             <a:r>
-              <a:rPr b="0" lang="en-US" sz="3200" spc="-1" strike="noStrike">
+              <a:rPr lang="en-US" sz="3200" b="0" strike="noStrike" spc="-1">
                 <a:solidFill>
                   <a:srgbClr val="000000"/>
                 </a:solidFill>
@@ -8461,12 +9644,6 @@
               </a:rPr>
               <a:t>Click icon to add picture</a:t>
             </a:r>
-            <a:endParaRPr b="0" lang="en-US" sz="3200" spc="-1" strike="noStrike">
-              <a:solidFill>
-                <a:srgbClr val="000000"/>
-              </a:solidFill>
-              <a:latin typeface="Century Gothic"/>
-            </a:endParaRPr>
           </a:p>
         </p:txBody>
       </p:sp>
@@ -8497,6 +9674,7 @@
           <a:bodyPr anchor="b">
             <a:noAutofit/>
           </a:bodyPr>
+          <a:lstStyle/>
           <a:p>
             <a:pPr algn="r">
               <a:lnSpc>
@@ -8504,15 +9682,15 @@
               </a:lnSpc>
             </a:pPr>
             <a:fld id="{25715535-AFAD-4ADC-96ED-A9EE8EF063B7}" type="datetime1">
-              <a:rPr b="1" lang="en-US" sz="800" spc="-1" strike="noStrike">
+              <a:rPr lang="en-US" sz="800" b="1" strike="noStrike" spc="-1">
                 <a:solidFill>
-                  <a:srgbClr val="ffffff"/>
+                  <a:srgbClr val="FFFFFF"/>
                 </a:solidFill>
                 <a:latin typeface="Century Gothic"/>
               </a:rPr>
-              <a:t>11/12/2021</a:t>
+              <a:t>11/15/2021</a:t>
             </a:fld>
-            <a:endParaRPr b="0" lang="en-US" sz="800" spc="-1" strike="noStrike">
+            <a:endParaRPr lang="en-US" sz="800" b="0" strike="noStrike" spc="-1">
               <a:latin typeface="Nimbus Roman"/>
             </a:endParaRPr>
           </a:p>
@@ -8545,8 +9723,9 @@
           <a:bodyPr anchor="b">
             <a:noAutofit/>
           </a:bodyPr>
-          <a:p>
-            <a:endParaRPr b="0" lang="en-US" sz="2400" spc="-1" strike="noStrike">
+          <a:lstStyle/>
+          <a:p>
+            <a:endParaRPr lang="en-US" sz="2400" b="0" strike="noStrike" spc="-1">
               <a:latin typeface="Nimbus Roman"/>
             </a:endParaRPr>
           </a:p>
@@ -8579,6 +9758,7 @@
           <a:bodyPr anchor="b">
             <a:noAutofit/>
           </a:bodyPr>
+          <a:lstStyle/>
           <a:p>
             <a:pPr algn="r">
               <a:lnSpc>
@@ -8586,15 +9766,15 @@
               </a:lnSpc>
             </a:pPr>
             <a:fld id="{F1BBEBE5-298B-4046-9036-E8649B49FD4C}" type="slidenum">
-              <a:rPr b="0" lang="en-US" sz="800" spc="-1" strike="noStrike">
+              <a:rPr lang="en-US" sz="800" b="0" strike="noStrike" spc="-1">
                 <a:solidFill>
                   <a:srgbClr val="404040"/>
                 </a:solidFill>
                 <a:latin typeface="Century Gothic"/>
               </a:rPr>
-              <a:t>&lt;number&gt;</a:t>
+              <a:t>‹#›</a:t>
             </a:fld>
-            <a:endParaRPr b="0" lang="en-US" sz="800" spc="-1" strike="noStrike">
+            <a:endParaRPr lang="en-US" sz="800" b="0" strike="noStrike" spc="-1">
               <a:latin typeface="Nimbus Roman"/>
             </a:endParaRPr>
           </a:p>
@@ -8615,7 +9795,7 @@
             <a:avLst/>
           </a:prstGeom>
           <a:noFill/>
-          <a:ln cap="sq" w="6350">
+          <a:ln w="6350" cap="sq">
             <a:solidFill>
               <a:srgbClr val="000000">
                 <a:lumMod val="75000"/>
@@ -8667,6 +9847,7 @@
           <a:bodyPr anchor="b">
             <a:noAutofit/>
           </a:bodyPr>
+          <a:lstStyle/>
           <a:p>
             <a:pPr>
               <a:lnSpc>
@@ -8674,7 +9855,7 @@
               </a:lnSpc>
             </a:pPr>
             <a:r>
-              <a:rPr b="0" lang="en-US" sz="3200" spc="-1" strike="noStrike">
+              <a:rPr lang="en-US" sz="3200" b="0" strike="noStrike" spc="-1">
                 <a:solidFill>
                   <a:srgbClr val="000000"/>
                 </a:solidFill>
@@ -8682,12 +9863,6 @@
               </a:rPr>
               <a:t>Click to edit Master title style</a:t>
             </a:r>
-            <a:endParaRPr b="0" lang="en-US" sz="3200" spc="-1" strike="noStrike">
-              <a:solidFill>
-                <a:srgbClr val="000000"/>
-              </a:solidFill>
-              <a:latin typeface="Century Gothic"/>
-            </a:endParaRPr>
           </a:p>
         </p:txBody>
       </p:sp>
@@ -8718,6 +9893,7 @@
           <a:bodyPr anchor="t">
             <a:normAutofit/>
           </a:bodyPr>
+          <a:lstStyle/>
           <a:p>
             <a:pPr>
               <a:lnSpc>
@@ -8727,11 +9903,11 @@
                 <a:spcPts val="799"/>
               </a:spcBef>
               <a:tabLst>
-                <a:tab algn="l" pos="0"/>
+                <a:tab pos="0" algn="l"/>
               </a:tabLst>
             </a:pPr>
             <a:r>
-              <a:rPr b="0" lang="en-US" sz="1800" spc="-1" strike="noStrike">
+              <a:rPr lang="en-US" sz="1800" b="0" strike="noStrike" spc="-1">
                 <a:solidFill>
                   <a:srgbClr val="000000"/>
                 </a:solidFill>
@@ -8739,43 +9915,318 @@
               </a:rPr>
               <a:t>Click to edit Master text styles</a:t>
             </a:r>
-            <a:endParaRPr b="0" lang="en-US" sz="1800" spc="-1" strike="noStrike">
-              <a:solidFill>
-                <a:srgbClr val="000000"/>
-              </a:solidFill>
-              <a:latin typeface="Century Gothic"/>
-            </a:endParaRPr>
           </a:p>
         </p:txBody>
       </p:sp>
     </p:spTree>
   </p:cSld>
-  <p:clrMap bg1="lt1" bg2="lt2" tx1="dk1" tx2="dk2" accent1="accent1" accent2="accent2" accent3="accent3" accent4="accent4" accent5="accent5" accent6="accent6" hlink="hlink" folHlink="folHlink"/>
+  <p:clrMap bg1="lt1" tx1="dk1" bg2="lt2" tx2="dk2" accent1="accent1" accent2="accent2" accent3="accent3" accent4="accent4" accent5="accent5" accent6="accent6" hlink="hlink" folHlink="folHlink"/>
   <p:sldLayoutIdLst>
-    <p:sldLayoutId id="2147483688" r:id="rId2"/>
-    <p:sldLayoutId id="2147483689" r:id="rId3"/>
-    <p:sldLayoutId id="2147483690" r:id="rId4"/>
-    <p:sldLayoutId id="2147483691" r:id="rId5"/>
-    <p:sldLayoutId id="2147483692" r:id="rId6"/>
-    <p:sldLayoutId id="2147483693" r:id="rId7"/>
-    <p:sldLayoutId id="2147483694" r:id="rId8"/>
-    <p:sldLayoutId id="2147483695" r:id="rId9"/>
-    <p:sldLayoutId id="2147483696" r:id="rId10"/>
-    <p:sldLayoutId id="2147483697" r:id="rId11"/>
-    <p:sldLayoutId id="2147483698" r:id="rId12"/>
-    <p:sldLayoutId id="2147483699" r:id="rId13"/>
+    <p:sldLayoutId id="2147483688" r:id="rId1"/>
+    <p:sldLayoutId id="2147483689" r:id="rId2"/>
+    <p:sldLayoutId id="2147483690" r:id="rId3"/>
+    <p:sldLayoutId id="2147483691" r:id="rId4"/>
+    <p:sldLayoutId id="2147483692" r:id="rId5"/>
+    <p:sldLayoutId id="2147483693" r:id="rId6"/>
+    <p:sldLayoutId id="2147483694" r:id="rId7"/>
+    <p:sldLayoutId id="2147483695" r:id="rId8"/>
+    <p:sldLayoutId id="2147483696" r:id="rId9"/>
+    <p:sldLayoutId id="2147483697" r:id="rId10"/>
+    <p:sldLayoutId id="2147483698" r:id="rId11"/>
+    <p:sldLayoutId id="2147483699" r:id="rId12"/>
   </p:sldLayoutIdLst>
+  <p:txStyles>
+    <p:titleStyle>
+      <a:lvl1pPr algn="l" defTabSz="914400" rtl="0" eaLnBrk="1" latinLnBrk="0" hangingPunct="1">
+        <a:lnSpc>
+          <a:spcPct val="90000"/>
+        </a:lnSpc>
+        <a:spcBef>
+          <a:spcPct val="0"/>
+        </a:spcBef>
+        <a:buNone/>
+        <a:defRPr sz="4400" kern="1200">
+          <a:solidFill>
+            <a:schemeClr val="tx1"/>
+          </a:solidFill>
+          <a:latin typeface="+mj-lt"/>
+          <a:ea typeface="+mj-ea"/>
+          <a:cs typeface="+mj-cs"/>
+        </a:defRPr>
+      </a:lvl1pPr>
+    </p:titleStyle>
+    <p:bodyStyle>
+      <a:lvl1pPr marL="228600" indent="-228600" algn="l" defTabSz="914400" rtl="0" eaLnBrk="1" latinLnBrk="0" hangingPunct="1">
+        <a:lnSpc>
+          <a:spcPct val="90000"/>
+        </a:lnSpc>
+        <a:spcBef>
+          <a:spcPts val="1000"/>
+        </a:spcBef>
+        <a:buFont typeface="Arial" panose="020B0604020202020204" pitchFamily="34" charset="0"/>
+        <a:buChar char="•"/>
+        <a:defRPr sz="2800" kern="1200">
+          <a:solidFill>
+            <a:schemeClr val="tx1"/>
+          </a:solidFill>
+          <a:latin typeface="+mn-lt"/>
+          <a:ea typeface="+mn-ea"/>
+          <a:cs typeface="+mn-cs"/>
+        </a:defRPr>
+      </a:lvl1pPr>
+      <a:lvl2pPr marL="685800" indent="-228600" algn="l" defTabSz="914400" rtl="0" eaLnBrk="1" latinLnBrk="0" hangingPunct="1">
+        <a:lnSpc>
+          <a:spcPct val="90000"/>
+        </a:lnSpc>
+        <a:spcBef>
+          <a:spcPts val="500"/>
+        </a:spcBef>
+        <a:buFont typeface="Arial" panose="020B0604020202020204" pitchFamily="34" charset="0"/>
+        <a:buChar char="•"/>
+        <a:defRPr sz="2400" kern="1200">
+          <a:solidFill>
+            <a:schemeClr val="tx1"/>
+          </a:solidFill>
+          <a:latin typeface="+mn-lt"/>
+          <a:ea typeface="+mn-ea"/>
+          <a:cs typeface="+mn-cs"/>
+        </a:defRPr>
+      </a:lvl2pPr>
+      <a:lvl3pPr marL="1143000" indent="-228600" algn="l" defTabSz="914400" rtl="0" eaLnBrk="1" latinLnBrk="0" hangingPunct="1">
+        <a:lnSpc>
+          <a:spcPct val="90000"/>
+        </a:lnSpc>
+        <a:spcBef>
+          <a:spcPts val="500"/>
+        </a:spcBef>
+        <a:buFont typeface="Arial" panose="020B0604020202020204" pitchFamily="34" charset="0"/>
+        <a:buChar char="•"/>
+        <a:defRPr sz="2000" kern="1200">
+          <a:solidFill>
+            <a:schemeClr val="tx1"/>
+          </a:solidFill>
+          <a:latin typeface="+mn-lt"/>
+          <a:ea typeface="+mn-ea"/>
+          <a:cs typeface="+mn-cs"/>
+        </a:defRPr>
+      </a:lvl3pPr>
+      <a:lvl4pPr marL="1600200" indent="-228600" algn="l" defTabSz="914400" rtl="0" eaLnBrk="1" latinLnBrk="0" hangingPunct="1">
+        <a:lnSpc>
+          <a:spcPct val="90000"/>
+        </a:lnSpc>
+        <a:spcBef>
+          <a:spcPts val="500"/>
+        </a:spcBef>
+        <a:buFont typeface="Arial" panose="020B0604020202020204" pitchFamily="34" charset="0"/>
+        <a:buChar char="•"/>
+        <a:defRPr sz="1800" kern="1200">
+          <a:solidFill>
+            <a:schemeClr val="tx1"/>
+          </a:solidFill>
+          <a:latin typeface="+mn-lt"/>
+          <a:ea typeface="+mn-ea"/>
+          <a:cs typeface="+mn-cs"/>
+        </a:defRPr>
+      </a:lvl4pPr>
+      <a:lvl5pPr marL="2057400" indent="-228600" algn="l" defTabSz="914400" rtl="0" eaLnBrk="1" latinLnBrk="0" hangingPunct="1">
+        <a:lnSpc>
+          <a:spcPct val="90000"/>
+        </a:lnSpc>
+        <a:spcBef>
+          <a:spcPts val="500"/>
+        </a:spcBef>
+        <a:buFont typeface="Arial" panose="020B0604020202020204" pitchFamily="34" charset="0"/>
+        <a:buChar char="•"/>
+        <a:defRPr sz="1800" kern="1200">
+          <a:solidFill>
+            <a:schemeClr val="tx1"/>
+          </a:solidFill>
+          <a:latin typeface="+mn-lt"/>
+          <a:ea typeface="+mn-ea"/>
+          <a:cs typeface="+mn-cs"/>
+        </a:defRPr>
+      </a:lvl5pPr>
+      <a:lvl6pPr marL="2514600" indent="-228600" algn="l" defTabSz="914400" rtl="0" eaLnBrk="1" latinLnBrk="0" hangingPunct="1">
+        <a:lnSpc>
+          <a:spcPct val="90000"/>
+        </a:lnSpc>
+        <a:spcBef>
+          <a:spcPts val="500"/>
+        </a:spcBef>
+        <a:buFont typeface="Arial" panose="020B0604020202020204" pitchFamily="34" charset="0"/>
+        <a:buChar char="•"/>
+        <a:defRPr sz="1800" kern="1200">
+          <a:solidFill>
+            <a:schemeClr val="tx1"/>
+          </a:solidFill>
+          <a:latin typeface="+mn-lt"/>
+          <a:ea typeface="+mn-ea"/>
+          <a:cs typeface="+mn-cs"/>
+        </a:defRPr>
+      </a:lvl6pPr>
+      <a:lvl7pPr marL="2971800" indent="-228600" algn="l" defTabSz="914400" rtl="0" eaLnBrk="1" latinLnBrk="0" hangingPunct="1">
+        <a:lnSpc>
+          <a:spcPct val="90000"/>
+        </a:lnSpc>
+        <a:spcBef>
+          <a:spcPts val="500"/>
+        </a:spcBef>
+        <a:buFont typeface="Arial" panose="020B0604020202020204" pitchFamily="34" charset="0"/>
+        <a:buChar char="•"/>
+        <a:defRPr sz="1800" kern="1200">
+          <a:solidFill>
+            <a:schemeClr val="tx1"/>
+          </a:solidFill>
+          <a:latin typeface="+mn-lt"/>
+          <a:ea typeface="+mn-ea"/>
+          <a:cs typeface="+mn-cs"/>
+        </a:defRPr>
+      </a:lvl7pPr>
+      <a:lvl8pPr marL="3429000" indent="-228600" algn="l" defTabSz="914400" rtl="0" eaLnBrk="1" latinLnBrk="0" hangingPunct="1">
+        <a:lnSpc>
+          <a:spcPct val="90000"/>
+        </a:lnSpc>
+        <a:spcBef>
+          <a:spcPts val="500"/>
+        </a:spcBef>
+        <a:buFont typeface="Arial" panose="020B0604020202020204" pitchFamily="34" charset="0"/>
+        <a:buChar char="•"/>
+        <a:defRPr sz="1800" kern="1200">
+          <a:solidFill>
+            <a:schemeClr val="tx1"/>
+          </a:solidFill>
+          <a:latin typeface="+mn-lt"/>
+          <a:ea typeface="+mn-ea"/>
+          <a:cs typeface="+mn-cs"/>
+        </a:defRPr>
+      </a:lvl8pPr>
+      <a:lvl9pPr marL="3886200" indent="-228600" algn="l" defTabSz="914400" rtl="0" eaLnBrk="1" latinLnBrk="0" hangingPunct="1">
+        <a:lnSpc>
+          <a:spcPct val="90000"/>
+        </a:lnSpc>
+        <a:spcBef>
+          <a:spcPts val="500"/>
+        </a:spcBef>
+        <a:buFont typeface="Arial" panose="020B0604020202020204" pitchFamily="34" charset="0"/>
+        <a:buChar char="•"/>
+        <a:defRPr sz="1800" kern="1200">
+          <a:solidFill>
+            <a:schemeClr val="tx1"/>
+          </a:solidFill>
+          <a:latin typeface="+mn-lt"/>
+          <a:ea typeface="+mn-ea"/>
+          <a:cs typeface="+mn-cs"/>
+        </a:defRPr>
+      </a:lvl9pPr>
+    </p:bodyStyle>
+    <p:otherStyle>
+      <a:defPPr>
+        <a:defRPr lang="en-US"/>
+      </a:defPPr>
+      <a:lvl1pPr marL="0" algn="l" defTabSz="914400" rtl="0" eaLnBrk="1" latinLnBrk="0" hangingPunct="1">
+        <a:defRPr sz="1800" kern="1200">
+          <a:solidFill>
+            <a:schemeClr val="tx1"/>
+          </a:solidFill>
+          <a:latin typeface="+mn-lt"/>
+          <a:ea typeface="+mn-ea"/>
+          <a:cs typeface="+mn-cs"/>
+        </a:defRPr>
+      </a:lvl1pPr>
+      <a:lvl2pPr marL="457200" algn="l" defTabSz="914400" rtl="0" eaLnBrk="1" latinLnBrk="0" hangingPunct="1">
+        <a:defRPr sz="1800" kern="1200">
+          <a:solidFill>
+            <a:schemeClr val="tx1"/>
+          </a:solidFill>
+          <a:latin typeface="+mn-lt"/>
+          <a:ea typeface="+mn-ea"/>
+          <a:cs typeface="+mn-cs"/>
+        </a:defRPr>
+      </a:lvl2pPr>
+      <a:lvl3pPr marL="914400" algn="l" defTabSz="914400" rtl="0" eaLnBrk="1" latinLnBrk="0" hangingPunct="1">
+        <a:defRPr sz="1800" kern="1200">
+          <a:solidFill>
+            <a:schemeClr val="tx1"/>
+          </a:solidFill>
+          <a:latin typeface="+mn-lt"/>
+          <a:ea typeface="+mn-ea"/>
+          <a:cs typeface="+mn-cs"/>
+        </a:defRPr>
+      </a:lvl3pPr>
+      <a:lvl4pPr marL="1371600" algn="l" defTabSz="914400" rtl="0" eaLnBrk="1" latinLnBrk="0" hangingPunct="1">
+        <a:defRPr sz="1800" kern="1200">
+          <a:solidFill>
+            <a:schemeClr val="tx1"/>
+          </a:solidFill>
+          <a:latin typeface="+mn-lt"/>
+          <a:ea typeface="+mn-ea"/>
+          <a:cs typeface="+mn-cs"/>
+        </a:defRPr>
+      </a:lvl4pPr>
+      <a:lvl5pPr marL="1828800" algn="l" defTabSz="914400" rtl="0" eaLnBrk="1" latinLnBrk="0" hangingPunct="1">
+        <a:defRPr sz="1800" kern="1200">
+          <a:solidFill>
+            <a:schemeClr val="tx1"/>
+          </a:solidFill>
+          <a:latin typeface="+mn-lt"/>
+          <a:ea typeface="+mn-ea"/>
+          <a:cs typeface="+mn-cs"/>
+        </a:defRPr>
+      </a:lvl5pPr>
+      <a:lvl6pPr marL="2286000" algn="l" defTabSz="914400" rtl="0" eaLnBrk="1" latinLnBrk="0" hangingPunct="1">
+        <a:defRPr sz="1800" kern="1200">
+          <a:solidFill>
+            <a:schemeClr val="tx1"/>
+          </a:solidFill>
+          <a:latin typeface="+mn-lt"/>
+          <a:ea typeface="+mn-ea"/>
+          <a:cs typeface="+mn-cs"/>
+        </a:defRPr>
+      </a:lvl6pPr>
+      <a:lvl7pPr marL="2743200" algn="l" defTabSz="914400" rtl="0" eaLnBrk="1" latinLnBrk="0" hangingPunct="1">
+        <a:defRPr sz="1800" kern="1200">
+          <a:solidFill>
+            <a:schemeClr val="tx1"/>
+          </a:solidFill>
+          <a:latin typeface="+mn-lt"/>
+          <a:ea typeface="+mn-ea"/>
+          <a:cs typeface="+mn-cs"/>
+        </a:defRPr>
+      </a:lvl7pPr>
+      <a:lvl8pPr marL="3200400" algn="l" defTabSz="914400" rtl="0" eaLnBrk="1" latinLnBrk="0" hangingPunct="1">
+        <a:defRPr sz="1800" kern="1200">
+          <a:solidFill>
+            <a:schemeClr val="tx1"/>
+          </a:solidFill>
+          <a:latin typeface="+mn-lt"/>
+          <a:ea typeface="+mn-ea"/>
+          <a:cs typeface="+mn-cs"/>
+        </a:defRPr>
+      </a:lvl8pPr>
+      <a:lvl9pPr marL="3657600" algn="l" defTabSz="914400" rtl="0" eaLnBrk="1" latinLnBrk="0" hangingPunct="1">
+        <a:defRPr sz="1800" kern="1200">
+          <a:solidFill>
+            <a:schemeClr val="tx1"/>
+          </a:solidFill>
+          <a:latin typeface="+mn-lt"/>
+          <a:ea typeface="+mn-ea"/>
+          <a:cs typeface="+mn-cs"/>
+        </a:defRPr>
+      </a:lvl9pPr>
+    </p:otherStyle>
+  </p:txStyles>
 </p:sldMaster>
 </file>
 
 <file path=ppt/slides/slide1.xml><?xml version="1.0" encoding="utf-8"?>
-<p:sld xmlns:a="http://schemas.openxmlformats.org/drawingml/2006/main" xmlns:p="http://schemas.openxmlformats.org/presentationml/2006/main" xmlns:r="http://schemas.openxmlformats.org/officeDocument/2006/relationships" xmlns:p14="http://schemas.microsoft.com/office/powerpoint/2010/main" xmlns:p15="http://schemas.microsoft.com/office/powerpoint/2012/main" xmlns:mc="http://schemas.openxmlformats.org/markup-compatibility/2006">
+<p:sld xmlns:a="http://schemas.openxmlformats.org/drawingml/2006/main" xmlns:r="http://schemas.openxmlformats.org/officeDocument/2006/relationships" xmlns:p="http://schemas.openxmlformats.org/presentationml/2006/main">
   <p:cSld>
     <p:bg>
       <p:bgPr>
         <a:solidFill>
           <a:srgbClr val="000000"/>
         </a:solidFill>
+        <a:effectLst/>
       </p:bgPr>
     </p:bg>
     <p:spTree>
@@ -8799,7 +10250,7 @@
           <p:nvPr/>
         </p:nvPicPr>
         <p:blipFill>
-          <a:blip r:embed="rId1"/>
+          <a:blip r:embed="rId2"/>
           <a:stretch/>
         </p:blipFill>
         <p:spPr>
@@ -8840,9 +10291,15 @@
           </a:ln>
         </p:spPr>
         <p:style>
-          <a:lnRef idx="0"/>
-          <a:fillRef idx="0"/>
-          <a:effectRef idx="0"/>
+          <a:lnRef idx="0">
+            <a:scrgbClr r="0" g="0" b="0"/>
+          </a:lnRef>
+          <a:fillRef idx="0">
+            <a:scrgbClr r="0" g="0" b="0"/>
+          </a:fillRef>
+          <a:effectRef idx="0">
+            <a:scrgbClr r="0" g="0" b="0"/>
+          </a:effectRef>
           <a:fontRef idx="minor"/>
         </p:style>
       </p:sp>
@@ -8861,17 +10318,23 @@
             <a:avLst/>
           </a:prstGeom>
           <a:noFill/>
-          <a:ln cap="sq" w="6350">
+          <a:ln w="6350" cap="sq">
             <a:solidFill>
-              <a:srgbClr val="ffffff"/>
+              <a:srgbClr val="FFFFFF"/>
             </a:solidFill>
             <a:miter/>
           </a:ln>
         </p:spPr>
         <p:style>
-          <a:lnRef idx="0"/>
-          <a:fillRef idx="0"/>
-          <a:effectRef idx="0"/>
+          <a:lnRef idx="0">
+            <a:scrgbClr r="0" g="0" b="0"/>
+          </a:lnRef>
+          <a:fillRef idx="0">
+            <a:scrgbClr r="0" g="0" b="0"/>
+          </a:fillRef>
+          <a:effectRef idx="0">
+            <a:scrgbClr r="0" g="0" b="0"/>
+          </a:effectRef>
           <a:fontRef idx="minor"/>
         </p:style>
       </p:sp>
@@ -8902,6 +10365,7 @@
           <a:bodyPr anchor="ctr">
             <a:normAutofit fontScale="98000"/>
           </a:bodyPr>
+          <a:lstStyle/>
           <a:p>
             <a:pPr algn="ctr">
               <a:lnSpc>
@@ -8909,9 +10373,9 @@
               </a:lnSpc>
             </a:pPr>
             <a:r>
-              <a:rPr b="0" lang="en-US" sz="3600" spc="-100" strike="noStrike" cap="all">
+              <a:rPr lang="en-US" sz="3600" b="0" strike="noStrike" cap="all" spc="-100">
                 <a:solidFill>
-                  <a:srgbClr val="ffffff"/>
+                  <a:srgbClr val="FFFFFF"/>
                 </a:solidFill>
                 <a:latin typeface="Century Gothic"/>
               </a:rPr>
@@ -8919,15 +10383,15 @@
             </a:r>
             <a:br/>
             <a:r>
-              <a:rPr b="0" lang="en-US" sz="4400" spc="-100" strike="noStrike" cap="all">
+              <a:rPr lang="en-US" sz="4400" b="0" strike="noStrike" cap="all" spc="-100">
                 <a:solidFill>
-                  <a:srgbClr val="ffffff"/>
+                  <a:srgbClr val="FFFFFF"/>
                 </a:solidFill>
                 <a:latin typeface="Century Gothic"/>
               </a:rPr>
               <a:t>Final Project Presentation</a:t>
             </a:r>
-            <a:endParaRPr b="0" lang="en-US" sz="4400" spc="-1" strike="noStrike">
+            <a:endParaRPr lang="en-US" sz="4400" b="0" strike="noStrike" spc="-1">
               <a:solidFill>
                 <a:srgbClr val="000000"/>
               </a:solidFill>
@@ -8963,6 +10427,7 @@
           <a:bodyPr anchor="t">
             <a:normAutofit fontScale="69000"/>
           </a:bodyPr>
+          <a:lstStyle/>
           <a:p>
             <a:pPr algn="ctr">
               <a:lnSpc>
@@ -8972,19 +10437,19 @@
                 <a:spcPts val="601"/>
               </a:spcAft>
               <a:tabLst>
-                <a:tab algn="l" pos="0"/>
+                <a:tab pos="0" algn="l"/>
               </a:tabLst>
             </a:pPr>
             <a:r>
-              <a:rPr b="0" lang="en-US" sz="1800" spc="77" strike="noStrike">
+              <a:rPr lang="en-US" sz="1800" b="0" strike="noStrike" spc="77">
                 <a:solidFill>
-                  <a:srgbClr val="ffffff"/>
+                  <a:srgbClr val="FFFFFF"/>
                 </a:solidFill>
                 <a:latin typeface="Century Gothic"/>
               </a:rPr>
               <a:t>Joshua Boyd, James Browning,</a:t>
             </a:r>
-            <a:endParaRPr b="0" lang="en-US" sz="1800" spc="-1" strike="noStrike">
+            <a:endParaRPr lang="en-US" sz="1800" b="0" strike="noStrike" spc="-1">
               <a:latin typeface="Nimbus Sans"/>
             </a:endParaRPr>
           </a:p>
@@ -8997,19 +10462,19 @@
                 <a:spcPts val="601"/>
               </a:spcAft>
               <a:tabLst>
-                <a:tab algn="l" pos="0"/>
+                <a:tab pos="0" algn="l"/>
               </a:tabLst>
             </a:pPr>
             <a:r>
-              <a:rPr b="0" lang="en-US" sz="1800" spc="77" strike="noStrike">
+              <a:rPr lang="en-US" sz="1800" b="0" strike="noStrike" spc="77">
                 <a:solidFill>
-                  <a:srgbClr val="ffffff"/>
+                  <a:srgbClr val="FFFFFF"/>
                 </a:solidFill>
                 <a:latin typeface="Century Gothic"/>
               </a:rPr>
               <a:t>and Her-Bo Lin</a:t>
             </a:r>
-            <a:endParaRPr b="0" lang="en-US" sz="1800" spc="-1" strike="noStrike">
+            <a:endParaRPr lang="en-US" sz="1800" b="0" strike="noStrike" spc="-1">
               <a:latin typeface="Nimbus Sans"/>
             </a:endParaRPr>
           </a:p>
@@ -9017,19 +10482,14 @@
       </p:sp>
     </p:spTree>
   </p:cSld>
-  <mc:AlternateContent>
-    <mc:Choice Requires="p14">
-      <p:transition spd="slow" p14:dur="2000"/>
-    </mc:Choice>
-    <mc:Fallback>
-      <p:transition spd="slow"/>
-    </mc:Fallback>
-  </mc:AlternateContent>
+  <p:clrMapOvr>
+    <a:masterClrMapping/>
+  </p:clrMapOvr>
 </p:sld>
 </file>
 
 <file path=ppt/slides/slide10.xml><?xml version="1.0" encoding="utf-8"?>
-<p:sld xmlns:a="http://schemas.openxmlformats.org/drawingml/2006/main" xmlns:p="http://schemas.openxmlformats.org/presentationml/2006/main" xmlns:r="http://schemas.openxmlformats.org/officeDocument/2006/relationships" xmlns:p14="http://schemas.microsoft.com/office/powerpoint/2010/main" xmlns:p15="http://schemas.microsoft.com/office/powerpoint/2012/main" xmlns:mc="http://schemas.openxmlformats.org/markup-compatibility/2006">
+<p:sld xmlns:a="http://schemas.openxmlformats.org/drawingml/2006/main" xmlns:r="http://schemas.openxmlformats.org/officeDocument/2006/relationships" xmlns:p="http://schemas.openxmlformats.org/presentationml/2006/main">
   <p:cSld>
     <p:spTree>
       <p:nvGrpSpPr>
@@ -9072,6 +10532,7 @@
           <a:bodyPr anchor="ctr">
             <a:noAutofit/>
           </a:bodyPr>
+          <a:lstStyle/>
           <a:p>
             <a:pPr>
               <a:lnSpc>
@@ -9079,7 +10540,7 @@
               </a:lnSpc>
             </a:pPr>
             <a:r>
-              <a:rPr b="0" lang="en-US" sz="4000" spc="-1" strike="noStrike">
+              <a:rPr lang="en-US" sz="4000" b="0" strike="noStrike" spc="-1">
                 <a:solidFill>
                   <a:srgbClr val="262626"/>
                 </a:solidFill>
@@ -9087,7 +10548,7 @@
               </a:rPr>
               <a:t>DatabaseGui.java</a:t>
             </a:r>
-            <a:endParaRPr b="0" lang="en-US" sz="4000" spc="-1" strike="noStrike">
+            <a:endParaRPr lang="en-US" sz="4000" b="0" strike="noStrike" spc="-1">
               <a:solidFill>
                 <a:srgbClr val="000000"/>
               </a:solidFill>
@@ -9123,6 +10584,7 @@
           <a:bodyPr anchor="t">
             <a:normAutofit/>
           </a:bodyPr>
+          <a:lstStyle/>
           <a:p>
             <a:pPr marL="182880" indent="-182880">
               <a:lnSpc>
@@ -9138,7 +10600,7 @@
               <a:buChar char="◦"/>
             </a:pPr>
             <a:r>
-              <a:rPr b="0" lang="en-US" sz="2800" spc="-1" strike="noStrike">
+              <a:rPr lang="en-US" sz="2800" b="0" strike="noStrike" spc="-1">
                 <a:solidFill>
                   <a:srgbClr val="000000"/>
                 </a:solidFill>
@@ -9146,12 +10608,6 @@
               </a:rPr>
               <a:t>DatabaseGui.java is our most complex class, defining the look and frontside functionality of the application.</a:t>
             </a:r>
-            <a:endParaRPr b="0" lang="en-US" sz="2800" spc="-1" strike="noStrike">
-              <a:solidFill>
-                <a:srgbClr val="000000"/>
-              </a:solidFill>
-              <a:latin typeface="Century Gothic"/>
-            </a:endParaRPr>
           </a:p>
           <a:p>
             <a:pPr marL="182880" indent="-182880">
@@ -9168,7 +10624,7 @@
               <a:buChar char="◦"/>
             </a:pPr>
             <a:r>
-              <a:rPr b="0" lang="en-US" sz="2800" spc="-1" strike="noStrike">
+              <a:rPr lang="en-US" sz="2800" b="0" strike="noStrike" spc="-1">
                 <a:solidFill>
                   <a:srgbClr val="000000"/>
                 </a:solidFill>
@@ -9176,12 +10632,6 @@
               </a:rPr>
               <a:t>The user interface was developed using Java’s Swing library.</a:t>
             </a:r>
-            <a:endParaRPr b="0" lang="en-US" sz="2800" spc="-1" strike="noStrike">
-              <a:solidFill>
-                <a:srgbClr val="000000"/>
-              </a:solidFill>
-              <a:latin typeface="Century Gothic"/>
-            </a:endParaRPr>
           </a:p>
           <a:p>
             <a:pPr>
@@ -9192,7 +10642,7 @@
                 <a:spcPts val="901"/>
               </a:spcBef>
             </a:pPr>
-            <a:endParaRPr b="0" lang="en-US" sz="2800" spc="-1" strike="noStrike">
+            <a:endParaRPr lang="en-US" sz="2800" b="0" strike="noStrike" spc="-1">
               <a:solidFill>
                 <a:srgbClr val="000000"/>
               </a:solidFill>
@@ -9203,19 +10653,14 @@
       </p:sp>
     </p:spTree>
   </p:cSld>
-  <mc:AlternateContent>
-    <mc:Choice Requires="p14">
-      <p:transition spd="slow" p14:dur="2000"/>
-    </mc:Choice>
-    <mc:Fallback>
-      <p:transition spd="slow"/>
-    </mc:Fallback>
-  </mc:AlternateContent>
+  <p:clrMapOvr>
+    <a:masterClrMapping/>
+  </p:clrMapOvr>
 </p:sld>
 </file>
 
 <file path=ppt/slides/slide11.xml><?xml version="1.0" encoding="utf-8"?>
-<p:sld xmlns:a="http://schemas.openxmlformats.org/drawingml/2006/main" xmlns:p="http://schemas.openxmlformats.org/presentationml/2006/main" xmlns:r="http://schemas.openxmlformats.org/officeDocument/2006/relationships" xmlns:p14="http://schemas.microsoft.com/office/powerpoint/2010/main" xmlns:p15="http://schemas.microsoft.com/office/powerpoint/2012/main" xmlns:mc="http://schemas.openxmlformats.org/markup-compatibility/2006">
+<p:sld xmlns:a="http://schemas.openxmlformats.org/drawingml/2006/main" xmlns:r="http://schemas.openxmlformats.org/officeDocument/2006/relationships" xmlns:p="http://schemas.openxmlformats.org/presentationml/2006/main">
   <p:cSld>
     <p:spTree>
       <p:nvGrpSpPr>
@@ -9238,7 +10683,7 @@
           <p:nvPr/>
         </p:nvPicPr>
         <p:blipFill>
-          <a:blip r:embed="rId1"/>
+          <a:blip r:embed="rId2"/>
           <a:stretch/>
         </p:blipFill>
         <p:spPr>
@@ -9256,19 +10701,14 @@
       </p:pic>
     </p:spTree>
   </p:cSld>
-  <mc:AlternateContent>
-    <mc:Choice Requires="p14">
-      <p:transition spd="slow" p14:dur="2000"/>
-    </mc:Choice>
-    <mc:Fallback>
-      <p:transition spd="slow"/>
-    </mc:Fallback>
-  </mc:AlternateContent>
+  <p:clrMapOvr>
+    <a:masterClrMapping/>
+  </p:clrMapOvr>
 </p:sld>
 </file>
 
 <file path=ppt/slides/slide12.xml><?xml version="1.0" encoding="utf-8"?>
-<p:sld xmlns:a="http://schemas.openxmlformats.org/drawingml/2006/main" xmlns:p="http://schemas.openxmlformats.org/presentationml/2006/main" xmlns:r="http://schemas.openxmlformats.org/officeDocument/2006/relationships" xmlns:p14="http://schemas.microsoft.com/office/powerpoint/2010/main" xmlns:p15="http://schemas.microsoft.com/office/powerpoint/2012/main" xmlns:mc="http://schemas.openxmlformats.org/markup-compatibility/2006">
+<p:sld xmlns:a="http://schemas.openxmlformats.org/drawingml/2006/main" xmlns:r="http://schemas.openxmlformats.org/officeDocument/2006/relationships" xmlns:p="http://schemas.openxmlformats.org/presentationml/2006/main">
   <p:cSld>
     <p:spTree>
       <p:nvGrpSpPr>
@@ -9311,6 +10751,7 @@
           <a:bodyPr anchor="ctr">
             <a:noAutofit/>
           </a:bodyPr>
+          <a:lstStyle/>
           <a:p>
             <a:pPr>
               <a:lnSpc>
@@ -9318,7 +10759,7 @@
               </a:lnSpc>
             </a:pPr>
             <a:r>
-              <a:rPr b="0" lang="en-US" sz="4000" spc="-1" strike="noStrike">
+              <a:rPr lang="en-US" sz="4000" b="0" strike="noStrike" spc="-1">
                 <a:solidFill>
                   <a:srgbClr val="262626"/>
                 </a:solidFill>
@@ -9326,7 +10767,7 @@
               </a:rPr>
               <a:t>Main.java</a:t>
             </a:r>
-            <a:endParaRPr b="0" lang="en-US" sz="4000" spc="-1" strike="noStrike">
+            <a:endParaRPr lang="en-US" sz="4000" b="0" strike="noStrike" spc="-1">
               <a:solidFill>
                 <a:srgbClr val="000000"/>
               </a:solidFill>
@@ -9362,6 +10803,7 @@
           <a:bodyPr anchor="t">
             <a:normAutofit/>
           </a:bodyPr>
+          <a:lstStyle/>
           <a:p>
             <a:pPr marL="182880" indent="-182880">
               <a:lnSpc>
@@ -9377,7 +10819,7 @@
               <a:buChar char="◦"/>
             </a:pPr>
             <a:r>
-              <a:rPr b="0" lang="en-US" sz="2800" spc="-1" strike="noStrike">
+              <a:rPr lang="en-US" sz="2800" b="0" strike="noStrike" spc="-1">
                 <a:solidFill>
                   <a:srgbClr val="000000"/>
                 </a:solidFill>
@@ -9385,12 +10827,6 @@
               </a:rPr>
               <a:t>Our main class is the simplest, serving only as a driver for the other two classes.</a:t>
             </a:r>
-            <a:endParaRPr b="0" lang="en-US" sz="2800" spc="-1" strike="noStrike">
-              <a:solidFill>
-                <a:srgbClr val="000000"/>
-              </a:solidFill>
-              <a:latin typeface="Century Gothic"/>
-            </a:endParaRPr>
           </a:p>
           <a:p>
             <a:pPr marL="182880" indent="-182880">
@@ -9407,7 +10843,7 @@
               <a:buChar char="◦"/>
             </a:pPr>
             <a:r>
-              <a:rPr b="0" lang="en-US" sz="2800" spc="-1" strike="noStrike">
+              <a:rPr lang="en-US" sz="2800" b="0" strike="noStrike" spc="-1">
                 <a:solidFill>
                   <a:srgbClr val="000000"/>
                 </a:solidFill>
@@ -9416,7 +10852,7 @@
               <a:t>The database name, port, username, and password, provided by the user as command line arguments, are fed into a new </a:t>
             </a:r>
             <a:r>
-              <a:rPr b="0" lang="en-US" sz="2800" spc="-1" strike="noStrike">
+              <a:rPr lang="en-US" sz="2800" b="0" strike="noStrike" spc="-1">
                 <a:solidFill>
                   <a:srgbClr val="000000"/>
                 </a:solidFill>
@@ -9425,7 +10861,7 @@
               <a:t>DatabaseGui</a:t>
             </a:r>
             <a:r>
-              <a:rPr b="0" lang="en-US" sz="2800" spc="-1" strike="noStrike">
+              <a:rPr lang="en-US" sz="2800" b="0" strike="noStrike" spc="-1">
                 <a:solidFill>
                   <a:srgbClr val="000000"/>
                 </a:solidFill>
@@ -9433,30 +10869,19 @@
               </a:rPr>
               <a:t> object.</a:t>
             </a:r>
-            <a:endParaRPr b="0" lang="en-US" sz="2800" spc="-1" strike="noStrike">
-              <a:solidFill>
-                <a:srgbClr val="000000"/>
-              </a:solidFill>
-              <a:latin typeface="Century Gothic"/>
-            </a:endParaRPr>
           </a:p>
         </p:txBody>
       </p:sp>
     </p:spTree>
   </p:cSld>
-  <mc:AlternateContent>
-    <mc:Choice Requires="p14">
-      <p:transition spd="slow" p14:dur="2000"/>
-    </mc:Choice>
-    <mc:Fallback>
-      <p:transition spd="slow"/>
-    </mc:Fallback>
-  </mc:AlternateContent>
+  <p:clrMapOvr>
+    <a:masterClrMapping/>
+  </p:clrMapOvr>
 </p:sld>
 </file>
 
 <file path=ppt/slides/slide13.xml><?xml version="1.0" encoding="utf-8"?>
-<p:sld xmlns:a="http://schemas.openxmlformats.org/drawingml/2006/main" xmlns:p="http://schemas.openxmlformats.org/presentationml/2006/main" xmlns:r="http://schemas.openxmlformats.org/officeDocument/2006/relationships" xmlns:p14="http://schemas.microsoft.com/office/powerpoint/2010/main" xmlns:p15="http://schemas.microsoft.com/office/powerpoint/2012/main" xmlns:mc="http://schemas.openxmlformats.org/markup-compatibility/2006">
+<p:sld xmlns:a="http://schemas.openxmlformats.org/drawingml/2006/main" xmlns:r="http://schemas.openxmlformats.org/officeDocument/2006/relationships" xmlns:p="http://schemas.openxmlformats.org/presentationml/2006/main">
   <p:cSld>
     <p:spTree>
       <p:nvGrpSpPr>
@@ -9479,7 +10904,7 @@
           <p:nvPr/>
         </p:nvPicPr>
         <p:blipFill>
-          <a:blip r:embed="rId1"/>
+          <a:blip r:embed="rId2"/>
           <a:stretch/>
         </p:blipFill>
         <p:spPr>
@@ -9522,6 +10947,7 @@
           <a:bodyPr anchor="b">
             <a:noAutofit/>
           </a:bodyPr>
+          <a:lstStyle/>
           <a:p>
             <a:pPr>
               <a:lnSpc>
@@ -9529,7 +10955,7 @@
               </a:lnSpc>
             </a:pPr>
             <a:r>
-              <a:rPr b="0" lang="en-US" sz="3200" spc="-1" strike="noStrike">
+              <a:rPr lang="en-US" sz="3200" b="0" strike="noStrike" spc="-1">
                 <a:solidFill>
                   <a:srgbClr val="000000"/>
                 </a:solidFill>
@@ -9537,12 +10963,6 @@
               </a:rPr>
               <a:t>Interface</a:t>
             </a:r>
-            <a:endParaRPr b="0" lang="en-US" sz="3200" spc="-1" strike="noStrike">
-              <a:solidFill>
-                <a:srgbClr val="000000"/>
-              </a:solidFill>
-              <a:latin typeface="Century Gothic"/>
-            </a:endParaRPr>
           </a:p>
         </p:txBody>
       </p:sp>
@@ -9573,6 +10993,7 @@
           <a:bodyPr anchor="t">
             <a:noAutofit/>
           </a:bodyPr>
+          <a:lstStyle/>
           <a:p>
             <a:pPr marL="285840" indent="-285840">
               <a:lnSpc>
@@ -9588,7 +11009,7 @@
               <a:buChar char="•"/>
             </a:pPr>
             <a:r>
-              <a:rPr b="0" lang="en-US" sz="1800" spc="-1" strike="noStrike">
+              <a:rPr lang="en-US" sz="1800" b="0" strike="noStrike" spc="-1">
                 <a:solidFill>
                   <a:srgbClr val="000000"/>
                 </a:solidFill>
@@ -9596,12 +11017,6 @@
               </a:rPr>
               <a:t>To the left is the first screen users see when opening our application.</a:t>
             </a:r>
-            <a:endParaRPr b="0" lang="en-US" sz="1800" spc="-1" strike="noStrike">
-              <a:solidFill>
-                <a:srgbClr val="000000"/>
-              </a:solidFill>
-              <a:latin typeface="Century Gothic"/>
-            </a:endParaRPr>
           </a:p>
           <a:p>
             <a:pPr marL="285840" indent="-285840">
@@ -9618,7 +11033,7 @@
               <a:buChar char="•"/>
             </a:pPr>
             <a:r>
-              <a:rPr b="0" lang="en-US" sz="1800" spc="-1" strike="noStrike">
+              <a:rPr lang="en-US" sz="1800" b="0" strike="noStrike" spc="-1">
                 <a:solidFill>
                   <a:srgbClr val="000000"/>
                 </a:solidFill>
@@ -9626,30 +11041,19 @@
               </a:rPr>
               <a:t>The entirety of the book table (as much as will fit on screen, at least) is displayed by default.</a:t>
             </a:r>
-            <a:endParaRPr b="0" lang="en-US" sz="1800" spc="-1" strike="noStrike">
-              <a:solidFill>
-                <a:srgbClr val="000000"/>
-              </a:solidFill>
-              <a:latin typeface="Century Gothic"/>
-            </a:endParaRPr>
           </a:p>
         </p:txBody>
       </p:sp>
     </p:spTree>
   </p:cSld>
-  <mc:AlternateContent>
-    <mc:Choice Requires="p14">
-      <p:transition spd="slow" p14:dur="2000"/>
-    </mc:Choice>
-    <mc:Fallback>
-      <p:transition spd="slow"/>
-    </mc:Fallback>
-  </mc:AlternateContent>
+  <p:clrMapOvr>
+    <a:masterClrMapping/>
+  </p:clrMapOvr>
 </p:sld>
 </file>
 
 <file path=ppt/slides/slide14.xml><?xml version="1.0" encoding="utf-8"?>
-<p:sld xmlns:a="http://schemas.openxmlformats.org/drawingml/2006/main" xmlns:p="http://schemas.openxmlformats.org/presentationml/2006/main" xmlns:r="http://schemas.openxmlformats.org/officeDocument/2006/relationships" xmlns:p14="http://schemas.microsoft.com/office/powerpoint/2010/main" xmlns:p15="http://schemas.microsoft.com/office/powerpoint/2012/main" xmlns:mc="http://schemas.openxmlformats.org/markup-compatibility/2006">
+<p:sld xmlns:a="http://schemas.openxmlformats.org/drawingml/2006/main" xmlns:r="http://schemas.openxmlformats.org/officeDocument/2006/relationships" xmlns:p="http://schemas.openxmlformats.org/presentationml/2006/main">
   <p:cSld>
     <p:spTree>
       <p:nvGrpSpPr>
@@ -9672,7 +11076,7 @@
           <p:nvPr/>
         </p:nvPicPr>
         <p:blipFill>
-          <a:blip r:embed="rId1"/>
+          <a:blip r:embed="rId2"/>
           <a:stretch/>
         </p:blipFill>
         <p:spPr>
@@ -9715,6 +11119,7 @@
           <a:bodyPr anchor="b">
             <a:noAutofit/>
           </a:bodyPr>
+          <a:lstStyle/>
           <a:p>
             <a:pPr>
               <a:lnSpc>
@@ -9722,7 +11127,7 @@
               </a:lnSpc>
             </a:pPr>
             <a:r>
-              <a:rPr b="0" lang="en-US" sz="3200" spc="-1" strike="noStrike">
+              <a:rPr lang="en-US" sz="3200" b="0" strike="noStrike" spc="-1">
                 <a:solidFill>
                   <a:srgbClr val="000000"/>
                 </a:solidFill>
@@ -9730,12 +11135,6 @@
               </a:rPr>
               <a:t>Interface Functionality</a:t>
             </a:r>
-            <a:endParaRPr b="0" lang="en-US" sz="3200" spc="-1" strike="noStrike">
-              <a:solidFill>
-                <a:srgbClr val="000000"/>
-              </a:solidFill>
-              <a:latin typeface="Century Gothic"/>
-            </a:endParaRPr>
           </a:p>
         </p:txBody>
       </p:sp>
@@ -9766,6 +11165,7 @@
           <a:bodyPr anchor="t">
             <a:noAutofit/>
           </a:bodyPr>
+          <a:lstStyle/>
           <a:p>
             <a:pPr marL="285840" indent="-285840">
               <a:lnSpc>
@@ -9781,7 +11181,7 @@
               <a:buChar char="•"/>
             </a:pPr>
             <a:r>
-              <a:rPr b="0" lang="en-US" sz="1800" spc="-1" strike="noStrike">
+              <a:rPr lang="en-US" sz="1800" b="0" strike="noStrike" spc="-1">
                 <a:solidFill>
                   <a:srgbClr val="000000"/>
                 </a:solidFill>
@@ -9790,7 +11190,7 @@
               <a:t>To demonstrate the functionality of our user interface, we’ll use question four from the </a:t>
             </a:r>
             <a:r>
-              <a:rPr b="0" lang="en-US" sz="1800" spc="-1" strike="noStrike">
+              <a:rPr lang="en-US" sz="1800" b="0" strike="noStrike" spc="-1">
                 <a:solidFill>
                   <a:srgbClr val="000000"/>
                 </a:solidFill>
@@ -9799,7 +11199,7 @@
               <a:t>sql.txt</a:t>
             </a:r>
             <a:r>
-              <a:rPr b="0" lang="en-US" sz="1800" spc="-1" strike="noStrike">
+              <a:rPr lang="en-US" sz="1800" b="0" strike="noStrike" spc="-1">
                 <a:solidFill>
                   <a:srgbClr val="000000"/>
                 </a:solidFill>
@@ -9807,12 +11207,6 @@
               </a:rPr>
               <a:t> assignment.</a:t>
             </a:r>
-            <a:endParaRPr b="0" lang="en-US" sz="1800" spc="-1" strike="noStrike">
-              <a:solidFill>
-                <a:srgbClr val="000000"/>
-              </a:solidFill>
-              <a:latin typeface="Century Gothic"/>
-            </a:endParaRPr>
           </a:p>
           <a:p>
             <a:pPr marL="285840" indent="-285840">
@@ -9829,7 +11223,7 @@
               <a:buChar char="•"/>
             </a:pPr>
             <a:r>
-              <a:rPr b="0" lang="en-US" sz="1800" spc="-1" strike="noStrike">
+              <a:rPr lang="en-US" sz="1800" b="0" strike="noStrike" spc="-1">
                 <a:solidFill>
                   <a:srgbClr val="000000"/>
                 </a:solidFill>
@@ -9837,30 +11231,19 @@
               </a:rPr>
               <a:t>This question is rather simple: “Show the title of books which have more than 10 units in stock.”</a:t>
             </a:r>
-            <a:endParaRPr b="0" lang="en-US" sz="1800" spc="-1" strike="noStrike">
-              <a:solidFill>
-                <a:srgbClr val="000000"/>
-              </a:solidFill>
-              <a:latin typeface="Century Gothic"/>
-            </a:endParaRPr>
           </a:p>
         </p:txBody>
       </p:sp>
     </p:spTree>
   </p:cSld>
-  <mc:AlternateContent>
-    <mc:Choice Requires="p14">
-      <p:transition spd="slow" p14:dur="2000"/>
-    </mc:Choice>
-    <mc:Fallback>
-      <p:transition spd="slow"/>
-    </mc:Fallback>
-  </mc:AlternateContent>
+  <p:clrMapOvr>
+    <a:masterClrMapping/>
+  </p:clrMapOvr>
 </p:sld>
 </file>
 
 <file path=ppt/slides/slide15.xml><?xml version="1.0" encoding="utf-8"?>
-<p:sld xmlns:a="http://schemas.openxmlformats.org/drawingml/2006/main" xmlns:p="http://schemas.openxmlformats.org/presentationml/2006/main" xmlns:r="http://schemas.openxmlformats.org/officeDocument/2006/relationships" xmlns:p14="http://schemas.microsoft.com/office/powerpoint/2010/main" xmlns:p15="http://schemas.microsoft.com/office/powerpoint/2012/main" xmlns:mc="http://schemas.openxmlformats.org/markup-compatibility/2006">
+<p:sld xmlns:a="http://schemas.openxmlformats.org/drawingml/2006/main" xmlns:r="http://schemas.openxmlformats.org/officeDocument/2006/relationships" xmlns:p="http://schemas.openxmlformats.org/presentationml/2006/main">
   <p:cSld>
     <p:spTree>
       <p:nvGrpSpPr>
@@ -9883,7 +11266,7 @@
           <p:nvPr/>
         </p:nvPicPr>
         <p:blipFill>
-          <a:blip r:embed="rId1"/>
+          <a:blip r:embed="rId2"/>
           <a:stretch/>
         </p:blipFill>
         <p:spPr>
@@ -9926,6 +11309,7 @@
           <a:bodyPr anchor="b">
             <a:noAutofit/>
           </a:bodyPr>
+          <a:lstStyle/>
           <a:p>
             <a:pPr>
               <a:lnSpc>
@@ -9933,7 +11317,7 @@
               </a:lnSpc>
             </a:pPr>
             <a:r>
-              <a:rPr b="0" lang="en-US" sz="3200" spc="-1" strike="noStrike">
+              <a:rPr lang="en-US" sz="3200" b="0" strike="noStrike" spc="-1">
                 <a:solidFill>
                   <a:srgbClr val="000000"/>
                 </a:solidFill>
@@ -9941,12 +11325,6 @@
               </a:rPr>
               <a:t>Interface Functionality (Cont.)</a:t>
             </a:r>
-            <a:endParaRPr b="0" lang="en-US" sz="3200" spc="-1" strike="noStrike">
-              <a:solidFill>
-                <a:srgbClr val="000000"/>
-              </a:solidFill>
-              <a:latin typeface="Century Gothic"/>
-            </a:endParaRPr>
           </a:p>
         </p:txBody>
       </p:sp>
@@ -9977,6 +11355,7 @@
           <a:bodyPr anchor="t">
             <a:normAutofit/>
           </a:bodyPr>
+          <a:lstStyle/>
           <a:p>
             <a:pPr marL="285840" indent="-285840">
               <a:lnSpc>
@@ -9992,7 +11371,7 @@
               <a:buChar char="•"/>
             </a:pPr>
             <a:r>
-              <a:rPr b="0" lang="en-US" sz="1800" spc="-1" strike="noStrike">
+              <a:rPr lang="en-US" sz="1800" b="0" strike="noStrike" spc="-1">
                 <a:solidFill>
                   <a:srgbClr val="000000"/>
                 </a:solidFill>
@@ -10000,12 +11379,6 @@
               </a:rPr>
               <a:t>As you can see, the result table updates to reflect the outcome of the query.</a:t>
             </a:r>
-            <a:endParaRPr b="0" lang="en-US" sz="1800" spc="-1" strike="noStrike">
-              <a:solidFill>
-                <a:srgbClr val="000000"/>
-              </a:solidFill>
-              <a:latin typeface="Century Gothic"/>
-            </a:endParaRPr>
           </a:p>
           <a:p>
             <a:pPr marL="285840" indent="-285840">
@@ -10022,7 +11395,7 @@
               <a:buChar char="•"/>
             </a:pPr>
             <a:r>
-              <a:rPr b="0" lang="en-US" sz="1800" spc="-1" strike="noStrike">
+              <a:rPr lang="en-US" sz="1800" b="0" strike="noStrike" spc="-1">
                 <a:solidFill>
                   <a:srgbClr val="000000"/>
                 </a:solidFill>
@@ -10030,12 +11403,6 @@
               </a:rPr>
               <a:t>This result is the same result we received using IntelliJ’s database console.</a:t>
             </a:r>
-            <a:endParaRPr b="0" lang="en-US" sz="1800" spc="-1" strike="noStrike">
-              <a:solidFill>
-                <a:srgbClr val="000000"/>
-              </a:solidFill>
-              <a:latin typeface="Century Gothic"/>
-            </a:endParaRPr>
           </a:p>
           <a:p>
             <a:pPr marL="285840" indent="-285840">
@@ -10052,7 +11419,7 @@
               <a:buChar char="•"/>
             </a:pPr>
             <a:r>
-              <a:rPr b="0" lang="en-US" sz="1800" spc="-1" strike="noStrike">
+              <a:rPr lang="en-US" sz="1800" b="0" strike="noStrike" spc="-1">
                 <a:solidFill>
                   <a:srgbClr val="000000"/>
                 </a:solidFill>
@@ -10060,30 +11427,19 @@
               </a:rPr>
               <a:t>This result was also verified by comparing it to the original data provided.</a:t>
             </a:r>
-            <a:endParaRPr b="0" lang="en-US" sz="1800" spc="-1" strike="noStrike">
-              <a:solidFill>
-                <a:srgbClr val="000000"/>
-              </a:solidFill>
-              <a:latin typeface="Century Gothic"/>
-            </a:endParaRPr>
           </a:p>
         </p:txBody>
       </p:sp>
     </p:spTree>
   </p:cSld>
-  <mc:AlternateContent>
-    <mc:Choice Requires="p14">
-      <p:transition spd="slow" p14:dur="2000"/>
-    </mc:Choice>
-    <mc:Fallback>
-      <p:transition spd="slow"/>
-    </mc:Fallback>
-  </mc:AlternateContent>
+  <p:clrMapOvr>
+    <a:masterClrMapping/>
+  </p:clrMapOvr>
 </p:sld>
 </file>
 
 <file path=ppt/slides/slide2.xml><?xml version="1.0" encoding="utf-8"?>
-<p:sld xmlns:a="http://schemas.openxmlformats.org/drawingml/2006/main" xmlns:p="http://schemas.openxmlformats.org/presentationml/2006/main" xmlns:r="http://schemas.openxmlformats.org/officeDocument/2006/relationships" xmlns:p14="http://schemas.microsoft.com/office/powerpoint/2010/main" xmlns:p15="http://schemas.microsoft.com/office/powerpoint/2012/main" xmlns:mc="http://schemas.openxmlformats.org/markup-compatibility/2006">
+<p:sld xmlns:a="http://schemas.openxmlformats.org/drawingml/2006/main" xmlns:r="http://schemas.openxmlformats.org/officeDocument/2006/relationships" xmlns:p="http://schemas.openxmlformats.org/presentationml/2006/main">
   <p:cSld>
     <p:spTree>
       <p:nvGrpSpPr>
@@ -10101,12 +11457,12 @@
       </p:grpSpPr>
       <p:pic>
         <p:nvPicPr>
-          <p:cNvPr id="192" name="Content Placeholder 4" descr=""/>
+          <p:cNvPr id="192" name="Content Placeholder 4"/>
           <p:cNvPicPr/>
           <p:nvPr/>
         </p:nvPicPr>
         <p:blipFill>
-          <a:blip r:embed="rId1"/>
+          <a:blip r:embed="rId2"/>
           <a:stretch/>
         </p:blipFill>
         <p:spPr>
@@ -10126,19 +11482,14 @@
       </p:pic>
     </p:spTree>
   </p:cSld>
-  <mc:AlternateContent>
-    <mc:Choice Requires="p14">
-      <p:transition spd="slow" p14:dur="2000"/>
-    </mc:Choice>
-    <mc:Fallback>
-      <p:transition spd="slow"/>
-    </mc:Fallback>
-  </mc:AlternateContent>
+  <p:clrMapOvr>
+    <a:masterClrMapping/>
+  </p:clrMapOvr>
 </p:sld>
 </file>
 
 <file path=ppt/slides/slide3.xml><?xml version="1.0" encoding="utf-8"?>
-<p:sld xmlns:a="http://schemas.openxmlformats.org/drawingml/2006/main" xmlns:p="http://schemas.openxmlformats.org/presentationml/2006/main" xmlns:r="http://schemas.openxmlformats.org/officeDocument/2006/relationships" xmlns:p14="http://schemas.microsoft.com/office/powerpoint/2010/main" xmlns:p15="http://schemas.microsoft.com/office/powerpoint/2012/main" xmlns:mc="http://schemas.openxmlformats.org/markup-compatibility/2006">
+<p:sld xmlns:a="http://schemas.openxmlformats.org/drawingml/2006/main" xmlns:r="http://schemas.openxmlformats.org/officeDocument/2006/relationships" xmlns:p="http://schemas.openxmlformats.org/presentationml/2006/main">
   <p:cSld>
     <p:spTree>
       <p:nvGrpSpPr>
@@ -10181,6 +11532,7 @@
           <a:bodyPr anchor="ctr">
             <a:noAutofit/>
           </a:bodyPr>
+          <a:lstStyle/>
           <a:p>
             <a:pPr>
               <a:lnSpc>
@@ -10188,7 +11540,7 @@
               </a:lnSpc>
             </a:pPr>
             <a:r>
-              <a:rPr b="0" lang="en-US" sz="4000" spc="-1" strike="noStrike">
+              <a:rPr lang="en-US" sz="4000" b="0" strike="noStrike" spc="-1">
                 <a:solidFill>
                   <a:srgbClr val="262626"/>
                 </a:solidFill>
@@ -10196,7 +11548,7 @@
               </a:rPr>
               <a:t>Primary Keys</a:t>
             </a:r>
-            <a:endParaRPr b="0" lang="en-US" sz="4000" spc="-1" strike="noStrike">
+            <a:endParaRPr lang="en-US" sz="4000" b="0" strike="noStrike" spc="-1">
               <a:solidFill>
                 <a:srgbClr val="000000"/>
               </a:solidFill>
@@ -10232,6 +11584,7 @@
           <a:bodyPr anchor="t">
             <a:normAutofit fontScale="93000"/>
           </a:bodyPr>
+          <a:lstStyle/>
           <a:p>
             <a:pPr marL="182880" indent="-182880">
               <a:lnSpc>
@@ -10247,7 +11600,7 @@
               <a:buChar char="◦"/>
             </a:pPr>
             <a:r>
-              <a:rPr b="0" lang="en-US" sz="2400" spc="-1" strike="noStrike">
+              <a:rPr lang="en-US" sz="2400" b="0" strike="noStrike" spc="-1">
                 <a:solidFill>
                   <a:srgbClr val="000000"/>
                 </a:solidFill>
@@ -10256,7 +11609,7 @@
               <a:t>supplier</a:t>
             </a:r>
             <a:r>
-              <a:rPr b="0" lang="en-US" sz="2400" spc="-1" strike="noStrike">
+              <a:rPr lang="en-US" sz="2400" b="0" strike="noStrike" spc="-1">
                 <a:solidFill>
                   <a:srgbClr val="000000"/>
                 </a:solidFill>
@@ -10264,12 +11617,6 @@
               </a:rPr>
               <a:t>: PRIMARY KEY (SupplierID)</a:t>
             </a:r>
-            <a:endParaRPr b="0" lang="en-US" sz="2400" spc="-1" strike="noStrike">
-              <a:solidFill>
-                <a:srgbClr val="000000"/>
-              </a:solidFill>
-              <a:latin typeface="Century Gothic"/>
-            </a:endParaRPr>
           </a:p>
           <a:p>
             <a:pPr marL="182880" indent="-182880">
@@ -10286,7 +11633,7 @@
               <a:buChar char="◦"/>
             </a:pPr>
             <a:r>
-              <a:rPr b="0" lang="en-US" sz="2400" spc="-1" strike="noStrike">
+              <a:rPr lang="en-US" sz="2400" b="0" strike="noStrike" spc="-1">
                 <a:solidFill>
                   <a:srgbClr val="000000"/>
                 </a:solidFill>
@@ -10295,7 +11642,7 @@
               <a:t>subject</a:t>
             </a:r>
             <a:r>
-              <a:rPr b="0" lang="en-US" sz="2400" spc="-1" strike="noStrike">
+              <a:rPr lang="en-US" sz="2400" b="0" strike="noStrike" spc="-1">
                 <a:solidFill>
                   <a:srgbClr val="000000"/>
                 </a:solidFill>
@@ -10303,12 +11650,6 @@
               </a:rPr>
               <a:t>: PRIMARY KEY (SubjectID)</a:t>
             </a:r>
-            <a:endParaRPr b="0" lang="en-US" sz="2400" spc="-1" strike="noStrike">
-              <a:solidFill>
-                <a:srgbClr val="000000"/>
-              </a:solidFill>
-              <a:latin typeface="Century Gothic"/>
-            </a:endParaRPr>
           </a:p>
           <a:p>
             <a:pPr marL="182880" indent="-182880">
@@ -10325,7 +11666,7 @@
               <a:buChar char="◦"/>
             </a:pPr>
             <a:r>
-              <a:rPr b="0" lang="en-US" sz="2400" spc="-1" strike="noStrike">
+              <a:rPr lang="en-US" sz="2400" b="0" strike="noStrike" spc="-1">
                 <a:solidFill>
                   <a:srgbClr val="000000"/>
                 </a:solidFill>
@@ -10334,7 +11675,7 @@
               <a:t>book</a:t>
             </a:r>
             <a:r>
-              <a:rPr b="0" lang="en-US" sz="2400" spc="-1" strike="noStrike">
+              <a:rPr lang="en-US" sz="2400" b="0" strike="noStrike" spc="-1">
                 <a:solidFill>
                   <a:srgbClr val="000000"/>
                 </a:solidFill>
@@ -10342,12 +11683,6 @@
               </a:rPr>
               <a:t>: PRIMARY KEY (BookID)</a:t>
             </a:r>
-            <a:endParaRPr b="0" lang="en-US" sz="2400" spc="-1" strike="noStrike">
-              <a:solidFill>
-                <a:srgbClr val="000000"/>
-              </a:solidFill>
-              <a:latin typeface="Century Gothic"/>
-            </a:endParaRPr>
           </a:p>
           <a:p>
             <a:pPr marL="182880" indent="-182880">
@@ -10364,7 +11699,7 @@
               <a:buChar char="◦"/>
             </a:pPr>
             <a:r>
-              <a:rPr b="0" lang="en-US" sz="2400" spc="-1" strike="noStrike">
+              <a:rPr lang="en-US" sz="2400" b="0" strike="noStrike" spc="-1">
                 <a:solidFill>
                   <a:srgbClr val="000000"/>
                 </a:solidFill>
@@ -10373,7 +11708,7 @@
               <a:t>customer</a:t>
             </a:r>
             <a:r>
-              <a:rPr b="0" lang="en-US" sz="2400" spc="-1" strike="noStrike">
+              <a:rPr lang="en-US" sz="2400" b="0" strike="noStrike" spc="-1">
                 <a:solidFill>
                   <a:srgbClr val="000000"/>
                 </a:solidFill>
@@ -10381,12 +11716,6 @@
               </a:rPr>
               <a:t>: PRIMARY KEY (CustomerID)</a:t>
             </a:r>
-            <a:endParaRPr b="0" lang="en-US" sz="2400" spc="-1" strike="noStrike">
-              <a:solidFill>
-                <a:srgbClr val="000000"/>
-              </a:solidFill>
-              <a:latin typeface="Century Gothic"/>
-            </a:endParaRPr>
           </a:p>
           <a:p>
             <a:pPr marL="182880" indent="-182880">
@@ -10403,7 +11732,7 @@
               <a:buChar char="◦"/>
             </a:pPr>
             <a:r>
-              <a:rPr b="0" lang="en-US" sz="2400" spc="-1" strike="noStrike">
+              <a:rPr lang="en-US" sz="2400" b="0" strike="noStrike" spc="-1">
                 <a:solidFill>
                   <a:srgbClr val="000000"/>
                 </a:solidFill>
@@ -10412,7 +11741,7 @@
               <a:t>employee</a:t>
             </a:r>
             <a:r>
-              <a:rPr b="0" lang="en-US" sz="2400" spc="-1" strike="noStrike">
+              <a:rPr lang="en-US" sz="2400" b="0" strike="noStrike" spc="-1">
                 <a:solidFill>
                   <a:srgbClr val="000000"/>
                 </a:solidFill>
@@ -10420,12 +11749,6 @@
               </a:rPr>
               <a:t>: PRIMARY KEY (EmployeeID)</a:t>
             </a:r>
-            <a:endParaRPr b="0" lang="en-US" sz="2400" spc="-1" strike="noStrike">
-              <a:solidFill>
-                <a:srgbClr val="000000"/>
-              </a:solidFill>
-              <a:latin typeface="Century Gothic"/>
-            </a:endParaRPr>
           </a:p>
           <a:p>
             <a:pPr marL="182880" indent="-182880">
@@ -10442,7 +11765,7 @@
               <a:buChar char="◦"/>
             </a:pPr>
             <a:r>
-              <a:rPr b="0" lang="en-US" sz="2400" spc="-1" strike="noStrike">
+              <a:rPr lang="en-US" sz="2400" b="0" strike="noStrike" spc="-1">
                 <a:solidFill>
                   <a:srgbClr val="000000"/>
                 </a:solidFill>
@@ -10451,7 +11774,7 @@
               <a:t>shipper</a:t>
             </a:r>
             <a:r>
-              <a:rPr b="0" lang="en-US" sz="2400" spc="-1" strike="noStrike">
+              <a:rPr lang="en-US" sz="2400" b="0" strike="noStrike" spc="-1">
                 <a:solidFill>
                   <a:srgbClr val="000000"/>
                 </a:solidFill>
@@ -10459,12 +11782,6 @@
               </a:rPr>
               <a:t>: PRIMARY KEY (ShipperID)</a:t>
             </a:r>
-            <a:endParaRPr b="0" lang="en-US" sz="2400" spc="-1" strike="noStrike">
-              <a:solidFill>
-                <a:srgbClr val="000000"/>
-              </a:solidFill>
-              <a:latin typeface="Century Gothic"/>
-            </a:endParaRPr>
           </a:p>
           <a:p>
             <a:pPr marL="182880" indent="-182880">
@@ -10481,7 +11798,7 @@
               <a:buChar char="◦"/>
             </a:pPr>
             <a:r>
-              <a:rPr b="0" lang="en-US" sz="2400" spc="-1" strike="noStrike">
+              <a:rPr lang="en-US" sz="2400" b="0" strike="noStrike" spc="-1">
                 <a:solidFill>
                   <a:srgbClr val="000000"/>
                 </a:solidFill>
@@ -10490,7 +11807,7 @@
               <a:t>orders</a:t>
             </a:r>
             <a:r>
-              <a:rPr b="0" lang="en-US" sz="2400" spc="-1" strike="noStrike">
+              <a:rPr lang="en-US" sz="2400" b="0" strike="noStrike" spc="-1">
                 <a:solidFill>
                   <a:srgbClr val="000000"/>
                 </a:solidFill>
@@ -10498,12 +11815,6 @@
               </a:rPr>
               <a:t>: PRIMARY KEY (OrderID)</a:t>
             </a:r>
-            <a:endParaRPr b="0" lang="en-US" sz="2400" spc="-1" strike="noStrike">
-              <a:solidFill>
-                <a:srgbClr val="000000"/>
-              </a:solidFill>
-              <a:latin typeface="Century Gothic"/>
-            </a:endParaRPr>
           </a:p>
           <a:p>
             <a:pPr marL="182880" indent="-182880">
@@ -10520,7 +11831,7 @@
               <a:buChar char="◦"/>
             </a:pPr>
             <a:r>
-              <a:rPr b="0" lang="en-US" sz="2400" spc="-1" strike="noStrike">
+              <a:rPr lang="en-US" sz="2400" b="0" strike="noStrike" spc="-1">
                 <a:solidFill>
                   <a:srgbClr val="000000"/>
                 </a:solidFill>
@@ -10529,7 +11840,7 @@
               <a:t>order_detail</a:t>
             </a:r>
             <a:r>
-              <a:rPr b="0" lang="en-US" sz="2400" spc="-1" strike="noStrike">
+              <a:rPr lang="en-US" sz="2400" b="0" strike="noStrike" spc="-1">
                 <a:solidFill>
                   <a:srgbClr val="000000"/>
                 </a:solidFill>
@@ -10537,30 +11848,19 @@
               </a:rPr>
               <a:t>: No primary key.</a:t>
             </a:r>
-            <a:endParaRPr b="0" lang="en-US" sz="2400" spc="-1" strike="noStrike">
-              <a:solidFill>
-                <a:srgbClr val="000000"/>
-              </a:solidFill>
-              <a:latin typeface="Century Gothic"/>
-            </a:endParaRPr>
           </a:p>
         </p:txBody>
       </p:sp>
     </p:spTree>
   </p:cSld>
-  <mc:AlternateContent>
-    <mc:Choice Requires="p14">
-      <p:transition spd="slow" p14:dur="2000"/>
-    </mc:Choice>
-    <mc:Fallback>
-      <p:transition spd="slow"/>
-    </mc:Fallback>
-  </mc:AlternateContent>
+  <p:clrMapOvr>
+    <a:masterClrMapping/>
+  </p:clrMapOvr>
 </p:sld>
 </file>
 
 <file path=ppt/slides/slide4.xml><?xml version="1.0" encoding="utf-8"?>
-<p:sld xmlns:a="http://schemas.openxmlformats.org/drawingml/2006/main" xmlns:p="http://schemas.openxmlformats.org/presentationml/2006/main" xmlns:r="http://schemas.openxmlformats.org/officeDocument/2006/relationships" xmlns:p14="http://schemas.microsoft.com/office/powerpoint/2010/main" xmlns:p15="http://schemas.microsoft.com/office/powerpoint/2012/main" xmlns:mc="http://schemas.openxmlformats.org/markup-compatibility/2006">
+<p:sld xmlns:a="http://schemas.openxmlformats.org/drawingml/2006/main" xmlns:r="http://schemas.openxmlformats.org/officeDocument/2006/relationships" xmlns:p="http://schemas.openxmlformats.org/presentationml/2006/main">
   <p:cSld>
     <p:spTree>
       <p:nvGrpSpPr>
@@ -10603,6 +11903,7 @@
           <a:bodyPr anchor="ctr">
             <a:noAutofit/>
           </a:bodyPr>
+          <a:lstStyle/>
           <a:p>
             <a:pPr>
               <a:lnSpc>
@@ -10610,7 +11911,7 @@
               </a:lnSpc>
             </a:pPr>
             <a:r>
-              <a:rPr b="0" lang="en-US" sz="4000" spc="-1" strike="noStrike">
+              <a:rPr lang="en-US" sz="4000" b="0" strike="noStrike" spc="-1">
                 <a:solidFill>
                   <a:srgbClr val="262626"/>
                 </a:solidFill>
@@ -10618,7 +11919,7 @@
               </a:rPr>
               <a:t>Foreign Keys</a:t>
             </a:r>
-            <a:endParaRPr b="0" lang="en-US" sz="4000" spc="-1" strike="noStrike">
+            <a:endParaRPr lang="en-US" sz="4000" b="0" strike="noStrike" spc="-1">
               <a:solidFill>
                 <a:srgbClr val="000000"/>
               </a:solidFill>
@@ -10654,6 +11955,7 @@
           <a:bodyPr anchor="t">
             <a:normAutofit fontScale="89000"/>
           </a:bodyPr>
+          <a:lstStyle/>
           <a:p>
             <a:pPr marL="182880" indent="-182880">
               <a:lnSpc>
@@ -10669,7 +11971,7 @@
               <a:buChar char="◦"/>
             </a:pPr>
             <a:r>
-              <a:rPr b="0" lang="en-US" sz="2400" spc="-1" strike="noStrike">
+              <a:rPr lang="en-US" sz="2400" b="0" strike="noStrike" spc="-1">
                 <a:solidFill>
                   <a:srgbClr val="000000"/>
                 </a:solidFill>
@@ -10678,7 +11980,7 @@
               <a:t>book</a:t>
             </a:r>
             <a:r>
-              <a:rPr b="0" lang="en-US" sz="2400" spc="-1" strike="noStrike">
+              <a:rPr lang="en-US" sz="2400" b="0" strike="noStrike" spc="-1">
                 <a:solidFill>
                   <a:srgbClr val="000000"/>
                 </a:solidFill>
@@ -10686,15 +11988,9 @@
               </a:rPr>
               <a:t>:</a:t>
             </a:r>
-            <a:endParaRPr b="0" lang="en-US" sz="2400" spc="-1" strike="noStrike">
-              <a:solidFill>
-                <a:srgbClr val="000000"/>
-              </a:solidFill>
-              <a:latin typeface="Century Gothic"/>
-            </a:endParaRPr>
-          </a:p>
-          <a:p>
-            <a:pPr lvl="1" marL="457200" indent="-182880">
+          </a:p>
+          <a:p>
+            <a:pPr marL="457200" lvl="1" indent="-182880">
               <a:lnSpc>
                 <a:spcPct val="100000"/>
               </a:lnSpc>
@@ -10708,50 +12004,17 @@
               <a:buChar char="◦"/>
             </a:pPr>
             <a:r>
-              <a:rPr b="0" lang="en-US" sz="2200" spc="-1" strike="noStrike">
+              <a:rPr lang="en-US" sz="2200" b="0" strike="noStrike" spc="-1">
                 <a:solidFill>
                   <a:srgbClr val="000000"/>
                 </a:solidFill>
                 <a:latin typeface="Century Gothic"/>
               </a:rPr>
-              <a:t>FOREIGN KEY </a:t>
+              <a:t>FOREIGN KEY (SupplierID) REFERENCES supplier(SupplierID)</a:t>
             </a:r>
-            <a:r>
-              <a:rPr b="0" lang="en-US" sz="2200" spc="-1" strike="noStrike">
-                <a:solidFill>
-                  <a:srgbClr val="000000"/>
-                </a:solidFill>
-                <a:latin typeface="Century Gothic"/>
-              </a:rPr>
-              <a:t>(SupplierID) </a:t>
-            </a:r>
-            <a:r>
-              <a:rPr b="0" lang="en-US" sz="2200" spc="-1" strike="noStrike">
-                <a:solidFill>
-                  <a:srgbClr val="000000"/>
-                </a:solidFill>
-                <a:latin typeface="Century Gothic"/>
-              </a:rPr>
-              <a:t>REFERENCES </a:t>
-            </a:r>
-            <a:r>
-              <a:rPr b="0" lang="en-US" sz="2200" spc="-1" strike="noStrike">
-                <a:solidFill>
-                  <a:srgbClr val="000000"/>
-                </a:solidFill>
-                <a:latin typeface="Century Gothic"/>
-              </a:rPr>
-              <a:t>supplier(SupplierID)</a:t>
-            </a:r>
-            <a:endParaRPr b="0" lang="en-US" sz="2200" spc="-1" strike="noStrike">
-              <a:solidFill>
-                <a:srgbClr val="000000"/>
-              </a:solidFill>
-              <a:latin typeface="Century Gothic"/>
-            </a:endParaRPr>
-          </a:p>
-          <a:p>
-            <a:pPr lvl="1" marL="457200" indent="-182880">
+          </a:p>
+          <a:p>
+            <a:pPr marL="457200" lvl="1" indent="-182880">
               <a:lnSpc>
                 <a:spcPct val="100000"/>
               </a:lnSpc>
@@ -10765,47 +12028,14 @@
               <a:buChar char="◦"/>
             </a:pPr>
             <a:r>
-              <a:rPr b="0" lang="en-US" sz="2200" spc="-1" strike="noStrike">
+              <a:rPr lang="en-US" sz="2200" b="0" strike="noStrike" spc="-1">
                 <a:solidFill>
                   <a:srgbClr val="000000"/>
                 </a:solidFill>
                 <a:latin typeface="Century Gothic"/>
               </a:rPr>
-              <a:t>FOREIGN KEY </a:t>
+              <a:t>FOREIGN KEY (SubjectID) REFERENCES subject(SubjectID)</a:t>
             </a:r>
-            <a:r>
-              <a:rPr b="0" lang="en-US" sz="2200" spc="-1" strike="noStrike">
-                <a:solidFill>
-                  <a:srgbClr val="000000"/>
-                </a:solidFill>
-                <a:latin typeface="Century Gothic"/>
-              </a:rPr>
-              <a:t>(SubjectID) </a:t>
-            </a:r>
-            <a:r>
-              <a:rPr b="0" lang="en-US" sz="2200" spc="-1" strike="noStrike">
-                <a:solidFill>
-                  <a:srgbClr val="000000"/>
-                </a:solidFill>
-                <a:latin typeface="Century Gothic"/>
-              </a:rPr>
-              <a:t>REFERENCES </a:t>
-            </a:r>
-            <a:r>
-              <a:rPr b="0" lang="en-US" sz="2200" spc="-1" strike="noStrike">
-                <a:solidFill>
-                  <a:srgbClr val="000000"/>
-                </a:solidFill>
-                <a:latin typeface="Century Gothic"/>
-              </a:rPr>
-              <a:t>subject(SubjectID)</a:t>
-            </a:r>
-            <a:endParaRPr b="0" lang="en-US" sz="2200" spc="-1" strike="noStrike">
-              <a:solidFill>
-                <a:srgbClr val="000000"/>
-              </a:solidFill>
-              <a:latin typeface="Century Gothic"/>
-            </a:endParaRPr>
           </a:p>
           <a:p>
             <a:pPr marL="182880" indent="-182880">
@@ -10822,7 +12052,7 @@
               <a:buChar char="◦"/>
             </a:pPr>
             <a:r>
-              <a:rPr b="0" lang="en-US" sz="2400" spc="-1" strike="noStrike">
+              <a:rPr lang="en-US" sz="2400" b="0" strike="noStrike" spc="-1">
                 <a:solidFill>
                   <a:srgbClr val="000000"/>
                 </a:solidFill>
@@ -10831,7 +12061,7 @@
               <a:t>orders</a:t>
             </a:r>
             <a:r>
-              <a:rPr b="0" lang="en-US" sz="2400" spc="-1" strike="noStrike">
+              <a:rPr lang="en-US" sz="2400" b="0" strike="noStrike" spc="-1">
                 <a:solidFill>
                   <a:srgbClr val="000000"/>
                 </a:solidFill>
@@ -10839,15 +12069,9 @@
               </a:rPr>
               <a:t>:</a:t>
             </a:r>
-            <a:endParaRPr b="0" lang="en-US" sz="2400" spc="-1" strike="noStrike">
-              <a:solidFill>
-                <a:srgbClr val="000000"/>
-              </a:solidFill>
-              <a:latin typeface="Century Gothic"/>
-            </a:endParaRPr>
-          </a:p>
-          <a:p>
-            <a:pPr lvl="1" marL="457200" indent="-182880">
+          </a:p>
+          <a:p>
+            <a:pPr marL="457200" lvl="1" indent="-182880">
               <a:lnSpc>
                 <a:spcPct val="100000"/>
               </a:lnSpc>
@@ -10861,59 +12085,17 @@
               <a:buChar char="◦"/>
             </a:pPr>
             <a:r>
-              <a:rPr b="0" lang="en-US" sz="2200" spc="-1" strike="noStrike">
+              <a:rPr lang="en-US" sz="2200" b="0" strike="noStrike" spc="-1">
                 <a:solidFill>
                   <a:srgbClr val="000000"/>
                 </a:solidFill>
                 <a:latin typeface="Century Gothic"/>
               </a:rPr>
-              <a:t>FOREIGN KEY </a:t>
+              <a:t>FOREIGN KEY (CustomerID) REFERENCES customer(CustomerID)</a:t>
             </a:r>
-            <a:r>
-              <a:rPr b="0" lang="en-US" sz="2200" spc="-1" strike="noStrike">
-                <a:solidFill>
-                  <a:srgbClr val="000000"/>
-                </a:solidFill>
-                <a:latin typeface="Century Gothic"/>
-              </a:rPr>
-              <a:t>(CustomerID) </a:t>
-            </a:r>
-            <a:r>
-              <a:rPr b="0" lang="en-US" sz="2200" spc="-1" strike="noStrike">
-                <a:solidFill>
-                  <a:srgbClr val="000000"/>
-                </a:solidFill>
-                <a:latin typeface="Century Gothic"/>
-              </a:rPr>
-              <a:t>REFERENCES </a:t>
-            </a:r>
-            <a:r>
-              <a:rPr b="0" lang="en-US" sz="2200" spc="-1" strike="noStrike">
-                <a:solidFill>
-                  <a:srgbClr val="000000"/>
-                </a:solidFill>
-                <a:latin typeface="Century Gothic"/>
-              </a:rPr>
-              <a:t>customer(CustomerI</a:t>
-            </a:r>
-            <a:r>
-              <a:rPr b="0" lang="en-US" sz="2200" spc="-1" strike="noStrike">
-                <a:solidFill>
-                  <a:srgbClr val="000000"/>
-                </a:solidFill>
-                <a:latin typeface="Century Gothic"/>
-              </a:rPr>
-              <a:t>D)</a:t>
-            </a:r>
-            <a:endParaRPr b="0" lang="en-US" sz="2200" spc="-1" strike="noStrike">
-              <a:solidFill>
-                <a:srgbClr val="000000"/>
-              </a:solidFill>
-              <a:latin typeface="Century Gothic"/>
-            </a:endParaRPr>
-          </a:p>
-          <a:p>
-            <a:pPr lvl="1" marL="457200" indent="-182880">
+          </a:p>
+          <a:p>
+            <a:pPr marL="457200" lvl="1" indent="-182880">
               <a:lnSpc>
                 <a:spcPct val="100000"/>
               </a:lnSpc>
@@ -10927,59 +12109,17 @@
               <a:buChar char="◦"/>
             </a:pPr>
             <a:r>
-              <a:rPr b="0" lang="en-US" sz="2200" spc="-1" strike="noStrike">
+              <a:rPr lang="en-US" sz="2200" b="0" strike="noStrike" spc="-1">
                 <a:solidFill>
                   <a:srgbClr val="000000"/>
                 </a:solidFill>
                 <a:latin typeface="Century Gothic"/>
               </a:rPr>
-              <a:t>FOREIGN KEY </a:t>
+              <a:t>FOREIGN KEY (EmployeeID) REFERENCES employee(EmployeeID)</a:t>
             </a:r>
-            <a:r>
-              <a:rPr b="0" lang="en-US" sz="2200" spc="-1" strike="noStrike">
-                <a:solidFill>
-                  <a:srgbClr val="000000"/>
-                </a:solidFill>
-                <a:latin typeface="Century Gothic"/>
-              </a:rPr>
-              <a:t>(EmployeeID) </a:t>
-            </a:r>
-            <a:r>
-              <a:rPr b="0" lang="en-US" sz="2200" spc="-1" strike="noStrike">
-                <a:solidFill>
-                  <a:srgbClr val="000000"/>
-                </a:solidFill>
-                <a:latin typeface="Century Gothic"/>
-              </a:rPr>
-              <a:t>REFERENCES </a:t>
-            </a:r>
-            <a:r>
-              <a:rPr b="0" lang="en-US" sz="2200" spc="-1" strike="noStrike">
-                <a:solidFill>
-                  <a:srgbClr val="000000"/>
-                </a:solidFill>
-                <a:latin typeface="Century Gothic"/>
-              </a:rPr>
-              <a:t>employee(Employee</a:t>
-            </a:r>
-            <a:r>
-              <a:rPr b="0" lang="en-US" sz="2200" spc="-1" strike="noStrike">
-                <a:solidFill>
-                  <a:srgbClr val="000000"/>
-                </a:solidFill>
-                <a:latin typeface="Century Gothic"/>
-              </a:rPr>
-              <a:t>ID)</a:t>
-            </a:r>
-            <a:endParaRPr b="0" lang="en-US" sz="2200" spc="-1" strike="noStrike">
-              <a:solidFill>
-                <a:srgbClr val="000000"/>
-              </a:solidFill>
-              <a:latin typeface="Century Gothic"/>
-            </a:endParaRPr>
-          </a:p>
-          <a:p>
-            <a:pPr lvl="1" marL="457200" indent="-182880">
+          </a:p>
+          <a:p>
+            <a:pPr marL="457200" lvl="1" indent="-182880">
               <a:lnSpc>
                 <a:spcPct val="100000"/>
               </a:lnSpc>
@@ -10993,56 +12133,14 @@
               <a:buChar char="◦"/>
             </a:pPr>
             <a:r>
-              <a:rPr b="0" lang="en-US" sz="2200" spc="-1" strike="noStrike">
+              <a:rPr lang="en-US" sz="2200" b="0" strike="noStrike" spc="-1">
                 <a:solidFill>
                   <a:srgbClr val="000000"/>
                 </a:solidFill>
                 <a:latin typeface="Century Gothic"/>
               </a:rPr>
-              <a:t>FOREIGN KEY </a:t>
+              <a:t>FOREIGN KEY (ShipperID) REFERENCES employee(ShipperID)</a:t>
             </a:r>
-            <a:r>
-              <a:rPr b="0" lang="en-US" sz="2200" spc="-1" strike="noStrike">
-                <a:solidFill>
-                  <a:srgbClr val="000000"/>
-                </a:solidFill>
-                <a:latin typeface="Century Gothic"/>
-              </a:rPr>
-              <a:t>(ShipperID) </a:t>
-            </a:r>
-            <a:r>
-              <a:rPr b="0" lang="en-US" sz="2200" spc="-1" strike="noStrike">
-                <a:solidFill>
-                  <a:srgbClr val="000000"/>
-                </a:solidFill>
-                <a:latin typeface="Century Gothic"/>
-              </a:rPr>
-              <a:t>REFERENCES </a:t>
-            </a:r>
-            <a:r>
-              <a:rPr b="0" lang="en-US" sz="2200" spc="-1" strike="noStrike">
-                <a:solidFill>
-                  <a:srgbClr val="000000"/>
-                </a:solidFill>
-                <a:latin typeface="Century Gothic"/>
-              </a:rPr>
-              <a:t>employee(ShipperID</a:t>
-            </a:r>
-            <a:r>
-              <a:rPr b="0" lang="en-US" sz="2200" spc="-1" strike="noStrike">
-                <a:solidFill>
-                  <a:srgbClr val="000000"/>
-                </a:solidFill>
-                <a:latin typeface="Century Gothic"/>
-              </a:rPr>
-              <a:t>)</a:t>
-            </a:r>
-            <a:endParaRPr b="0" lang="en-US" sz="2200" spc="-1" strike="noStrike">
-              <a:solidFill>
-                <a:srgbClr val="000000"/>
-              </a:solidFill>
-              <a:latin typeface="Century Gothic"/>
-            </a:endParaRPr>
           </a:p>
           <a:p>
             <a:pPr marL="182880" indent="-182880">
@@ -11059,7 +12157,7 @@
               <a:buChar char="◦"/>
             </a:pPr>
             <a:r>
-              <a:rPr b="0" lang="en-US" sz="2400" spc="-1" strike="noStrike">
+              <a:rPr lang="en-US" sz="2400" b="0" strike="noStrike" spc="-1">
                 <a:solidFill>
                   <a:srgbClr val="000000"/>
                 </a:solidFill>
@@ -11068,7 +12166,7 @@
               <a:t>order_detail</a:t>
             </a:r>
             <a:r>
-              <a:rPr b="0" lang="en-US" sz="2400" spc="-1" strike="noStrike">
+              <a:rPr lang="en-US" sz="2400" b="0" strike="noStrike" spc="-1">
                 <a:solidFill>
                   <a:srgbClr val="000000"/>
                 </a:solidFill>
@@ -11076,15 +12174,9 @@
               </a:rPr>
               <a:t>:</a:t>
             </a:r>
-            <a:endParaRPr b="0" lang="en-US" sz="2400" spc="-1" strike="noStrike">
-              <a:solidFill>
-                <a:srgbClr val="000000"/>
-              </a:solidFill>
-              <a:latin typeface="Century Gothic"/>
-            </a:endParaRPr>
-          </a:p>
-          <a:p>
-            <a:pPr lvl="1" marL="457200" indent="-182880">
+          </a:p>
+          <a:p>
+            <a:pPr marL="457200" lvl="1" indent="-182880">
               <a:lnSpc>
                 <a:spcPct val="100000"/>
               </a:lnSpc>
@@ -11098,50 +12190,17 @@
               <a:buChar char="◦"/>
             </a:pPr>
             <a:r>
-              <a:rPr b="0" lang="en-US" sz="2200" spc="-1" strike="noStrike">
+              <a:rPr lang="en-US" sz="2200" b="0" strike="noStrike" spc="-1">
                 <a:solidFill>
                   <a:srgbClr val="000000"/>
                 </a:solidFill>
                 <a:latin typeface="Century Gothic"/>
               </a:rPr>
-              <a:t>FOREIGN KEY </a:t>
+              <a:t>FOREIGN KEY (BookID) REFERENCES book(BookID)</a:t>
             </a:r>
-            <a:r>
-              <a:rPr b="0" lang="en-US" sz="2200" spc="-1" strike="noStrike">
-                <a:solidFill>
-                  <a:srgbClr val="000000"/>
-                </a:solidFill>
-                <a:latin typeface="Century Gothic"/>
-              </a:rPr>
-              <a:t>(BookID) </a:t>
-            </a:r>
-            <a:r>
-              <a:rPr b="0" lang="en-US" sz="2200" spc="-1" strike="noStrike">
-                <a:solidFill>
-                  <a:srgbClr val="000000"/>
-                </a:solidFill>
-                <a:latin typeface="Century Gothic"/>
-              </a:rPr>
-              <a:t>REFERENCES </a:t>
-            </a:r>
-            <a:r>
-              <a:rPr b="0" lang="en-US" sz="2200" spc="-1" strike="noStrike">
-                <a:solidFill>
-                  <a:srgbClr val="000000"/>
-                </a:solidFill>
-                <a:latin typeface="Century Gothic"/>
-              </a:rPr>
-              <a:t>book(BookID)</a:t>
-            </a:r>
-            <a:endParaRPr b="0" lang="en-US" sz="2200" spc="-1" strike="noStrike">
-              <a:solidFill>
-                <a:srgbClr val="000000"/>
-              </a:solidFill>
-              <a:latin typeface="Century Gothic"/>
-            </a:endParaRPr>
-          </a:p>
-          <a:p>
-            <a:pPr lvl="1" marL="457200" indent="-182880">
+          </a:p>
+          <a:p>
+            <a:pPr marL="457200" lvl="1" indent="-182880">
               <a:lnSpc>
                 <a:spcPct val="100000"/>
               </a:lnSpc>
@@ -11155,65 +12214,27 @@
               <a:buChar char="◦"/>
             </a:pPr>
             <a:r>
-              <a:rPr b="0" lang="en-US" sz="2200" spc="-1" strike="noStrike">
+              <a:rPr lang="en-US" sz="2200" b="0" strike="noStrike" spc="-1">
                 <a:solidFill>
                   <a:srgbClr val="000000"/>
                 </a:solidFill>
                 <a:latin typeface="Century Gothic"/>
               </a:rPr>
-              <a:t>FOREIGN KEY </a:t>
+              <a:t>FOREIGN KEY (OrderID) REFERENCES orders(OrderID)</a:t>
             </a:r>
-            <a:r>
-              <a:rPr b="0" lang="en-US" sz="2200" spc="-1" strike="noStrike">
-                <a:solidFill>
-                  <a:srgbClr val="000000"/>
-                </a:solidFill>
-                <a:latin typeface="Century Gothic"/>
-              </a:rPr>
-              <a:t>(OrderID) </a:t>
-            </a:r>
-            <a:r>
-              <a:rPr b="0" lang="en-US" sz="2200" spc="-1" strike="noStrike">
-                <a:solidFill>
-                  <a:srgbClr val="000000"/>
-                </a:solidFill>
-                <a:latin typeface="Century Gothic"/>
-              </a:rPr>
-              <a:t>REFERENCES </a:t>
-            </a:r>
-            <a:r>
-              <a:rPr b="0" lang="en-US" sz="2200" spc="-1" strike="noStrike">
-                <a:solidFill>
-                  <a:srgbClr val="000000"/>
-                </a:solidFill>
-                <a:latin typeface="Century Gothic"/>
-              </a:rPr>
-              <a:t>orders(OrderID)</a:t>
-            </a:r>
-            <a:endParaRPr b="0" lang="en-US" sz="2200" spc="-1" strike="noStrike">
-              <a:solidFill>
-                <a:srgbClr val="000000"/>
-              </a:solidFill>
-              <a:latin typeface="Century Gothic"/>
-            </a:endParaRPr>
           </a:p>
         </p:txBody>
       </p:sp>
     </p:spTree>
   </p:cSld>
-  <mc:AlternateContent>
-    <mc:Choice Requires="p14">
-      <p:transition spd="slow" p14:dur="2000"/>
-    </mc:Choice>
-    <mc:Fallback>
-      <p:transition spd="slow"/>
-    </mc:Fallback>
-  </mc:AlternateContent>
+  <p:clrMapOvr>
+    <a:masterClrMapping/>
+  </p:clrMapOvr>
 </p:sld>
 </file>
 
 <file path=ppt/slides/slide5.xml><?xml version="1.0" encoding="utf-8"?>
-<p:sld xmlns:a="http://schemas.openxmlformats.org/drawingml/2006/main" xmlns:p="http://schemas.openxmlformats.org/presentationml/2006/main" xmlns:r="http://schemas.openxmlformats.org/officeDocument/2006/relationships" xmlns:p14="http://schemas.microsoft.com/office/powerpoint/2010/main" xmlns:p15="http://schemas.microsoft.com/office/powerpoint/2012/main" xmlns:mc="http://schemas.openxmlformats.org/markup-compatibility/2006">
+<p:sld xmlns:a="http://schemas.openxmlformats.org/drawingml/2006/main" xmlns:r="http://schemas.openxmlformats.org/officeDocument/2006/relationships" xmlns:p="http://schemas.openxmlformats.org/presentationml/2006/main">
   <p:cSld>
     <p:spTree>
       <p:nvGrpSpPr>
@@ -11256,6 +12277,7 @@
           <a:bodyPr anchor="ctr">
             <a:noAutofit/>
           </a:bodyPr>
+          <a:lstStyle/>
           <a:p>
             <a:pPr>
               <a:lnSpc>
@@ -11263,7 +12285,7 @@
               </a:lnSpc>
             </a:pPr>
             <a:r>
-              <a:rPr b="0" lang="en-US" sz="4000" spc="-1" strike="noStrike">
+              <a:rPr lang="en-US" sz="4000" b="0" strike="noStrike" spc="-1">
                 <a:solidFill>
                   <a:srgbClr val="262626"/>
                 </a:solidFill>
@@ -11271,7 +12293,7 @@
               </a:rPr>
               <a:t>1:N Relationships</a:t>
             </a:r>
-            <a:endParaRPr b="0" lang="en-US" sz="4000" spc="-1" strike="noStrike">
+            <a:endParaRPr lang="en-US" sz="4000" b="0" strike="noStrike" spc="-1">
               <a:solidFill>
                 <a:srgbClr val="000000"/>
               </a:solidFill>
@@ -11307,6 +12329,7 @@
           <a:bodyPr anchor="t">
             <a:normAutofit/>
           </a:bodyPr>
+          <a:lstStyle/>
           <a:p>
             <a:pPr marL="182880" indent="-182880">
               <a:lnSpc>
@@ -11322,7 +12345,7 @@
               <a:buChar char="◦"/>
             </a:pPr>
             <a:r>
-              <a:rPr b="0" lang="en-US" sz="2800" spc="-1" strike="noStrike">
+              <a:rPr lang="en-US" sz="2800" b="0" strike="noStrike" spc="-1">
                 <a:solidFill>
                   <a:srgbClr val="000000"/>
                 </a:solidFill>
@@ -11331,7 +12354,7 @@
               <a:t>order</a:t>
             </a:r>
             <a:r>
-              <a:rPr b="0" lang="en-US" sz="2800" spc="-1" strike="noStrike">
+              <a:rPr lang="en-US" sz="2800" b="0" strike="noStrike" spc="-1">
                 <a:solidFill>
                   <a:srgbClr val="000000"/>
                 </a:solidFill>
@@ -11339,15 +12362,9 @@
               </a:rPr>
               <a:t>:</a:t>
             </a:r>
-            <a:endParaRPr b="0" lang="en-US" sz="2800" spc="-1" strike="noStrike">
-              <a:solidFill>
-                <a:srgbClr val="000000"/>
-              </a:solidFill>
-              <a:latin typeface="Century Gothic"/>
-            </a:endParaRPr>
-          </a:p>
-          <a:p>
-            <a:pPr lvl="1" marL="457200" indent="-182880">
+          </a:p>
+          <a:p>
+            <a:pPr marL="457200" lvl="1" indent="-182880">
               <a:lnSpc>
                 <a:spcPct val="100000"/>
               </a:lnSpc>
@@ -11361,7 +12378,7 @@
               <a:buChar char="◦"/>
             </a:pPr>
             <a:r>
-              <a:rPr b="0" lang="en-US" sz="2400" spc="-1" strike="noStrike">
+              <a:rPr lang="en-US" sz="2400" b="0" strike="noStrike" spc="-1">
                 <a:solidFill>
                   <a:srgbClr val="000000"/>
                 </a:solidFill>
@@ -11369,15 +12386,15 @@
               </a:rPr>
               <a:t>customer</a:t>
             </a:r>
-            <a:endParaRPr b="0" lang="en-US" sz="2400" spc="-1" strike="noStrike">
-              <a:solidFill>
-                <a:srgbClr val="000000"/>
-              </a:solidFill>
-              <a:latin typeface="Century Gothic"/>
-            </a:endParaRPr>
-          </a:p>
-          <a:p>
-            <a:pPr lvl="1" marL="457200" indent="-182880">
+            <a:endParaRPr lang="en-US" sz="2400" b="0" strike="noStrike" spc="-1">
+              <a:solidFill>
+                <a:srgbClr val="000000"/>
+              </a:solidFill>
+              <a:latin typeface="Century Gothic"/>
+            </a:endParaRPr>
+          </a:p>
+          <a:p>
+            <a:pPr marL="457200" lvl="1" indent="-182880">
               <a:lnSpc>
                 <a:spcPct val="100000"/>
               </a:lnSpc>
@@ -11391,7 +12408,7 @@
               <a:buChar char="◦"/>
             </a:pPr>
             <a:r>
-              <a:rPr b="0" lang="en-US" sz="2400" spc="-1" strike="noStrike">
+              <a:rPr lang="en-US" sz="2400" b="0" strike="noStrike" spc="-1">
                 <a:solidFill>
                   <a:srgbClr val="000000"/>
                 </a:solidFill>
@@ -11399,15 +12416,15 @@
               </a:rPr>
               <a:t>employee</a:t>
             </a:r>
-            <a:endParaRPr b="0" lang="en-US" sz="2400" spc="-1" strike="noStrike">
-              <a:solidFill>
-                <a:srgbClr val="000000"/>
-              </a:solidFill>
-              <a:latin typeface="Century Gothic"/>
-            </a:endParaRPr>
-          </a:p>
-          <a:p>
-            <a:pPr lvl="1" marL="457200" indent="-182880">
+            <a:endParaRPr lang="en-US" sz="2400" b="0" strike="noStrike" spc="-1">
+              <a:solidFill>
+                <a:srgbClr val="000000"/>
+              </a:solidFill>
+              <a:latin typeface="Century Gothic"/>
+            </a:endParaRPr>
+          </a:p>
+          <a:p>
+            <a:pPr marL="457200" lvl="1" indent="-182880">
               <a:lnSpc>
                 <a:spcPct val="100000"/>
               </a:lnSpc>
@@ -11421,7 +12438,7 @@
               <a:buChar char="◦"/>
             </a:pPr>
             <a:r>
-              <a:rPr b="0" lang="en-US" sz="2400" spc="-1" strike="noStrike">
+              <a:rPr lang="en-US" sz="2400" b="0" strike="noStrike" spc="-1">
                 <a:solidFill>
                   <a:srgbClr val="000000"/>
                 </a:solidFill>
@@ -11429,7 +12446,7 @@
               </a:rPr>
               <a:t>shipper</a:t>
             </a:r>
-            <a:endParaRPr b="0" lang="en-US" sz="2400" spc="-1" strike="noStrike">
+            <a:endParaRPr lang="en-US" sz="2400" b="0" strike="noStrike" spc="-1">
               <a:solidFill>
                 <a:srgbClr val="000000"/>
               </a:solidFill>
@@ -11451,7 +12468,7 @@
               <a:buChar char="◦"/>
             </a:pPr>
             <a:r>
-              <a:rPr b="0" lang="en-US" sz="2800" spc="-1" strike="noStrike">
+              <a:rPr lang="en-US" sz="2800" b="0" strike="noStrike" spc="-1">
                 <a:solidFill>
                   <a:srgbClr val="000000"/>
                 </a:solidFill>
@@ -11459,15 +12476,15 @@
               </a:rPr>
               <a:t>book:</a:t>
             </a:r>
-            <a:endParaRPr b="0" lang="en-US" sz="2800" spc="-1" strike="noStrike">
-              <a:solidFill>
-                <a:srgbClr val="000000"/>
-              </a:solidFill>
-              <a:latin typeface="Century Gothic"/>
-            </a:endParaRPr>
-          </a:p>
-          <a:p>
-            <a:pPr lvl="1" marL="457200" indent="-182880">
+            <a:endParaRPr lang="en-US" sz="2800" b="0" strike="noStrike" spc="-1">
+              <a:solidFill>
+                <a:srgbClr val="000000"/>
+              </a:solidFill>
+              <a:latin typeface="Century Gothic"/>
+            </a:endParaRPr>
+          </a:p>
+          <a:p>
+            <a:pPr marL="457200" lvl="1" indent="-182880">
               <a:lnSpc>
                 <a:spcPct val="100000"/>
               </a:lnSpc>
@@ -11481,7 +12498,7 @@
               <a:buChar char="◦"/>
             </a:pPr>
             <a:r>
-              <a:rPr b="0" lang="en-US" sz="2400" spc="-1" strike="noStrike">
+              <a:rPr lang="en-US" sz="2400" b="0" strike="noStrike" spc="-1">
                 <a:solidFill>
                   <a:srgbClr val="000000"/>
                 </a:solidFill>
@@ -11489,15 +12506,15 @@
               </a:rPr>
               <a:t>subject</a:t>
             </a:r>
-            <a:endParaRPr b="0" lang="en-US" sz="2400" spc="-1" strike="noStrike">
-              <a:solidFill>
-                <a:srgbClr val="000000"/>
-              </a:solidFill>
-              <a:latin typeface="Century Gothic"/>
-            </a:endParaRPr>
-          </a:p>
-          <a:p>
-            <a:pPr lvl="1" marL="457200" indent="-182880">
+            <a:endParaRPr lang="en-US" sz="2400" b="0" strike="noStrike" spc="-1">
+              <a:solidFill>
+                <a:srgbClr val="000000"/>
+              </a:solidFill>
+              <a:latin typeface="Century Gothic"/>
+            </a:endParaRPr>
+          </a:p>
+          <a:p>
+            <a:pPr marL="457200" lvl="1" indent="-182880">
               <a:lnSpc>
                 <a:spcPct val="100000"/>
               </a:lnSpc>
@@ -11511,7 +12528,7 @@
               <a:buChar char="◦"/>
             </a:pPr>
             <a:r>
-              <a:rPr b="0" lang="en-US" sz="2400" spc="-1" strike="noStrike">
+              <a:rPr lang="en-US" sz="2400" b="0" strike="noStrike" spc="-1">
                 <a:solidFill>
                   <a:srgbClr val="000000"/>
                 </a:solidFill>
@@ -11519,7 +12536,7 @@
               </a:rPr>
               <a:t>supplier</a:t>
             </a:r>
-            <a:endParaRPr b="0" lang="en-US" sz="2400" spc="-1" strike="noStrike">
+            <a:endParaRPr lang="en-US" sz="2400" b="0" strike="noStrike" spc="-1">
               <a:solidFill>
                 <a:srgbClr val="000000"/>
               </a:solidFill>
@@ -11530,19 +12547,14 @@
       </p:sp>
     </p:spTree>
   </p:cSld>
-  <mc:AlternateContent>
-    <mc:Choice Requires="p14">
-      <p:transition spd="slow" p14:dur="2000"/>
-    </mc:Choice>
-    <mc:Fallback>
-      <p:transition spd="slow"/>
-    </mc:Fallback>
-  </mc:AlternateContent>
+  <p:clrMapOvr>
+    <a:masterClrMapping/>
+  </p:clrMapOvr>
 </p:sld>
 </file>
 
 <file path=ppt/slides/slide6.xml><?xml version="1.0" encoding="utf-8"?>
-<p:sld xmlns:a="http://schemas.openxmlformats.org/drawingml/2006/main" xmlns:p="http://schemas.openxmlformats.org/presentationml/2006/main" xmlns:r="http://schemas.openxmlformats.org/officeDocument/2006/relationships" xmlns:p14="http://schemas.microsoft.com/office/powerpoint/2010/main" xmlns:p15="http://schemas.microsoft.com/office/powerpoint/2012/main" xmlns:mc="http://schemas.openxmlformats.org/markup-compatibility/2006">
+<p:sld xmlns:a="http://schemas.openxmlformats.org/drawingml/2006/main" xmlns:r="http://schemas.openxmlformats.org/officeDocument/2006/relationships" xmlns:p="http://schemas.openxmlformats.org/presentationml/2006/main">
   <p:cSld>
     <p:spTree>
       <p:nvGrpSpPr>
@@ -11585,6 +12597,7 @@
           <a:bodyPr anchor="ctr">
             <a:noAutofit/>
           </a:bodyPr>
+          <a:lstStyle/>
           <a:p>
             <a:pPr>
               <a:lnSpc>
@@ -11592,7 +12605,7 @@
               </a:lnSpc>
             </a:pPr>
             <a:r>
-              <a:rPr b="0" lang="en-US" sz="4000" spc="-1" strike="noStrike">
+              <a:rPr lang="en-US" sz="4000" b="0" strike="noStrike" spc="-1">
                 <a:solidFill>
                   <a:srgbClr val="262626"/>
                 </a:solidFill>
@@ -11600,7 +12613,7 @@
               </a:rPr>
               <a:t>Other Notes</a:t>
             </a:r>
-            <a:endParaRPr b="0" lang="en-US" sz="4000" spc="-1" strike="noStrike">
+            <a:endParaRPr lang="en-US" sz="4000" b="0" strike="noStrike" spc="-1">
               <a:solidFill>
                 <a:srgbClr val="000000"/>
               </a:solidFill>
@@ -11636,6 +12649,7 @@
           <a:bodyPr anchor="t">
             <a:normAutofit/>
           </a:bodyPr>
+          <a:lstStyle/>
           <a:p>
             <a:pPr marL="182880" indent="-182880">
               <a:lnSpc>
@@ -11651,7 +12665,7 @@
               <a:buChar char="◦"/>
             </a:pPr>
             <a:r>
-              <a:rPr b="0" lang="en-US" sz="3200" spc="-1" strike="noStrike">
+              <a:rPr lang="en-US" sz="3200" b="0" strike="noStrike" spc="-1" dirty="0">
                 <a:solidFill>
                   <a:srgbClr val="000000"/>
                 </a:solidFill>
@@ -11660,16 +12674,25 @@
               <a:t>M:N relationship type is used for </a:t>
             </a:r>
             <a:r>
-              <a:rPr b="0" lang="en-US" sz="3200" spc="-1" strike="noStrike">
+              <a:rPr lang="en-US" sz="3200" b="0" strike="noStrike" spc="-1" dirty="0" err="1">
                 <a:solidFill>
                   <a:srgbClr val="000000"/>
                 </a:solidFill>
                 <a:latin typeface="Courier New"/>
               </a:rPr>
-              <a:t>order_detail ↔ book</a:t>
+              <a:t>order_detail</a:t>
             </a:r>
             <a:r>
-              <a:rPr b="0" lang="en-US" sz="2800" spc="-1" strike="noStrike">
+              <a:rPr lang="en-US" sz="3200" b="0" strike="noStrike" spc="-1" dirty="0">
+                <a:solidFill>
+                  <a:srgbClr val="000000"/>
+                </a:solidFill>
+                <a:latin typeface="Courier New"/>
+              </a:rPr>
+              <a:t> ↔ book</a:t>
+            </a:r>
+            <a:r>
+              <a:rPr lang="en-US" sz="2800" b="0" strike="noStrike" spc="-1" dirty="0">
                 <a:solidFill>
                   <a:srgbClr val="000000"/>
                 </a:solidFill>
@@ -11677,12 +12700,6 @@
               </a:rPr>
               <a:t>.</a:t>
             </a:r>
-            <a:endParaRPr b="0" lang="en-US" sz="2800" spc="-1" strike="noStrike">
-              <a:solidFill>
-                <a:srgbClr val="000000"/>
-              </a:solidFill>
-              <a:latin typeface="Century Gothic"/>
-            </a:endParaRPr>
           </a:p>
           <a:p>
             <a:pPr marL="182880" indent="-182880">
@@ -11699,7 +12716,7 @@
               <a:buChar char="◦"/>
             </a:pPr>
             <a:r>
-              <a:rPr b="0" lang="en-US" sz="3200" spc="-1" strike="noStrike">
+              <a:rPr lang="en-US" sz="3200" b="0" strike="noStrike" spc="-1" dirty="0">
                 <a:solidFill>
                   <a:srgbClr val="000000"/>
                 </a:solidFill>
@@ -11708,7 +12725,7 @@
               <a:t>Weak entity (</a:t>
             </a:r>
             <a:r>
-              <a:rPr b="0" lang="en-US" sz="3200" spc="-1" strike="noStrike">
+              <a:rPr lang="en-US" sz="3200" b="0" strike="noStrike" spc="-1" dirty="0" err="1">
                 <a:solidFill>
                   <a:srgbClr val="000000"/>
                 </a:solidFill>
@@ -11717,7 +12734,7 @@
               <a:t>order_detail</a:t>
             </a:r>
             <a:r>
-              <a:rPr b="0" lang="en-US" sz="3200" spc="-1" strike="noStrike">
+              <a:rPr lang="en-US" sz="3200" b="0" strike="noStrike" spc="-1" dirty="0">
                 <a:solidFill>
                   <a:srgbClr val="000000"/>
                 </a:solidFill>
@@ -11725,15 +12742,9 @@
               </a:rPr>
               <a:t>)</a:t>
             </a:r>
-            <a:endParaRPr b="0" lang="en-US" sz="3200" spc="-1" strike="noStrike">
-              <a:solidFill>
-                <a:srgbClr val="000000"/>
-              </a:solidFill>
-              <a:latin typeface="Century Gothic"/>
-            </a:endParaRPr>
-          </a:p>
-          <a:p>
-            <a:pPr lvl="1" marL="457200" indent="-182880">
+          </a:p>
+          <a:p>
+            <a:pPr marL="457200" lvl="1" indent="-182880">
               <a:lnSpc>
                 <a:spcPct val="100000"/>
               </a:lnSpc>
@@ -11747,7 +12758,7 @@
               <a:buChar char="◦"/>
             </a:pPr>
             <a:r>
-              <a:rPr b="0" lang="en-US" sz="2800" spc="-1" strike="noStrike">
+              <a:rPr lang="en-US" sz="2800" b="0" strike="noStrike" spc="-1" dirty="0">
                 <a:solidFill>
                   <a:srgbClr val="000000"/>
                 </a:solidFill>
@@ -11756,7 +12767,7 @@
               <a:t>Relies on </a:t>
             </a:r>
             <a:r>
-              <a:rPr b="0" lang="en-US" sz="2800" spc="-1" strike="noStrike">
+              <a:rPr lang="en-US" sz="2800" b="0" strike="noStrike" spc="-1" dirty="0">
                 <a:solidFill>
                   <a:srgbClr val="000000"/>
                 </a:solidFill>
@@ -11765,7 +12776,7 @@
               <a:t>order</a:t>
             </a:r>
             <a:r>
-              <a:rPr b="0" lang="en-US" sz="2800" spc="-1" strike="noStrike">
+              <a:rPr lang="en-US" sz="2800" b="0" strike="noStrike" spc="-1" dirty="0">
                 <a:solidFill>
                   <a:srgbClr val="000000"/>
                 </a:solidFill>
@@ -11773,15 +12784,9 @@
               </a:rPr>
               <a:t> for identification.</a:t>
             </a:r>
-            <a:endParaRPr b="0" lang="en-US" sz="2800" spc="-1" strike="noStrike">
-              <a:solidFill>
-                <a:srgbClr val="000000"/>
-              </a:solidFill>
-              <a:latin typeface="Century Gothic"/>
-            </a:endParaRPr>
-          </a:p>
-          <a:p>
-            <a:pPr lvl="1" marL="457200" indent="-182880">
+          </a:p>
+          <a:p>
+            <a:pPr marL="457200" lvl="1" indent="-182880">
               <a:lnSpc>
                 <a:spcPct val="100000"/>
               </a:lnSpc>
@@ -11795,7 +12800,7 @@
               <a:buChar char="◦"/>
             </a:pPr>
             <a:r>
-              <a:rPr b="0" lang="en-US" sz="2800" spc="-1" strike="noStrike">
+              <a:rPr lang="en-US" sz="2800" b="0" strike="noStrike" spc="-1" dirty="0">
                 <a:solidFill>
                   <a:srgbClr val="000000"/>
                 </a:solidFill>
@@ -11804,7 +12809,7 @@
               <a:t>book</a:t>
             </a:r>
             <a:r>
-              <a:rPr b="0" lang="en-US" sz="2800" spc="-1" strike="noStrike">
+              <a:rPr lang="en-US" sz="2800" b="0" strike="noStrike" spc="-1" dirty="0">
                 <a:solidFill>
                   <a:srgbClr val="000000"/>
                 </a:solidFill>
@@ -11812,30 +12817,19 @@
               </a:rPr>
               <a:t> does not provide identification. Therefore, it has only one identifying relationship.</a:t>
             </a:r>
-            <a:endParaRPr b="0" lang="en-US" sz="2800" spc="-1" strike="noStrike">
-              <a:solidFill>
-                <a:srgbClr val="000000"/>
-              </a:solidFill>
-              <a:latin typeface="Century Gothic"/>
-            </a:endParaRPr>
           </a:p>
         </p:txBody>
       </p:sp>
     </p:spTree>
   </p:cSld>
-  <mc:AlternateContent>
-    <mc:Choice Requires="p14">
-      <p:transition spd="slow" p14:dur="2000"/>
-    </mc:Choice>
-    <mc:Fallback>
-      <p:transition spd="slow"/>
-    </mc:Fallback>
-  </mc:AlternateContent>
+  <p:clrMapOvr>
+    <a:masterClrMapping/>
+  </p:clrMapOvr>
 </p:sld>
 </file>
 
 <file path=ppt/slides/slide7.xml><?xml version="1.0" encoding="utf-8"?>
-<p:sld xmlns:a="http://schemas.openxmlformats.org/drawingml/2006/main" xmlns:p="http://schemas.openxmlformats.org/presentationml/2006/main" xmlns:r="http://schemas.openxmlformats.org/officeDocument/2006/relationships" xmlns:p14="http://schemas.microsoft.com/office/powerpoint/2010/main" xmlns:p15="http://schemas.microsoft.com/office/powerpoint/2012/main" xmlns:mc="http://schemas.openxmlformats.org/markup-compatibility/2006">
+<p:sld xmlns:a="http://schemas.openxmlformats.org/drawingml/2006/main" xmlns:r="http://schemas.openxmlformats.org/officeDocument/2006/relationships" xmlns:p="http://schemas.openxmlformats.org/presentationml/2006/main">
   <p:cSld>
     <p:spTree>
       <p:nvGrpSpPr>
@@ -11858,7 +12852,7 @@
           <p:nvPr/>
         </p:nvPicPr>
         <p:blipFill>
-          <a:blip r:embed="rId1"/>
+          <a:blip r:embed="rId2"/>
           <a:stretch/>
         </p:blipFill>
         <p:spPr>
@@ -11876,19 +12870,14 @@
       </p:pic>
     </p:spTree>
   </p:cSld>
-  <mc:AlternateContent>
-    <mc:Choice Requires="p14">
-      <p:transition spd="slow" p14:dur="2000"/>
-    </mc:Choice>
-    <mc:Fallback>
-      <p:transition spd="slow"/>
-    </mc:Fallback>
-  </mc:AlternateContent>
+  <p:clrMapOvr>
+    <a:masterClrMapping/>
+  </p:clrMapOvr>
 </p:sld>
 </file>
 
 <file path=ppt/slides/slide8.xml><?xml version="1.0" encoding="utf-8"?>
-<p:sld xmlns:a="http://schemas.openxmlformats.org/drawingml/2006/main" xmlns:p="http://schemas.openxmlformats.org/presentationml/2006/main" xmlns:r="http://schemas.openxmlformats.org/officeDocument/2006/relationships" xmlns:p14="http://schemas.microsoft.com/office/powerpoint/2010/main" xmlns:p15="http://schemas.microsoft.com/office/powerpoint/2012/main" xmlns:mc="http://schemas.openxmlformats.org/markup-compatibility/2006">
+<p:sld xmlns:a="http://schemas.openxmlformats.org/drawingml/2006/main" xmlns:r="http://schemas.openxmlformats.org/officeDocument/2006/relationships" xmlns:p="http://schemas.openxmlformats.org/presentationml/2006/main">
   <p:cSld>
     <p:spTree>
       <p:nvGrpSpPr>
@@ -11931,6 +12920,7 @@
           <a:bodyPr anchor="ctr">
             <a:noAutofit/>
           </a:bodyPr>
+          <a:lstStyle/>
           <a:p>
             <a:pPr>
               <a:lnSpc>
@@ -11938,7 +12928,7 @@
               </a:lnSpc>
             </a:pPr>
             <a:r>
-              <a:rPr b="0" lang="en-US" sz="4000" spc="-1" strike="noStrike">
+              <a:rPr lang="en-US" sz="4000" b="0" strike="noStrike" spc="-1">
                 <a:solidFill>
                   <a:srgbClr val="262626"/>
                 </a:solidFill>
@@ -11946,7 +12936,7 @@
               </a:rPr>
               <a:t>DatabaseInterface.java</a:t>
             </a:r>
-            <a:endParaRPr b="0" lang="en-US" sz="4000" spc="-1" strike="noStrike">
+            <a:endParaRPr lang="en-US" sz="4000" b="0" strike="noStrike" spc="-1">
               <a:solidFill>
                 <a:srgbClr val="000000"/>
               </a:solidFill>
@@ -11982,6 +12972,7 @@
           <a:bodyPr anchor="t">
             <a:normAutofit/>
           </a:bodyPr>
+          <a:lstStyle/>
           <a:p>
             <a:pPr marL="182880" indent="-182880">
               <a:lnSpc>
@@ -11997,7 +12988,7 @@
               <a:buChar char="◦"/>
             </a:pPr>
             <a:r>
-              <a:rPr b="0" lang="en-US" sz="2800" spc="-1" strike="noStrike">
+              <a:rPr lang="en-US" sz="2800" b="0" strike="noStrike" spc="-1">
                 <a:solidFill>
                   <a:srgbClr val="000000"/>
                 </a:solidFill>
@@ -12006,7 +12997,7 @@
               <a:t>Our code for connecting the user application to the database was contained in the </a:t>
             </a:r>
             <a:r>
-              <a:rPr b="0" lang="en-US" sz="2800" spc="-1" strike="noStrike">
+              <a:rPr lang="en-US" sz="2800" b="0" strike="noStrike" spc="-1">
                 <a:solidFill>
                   <a:srgbClr val="000000"/>
                 </a:solidFill>
@@ -12015,7 +13006,7 @@
               <a:t>DatabaseInterface</a:t>
             </a:r>
             <a:r>
-              <a:rPr b="0" lang="en-US" sz="2800" spc="-1" strike="noStrike">
+              <a:rPr lang="en-US" sz="2800" b="0" strike="noStrike" spc="-1">
                 <a:solidFill>
                   <a:srgbClr val="000000"/>
                 </a:solidFill>
@@ -12023,12 +13014,6 @@
               </a:rPr>
               <a:t> class.</a:t>
             </a:r>
-            <a:endParaRPr b="0" lang="en-US" sz="2800" spc="-1" strike="noStrike">
-              <a:solidFill>
-                <a:srgbClr val="000000"/>
-              </a:solidFill>
-              <a:latin typeface="Century Gothic"/>
-            </a:endParaRPr>
           </a:p>
           <a:p>
             <a:pPr marL="182880" indent="-182880">
@@ -12045,7 +13030,7 @@
               <a:buChar char="◦"/>
             </a:pPr>
             <a:r>
-              <a:rPr b="0" lang="en-US" sz="2800" spc="-1" strike="noStrike">
+              <a:rPr lang="en-US" sz="2800" b="0" strike="noStrike" spc="-1">
                 <a:solidFill>
                   <a:srgbClr val="000000"/>
                 </a:solidFill>
@@ -12053,12 +13038,6 @@
               </a:rPr>
               <a:t>This class is a fairly straightforward implementation of JDBC, taking a database name, port, username, and password as arguments for establishing a connection.</a:t>
             </a:r>
-            <a:endParaRPr b="0" lang="en-US" sz="2800" spc="-1" strike="noStrike">
-              <a:solidFill>
-                <a:srgbClr val="000000"/>
-              </a:solidFill>
-              <a:latin typeface="Century Gothic"/>
-            </a:endParaRPr>
           </a:p>
           <a:p>
             <a:pPr marL="182880" indent="-182880">
@@ -12075,7 +13054,7 @@
               <a:buChar char="◦"/>
             </a:pPr>
             <a:r>
-              <a:rPr b="0" lang="en-US" sz="2800" spc="-1" strike="noStrike">
+              <a:rPr lang="en-US" sz="2800" b="0" strike="noStrike" spc="-1">
                 <a:solidFill>
                   <a:srgbClr val="000000"/>
                 </a:solidFill>
@@ -12084,7 +13063,7 @@
               <a:t>The method </a:t>
             </a:r>
             <a:r>
-              <a:rPr b="0" lang="en-US" sz="2800" spc="-1" strike="noStrike">
+              <a:rPr lang="en-US" sz="2800" b="0" strike="noStrike" spc="-1">
                 <a:solidFill>
                   <a:srgbClr val="000000"/>
                 </a:solidFill>
@@ -12093,7 +13072,7 @@
               <a:t>execStatement</a:t>
             </a:r>
             <a:r>
-              <a:rPr b="0" lang="en-US" sz="2800" spc="-1" strike="noStrike">
+              <a:rPr lang="en-US" sz="2800" b="0" strike="noStrike" spc="-1">
                 <a:solidFill>
                   <a:srgbClr val="000000"/>
                 </a:solidFill>
@@ -12102,7 +13081,7 @@
               <a:t> takes a query or statement string as an input, then returns the </a:t>
             </a:r>
             <a:r>
-              <a:rPr b="0" lang="en-US" sz="2800" spc="-1" strike="noStrike">
+              <a:rPr lang="en-US" sz="2800" b="0" strike="noStrike" spc="-1">
                 <a:solidFill>
                   <a:srgbClr val="000000"/>
                 </a:solidFill>
@@ -12111,7 +13090,7 @@
               <a:t>ResultSet</a:t>
             </a:r>
             <a:r>
-              <a:rPr b="0" lang="en-US" sz="2800" spc="-1" strike="noStrike">
+              <a:rPr lang="en-US" sz="2800" b="0" strike="noStrike" spc="-1">
                 <a:solidFill>
                   <a:srgbClr val="000000"/>
                 </a:solidFill>
@@ -12119,30 +13098,19 @@
               </a:rPr>
               <a:t>.</a:t>
             </a:r>
-            <a:endParaRPr b="0" lang="en-US" sz="2800" spc="-1" strike="noStrike">
-              <a:solidFill>
-                <a:srgbClr val="000000"/>
-              </a:solidFill>
-              <a:latin typeface="Century Gothic"/>
-            </a:endParaRPr>
           </a:p>
         </p:txBody>
       </p:sp>
     </p:spTree>
   </p:cSld>
-  <mc:AlternateContent>
-    <mc:Choice Requires="p14">
-      <p:transition spd="slow" p14:dur="2000"/>
-    </mc:Choice>
-    <mc:Fallback>
-      <p:transition spd="slow"/>
-    </mc:Fallback>
-  </mc:AlternateContent>
+  <p:clrMapOvr>
+    <a:masterClrMapping/>
+  </p:clrMapOvr>
 </p:sld>
 </file>
 
 <file path=ppt/slides/slide9.xml><?xml version="1.0" encoding="utf-8"?>
-<p:sld xmlns:a="http://schemas.openxmlformats.org/drawingml/2006/main" xmlns:p="http://schemas.openxmlformats.org/presentationml/2006/main" xmlns:r="http://schemas.openxmlformats.org/officeDocument/2006/relationships" xmlns:p14="http://schemas.microsoft.com/office/powerpoint/2010/main" xmlns:p15="http://schemas.microsoft.com/office/powerpoint/2012/main" xmlns:mc="http://schemas.openxmlformats.org/markup-compatibility/2006">
+<p:sld xmlns:a="http://schemas.openxmlformats.org/drawingml/2006/main" xmlns:r="http://schemas.openxmlformats.org/officeDocument/2006/relationships" xmlns:p="http://schemas.openxmlformats.org/presentationml/2006/main">
   <p:cSld>
     <p:spTree>
       <p:nvGrpSpPr>
@@ -12165,7 +13133,7 @@
           <p:nvPr/>
         </p:nvPicPr>
         <p:blipFill>
-          <a:blip r:embed="rId1"/>
+          <a:blip r:embed="rId2"/>
           <a:stretch/>
         </p:blipFill>
         <p:spPr>
@@ -12183,14 +13151,9 @@
       </p:pic>
     </p:spTree>
   </p:cSld>
-  <mc:AlternateContent>
-    <mc:Choice Requires="p14">
-      <p:transition spd="slow" p14:dur="2000"/>
-    </mc:Choice>
-    <mc:Fallback>
-      <p:transition spd="slow"/>
-    </mc:Fallback>
-  </mc:AlternateContent>
+  <p:clrMapOvr>
+    <a:masterClrMapping/>
+  </p:clrMapOvr>
 </p:sld>
 </file>
 
@@ -12208,31 +13171,31 @@
         <a:srgbClr val="505046"/>
       </a:dk2>
       <a:lt2>
-        <a:srgbClr val="f5f6f4"/>
+        <a:srgbClr val="F5F6F4"/>
       </a:lt2>
       <a:accent1>
-        <a:srgbClr val="57903f"/>
+        <a:srgbClr val="57903F"/>
       </a:accent1>
       <a:accent2>
-        <a:srgbClr val="f03f2b"/>
+        <a:srgbClr val="F03F2B"/>
       </a:accent2>
       <a:accent3>
-        <a:srgbClr val="3488a0"/>
+        <a:srgbClr val="3488A0"/>
       </a:accent3>
       <a:accent4>
-        <a:srgbClr val="f8d22f"/>
+        <a:srgbClr val="F8D22F"/>
       </a:accent4>
       <a:accent5>
-        <a:srgbClr val="5cc6d6"/>
+        <a:srgbClr val="5CC6D6"/>
       </a:accent5>
       <a:accent6>
-        <a:srgbClr val="b8d233"/>
+        <a:srgbClr val="B8D233"/>
       </a:accent6>
       <a:hlink>
-        <a:srgbClr val="00b0f0"/>
+        <a:srgbClr val="00B0F0"/>
       </a:hlink>
       <a:folHlink>
-        <a:srgbClr val="b2b2b2"/>
+        <a:srgbClr val="B2B2B2"/>
       </a:folHlink>
     </a:clrScheme>
     <a:fontScheme name="Office">
@@ -12417,6 +13380,8 @@
       </a:bgFillStyleLst>
     </a:fmtScheme>
   </a:themeElements>
+  <a:objectDefaults/>
+  <a:extraClrSchemeLst/>
 </a:theme>
 </file>
 
@@ -12434,31 +13399,31 @@
         <a:srgbClr val="505046"/>
       </a:dk2>
       <a:lt2>
-        <a:srgbClr val="f5f6f4"/>
+        <a:srgbClr val="F5F6F4"/>
       </a:lt2>
       <a:accent1>
-        <a:srgbClr val="57903f"/>
+        <a:srgbClr val="57903F"/>
       </a:accent1>
       <a:accent2>
-        <a:srgbClr val="f03f2b"/>
+        <a:srgbClr val="F03F2B"/>
       </a:accent2>
       <a:accent3>
-        <a:srgbClr val="3488a0"/>
+        <a:srgbClr val="3488A0"/>
       </a:accent3>
       <a:accent4>
-        <a:srgbClr val="f8d22f"/>
+        <a:srgbClr val="F8D22F"/>
       </a:accent4>
       <a:accent5>
-        <a:srgbClr val="5cc6d6"/>
+        <a:srgbClr val="5CC6D6"/>
       </a:accent5>
       <a:accent6>
-        <a:srgbClr val="b8d233"/>
+        <a:srgbClr val="B8D233"/>
       </a:accent6>
       <a:hlink>
-        <a:srgbClr val="00b0f0"/>
+        <a:srgbClr val="00B0F0"/>
       </a:hlink>
       <a:folHlink>
-        <a:srgbClr val="b2b2b2"/>
+        <a:srgbClr val="B2B2B2"/>
       </a:folHlink>
     </a:clrScheme>
     <a:fontScheme name="Office">
@@ -12643,6 +13608,8 @@
       </a:bgFillStyleLst>
     </a:fmtScheme>
   </a:themeElements>
+  <a:objectDefaults/>
+  <a:extraClrSchemeLst/>
 </a:theme>
 </file>
 
@@ -12660,31 +13627,31 @@
         <a:srgbClr val="505046"/>
       </a:dk2>
       <a:lt2>
-        <a:srgbClr val="f5f6f4"/>
+        <a:srgbClr val="F5F6F4"/>
       </a:lt2>
       <a:accent1>
-        <a:srgbClr val="57903f"/>
+        <a:srgbClr val="57903F"/>
       </a:accent1>
       <a:accent2>
-        <a:srgbClr val="f03f2b"/>
+        <a:srgbClr val="F03F2B"/>
       </a:accent2>
       <a:accent3>
-        <a:srgbClr val="3488a0"/>
+        <a:srgbClr val="3488A0"/>
       </a:accent3>
       <a:accent4>
-        <a:srgbClr val="f8d22f"/>
+        <a:srgbClr val="F8D22F"/>
       </a:accent4>
       <a:accent5>
-        <a:srgbClr val="5cc6d6"/>
+        <a:srgbClr val="5CC6D6"/>
       </a:accent5>
       <a:accent6>
-        <a:srgbClr val="b8d233"/>
+        <a:srgbClr val="B8D233"/>
       </a:accent6>
       <a:hlink>
-        <a:srgbClr val="00b0f0"/>
+        <a:srgbClr val="00B0F0"/>
       </a:hlink>
       <a:folHlink>
-        <a:srgbClr val="b2b2b2"/>
+        <a:srgbClr val="B2B2B2"/>
       </a:folHlink>
     </a:clrScheme>
     <a:fontScheme name="Office">
@@ -12869,6 +13836,8 @@
       </a:bgFillStyleLst>
     </a:fmtScheme>
   </a:themeElements>
+  <a:objectDefaults/>
+  <a:extraClrSchemeLst/>
 </a:theme>
 </file>
 
@@ -12886,31 +13855,31 @@
         <a:srgbClr val="505046"/>
       </a:dk2>
       <a:lt2>
-        <a:srgbClr val="f5f6f4"/>
+        <a:srgbClr val="F5F6F4"/>
       </a:lt2>
       <a:accent1>
-        <a:srgbClr val="57903f"/>
+        <a:srgbClr val="57903F"/>
       </a:accent1>
       <a:accent2>
-        <a:srgbClr val="f03f2b"/>
+        <a:srgbClr val="F03F2B"/>
       </a:accent2>
       <a:accent3>
-        <a:srgbClr val="3488a0"/>
+        <a:srgbClr val="3488A0"/>
       </a:accent3>
       <a:accent4>
-        <a:srgbClr val="f8d22f"/>
+        <a:srgbClr val="F8D22F"/>
       </a:accent4>
       <a:accent5>
-        <a:srgbClr val="5cc6d6"/>
+        <a:srgbClr val="5CC6D6"/>
       </a:accent5>
       <a:accent6>
-        <a:srgbClr val="b8d233"/>
+        <a:srgbClr val="B8D233"/>
       </a:accent6>
       <a:hlink>
-        <a:srgbClr val="00b0f0"/>
+        <a:srgbClr val="00B0F0"/>
       </a:hlink>
       <a:folHlink>
-        <a:srgbClr val="b2b2b2"/>
+        <a:srgbClr val="B2B2B2"/>
       </a:folHlink>
     </a:clrScheme>
     <a:fontScheme name="Office">
@@ -13095,281 +14064,7 @@
       </a:bgFillStyleLst>
     </a:fmtScheme>
   </a:themeElements>
+  <a:objectDefaults/>
+  <a:extraClrSchemeLst/>
 </a:theme>
-</file>
-
-<file path=customXml/item1.xml><?xml version="1.0" encoding="utf-8"?>
-<p:properties xmlns:p="http://schemas.microsoft.com/office/2006/metadata/properties" xmlns:xsi="http://www.w3.org/2001/XMLSchema-instance" xmlns:pc="http://schemas.microsoft.com/office/infopath/2007/PartnerControls">
-  <documentManagement>
-    <Status xmlns="71af3243-3dd4-4a8d-8c0d-dd76da1f02a5">Not started</Status>
-    <MediaServiceKeyPoints xmlns="71af3243-3dd4-4a8d-8c0d-dd76da1f02a5" xsi:nil="true"/>
-  </documentManagement>
-</p:properties>
-</file>
-
-<file path=customXml/item2.xml><?xml version="1.0" encoding="utf-8"?>
-<ct:contentTypeSchema xmlns:ct="http://schemas.microsoft.com/office/2006/metadata/contentType" xmlns:ma="http://schemas.microsoft.com/office/2006/metadata/properties/metaAttributes" ct:_="" ma:_="" ma:contentTypeName="Document" ma:contentTypeID="0x01010079F111ED35F8CC479449609E8A0923A6" ma:contentTypeVersion="12" ma:contentTypeDescription="Create a new document." ma:contentTypeScope="" ma:versionID="a410dd7f93c95333ffa1b60ed6adedd1">
-  <xsd:schema xmlns:xsd="http://www.w3.org/2001/XMLSchema" xmlns:xs="http://www.w3.org/2001/XMLSchema" xmlns:p="http://schemas.microsoft.com/office/2006/metadata/properties" xmlns:ns2="71af3243-3dd4-4a8d-8c0d-dd76da1f02a5" xmlns:ns3="16c05727-aa75-4e4a-9b5f-8a80a1165891" targetNamespace="http://schemas.microsoft.com/office/2006/metadata/properties" ma:root="true" ma:fieldsID="a936d9baba76aa3866493feff160faab" ns2:_="" ns3:_="">
-    <xsd:import namespace="71af3243-3dd4-4a8d-8c0d-dd76da1f02a5"/>
-    <xsd:import namespace="16c05727-aa75-4e4a-9b5f-8a80a1165891"/>
-    <xsd:element name="properties">
-      <xsd:complexType>
-        <xsd:sequence>
-          <xsd:element name="documentManagement">
-            <xsd:complexType>
-              <xsd:all>
-                <xsd:element ref="ns2:MediaServiceMetadata" minOccurs="0"/>
-                <xsd:element ref="ns2:MediaServiceFastMetadata" minOccurs="0"/>
-                <xsd:element ref="ns2:MediaServiceOCR" minOccurs="0"/>
-                <xsd:element ref="ns2:MediaServiceAutoTags" minOccurs="0"/>
-                <xsd:element ref="ns2:MediaServiceEventHashCode" minOccurs="0"/>
-                <xsd:element ref="ns2:MediaServiceGenerationTime" minOccurs="0"/>
-                <xsd:element ref="ns3:SharedWithUsers" minOccurs="0"/>
-                <xsd:element ref="ns3:SharedWithDetails" minOccurs="0"/>
-                <xsd:element ref="ns2:MediaServiceAutoKeyPoints" minOccurs="0"/>
-                <xsd:element ref="ns2:MediaServiceKeyPoints" minOccurs="0"/>
-                <xsd:element ref="ns2:MediaServiceDateTaken" minOccurs="0"/>
-                <xsd:element ref="ns2:Status" minOccurs="0"/>
-              </xsd:all>
-            </xsd:complexType>
-          </xsd:element>
-        </xsd:sequence>
-      </xsd:complexType>
-    </xsd:element>
-  </xsd:schema>
-  <xsd:schema xmlns:xsd="http://www.w3.org/2001/XMLSchema" xmlns:xs="http://www.w3.org/2001/XMLSchema" xmlns:dms="http://schemas.microsoft.com/office/2006/documentManagement/types" xmlns:pc="http://schemas.microsoft.com/office/infopath/2007/PartnerControls" targetNamespace="71af3243-3dd4-4a8d-8c0d-dd76da1f02a5" elementFormDefault="qualified">
-    <xsd:import namespace="http://schemas.microsoft.com/office/2006/documentManagement/types"/>
-    <xsd:import namespace="http://schemas.microsoft.com/office/infopath/2007/PartnerControls"/>
-    <xsd:element name="MediaServiceMetadata" ma:index="8" nillable="true" ma:displayName="MediaServiceMetadata" ma:hidden="true" ma:internalName="MediaServiceMetadata" ma:readOnly="true">
-      <xsd:simpleType>
-        <xsd:restriction base="dms:Note"/>
-      </xsd:simpleType>
-    </xsd:element>
-    <xsd:element name="MediaServiceFastMetadata" ma:index="9" nillable="true" ma:displayName="MediaServiceFastMetadata" ma:hidden="true" ma:internalName="MediaServiceFastMetadata" ma:readOnly="true">
-      <xsd:simpleType>
-        <xsd:restriction base="dms:Note"/>
-      </xsd:simpleType>
-    </xsd:element>
-    <xsd:element name="MediaServiceOCR" ma:index="10" nillable="true" ma:displayName="MediaServiceOCR" ma:internalName="MediaServiceOCR" ma:readOnly="true">
-      <xsd:simpleType>
-        <xsd:restriction base="dms:Note">
-          <xsd:maxLength value="255"/>
-        </xsd:restriction>
-      </xsd:simpleType>
-    </xsd:element>
-    <xsd:element name="MediaServiceAutoTags" ma:index="11" nillable="true" ma:displayName="MediaServiceAutoTags" ma:internalName="MediaServiceAutoTags" ma:readOnly="true">
-      <xsd:simpleType>
-        <xsd:restriction base="dms:Text"/>
-      </xsd:simpleType>
-    </xsd:element>
-    <xsd:element name="MediaServiceEventHashCode" ma:index="12" nillable="true" ma:displayName="MediaServiceEventHashCode" ma:hidden="true" ma:internalName="MediaServiceEventHashCode" ma:readOnly="true">
-      <xsd:simpleType>
-        <xsd:restriction base="dms:Text"/>
-      </xsd:simpleType>
-    </xsd:element>
-    <xsd:element name="MediaServiceGenerationTime" ma:index="13" nillable="true" ma:displayName="MediaServiceGenerationTime" ma:hidden="true" ma:internalName="MediaServiceGenerationTime" ma:readOnly="true">
-      <xsd:simpleType>
-        <xsd:restriction base="dms:Text"/>
-      </xsd:simpleType>
-    </xsd:element>
-    <xsd:element name="MediaServiceAutoKeyPoints" ma:index="16" nillable="true" ma:displayName="MediaServiceAutoKeyPoints" ma:hidden="true" ma:internalName="MediaServiceAutoKeyPoints" ma:readOnly="true">
-      <xsd:simpleType>
-        <xsd:restriction base="dms:Note"/>
-      </xsd:simpleType>
-    </xsd:element>
-    <xsd:element name="MediaServiceKeyPoints" ma:index="17" nillable="true" ma:displayName="KeyPoints" ma:internalName="MediaServiceKeyPoints" ma:readOnly="false">
-      <xsd:simpleType>
-        <xsd:restriction base="dms:Note">
-          <xsd:maxLength value="255"/>
-        </xsd:restriction>
-      </xsd:simpleType>
-    </xsd:element>
-    <xsd:element name="MediaServiceDateTaken" ma:index="18" nillable="true" ma:displayName="MediaServiceDateTaken" ma:hidden="true" ma:internalName="MediaServiceDateTaken" ma:readOnly="true">
-      <xsd:simpleType>
-        <xsd:restriction base="dms:Text"/>
-      </xsd:simpleType>
-    </xsd:element>
-    <xsd:element name="Status" ma:index="19" nillable="true" ma:displayName="Status" ma:default="Not started" ma:format="Dropdown" ma:internalName="Status">
-      <xsd:simpleType>
-        <xsd:restriction base="dms:Choice">
-          <xsd:enumeration value="Not started"/>
-          <xsd:enumeration value="In Progress"/>
-          <xsd:enumeration value="Completed"/>
-        </xsd:restriction>
-      </xsd:simpleType>
-    </xsd:element>
-  </xsd:schema>
-  <xsd:schema xmlns:xsd="http://www.w3.org/2001/XMLSchema" xmlns:xs="http://www.w3.org/2001/XMLSchema" xmlns:dms="http://schemas.microsoft.com/office/2006/documentManagement/types" xmlns:pc="http://schemas.microsoft.com/office/infopath/2007/PartnerControls" targetNamespace="16c05727-aa75-4e4a-9b5f-8a80a1165891" elementFormDefault="qualified">
-    <xsd:import namespace="http://schemas.microsoft.com/office/2006/documentManagement/types"/>
-    <xsd:import namespace="http://schemas.microsoft.com/office/infopath/2007/PartnerControls"/>
-    <xsd:element name="SharedWithUsers" ma:index="14" nillable="true" ma:displayName="Shared With" ma:internalName="SharedWithUsers" ma:readOnly="true">
-      <xsd:complexType>
-        <xsd:complexContent>
-          <xsd:extension base="dms:UserMulti">
-            <xsd:sequence>
-              <xsd:element name="UserInfo" minOccurs="0" maxOccurs="unbounded">
-                <xsd:complexType>
-                  <xsd:sequence>
-                    <xsd:element name="DisplayName" type="xsd:string" minOccurs="0"/>
-                    <xsd:element name="AccountId" type="dms:UserId" minOccurs="0" nillable="true"/>
-                    <xsd:element name="AccountType" type="xsd:string" minOccurs="0"/>
-                  </xsd:sequence>
-                </xsd:complexType>
-              </xsd:element>
-            </xsd:sequence>
-          </xsd:extension>
-        </xsd:complexContent>
-      </xsd:complexType>
-    </xsd:element>
-    <xsd:element name="SharedWithDetails" ma:index="15" nillable="true" ma:displayName="Shared With Details" ma:internalName="SharedWithDetails" ma:readOnly="true">
-      <xsd:simpleType>
-        <xsd:restriction base="dms:Note">
-          <xsd:maxLength value="255"/>
-        </xsd:restriction>
-      </xsd:simpleType>
-    </xsd:element>
-  </xsd:schema>
-  <xsd:schema xmlns="http://schemas.openxmlformats.org/package/2006/metadata/core-properties" xmlns:xsd="http://www.w3.org/2001/XMLSchema" xmlns:xsi="http://www.w3.org/2001/XMLSchema-instance" xmlns:dc="http://purl.org/dc/elements/1.1/" xmlns:dcterms="http://purl.org/dc/terms/" xmlns:odoc="http://schemas.microsoft.com/internal/obd" targetNamespace="http://schemas.openxmlformats.org/package/2006/metadata/core-properties" elementFormDefault="qualified" attributeFormDefault="unqualified" blockDefault="#all">
-    <xsd:import namespace="http://purl.org/dc/elements/1.1/" schemaLocation="http://dublincore.org/schemas/xmls/qdc/2003/04/02/dc.xsd"/>
-    <xsd:import namespace="http://purl.org/dc/terms/" schemaLocation="http://dublincore.org/schemas/xmls/qdc/2003/04/02/dcterms.xsd"/>
-    <xsd:element name="coreProperties" type="CT_coreProperties"/>
-    <xsd:complexType name="CT_coreProperties">
-      <xsd:all>
-        <xsd:element ref="dc:creator" minOccurs="0" maxOccurs="1"/>
-        <xsd:element ref="dcterms:created" minOccurs="0" maxOccurs="1"/>
-        <xsd:element ref="dc:identifier" minOccurs="0" maxOccurs="1"/>
-        <xsd:element name="contentType" minOccurs="0" maxOccurs="1" type="xsd:string" ma:index="0" ma:displayName="Content Type"/>
-        <xsd:element ref="dc:title" minOccurs="0" maxOccurs="1" ma:index="4" ma:displayName="Title"/>
-        <xsd:element ref="dc:subject" minOccurs="0" maxOccurs="1"/>
-        <xsd:element ref="dc:description" minOccurs="0" maxOccurs="1"/>
-        <xsd:element name="keywords" minOccurs="0" maxOccurs="1" type="xsd:string"/>
-        <xsd:element ref="dc:language" minOccurs="0" maxOccurs="1"/>
-        <xsd:element name="category" minOccurs="0" maxOccurs="1" type="xsd:string"/>
-        <xsd:element name="version" minOccurs="0" maxOccurs="1" type="xsd:string"/>
-        <xsd:element name="revision" minOccurs="0" maxOccurs="1" type="xsd:string">
-          <xsd:annotation>
-            <xsd:documentation>
-                        This value indicates the number of saves or revisions. The application is responsible for updating this value after each revision.
-                    </xsd:documentation>
-          </xsd:annotation>
-        </xsd:element>
-        <xsd:element name="lastModifiedBy" minOccurs="0" maxOccurs="1" type="xsd:string"/>
-        <xsd:element ref="dcterms:modified" minOccurs="0" maxOccurs="1"/>
-        <xsd:element name="contentStatus" minOccurs="0" maxOccurs="1" type="xsd:string"/>
-      </xsd:all>
-    </xsd:complexType>
-  </xsd:schema>
-  <xs:schema xmlns:pc="http://schemas.microsoft.com/office/infopath/2007/PartnerControls" xmlns:xs="http://www.w3.org/2001/XMLSchema" targetNamespace="http://schemas.microsoft.com/office/infopath/2007/PartnerControls" elementFormDefault="qualified" attributeFormDefault="unqualified">
-    <xs:element name="Person">
-      <xs:complexType>
-        <xs:sequence>
-          <xs:element ref="pc:DisplayName" minOccurs="0"/>
-          <xs:element ref="pc:AccountId" minOccurs="0"/>
-          <xs:element ref="pc:AccountType" minOccurs="0"/>
-        </xs:sequence>
-      </xs:complexType>
-    </xs:element>
-    <xs:element name="DisplayName" type="xs:string"/>
-    <xs:element name="AccountId" type="xs:string"/>
-    <xs:element name="AccountType" type="xs:string"/>
-    <xs:element name="BDCAssociatedEntity">
-      <xs:complexType>
-        <xs:sequence>
-          <xs:element ref="pc:BDCEntity" minOccurs="0" maxOccurs="unbounded"/>
-        </xs:sequence>
-        <xs:attribute ref="pc:EntityNamespace"/>
-        <xs:attribute ref="pc:EntityName"/>
-        <xs:attribute ref="pc:SystemInstanceName"/>
-        <xs:attribute ref="pc:AssociationName"/>
-      </xs:complexType>
-    </xs:element>
-    <xs:attribute name="EntityNamespace" type="xs:string"/>
-    <xs:attribute name="EntityName" type="xs:string"/>
-    <xs:attribute name="SystemInstanceName" type="xs:string"/>
-    <xs:attribute name="AssociationName" type="xs:string"/>
-    <xs:element name="BDCEntity">
-      <xs:complexType>
-        <xs:sequence>
-          <xs:element ref="pc:EntityDisplayName" minOccurs="0"/>
-          <xs:element ref="pc:EntityInstanceReference" minOccurs="0"/>
-          <xs:element ref="pc:EntityId1" minOccurs="0"/>
-          <xs:element ref="pc:EntityId2" minOccurs="0"/>
-          <xs:element ref="pc:EntityId3" minOccurs="0"/>
-          <xs:element ref="pc:EntityId4" minOccurs="0"/>
-          <xs:element ref="pc:EntityId5" minOccurs="0"/>
-        </xs:sequence>
-      </xs:complexType>
-    </xs:element>
-    <xs:element name="EntityDisplayName" type="xs:string"/>
-    <xs:element name="EntityInstanceReference" type="xs:string"/>
-    <xs:element name="EntityId1" type="xs:string"/>
-    <xs:element name="EntityId2" type="xs:string"/>
-    <xs:element name="EntityId3" type="xs:string"/>
-    <xs:element name="EntityId4" type="xs:string"/>
-    <xs:element name="EntityId5" type="xs:string"/>
-    <xs:element name="Terms">
-      <xs:complexType>
-        <xs:sequence>
-          <xs:element ref="pc:TermInfo" minOccurs="0" maxOccurs="unbounded"/>
-        </xs:sequence>
-      </xs:complexType>
-    </xs:element>
-    <xs:element name="TermInfo">
-      <xs:complexType>
-        <xs:sequence>
-          <xs:element ref="pc:TermName" minOccurs="0"/>
-          <xs:element ref="pc:TermId" minOccurs="0"/>
-        </xs:sequence>
-      </xs:complexType>
-    </xs:element>
-    <xs:element name="TermName" type="xs:string"/>
-    <xs:element name="TermId" type="xs:string"/>
-  </xs:schema>
-</ct:contentTypeSchema>
-</file>
-
-<file path=customXml/item3.xml><?xml version="1.0" encoding="utf-8"?>
-<?mso-contentType ?>
-<FormTemplates xmlns="http://schemas.microsoft.com/sharepoint/v3/contenttype/forms">
-  <Display>DocumentLibraryForm</Display>
-  <Edit>DocumentLibraryForm</Edit>
-  <New>DocumentLibraryForm</New>
-</FormTemplates>
-</file>
-
-<file path=customXml/itemProps1.xml><?xml version="1.0" encoding="utf-8"?>
-<ds:datastoreItem xmlns:ds="http://schemas.openxmlformats.org/officeDocument/2006/customXml" ds:itemID="{137651BA-F45C-4845-9AB3-E0A65B39F5E1}">
-  <ds:schemaRefs>
-    <ds:schemaRef ds:uri="http://schemas.microsoft.com/office/2006/metadata/properties"/>
-    <ds:schemaRef ds:uri="http://schemas.microsoft.com/office/infopath/2007/PartnerControls"/>
-    <ds:schemaRef ds:uri="71af3243-3dd4-4a8d-8c0d-dd76da1f02a5"/>
-  </ds:schemaRefs>
-</ds:datastoreItem>
-</file>
-
-<file path=customXml/itemProps2.xml><?xml version="1.0" encoding="utf-8"?>
-<ds:datastoreItem xmlns:ds="http://schemas.openxmlformats.org/officeDocument/2006/customXml" ds:itemID="{2D276E62-80A3-44DD-9BCC-97ED2B99B57F}">
-  <ds:schemaRefs>
-    <ds:schemaRef ds:uri="http://schemas.microsoft.com/office/2006/metadata/contentType"/>
-    <ds:schemaRef ds:uri="http://schemas.microsoft.com/office/2006/metadata/properties/metaAttributes"/>
-    <ds:schemaRef ds:uri="http://www.w3.org/2001/XMLSchema"/>
-    <ds:schemaRef ds:uri="http://schemas.microsoft.com/office/2006/metadata/properties"/>
-    <ds:schemaRef ds:uri="71af3243-3dd4-4a8d-8c0d-dd76da1f02a5"/>
-    <ds:schemaRef ds:uri="16c05727-aa75-4e4a-9b5f-8a80a1165891"/>
-    <ds:schemaRef ds:uri="http://schemas.microsoft.com/office/2006/documentManagement/types"/>
-    <ds:schemaRef ds:uri="http://schemas.microsoft.com/office/infopath/2007/PartnerControls"/>
-    <ds:schemaRef ds:uri="http://schemas.openxmlformats.org/package/2006/metadata/core-properties"/>
-    <ds:schemaRef ds:uri="http://purl.org/dc/elements/1.1/"/>
-    <ds:schemaRef ds:uri="http://purl.org/dc/terms/"/>
-    <ds:schemaRef ds:uri="http://schemas.microsoft.com/internal/obd"/>
-  </ds:schemaRefs>
-</ds:datastoreItem>
-</file>
-
-<file path=customXml/itemProps3.xml><?xml version="1.0" encoding="utf-8"?>
-<ds:datastoreItem xmlns:ds="http://schemas.openxmlformats.org/officeDocument/2006/customXml" ds:itemID="{CDB58277-F8DF-46FF-84EC-EF41B835E69F}">
-  <ds:schemaRefs>
-    <ds:schemaRef ds:uri="http://schemas.microsoft.com/sharepoint/v3/contenttype/forms"/>
-  </ds:schemaRefs>
-</ds:datastoreItem>
 </file>